--- a/Lectures/Threads/Threads.pptx
+++ b/Lectures/Threads/Threads.pptx
@@ -5,7 +5,7 @@
     <p:sldMasterId id="2147483660" r:id="rId1"/>
   </p:sldMasterIdLst>
   <p:notesMasterIdLst>
-    <p:notesMasterId r:id="rId10"/>
+    <p:notesMasterId r:id="rId13"/>
   </p:notesMasterIdLst>
   <p:sldIdLst>
     <p:sldId id="256" r:id="rId2"/>
@@ -16,6 +16,9 @@
     <p:sldId id="261" r:id="rId7"/>
     <p:sldId id="262" r:id="rId8"/>
     <p:sldId id="263" r:id="rId9"/>
+    <p:sldId id="264" r:id="rId10"/>
+    <p:sldId id="265" r:id="rId11"/>
+    <p:sldId id="266" r:id="rId12"/>
   </p:sldIdLst>
   <p:sldSz cx="9144000" cy="6858000" type="screen4x3"/>
   <p:notesSz cx="6858000" cy="9144000"/>
@@ -199,7 +202,7 @@
           <a:p>
             <a:fld id="{DBE0ECA1-3FBF-48AE-AD2A-4439AE745E19}" type="datetimeFigureOut">
               <a:rPr lang="en-US" smtClean="0"/>
-              <a:t>10/29/2013</a:t>
+              <a:t>10/30/2013</a:t>
             </a:fld>
             <a:endParaRPr lang="en-US"/>
           </a:p>
@@ -660,7 +663,7 @@
           <a:p>
             <a:fld id="{9769DED8-28D4-45B9-A00F-7CFE9335FEA6}" type="datetime1">
               <a:rPr lang="en-US" smtClean="0"/>
-              <a:t>10/29/2013</a:t>
+              <a:t>10/30/2013</a:t>
             </a:fld>
             <a:endParaRPr lang="en-US"/>
           </a:p>
@@ -925,7 +928,7 @@
           <a:p>
             <a:fld id="{2DB3D439-1F88-44B4-B5F7-F9BCD4064257}" type="datetime1">
               <a:rPr lang="en-US" smtClean="0"/>
-              <a:t>10/29/2013</a:t>
+              <a:t>10/30/2013</a:t>
             </a:fld>
             <a:endParaRPr lang="en-US"/>
           </a:p>
@@ -1100,7 +1103,7 @@
           <a:p>
             <a:fld id="{99C5638F-6F55-4055-935C-67841BE78C36}" type="datetime1">
               <a:rPr lang="en-US" smtClean="0"/>
-              <a:t>10/29/2013</a:t>
+              <a:t>10/30/2013</a:t>
             </a:fld>
             <a:endParaRPr lang="en-US"/>
           </a:p>
@@ -1265,7 +1268,7 @@
           <a:p>
             <a:fld id="{E6987D90-0C92-4B22-A29D-FED15412CED2}" type="datetime1">
               <a:rPr lang="en-US" smtClean="0"/>
-              <a:t>10/29/2013</a:t>
+              <a:t>10/30/2013</a:t>
             </a:fld>
             <a:endParaRPr lang="en-US"/>
           </a:p>
@@ -1514,7 +1517,7 @@
           <a:p>
             <a:fld id="{DDB67BC4-9554-49E0-BCB3-D1EF965BA0B8}" type="datetime1">
               <a:rPr lang="en-US" smtClean="0"/>
-              <a:t>10/29/2013</a:t>
+              <a:t>10/30/2013</a:t>
             </a:fld>
             <a:endParaRPr lang="en-US"/>
           </a:p>
@@ -1797,7 +1800,7 @@
           <a:p>
             <a:fld id="{EC24D770-803D-4E01-921C-9C100DD8230C}" type="datetime1">
               <a:rPr lang="en-US" smtClean="0"/>
-              <a:t>10/29/2013</a:t>
+              <a:t>10/30/2013</a:t>
             </a:fld>
             <a:endParaRPr lang="en-US"/>
           </a:p>
@@ -2236,7 +2239,7 @@
           <a:p>
             <a:fld id="{356AD44B-78A4-4209-8070-7DCBE2DC4992}" type="datetime1">
               <a:rPr lang="en-US" smtClean="0"/>
-              <a:t>10/29/2013</a:t>
+              <a:t>10/30/2013</a:t>
             </a:fld>
             <a:endParaRPr lang="en-US"/>
           </a:p>
@@ -2349,7 +2352,7 @@
           <a:p>
             <a:fld id="{A993C59A-7CA2-467F-B7F1-9096881A01B8}" type="datetime1">
               <a:rPr lang="en-US" smtClean="0"/>
-              <a:t>10/29/2013</a:t>
+              <a:t>10/30/2013</a:t>
             </a:fld>
             <a:endParaRPr lang="en-US"/>
           </a:p>
@@ -2439,7 +2442,7 @@
           <a:p>
             <a:fld id="{2B6B58D0-2488-434A-8ED1-692E09B85CC5}" type="datetime1">
               <a:rPr lang="en-US" smtClean="0"/>
-              <a:t>10/29/2013</a:t>
+              <a:t>10/30/2013</a:t>
             </a:fld>
             <a:endParaRPr lang="en-US"/>
           </a:p>
@@ -2681,7 +2684,7 @@
           <a:p>
             <a:fld id="{FDB0AFC2-7D64-4F61-A7B7-9932D3305DDA}" type="datetime1">
               <a:rPr lang="en-US" smtClean="0"/>
-              <a:t>10/29/2013</a:t>
+              <a:t>10/30/2013</a:t>
             </a:fld>
             <a:endParaRPr lang="en-US"/>
           </a:p>
@@ -2975,7 +2978,7 @@
           <a:p>
             <a:fld id="{4983D17A-D7B2-4ECE-8A2C-93679B9D177B}" type="datetime1">
               <a:rPr lang="en-US" smtClean="0"/>
-              <a:t>10/29/2013</a:t>
+              <a:t>10/30/2013</a:t>
             </a:fld>
             <a:endParaRPr lang="en-US"/>
           </a:p>
@@ -3269,7 +3272,7 @@
           <a:p>
             <a:fld id="{2A5275F7-419E-4C23-8A3D-2EE5742B2EC9}" type="datetime1">
               <a:rPr lang="en-US" smtClean="0"/>
-              <a:t>10/29/2013</a:t>
+              <a:t>10/30/2013</a:t>
             </a:fld>
             <a:endParaRPr lang="en-US"/>
           </a:p>
@@ -3847,6 +3850,341 @@
 </p:sld>
 </file>
 
+<file path=ppt/slides/slide10.xml><?xml version="1.0" encoding="utf-8"?>
+<p:sld xmlns:a="http://schemas.openxmlformats.org/drawingml/2006/main" xmlns:r="http://schemas.openxmlformats.org/officeDocument/2006/relationships" xmlns:p="http://schemas.openxmlformats.org/presentationml/2006/main">
+  <p:cSld>
+    <p:spTree>
+      <p:nvGrpSpPr>
+        <p:cNvPr id="1" name=""/>
+        <p:cNvGrpSpPr/>
+        <p:nvPr/>
+      </p:nvGrpSpPr>
+      <p:grpSpPr>
+        <a:xfrm>
+          <a:off x="0" y="0"/>
+          <a:ext cx="0" cy="0"/>
+          <a:chOff x="0" y="0"/>
+          <a:chExt cx="0" cy="0"/>
+        </a:xfrm>
+      </p:grpSpPr>
+      <p:sp>
+        <p:nvSpPr>
+          <p:cNvPr id="2" name="Title 1"/>
+          <p:cNvSpPr>
+            <a:spLocks noGrp="1"/>
+          </p:cNvSpPr>
+          <p:nvPr>
+            <p:ph type="title"/>
+          </p:nvPr>
+        </p:nvSpPr>
+        <p:spPr/>
+        <p:txBody>
+          <a:bodyPr/>
+          <a:lstStyle/>
+          <a:p>
+            <a:r>
+              <a:rPr lang="en-US" dirty="0" smtClean="0"/>
+              <a:t>Thread details</a:t>
+            </a:r>
+            <a:endParaRPr lang="en-US" dirty="0"/>
+          </a:p>
+        </p:txBody>
+      </p:sp>
+      <p:sp>
+        <p:nvSpPr>
+          <p:cNvPr id="3" name="Content Placeholder 2"/>
+          <p:cNvSpPr>
+            <a:spLocks noGrp="1"/>
+          </p:cNvSpPr>
+          <p:nvPr>
+            <p:ph idx="1"/>
+          </p:nvPr>
+        </p:nvSpPr>
+        <p:spPr/>
+        <p:txBody>
+          <a:bodyPr/>
+          <a:lstStyle/>
+          <a:p>
+            <a:r>
+              <a:rPr lang="en-US" dirty="0" smtClean="0"/>
+              <a:t>To use </a:t>
+            </a:r>
+            <a:r>
+              <a:rPr lang="en-US" dirty="0" err="1" smtClean="0">
+                <a:latin typeface="Courier New" panose="02070309020205020404" pitchFamily="49" charset="0"/>
+                <a:cs typeface="Courier New" panose="02070309020205020404" pitchFamily="49" charset="0"/>
+              </a:rPr>
+              <a:t>std</a:t>
+            </a:r>
+            <a:r>
+              <a:rPr lang="en-US" dirty="0" smtClean="0">
+                <a:latin typeface="Courier New" panose="02070309020205020404" pitchFamily="49" charset="0"/>
+                <a:cs typeface="Courier New" panose="02070309020205020404" pitchFamily="49" charset="0"/>
+              </a:rPr>
+              <a:t>::thread</a:t>
+            </a:r>
+            <a:r>
+              <a:rPr lang="en-US" dirty="0" smtClean="0"/>
+              <a:t>, we need to consider a few details</a:t>
+            </a:r>
+          </a:p>
+          <a:p>
+            <a:pPr marL="800100" lvl="1" indent="-342900"/>
+            <a:r>
+              <a:rPr lang="en-US" dirty="0" smtClean="0"/>
+              <a:t>How to start a thread</a:t>
+            </a:r>
+          </a:p>
+          <a:p>
+            <a:pPr marL="800100" lvl="1" indent="-342900"/>
+            <a:r>
+              <a:rPr lang="en-US" dirty="0"/>
+              <a:t>How to pass arguments to a </a:t>
+            </a:r>
+            <a:r>
+              <a:rPr lang="en-US" dirty="0" smtClean="0"/>
+              <a:t>thread</a:t>
+            </a:r>
+          </a:p>
+          <a:p>
+            <a:pPr marL="800100" lvl="1" indent="-342900"/>
+            <a:r>
+              <a:rPr lang="en-US" dirty="0" smtClean="0"/>
+              <a:t>How to stop a thread</a:t>
+            </a:r>
+          </a:p>
+          <a:p>
+            <a:pPr marL="800100" lvl="1" indent="-342900"/>
+            <a:r>
+              <a:rPr lang="en-US" dirty="0" smtClean="0"/>
+              <a:t>How to identify a thread</a:t>
+            </a:r>
+          </a:p>
+          <a:p>
+            <a:pPr marL="800100" lvl="1" indent="-342900"/>
+            <a:r>
+              <a:rPr lang="en-US" dirty="0" smtClean="0"/>
+              <a:t>How to transfer ownership of a thread</a:t>
+            </a:r>
+            <a:endParaRPr lang="en-US" dirty="0"/>
+          </a:p>
+        </p:txBody>
+      </p:sp>
+      <p:sp>
+        <p:nvSpPr>
+          <p:cNvPr id="4" name="Slide Number Placeholder 3"/>
+          <p:cNvSpPr>
+            <a:spLocks noGrp="1"/>
+          </p:cNvSpPr>
+          <p:nvPr>
+            <p:ph type="sldNum" sz="quarter" idx="12"/>
+          </p:nvPr>
+        </p:nvSpPr>
+        <p:spPr/>
+        <p:txBody>
+          <a:bodyPr/>
+          <a:lstStyle/>
+          <a:p>
+            <a:fld id="{6DA12B36-9664-4CB0-8B2E-F4A2F44AE97E}" type="slidenum">
+              <a:rPr lang="en-US" smtClean="0"/>
+              <a:t>10</a:t>
+            </a:fld>
+            <a:endParaRPr lang="en-US"/>
+          </a:p>
+        </p:txBody>
+      </p:sp>
+    </p:spTree>
+    <p:extLst>
+      <p:ext uri="{BB962C8B-B14F-4D97-AF65-F5344CB8AC3E}">
+        <p14:creationId xmlns:p14="http://schemas.microsoft.com/office/powerpoint/2010/main" val="2076375163"/>
+      </p:ext>
+    </p:extLst>
+  </p:cSld>
+  <p:clrMapOvr>
+    <a:masterClrMapping/>
+  </p:clrMapOvr>
+</p:sld>
+</file>
+
+<file path=ppt/slides/slide11.xml><?xml version="1.0" encoding="utf-8"?>
+<p:sld xmlns:a="http://schemas.openxmlformats.org/drawingml/2006/main" xmlns:r="http://schemas.openxmlformats.org/officeDocument/2006/relationships" xmlns:p="http://schemas.openxmlformats.org/presentationml/2006/main">
+  <p:cSld>
+    <p:spTree>
+      <p:nvGrpSpPr>
+        <p:cNvPr id="1" name=""/>
+        <p:cNvGrpSpPr/>
+        <p:nvPr/>
+      </p:nvGrpSpPr>
+      <p:grpSpPr>
+        <a:xfrm>
+          <a:off x="0" y="0"/>
+          <a:ext cx="0" cy="0"/>
+          <a:chOff x="0" y="0"/>
+          <a:chExt cx="0" cy="0"/>
+        </a:xfrm>
+      </p:grpSpPr>
+      <p:sp>
+        <p:nvSpPr>
+          <p:cNvPr id="2" name="Title 1"/>
+          <p:cNvSpPr>
+            <a:spLocks noGrp="1"/>
+          </p:cNvSpPr>
+          <p:nvPr>
+            <p:ph type="title"/>
+          </p:nvPr>
+        </p:nvSpPr>
+        <p:spPr/>
+        <p:txBody>
+          <a:bodyPr/>
+          <a:lstStyle/>
+          <a:p>
+            <a:r>
+              <a:rPr lang="en-US" dirty="0" smtClean="0"/>
+              <a:t>How to start a thread</a:t>
+            </a:r>
+            <a:endParaRPr lang="en-US" dirty="0"/>
+          </a:p>
+        </p:txBody>
+      </p:sp>
+      <p:sp>
+        <p:nvSpPr>
+          <p:cNvPr id="3" name="Content Placeholder 2"/>
+          <p:cNvSpPr>
+            <a:spLocks noGrp="1"/>
+          </p:cNvSpPr>
+          <p:nvPr>
+            <p:ph idx="1"/>
+          </p:nvPr>
+        </p:nvSpPr>
+        <p:spPr/>
+        <p:txBody>
+          <a:bodyPr/>
+          <a:lstStyle/>
+          <a:p>
+            <a:r>
+              <a:rPr lang="en-US" dirty="0" smtClean="0"/>
+              <a:t>A thread creates a new path of execution</a:t>
+            </a:r>
+          </a:p>
+          <a:p>
+            <a:pPr marL="800100" lvl="1" indent="-342900"/>
+            <a:r>
+              <a:rPr lang="en-US" dirty="0" smtClean="0"/>
+              <a:t>Each thread has its own stack</a:t>
+            </a:r>
+          </a:p>
+          <a:p>
+            <a:pPr marL="800100" lvl="1" indent="-342900"/>
+            <a:r>
+              <a:rPr lang="en-US" dirty="0" smtClean="0"/>
+              <a:t>The thread exits when the “executing thing” returns</a:t>
+            </a:r>
+          </a:p>
+          <a:p>
+            <a:pPr marL="342900" indent="-342900"/>
+            <a:r>
+              <a:rPr lang="en-US" dirty="0" smtClean="0"/>
+              <a:t>A thread can execute any </a:t>
+            </a:r>
+            <a:r>
+              <a:rPr lang="en-US" i="1" dirty="0" smtClean="0"/>
+              <a:t>callable type</a:t>
+            </a:r>
+          </a:p>
+          <a:p>
+            <a:pPr marL="800100" lvl="1" indent="-342900"/>
+            <a:r>
+              <a:rPr lang="en-US" dirty="0" smtClean="0"/>
+              <a:t>Free function</a:t>
+            </a:r>
+          </a:p>
+          <a:p>
+            <a:pPr marL="800100" lvl="1" indent="-342900"/>
+            <a:r>
+              <a:rPr lang="en-US" dirty="0" err="1" smtClean="0"/>
+              <a:t>Functor</a:t>
+            </a:r>
+            <a:r>
+              <a:rPr lang="en-US" dirty="0" smtClean="0"/>
+              <a:t> (function object)</a:t>
+            </a:r>
+          </a:p>
+          <a:p>
+            <a:pPr marL="800100" lvl="1" indent="-342900"/>
+            <a:r>
+              <a:rPr lang="en-US" dirty="0" smtClean="0"/>
+              <a:t>Member function</a:t>
+            </a:r>
+          </a:p>
+          <a:p>
+            <a:pPr marL="800100" lvl="1" indent="-342900"/>
+            <a:r>
+              <a:rPr lang="en-US" dirty="0" smtClean="0"/>
+              <a:t>Lambda expression</a:t>
+            </a:r>
+            <a:endParaRPr lang="en-US" dirty="0"/>
+          </a:p>
+        </p:txBody>
+      </p:sp>
+      <p:sp>
+        <p:nvSpPr>
+          <p:cNvPr id="4" name="Slide Number Placeholder 3"/>
+          <p:cNvSpPr>
+            <a:spLocks noGrp="1"/>
+          </p:cNvSpPr>
+          <p:nvPr>
+            <p:ph type="sldNum" sz="quarter" idx="12"/>
+          </p:nvPr>
+        </p:nvSpPr>
+        <p:spPr/>
+        <p:txBody>
+          <a:bodyPr/>
+          <a:lstStyle/>
+          <a:p>
+            <a:fld id="{6DA12B36-9664-4CB0-8B2E-F4A2F44AE97E}" type="slidenum">
+              <a:rPr lang="en-US" smtClean="0"/>
+              <a:t>11</a:t>
+            </a:fld>
+            <a:endParaRPr lang="en-US"/>
+          </a:p>
+        </p:txBody>
+      </p:sp>
+      <p:sp>
+        <p:nvSpPr>
+          <p:cNvPr id="5" name="Footer Placeholder 4"/>
+          <p:cNvSpPr>
+            <a:spLocks noGrp="1"/>
+          </p:cNvSpPr>
+          <p:nvPr>
+            <p:ph type="ftr" sz="quarter" idx="11"/>
+          </p:nvPr>
+        </p:nvSpPr>
+        <p:spPr/>
+        <p:txBody>
+          <a:bodyPr/>
+          <a:lstStyle/>
+          <a:p>
+            <a:r>
+              <a:rPr lang="en-US" smtClean="0"/>
+              <a:t>Source: Williams, Chapter 2</a:t>
+            </a:r>
+            <a:endParaRPr lang="en-US"/>
+          </a:p>
+        </p:txBody>
+      </p:sp>
+    </p:spTree>
+    <p:extLst>
+      <p:ext uri="{BB962C8B-B14F-4D97-AF65-F5344CB8AC3E}">
+        <p14:creationId xmlns:p14="http://schemas.microsoft.com/office/powerpoint/2010/main" val="2143830193"/>
+      </p:ext>
+    </p:extLst>
+  </p:cSld>
+  <p:clrMapOvr>
+    <a:masterClrMapping/>
+  </p:clrMapOvr>
+</p:sld>
+</file>
+
 <file path=ppt/slides/slide2.xml><?xml version="1.0" encoding="utf-8"?>
 <p:sld xmlns:a="http://schemas.openxmlformats.org/drawingml/2006/main" xmlns:r="http://schemas.openxmlformats.org/officeDocument/2006/relationships" xmlns:p="http://schemas.openxmlformats.org/presentationml/2006/main">
   <p:cSld>
@@ -5355,6 +5693,451 @@
     <p:extLst>
       <p:ext uri="{BB962C8B-B14F-4D97-AF65-F5344CB8AC3E}">
         <p14:creationId xmlns:p14="http://schemas.microsoft.com/office/powerpoint/2010/main" val="3891065453"/>
+      </p:ext>
+    </p:extLst>
+  </p:cSld>
+  <p:clrMapOvr>
+    <a:masterClrMapping/>
+  </p:clrMapOvr>
+</p:sld>
+</file>
+
+<file path=ppt/slides/slide9.xml><?xml version="1.0" encoding="utf-8"?>
+<p:sld xmlns:a="http://schemas.openxmlformats.org/drawingml/2006/main" xmlns:r="http://schemas.openxmlformats.org/officeDocument/2006/relationships" xmlns:p="http://schemas.openxmlformats.org/presentationml/2006/main">
+  <p:cSld>
+    <p:spTree>
+      <p:nvGrpSpPr>
+        <p:cNvPr id="1" name=""/>
+        <p:cNvGrpSpPr/>
+        <p:nvPr/>
+      </p:nvGrpSpPr>
+      <p:grpSpPr>
+        <a:xfrm>
+          <a:off x="0" y="0"/>
+          <a:ext cx="0" cy="0"/>
+          <a:chOff x="0" y="0"/>
+          <a:chExt cx="0" cy="0"/>
+        </a:xfrm>
+      </p:grpSpPr>
+      <p:sp>
+        <p:nvSpPr>
+          <p:cNvPr id="2" name="Title 1"/>
+          <p:cNvSpPr>
+            <a:spLocks noGrp="1"/>
+          </p:cNvSpPr>
+          <p:nvPr>
+            <p:ph type="title"/>
+          </p:nvPr>
+        </p:nvSpPr>
+        <p:spPr/>
+        <p:txBody>
+          <a:bodyPr/>
+          <a:lstStyle/>
+          <a:p>
+            <a:r>
+              <a:rPr lang="en-US" dirty="0" smtClean="0"/>
+              <a:t>Thread hello world</a:t>
+            </a:r>
+            <a:endParaRPr lang="en-US" dirty="0"/>
+          </a:p>
+        </p:txBody>
+      </p:sp>
+      <p:sp>
+        <p:nvSpPr>
+          <p:cNvPr id="3" name="Content Placeholder 2"/>
+          <p:cNvSpPr>
+            <a:spLocks noGrp="1"/>
+          </p:cNvSpPr>
+          <p:nvPr>
+            <p:ph idx="1"/>
+          </p:nvPr>
+        </p:nvSpPr>
+        <p:spPr/>
+        <p:txBody>
+          <a:bodyPr>
+            <a:normAutofit/>
+          </a:bodyPr>
+          <a:lstStyle/>
+          <a:p>
+            <a:r>
+              <a:rPr lang="en-US" dirty="0">
+                <a:solidFill>
+                  <a:srgbClr val="7F0055"/>
+                </a:solidFill>
+                <a:latin typeface="Courier New" panose="02070309020205020404" pitchFamily="49" charset="0"/>
+                <a:cs typeface="Courier New" panose="02070309020205020404" pitchFamily="49" charset="0"/>
+              </a:rPr>
+              <a:t>#include </a:t>
+            </a:r>
+            <a:r>
+              <a:rPr lang="en-US" dirty="0">
+                <a:solidFill>
+                  <a:srgbClr val="2A00FF"/>
+                </a:solidFill>
+                <a:latin typeface="Courier New" panose="02070309020205020404" pitchFamily="49" charset="0"/>
+                <a:cs typeface="Courier New" panose="02070309020205020404" pitchFamily="49" charset="0"/>
+              </a:rPr>
+              <a:t>&lt;</a:t>
+            </a:r>
+            <a:r>
+              <a:rPr lang="en-US" dirty="0" err="1">
+                <a:solidFill>
+                  <a:srgbClr val="3F3FBF"/>
+                </a:solidFill>
+                <a:latin typeface="Courier New" panose="02070309020205020404" pitchFamily="49" charset="0"/>
+                <a:cs typeface="Courier New" panose="02070309020205020404" pitchFamily="49" charset="0"/>
+              </a:rPr>
+              <a:t>iostream</a:t>
+            </a:r>
+            <a:r>
+              <a:rPr lang="en-US" dirty="0" smtClean="0">
+                <a:solidFill>
+                  <a:srgbClr val="2A00FF"/>
+                </a:solidFill>
+                <a:latin typeface="Courier New" panose="02070309020205020404" pitchFamily="49" charset="0"/>
+                <a:cs typeface="Courier New" panose="02070309020205020404" pitchFamily="49" charset="0"/>
+              </a:rPr>
+              <a:t>&gt;</a:t>
+            </a:r>
+            <a:endParaRPr lang="en-US" dirty="0" smtClean="0">
+              <a:latin typeface="Courier New" panose="02070309020205020404" pitchFamily="49" charset="0"/>
+              <a:cs typeface="Courier New" panose="02070309020205020404" pitchFamily="49" charset="0"/>
+            </a:endParaRPr>
+          </a:p>
+          <a:p>
+            <a:r>
+              <a:rPr lang="en-US" dirty="0" smtClean="0">
+                <a:solidFill>
+                  <a:srgbClr val="7F0055"/>
+                </a:solidFill>
+                <a:latin typeface="Courier New" panose="02070309020205020404" pitchFamily="49" charset="0"/>
+                <a:cs typeface="Courier New" panose="02070309020205020404" pitchFamily="49" charset="0"/>
+              </a:rPr>
+              <a:t>#</a:t>
+            </a:r>
+            <a:r>
+              <a:rPr lang="en-US" dirty="0">
+                <a:solidFill>
+                  <a:srgbClr val="7F0055"/>
+                </a:solidFill>
+                <a:latin typeface="Courier New" panose="02070309020205020404" pitchFamily="49" charset="0"/>
+                <a:cs typeface="Courier New" panose="02070309020205020404" pitchFamily="49" charset="0"/>
+              </a:rPr>
+              <a:t>include </a:t>
+            </a:r>
+            <a:r>
+              <a:rPr lang="en-US" dirty="0">
+                <a:solidFill>
+                  <a:srgbClr val="2A00FF"/>
+                </a:solidFill>
+                <a:latin typeface="Courier New" panose="02070309020205020404" pitchFamily="49" charset="0"/>
+                <a:cs typeface="Courier New" panose="02070309020205020404" pitchFamily="49" charset="0"/>
+              </a:rPr>
+              <a:t>&lt;</a:t>
+            </a:r>
+            <a:r>
+              <a:rPr lang="en-US" dirty="0">
+                <a:solidFill>
+                  <a:srgbClr val="3F3FBF"/>
+                </a:solidFill>
+                <a:latin typeface="Courier New" panose="02070309020205020404" pitchFamily="49" charset="0"/>
+                <a:cs typeface="Courier New" panose="02070309020205020404" pitchFamily="49" charset="0"/>
+              </a:rPr>
+              <a:t>thread</a:t>
+            </a:r>
+            <a:r>
+              <a:rPr lang="en-US" dirty="0">
+                <a:solidFill>
+                  <a:srgbClr val="2A00FF"/>
+                </a:solidFill>
+                <a:latin typeface="Courier New" panose="02070309020205020404" pitchFamily="49" charset="0"/>
+                <a:cs typeface="Courier New" panose="02070309020205020404" pitchFamily="49" charset="0"/>
+              </a:rPr>
+              <a:t>&gt;</a:t>
+            </a:r>
+            <a:r>
+              <a:rPr lang="en-US" dirty="0">
+                <a:latin typeface="Courier New" panose="02070309020205020404" pitchFamily="49" charset="0"/>
+                <a:cs typeface="Courier New" panose="02070309020205020404" pitchFamily="49" charset="0"/>
+              </a:rPr>
+              <a:t> </a:t>
+            </a:r>
+            <a:endParaRPr lang="en-US" dirty="0" smtClean="0">
+              <a:latin typeface="Courier New" panose="02070309020205020404" pitchFamily="49" charset="0"/>
+              <a:cs typeface="Courier New" panose="02070309020205020404" pitchFamily="49" charset="0"/>
+            </a:endParaRPr>
+          </a:p>
+          <a:p>
+            <a:r>
+              <a:rPr lang="en-US" dirty="0" smtClean="0">
+                <a:solidFill>
+                  <a:srgbClr val="7F0055"/>
+                </a:solidFill>
+                <a:latin typeface="Courier New" panose="02070309020205020404" pitchFamily="49" charset="0"/>
+                <a:cs typeface="Courier New" panose="02070309020205020404" pitchFamily="49" charset="0"/>
+              </a:rPr>
+              <a:t>void</a:t>
+            </a:r>
+            <a:r>
+              <a:rPr lang="en-US" dirty="0" smtClean="0">
+                <a:latin typeface="Courier New" panose="02070309020205020404" pitchFamily="49" charset="0"/>
+                <a:cs typeface="Courier New" panose="02070309020205020404" pitchFamily="49" charset="0"/>
+              </a:rPr>
+              <a:t> </a:t>
+            </a:r>
+            <a:r>
+              <a:rPr lang="en-US" dirty="0">
+                <a:latin typeface="Courier New" panose="02070309020205020404" pitchFamily="49" charset="0"/>
+                <a:cs typeface="Courier New" panose="02070309020205020404" pitchFamily="49" charset="0"/>
+              </a:rPr>
+              <a:t>hello() </a:t>
+            </a:r>
+            <a:r>
+              <a:rPr lang="en-US" dirty="0" smtClean="0">
+                <a:latin typeface="Courier New" panose="02070309020205020404" pitchFamily="49" charset="0"/>
+                <a:cs typeface="Courier New" panose="02070309020205020404" pitchFamily="49" charset="0"/>
+              </a:rPr>
+              <a:t>{</a:t>
+            </a:r>
+          </a:p>
+          <a:p>
+            <a:r>
+              <a:rPr lang="en-US" dirty="0">
+                <a:latin typeface="Courier New" panose="02070309020205020404" pitchFamily="49" charset="0"/>
+                <a:cs typeface="Courier New" panose="02070309020205020404" pitchFamily="49" charset="0"/>
+              </a:rPr>
+              <a:t> </a:t>
+            </a:r>
+            <a:r>
+              <a:rPr lang="en-US" dirty="0" smtClean="0">
+                <a:latin typeface="Courier New" panose="02070309020205020404" pitchFamily="49" charset="0"/>
+                <a:cs typeface="Courier New" panose="02070309020205020404" pitchFamily="49" charset="0"/>
+              </a:rPr>
+              <a:t> </a:t>
+            </a:r>
+            <a:r>
+              <a:rPr lang="en-US" dirty="0" err="1" smtClean="0">
+                <a:latin typeface="Courier New" panose="02070309020205020404" pitchFamily="49" charset="0"/>
+                <a:cs typeface="Courier New" panose="02070309020205020404" pitchFamily="49" charset="0"/>
+              </a:rPr>
+              <a:t>std</a:t>
+            </a:r>
+            <a:r>
+              <a:rPr lang="en-US" dirty="0">
+                <a:latin typeface="Courier New" panose="02070309020205020404" pitchFamily="49" charset="0"/>
+                <a:cs typeface="Courier New" panose="02070309020205020404" pitchFamily="49" charset="0"/>
+              </a:rPr>
+              <a:t>::</a:t>
+            </a:r>
+            <a:r>
+              <a:rPr lang="en-US" dirty="0" err="1">
+                <a:solidFill>
+                  <a:srgbClr val="7F0055"/>
+                </a:solidFill>
+                <a:latin typeface="Courier New" panose="02070309020205020404" pitchFamily="49" charset="0"/>
+                <a:cs typeface="Courier New" panose="02070309020205020404" pitchFamily="49" charset="0"/>
+              </a:rPr>
+              <a:t>cout</a:t>
+            </a:r>
+            <a:r>
+              <a:rPr lang="en-US" dirty="0">
+                <a:latin typeface="Courier New" panose="02070309020205020404" pitchFamily="49" charset="0"/>
+                <a:cs typeface="Courier New" panose="02070309020205020404" pitchFamily="49" charset="0"/>
+              </a:rPr>
+              <a:t> &lt;&lt; “Hello, world\n</a:t>
+            </a:r>
+            <a:r>
+              <a:rPr lang="en-US" dirty="0" smtClean="0">
+                <a:latin typeface="Courier New" panose="02070309020205020404" pitchFamily="49" charset="0"/>
+                <a:cs typeface="Courier New" panose="02070309020205020404" pitchFamily="49" charset="0"/>
+              </a:rPr>
+              <a:t>”;</a:t>
+            </a:r>
+          </a:p>
+          <a:p>
+            <a:r>
+              <a:rPr lang="en-US" dirty="0" smtClean="0">
+                <a:latin typeface="Courier New" panose="02070309020205020404" pitchFamily="49" charset="0"/>
+                <a:cs typeface="Courier New" panose="02070309020205020404" pitchFamily="49" charset="0"/>
+              </a:rPr>
+              <a:t>} </a:t>
+            </a:r>
+          </a:p>
+          <a:p>
+            <a:r>
+              <a:rPr lang="en-US" dirty="0" err="1" smtClean="0">
+                <a:solidFill>
+                  <a:srgbClr val="7F0055"/>
+                </a:solidFill>
+                <a:latin typeface="Courier New" panose="02070309020205020404" pitchFamily="49" charset="0"/>
+                <a:cs typeface="Courier New" panose="02070309020205020404" pitchFamily="49" charset="0"/>
+              </a:rPr>
+              <a:t>int</a:t>
+            </a:r>
+            <a:r>
+              <a:rPr lang="en-US" dirty="0" smtClean="0">
+                <a:latin typeface="Courier New" panose="02070309020205020404" pitchFamily="49" charset="0"/>
+                <a:cs typeface="Courier New" panose="02070309020205020404" pitchFamily="49" charset="0"/>
+              </a:rPr>
+              <a:t> </a:t>
+            </a:r>
+            <a:r>
+              <a:rPr lang="en-US" dirty="0">
+                <a:solidFill>
+                  <a:srgbClr val="7F0055"/>
+                </a:solidFill>
+                <a:latin typeface="Courier New" panose="02070309020205020404" pitchFamily="49" charset="0"/>
+                <a:cs typeface="Courier New" panose="02070309020205020404" pitchFamily="49" charset="0"/>
+              </a:rPr>
+              <a:t>main</a:t>
+            </a:r>
+            <a:r>
+              <a:rPr lang="en-US" dirty="0">
+                <a:latin typeface="Courier New" panose="02070309020205020404" pitchFamily="49" charset="0"/>
+                <a:cs typeface="Courier New" panose="02070309020205020404" pitchFamily="49" charset="0"/>
+              </a:rPr>
+              <a:t>() </a:t>
+            </a:r>
+            <a:r>
+              <a:rPr lang="en-US" dirty="0" smtClean="0">
+                <a:latin typeface="Courier New" panose="02070309020205020404" pitchFamily="49" charset="0"/>
+                <a:cs typeface="Courier New" panose="02070309020205020404" pitchFamily="49" charset="0"/>
+              </a:rPr>
+              <a:t>{</a:t>
+            </a:r>
+          </a:p>
+          <a:p>
+            <a:r>
+              <a:rPr lang="en-US" dirty="0">
+                <a:latin typeface="Courier New" panose="02070309020205020404" pitchFamily="49" charset="0"/>
+                <a:cs typeface="Courier New" panose="02070309020205020404" pitchFamily="49" charset="0"/>
+              </a:rPr>
+              <a:t> </a:t>
+            </a:r>
+            <a:r>
+              <a:rPr lang="en-US" dirty="0" smtClean="0">
+                <a:latin typeface="Courier New" panose="02070309020205020404" pitchFamily="49" charset="0"/>
+                <a:cs typeface="Courier New" panose="02070309020205020404" pitchFamily="49" charset="0"/>
+              </a:rPr>
+              <a:t> </a:t>
+            </a:r>
+            <a:r>
+              <a:rPr lang="en-US" dirty="0" err="1" smtClean="0">
+                <a:latin typeface="Courier New" panose="02070309020205020404" pitchFamily="49" charset="0"/>
+                <a:cs typeface="Courier New" panose="02070309020205020404" pitchFamily="49" charset="0"/>
+              </a:rPr>
+              <a:t>std</a:t>
+            </a:r>
+            <a:r>
+              <a:rPr lang="en-US" dirty="0">
+                <a:latin typeface="Courier New" panose="02070309020205020404" pitchFamily="49" charset="0"/>
+                <a:cs typeface="Courier New" panose="02070309020205020404" pitchFamily="49" charset="0"/>
+              </a:rPr>
+              <a:t>::thread t(hello</a:t>
+            </a:r>
+            <a:r>
+              <a:rPr lang="en-US" dirty="0" smtClean="0">
+                <a:latin typeface="Courier New" panose="02070309020205020404" pitchFamily="49" charset="0"/>
+                <a:cs typeface="Courier New" panose="02070309020205020404" pitchFamily="49" charset="0"/>
+              </a:rPr>
+              <a:t>);</a:t>
+            </a:r>
+          </a:p>
+          <a:p>
+            <a:r>
+              <a:rPr lang="en-US" dirty="0">
+                <a:latin typeface="Courier New" panose="02070309020205020404" pitchFamily="49" charset="0"/>
+                <a:cs typeface="Courier New" panose="02070309020205020404" pitchFamily="49" charset="0"/>
+              </a:rPr>
+              <a:t> </a:t>
+            </a:r>
+            <a:r>
+              <a:rPr lang="en-US" dirty="0" smtClean="0">
+                <a:latin typeface="Courier New" panose="02070309020205020404" pitchFamily="49" charset="0"/>
+                <a:cs typeface="Courier New" panose="02070309020205020404" pitchFamily="49" charset="0"/>
+              </a:rPr>
+              <a:t> </a:t>
+            </a:r>
+            <a:r>
+              <a:rPr lang="en-US" dirty="0" err="1" smtClean="0">
+                <a:latin typeface="Courier New" panose="02070309020205020404" pitchFamily="49" charset="0"/>
+                <a:cs typeface="Courier New" panose="02070309020205020404" pitchFamily="49" charset="0"/>
+              </a:rPr>
+              <a:t>t.join</a:t>
+            </a:r>
+            <a:r>
+              <a:rPr lang="en-US" dirty="0" smtClean="0">
+                <a:latin typeface="Courier New" panose="02070309020205020404" pitchFamily="49" charset="0"/>
+                <a:cs typeface="Courier New" panose="02070309020205020404" pitchFamily="49" charset="0"/>
+              </a:rPr>
+              <a:t>();</a:t>
+            </a:r>
+          </a:p>
+          <a:p>
+            <a:r>
+              <a:rPr lang="en-US" dirty="0" smtClean="0">
+                <a:latin typeface="Courier New" panose="02070309020205020404" pitchFamily="49" charset="0"/>
+                <a:cs typeface="Courier New" panose="02070309020205020404" pitchFamily="49" charset="0"/>
+              </a:rPr>
+              <a:t>}</a:t>
+            </a:r>
+            <a:endParaRPr lang="en-US" dirty="0">
+              <a:latin typeface="Courier New" panose="02070309020205020404" pitchFamily="49" charset="0"/>
+              <a:cs typeface="Courier New" panose="02070309020205020404" pitchFamily="49" charset="0"/>
+            </a:endParaRPr>
+          </a:p>
+        </p:txBody>
+      </p:sp>
+      <p:sp>
+        <p:nvSpPr>
+          <p:cNvPr id="4" name="Slide Number Placeholder 3"/>
+          <p:cNvSpPr>
+            <a:spLocks noGrp="1"/>
+          </p:cNvSpPr>
+          <p:nvPr>
+            <p:ph type="sldNum" sz="quarter" idx="12"/>
+          </p:nvPr>
+        </p:nvSpPr>
+        <p:spPr/>
+        <p:txBody>
+          <a:bodyPr/>
+          <a:lstStyle/>
+          <a:p>
+            <a:fld id="{6DA12B36-9664-4CB0-8B2E-F4A2F44AE97E}" type="slidenum">
+              <a:rPr lang="en-US" smtClean="0"/>
+              <a:t>9</a:t>
+            </a:fld>
+            <a:endParaRPr lang="en-US"/>
+          </a:p>
+        </p:txBody>
+      </p:sp>
+      <p:sp>
+        <p:nvSpPr>
+          <p:cNvPr id="5" name="Footer Placeholder 4"/>
+          <p:cNvSpPr>
+            <a:spLocks noGrp="1"/>
+          </p:cNvSpPr>
+          <p:nvPr>
+            <p:ph type="ftr" sz="quarter" idx="11"/>
+          </p:nvPr>
+        </p:nvSpPr>
+        <p:spPr/>
+        <p:txBody>
+          <a:bodyPr/>
+          <a:lstStyle/>
+          <a:p>
+            <a:r>
+              <a:rPr lang="en-US" smtClean="0"/>
+              <a:t>Source: Williams, Chapter 1</a:t>
+            </a:r>
+            <a:endParaRPr lang="en-US"/>
+          </a:p>
+        </p:txBody>
+      </p:sp>
+    </p:spTree>
+    <p:extLst>
+      <p:ext uri="{BB962C8B-B14F-4D97-AF65-F5344CB8AC3E}">
+        <p14:creationId xmlns:p14="http://schemas.microsoft.com/office/powerpoint/2010/main" val="3394249714"/>
       </p:ext>
     </p:extLst>
   </p:cSld>

--- a/Lectures/Threads/Threads.pptx
+++ b/Lectures/Threads/Threads.pptx
@@ -5,7 +5,7 @@
     <p:sldMasterId id="2147483660" r:id="rId1"/>
   </p:sldMasterIdLst>
   <p:notesMasterIdLst>
-    <p:notesMasterId r:id="rId13"/>
+    <p:notesMasterId r:id="rId15"/>
   </p:notesMasterIdLst>
   <p:sldIdLst>
     <p:sldId id="256" r:id="rId2"/>
@@ -19,6 +19,8 @@
     <p:sldId id="264" r:id="rId10"/>
     <p:sldId id="265" r:id="rId11"/>
     <p:sldId id="266" r:id="rId12"/>
+    <p:sldId id="267" r:id="rId13"/>
+    <p:sldId id="268" r:id="rId14"/>
   </p:sldIdLst>
   <p:sldSz cx="9144000" cy="6858000" type="screen4x3"/>
   <p:notesSz cx="6858000" cy="9144000"/>
@@ -202,7 +204,7 @@
           <a:p>
             <a:fld id="{DBE0ECA1-3FBF-48AE-AD2A-4439AE745E19}" type="datetimeFigureOut">
               <a:rPr lang="en-US" smtClean="0"/>
-              <a:t>10/30/2013</a:t>
+              <a:t>10/31/2013</a:t>
             </a:fld>
             <a:endParaRPr lang="en-US"/>
           </a:p>
@@ -663,7 +665,7 @@
           <a:p>
             <a:fld id="{9769DED8-28D4-45B9-A00F-7CFE9335FEA6}" type="datetime1">
               <a:rPr lang="en-US" smtClean="0"/>
-              <a:t>10/30/2013</a:t>
+              <a:t>10/31/2013</a:t>
             </a:fld>
             <a:endParaRPr lang="en-US"/>
           </a:p>
@@ -928,7 +930,7 @@
           <a:p>
             <a:fld id="{2DB3D439-1F88-44B4-B5F7-F9BCD4064257}" type="datetime1">
               <a:rPr lang="en-US" smtClean="0"/>
-              <a:t>10/30/2013</a:t>
+              <a:t>10/31/2013</a:t>
             </a:fld>
             <a:endParaRPr lang="en-US"/>
           </a:p>
@@ -1103,7 +1105,7 @@
           <a:p>
             <a:fld id="{99C5638F-6F55-4055-935C-67841BE78C36}" type="datetime1">
               <a:rPr lang="en-US" smtClean="0"/>
-              <a:t>10/30/2013</a:t>
+              <a:t>10/31/2013</a:t>
             </a:fld>
             <a:endParaRPr lang="en-US"/>
           </a:p>
@@ -1268,7 +1270,7 @@
           <a:p>
             <a:fld id="{E6987D90-0C92-4B22-A29D-FED15412CED2}" type="datetime1">
               <a:rPr lang="en-US" smtClean="0"/>
-              <a:t>10/30/2013</a:t>
+              <a:t>10/31/2013</a:t>
             </a:fld>
             <a:endParaRPr lang="en-US"/>
           </a:p>
@@ -1517,7 +1519,7 @@
           <a:p>
             <a:fld id="{DDB67BC4-9554-49E0-BCB3-D1EF965BA0B8}" type="datetime1">
               <a:rPr lang="en-US" smtClean="0"/>
-              <a:t>10/30/2013</a:t>
+              <a:t>10/31/2013</a:t>
             </a:fld>
             <a:endParaRPr lang="en-US"/>
           </a:p>
@@ -1800,7 +1802,7 @@
           <a:p>
             <a:fld id="{EC24D770-803D-4E01-921C-9C100DD8230C}" type="datetime1">
               <a:rPr lang="en-US" smtClean="0"/>
-              <a:t>10/30/2013</a:t>
+              <a:t>10/31/2013</a:t>
             </a:fld>
             <a:endParaRPr lang="en-US"/>
           </a:p>
@@ -2239,7 +2241,7 @@
           <a:p>
             <a:fld id="{356AD44B-78A4-4209-8070-7DCBE2DC4992}" type="datetime1">
               <a:rPr lang="en-US" smtClean="0"/>
-              <a:t>10/30/2013</a:t>
+              <a:t>10/31/2013</a:t>
             </a:fld>
             <a:endParaRPr lang="en-US"/>
           </a:p>
@@ -2352,7 +2354,7 @@
           <a:p>
             <a:fld id="{A993C59A-7CA2-467F-B7F1-9096881A01B8}" type="datetime1">
               <a:rPr lang="en-US" smtClean="0"/>
-              <a:t>10/30/2013</a:t>
+              <a:t>10/31/2013</a:t>
             </a:fld>
             <a:endParaRPr lang="en-US"/>
           </a:p>
@@ -2442,7 +2444,7 @@
           <a:p>
             <a:fld id="{2B6B58D0-2488-434A-8ED1-692E09B85CC5}" type="datetime1">
               <a:rPr lang="en-US" smtClean="0"/>
-              <a:t>10/30/2013</a:t>
+              <a:t>10/31/2013</a:t>
             </a:fld>
             <a:endParaRPr lang="en-US"/>
           </a:p>
@@ -2684,7 +2686,7 @@
           <a:p>
             <a:fld id="{FDB0AFC2-7D64-4F61-A7B7-9932D3305DDA}" type="datetime1">
               <a:rPr lang="en-US" smtClean="0"/>
-              <a:t>10/30/2013</a:t>
+              <a:t>10/31/2013</a:t>
             </a:fld>
             <a:endParaRPr lang="en-US"/>
           </a:p>
@@ -2978,7 +2980,7 @@
           <a:p>
             <a:fld id="{4983D17A-D7B2-4ECE-8A2C-93679B9D177B}" type="datetime1">
               <a:rPr lang="en-US" smtClean="0"/>
-              <a:t>10/30/2013</a:t>
+              <a:t>10/31/2013</a:t>
             </a:fld>
             <a:endParaRPr lang="en-US"/>
           </a:p>
@@ -3272,7 +3274,7 @@
           <a:p>
             <a:fld id="{2A5275F7-419E-4C23-8A3D-2EE5742B2EC9}" type="datetime1">
               <a:rPr lang="en-US" smtClean="0"/>
-              <a:t>10/30/2013</a:t>
+              <a:t>10/31/2013</a:t>
             </a:fld>
             <a:endParaRPr lang="en-US"/>
           </a:p>
@@ -4120,7 +4122,33 @@
             <a:pPr marL="800100" lvl="1" indent="-342900"/>
             <a:r>
               <a:rPr lang="en-US" dirty="0" smtClean="0"/>
-              <a:t>Lambda expression</a:t>
+              <a:t>Lambda </a:t>
+            </a:r>
+            <a:r>
+              <a:rPr lang="en-US" dirty="0" smtClean="0"/>
+              <a:t>expression</a:t>
+            </a:r>
+          </a:p>
+          <a:p>
+            <a:pPr marL="342900" indent="-342900"/>
+            <a:r>
+              <a:rPr lang="en-US" dirty="0" smtClean="0"/>
+              <a:t>Let’s see an example</a:t>
+            </a:r>
+          </a:p>
+          <a:p>
+            <a:pPr marL="800100" lvl="1" indent="-342900"/>
+            <a:r>
+              <a:rPr lang="en-US" dirty="0" smtClean="0"/>
+              <a:t>Consider when the </a:t>
+            </a:r>
+            <a:r>
+              <a:rPr lang="en-US" dirty="0" err="1" smtClean="0"/>
+              <a:t>functor</a:t>
+            </a:r>
+            <a:r>
+              <a:rPr lang="en-US" dirty="0" smtClean="0"/>
+              <a:t> and example objects will be copied</a:t>
             </a:r>
             <a:endParaRPr lang="en-US" dirty="0"/>
           </a:p>
@@ -4176,6 +4204,486 @@
     <p:extLst>
       <p:ext uri="{BB962C8B-B14F-4D97-AF65-F5344CB8AC3E}">
         <p14:creationId xmlns:p14="http://schemas.microsoft.com/office/powerpoint/2010/main" val="2143830193"/>
+      </p:ext>
+    </p:extLst>
+  </p:cSld>
+  <p:clrMapOvr>
+    <a:masterClrMapping/>
+  </p:clrMapOvr>
+</p:sld>
+</file>
+
+<file path=ppt/slides/slide12.xml><?xml version="1.0" encoding="utf-8"?>
+<p:sld xmlns:a="http://schemas.openxmlformats.org/drawingml/2006/main" xmlns:r="http://schemas.openxmlformats.org/officeDocument/2006/relationships" xmlns:p="http://schemas.openxmlformats.org/presentationml/2006/main">
+  <p:cSld>
+    <p:spTree>
+      <p:nvGrpSpPr>
+        <p:cNvPr id="1" name=""/>
+        <p:cNvGrpSpPr/>
+        <p:nvPr/>
+      </p:nvGrpSpPr>
+      <p:grpSpPr>
+        <a:xfrm>
+          <a:off x="0" y="0"/>
+          <a:ext cx="0" cy="0"/>
+          <a:chOff x="0" y="0"/>
+          <a:chExt cx="0" cy="0"/>
+        </a:xfrm>
+      </p:grpSpPr>
+      <p:sp>
+        <p:nvSpPr>
+          <p:cNvPr id="2" name="Title 1"/>
+          <p:cNvSpPr>
+            <a:spLocks noGrp="1"/>
+          </p:cNvSpPr>
+          <p:nvPr>
+            <p:ph type="title"/>
+          </p:nvPr>
+        </p:nvSpPr>
+        <p:spPr/>
+        <p:txBody>
+          <a:bodyPr/>
+          <a:lstStyle/>
+          <a:p>
+            <a:r>
+              <a:rPr lang="en-US" dirty="0" smtClean="0"/>
+              <a:t>Let’s make it testable</a:t>
+            </a:r>
+            <a:endParaRPr lang="en-US" dirty="0"/>
+          </a:p>
+        </p:txBody>
+      </p:sp>
+      <p:sp>
+        <p:nvSpPr>
+          <p:cNvPr id="3" name="Content Placeholder 2"/>
+          <p:cNvSpPr>
+            <a:spLocks noGrp="1"/>
+          </p:cNvSpPr>
+          <p:nvPr>
+            <p:ph idx="1"/>
+          </p:nvPr>
+        </p:nvSpPr>
+        <p:spPr/>
+        <p:txBody>
+          <a:bodyPr/>
+          <a:lstStyle/>
+          <a:p>
+            <a:r>
+              <a:rPr lang="en-US" dirty="0" smtClean="0"/>
+              <a:t>I don’t like this code, because it is not easy to test.</a:t>
+            </a:r>
+          </a:p>
+          <a:p>
+            <a:pPr marL="800100" lvl="1" indent="-342900"/>
+            <a:r>
+              <a:rPr lang="en-US" dirty="0" smtClean="0"/>
+              <a:t>How could we verify that each method prints the correct message?</a:t>
+            </a:r>
+            <a:endParaRPr lang="en-US" dirty="0"/>
+          </a:p>
+        </p:txBody>
+      </p:sp>
+      <p:sp>
+        <p:nvSpPr>
+          <p:cNvPr id="4" name="Slide Number Placeholder 3"/>
+          <p:cNvSpPr>
+            <a:spLocks noGrp="1"/>
+          </p:cNvSpPr>
+          <p:nvPr>
+            <p:ph type="sldNum" sz="quarter" idx="12"/>
+          </p:nvPr>
+        </p:nvSpPr>
+        <p:spPr/>
+        <p:txBody>
+          <a:bodyPr/>
+          <a:lstStyle/>
+          <a:p>
+            <a:fld id="{6DA12B36-9664-4CB0-8B2E-F4A2F44AE97E}" type="slidenum">
+              <a:rPr lang="en-US" smtClean="0"/>
+              <a:t>12</a:t>
+            </a:fld>
+            <a:endParaRPr lang="en-US"/>
+          </a:p>
+        </p:txBody>
+      </p:sp>
+    </p:spTree>
+    <p:extLst>
+      <p:ext uri="{BB962C8B-B14F-4D97-AF65-F5344CB8AC3E}">
+        <p14:creationId xmlns:p14="http://schemas.microsoft.com/office/powerpoint/2010/main" val="3115583928"/>
+      </p:ext>
+    </p:extLst>
+  </p:cSld>
+  <p:clrMapOvr>
+    <a:masterClrMapping/>
+  </p:clrMapOvr>
+</p:sld>
+</file>
+
+<file path=ppt/slides/slide13.xml><?xml version="1.0" encoding="utf-8"?>
+<p:sld xmlns:a="http://schemas.openxmlformats.org/drawingml/2006/main" xmlns:r="http://schemas.openxmlformats.org/officeDocument/2006/relationships" xmlns:p="http://schemas.openxmlformats.org/presentationml/2006/main">
+  <p:cSld>
+    <p:spTree>
+      <p:nvGrpSpPr>
+        <p:cNvPr id="1" name=""/>
+        <p:cNvGrpSpPr/>
+        <p:nvPr/>
+      </p:nvGrpSpPr>
+      <p:grpSpPr>
+        <a:xfrm>
+          <a:off x="0" y="0"/>
+          <a:ext cx="0" cy="0"/>
+          <a:chOff x="0" y="0"/>
+          <a:chExt cx="0" cy="0"/>
+        </a:xfrm>
+      </p:grpSpPr>
+      <p:sp>
+        <p:nvSpPr>
+          <p:cNvPr id="2" name="Title 1"/>
+          <p:cNvSpPr>
+            <a:spLocks noGrp="1"/>
+          </p:cNvSpPr>
+          <p:nvPr>
+            <p:ph type="title"/>
+          </p:nvPr>
+        </p:nvSpPr>
+        <p:spPr/>
+        <p:txBody>
+          <a:bodyPr/>
+          <a:lstStyle/>
+          <a:p>
+            <a:r>
+              <a:rPr lang="en-US" dirty="0" smtClean="0"/>
+              <a:t>Dependency Injection</a:t>
+            </a:r>
+            <a:endParaRPr lang="en-US" dirty="0"/>
+          </a:p>
+        </p:txBody>
+      </p:sp>
+      <p:sp>
+        <p:nvSpPr>
+          <p:cNvPr id="3" name="Content Placeholder 2"/>
+          <p:cNvSpPr>
+            <a:spLocks noGrp="1"/>
+          </p:cNvSpPr>
+          <p:nvPr>
+            <p:ph idx="1"/>
+          </p:nvPr>
+        </p:nvSpPr>
+        <p:spPr/>
+        <p:txBody>
+          <a:bodyPr/>
+          <a:lstStyle/>
+          <a:p>
+            <a:r>
+              <a:rPr lang="en-US" dirty="0" smtClean="0"/>
+              <a:t>Dependency injection is a technique to allow unit testing</a:t>
+            </a:r>
+          </a:p>
+          <a:p>
+            <a:r>
+              <a:rPr lang="en-US" dirty="0" smtClean="0">
+                <a:solidFill>
+                  <a:srgbClr val="7F0055"/>
+                </a:solidFill>
+                <a:latin typeface="Courier New" panose="02070309020205020404" pitchFamily="49" charset="0"/>
+                <a:cs typeface="Courier New" panose="02070309020205020404" pitchFamily="49" charset="0"/>
+              </a:rPr>
+              <a:t>void</a:t>
+            </a:r>
+            <a:r>
+              <a:rPr lang="en-US" dirty="0" smtClean="0">
+                <a:latin typeface="Courier New" panose="02070309020205020404" pitchFamily="49" charset="0"/>
+                <a:cs typeface="Courier New" panose="02070309020205020404" pitchFamily="49" charset="0"/>
+              </a:rPr>
+              <a:t> </a:t>
+            </a:r>
+            <a:r>
+              <a:rPr lang="en-US" dirty="0" err="1">
+                <a:latin typeface="Courier New" panose="02070309020205020404" pitchFamily="49" charset="0"/>
+                <a:cs typeface="Courier New" panose="02070309020205020404" pitchFamily="49" charset="0"/>
+              </a:rPr>
+              <a:t>free_function</a:t>
+            </a:r>
+            <a:r>
+              <a:rPr lang="en-US" dirty="0">
+                <a:latin typeface="Courier New" panose="02070309020205020404" pitchFamily="49" charset="0"/>
+                <a:cs typeface="Courier New" panose="02070309020205020404" pitchFamily="49" charset="0"/>
+              </a:rPr>
+              <a:t>() </a:t>
+            </a:r>
+            <a:r>
+              <a:rPr lang="en-US" dirty="0" smtClean="0">
+                <a:latin typeface="Courier New" panose="02070309020205020404" pitchFamily="49" charset="0"/>
+                <a:cs typeface="Courier New" panose="02070309020205020404" pitchFamily="49" charset="0"/>
+              </a:rPr>
+              <a:t>{</a:t>
+            </a:r>
+          </a:p>
+          <a:p>
+            <a:r>
+              <a:rPr lang="en-US" dirty="0">
+                <a:latin typeface="Courier New" panose="02070309020205020404" pitchFamily="49" charset="0"/>
+                <a:cs typeface="Courier New" panose="02070309020205020404" pitchFamily="49" charset="0"/>
+              </a:rPr>
+              <a:t> </a:t>
+            </a:r>
+            <a:r>
+              <a:rPr lang="en-US" dirty="0" smtClean="0">
+                <a:latin typeface="Courier New" panose="02070309020205020404" pitchFamily="49" charset="0"/>
+                <a:cs typeface="Courier New" panose="02070309020205020404" pitchFamily="49" charset="0"/>
+              </a:rPr>
+              <a:t> </a:t>
+            </a:r>
+            <a:r>
+              <a:rPr lang="en-US" dirty="0" err="1" smtClean="0">
+                <a:latin typeface="Courier New" panose="02070309020205020404" pitchFamily="49" charset="0"/>
+                <a:cs typeface="Courier New" panose="02070309020205020404" pitchFamily="49" charset="0"/>
+              </a:rPr>
+              <a:t>std</a:t>
+            </a:r>
+            <a:r>
+              <a:rPr lang="en-US" dirty="0">
+                <a:latin typeface="Courier New" panose="02070309020205020404" pitchFamily="49" charset="0"/>
+                <a:cs typeface="Courier New" panose="02070309020205020404" pitchFamily="49" charset="0"/>
+              </a:rPr>
+              <a:t>::</a:t>
+            </a:r>
+            <a:r>
+              <a:rPr lang="en-US" dirty="0" err="1">
+                <a:solidFill>
+                  <a:srgbClr val="7F0055"/>
+                </a:solidFill>
+                <a:latin typeface="Courier New" panose="02070309020205020404" pitchFamily="49" charset="0"/>
+                <a:cs typeface="Courier New" panose="02070309020205020404" pitchFamily="49" charset="0"/>
+              </a:rPr>
+              <a:t>cout</a:t>
+            </a:r>
+            <a:r>
+              <a:rPr lang="en-US" dirty="0">
+                <a:latin typeface="Courier New" panose="02070309020205020404" pitchFamily="49" charset="0"/>
+                <a:cs typeface="Courier New" panose="02070309020205020404" pitchFamily="49" charset="0"/>
+              </a:rPr>
+              <a:t> &lt;&lt; </a:t>
+            </a:r>
+            <a:r>
+              <a:rPr lang="en-US" dirty="0">
+                <a:solidFill>
+                  <a:srgbClr val="2A00FF"/>
+                </a:solidFill>
+                <a:latin typeface="Courier New" panose="02070309020205020404" pitchFamily="49" charset="0"/>
+                <a:cs typeface="Courier New" panose="02070309020205020404" pitchFamily="49" charset="0"/>
+              </a:rPr>
+              <a:t>"Free function\n</a:t>
+            </a:r>
+            <a:r>
+              <a:rPr lang="en-US" dirty="0" smtClean="0">
+                <a:solidFill>
+                  <a:srgbClr val="2A00FF"/>
+                </a:solidFill>
+                <a:latin typeface="Courier New" panose="02070309020205020404" pitchFamily="49" charset="0"/>
+                <a:cs typeface="Courier New" panose="02070309020205020404" pitchFamily="49" charset="0"/>
+              </a:rPr>
+              <a:t>"</a:t>
+            </a:r>
+            <a:r>
+              <a:rPr lang="en-US" dirty="0" smtClean="0">
+                <a:latin typeface="Courier New" panose="02070309020205020404" pitchFamily="49" charset="0"/>
+                <a:cs typeface="Courier New" panose="02070309020205020404" pitchFamily="49" charset="0"/>
+              </a:rPr>
+              <a:t>;</a:t>
+            </a:r>
+          </a:p>
+          <a:p>
+            <a:r>
+              <a:rPr lang="en-US" dirty="0" smtClean="0">
+                <a:latin typeface="Courier New" panose="02070309020205020404" pitchFamily="49" charset="0"/>
+                <a:cs typeface="Courier New" panose="02070309020205020404" pitchFamily="49" charset="0"/>
+              </a:rPr>
+              <a:t>}</a:t>
+            </a:r>
+          </a:p>
+          <a:p>
+            <a:pPr marL="800100" lvl="1" indent="-342900"/>
+            <a:r>
+              <a:rPr lang="en-US" dirty="0" smtClean="0">
+                <a:cs typeface="Courier New" panose="02070309020205020404" pitchFamily="49" charset="0"/>
+              </a:rPr>
+              <a:t>The function depends upon </a:t>
+            </a:r>
+            <a:r>
+              <a:rPr lang="en-US" dirty="0" err="1">
+                <a:latin typeface="Courier New" panose="02070309020205020404" pitchFamily="49" charset="0"/>
+                <a:cs typeface="Courier New" panose="02070309020205020404" pitchFamily="49" charset="0"/>
+              </a:rPr>
+              <a:t>std</a:t>
+            </a:r>
+            <a:r>
+              <a:rPr lang="en-US" dirty="0">
+                <a:latin typeface="Courier New" panose="02070309020205020404" pitchFamily="49" charset="0"/>
+                <a:cs typeface="Courier New" panose="02070309020205020404" pitchFamily="49" charset="0"/>
+              </a:rPr>
+              <a:t>::</a:t>
+            </a:r>
+            <a:r>
+              <a:rPr lang="en-US" dirty="0" err="1" smtClean="0">
+                <a:solidFill>
+                  <a:srgbClr val="7F0055"/>
+                </a:solidFill>
+                <a:latin typeface="Courier New" panose="02070309020205020404" pitchFamily="49" charset="0"/>
+                <a:cs typeface="Courier New" panose="02070309020205020404" pitchFamily="49" charset="0"/>
+              </a:rPr>
+              <a:t>cout</a:t>
+            </a:r>
+            <a:endParaRPr lang="en-US" dirty="0" smtClean="0">
+              <a:solidFill>
+                <a:srgbClr val="7F0055"/>
+              </a:solidFill>
+              <a:latin typeface="Courier New" panose="02070309020205020404" pitchFamily="49" charset="0"/>
+              <a:cs typeface="Courier New" panose="02070309020205020404" pitchFamily="49" charset="0"/>
+            </a:endParaRPr>
+          </a:p>
+          <a:p>
+            <a:pPr marL="800100" lvl="1" indent="-342900"/>
+            <a:r>
+              <a:rPr lang="en-US" dirty="0" smtClean="0">
+                <a:cs typeface="Courier New" panose="02070309020205020404" pitchFamily="49" charset="0"/>
+              </a:rPr>
+              <a:t>Instead, inject the dependency into the function</a:t>
+            </a:r>
+          </a:p>
+          <a:p>
+            <a:pPr marL="342900" indent="-342900"/>
+            <a:endParaRPr lang="en-US" dirty="0" smtClean="0">
+              <a:solidFill>
+                <a:srgbClr val="7F0055"/>
+              </a:solidFill>
+            </a:endParaRPr>
+          </a:p>
+          <a:p>
+            <a:pPr marL="342900" indent="-342900"/>
+            <a:r>
+              <a:rPr lang="en-US" dirty="0" smtClean="0">
+                <a:solidFill>
+                  <a:srgbClr val="7F0055"/>
+                </a:solidFill>
+              </a:rPr>
+              <a:t>void</a:t>
+            </a:r>
+            <a:r>
+              <a:rPr lang="en-US" dirty="0" smtClean="0"/>
+              <a:t> </a:t>
+            </a:r>
+            <a:r>
+              <a:rPr lang="en-US" dirty="0" err="1"/>
+              <a:t>free_function</a:t>
+            </a:r>
+            <a:r>
+              <a:rPr lang="en-US" dirty="0"/>
+              <a:t>(</a:t>
+            </a:r>
+            <a:r>
+              <a:rPr lang="en-US" dirty="0" err="1"/>
+              <a:t>std</a:t>
+            </a:r>
+            <a:r>
+              <a:rPr lang="en-US" dirty="0"/>
+              <a:t>::</a:t>
+            </a:r>
+            <a:r>
+              <a:rPr lang="en-US" dirty="0" err="1" smtClean="0">
+                <a:solidFill>
+                  <a:srgbClr val="7F0055"/>
+                </a:solidFill>
+              </a:rPr>
+              <a:t>ostream</a:t>
+            </a:r>
+            <a:r>
+              <a:rPr lang="en-US" dirty="0" smtClean="0"/>
+              <a:t>&amp; </a:t>
+            </a:r>
+            <a:r>
+              <a:rPr lang="en-US" dirty="0"/>
+              <a:t>out</a:t>
+            </a:r>
+            <a:r>
+              <a:rPr lang="en-US" dirty="0" smtClean="0"/>
+              <a:t>) {</a:t>
+            </a:r>
+          </a:p>
+          <a:p>
+            <a:pPr marL="342900" indent="-342900"/>
+            <a:r>
+              <a:rPr lang="en-US" dirty="0"/>
+              <a:t> </a:t>
+            </a:r>
+            <a:r>
+              <a:rPr lang="en-US" dirty="0" smtClean="0"/>
+              <a:t> out </a:t>
+            </a:r>
+            <a:r>
+              <a:rPr lang="en-US" dirty="0"/>
+              <a:t>&lt;&lt; </a:t>
+            </a:r>
+            <a:r>
+              <a:rPr lang="en-US" dirty="0">
+                <a:solidFill>
+                  <a:srgbClr val="2A00FF"/>
+                </a:solidFill>
+              </a:rPr>
+              <a:t>"Free function\n</a:t>
+            </a:r>
+            <a:r>
+              <a:rPr lang="en-US" dirty="0" smtClean="0">
+                <a:solidFill>
+                  <a:srgbClr val="2A00FF"/>
+                </a:solidFill>
+              </a:rPr>
+              <a:t>"</a:t>
+            </a:r>
+            <a:r>
+              <a:rPr lang="en-US" dirty="0" smtClean="0"/>
+              <a:t>;</a:t>
+            </a:r>
+          </a:p>
+          <a:p>
+            <a:pPr marL="342900" indent="-342900"/>
+            <a:r>
+              <a:rPr lang="en-US" dirty="0" smtClean="0"/>
+              <a:t>}</a:t>
+            </a:r>
+            <a:endParaRPr lang="en-US" dirty="0" smtClean="0">
+              <a:cs typeface="Courier New" panose="02070309020205020404" pitchFamily="49" charset="0"/>
+            </a:endParaRPr>
+          </a:p>
+        </p:txBody>
+      </p:sp>
+      <p:sp>
+        <p:nvSpPr>
+          <p:cNvPr id="4" name="Slide Number Placeholder 3"/>
+          <p:cNvSpPr>
+            <a:spLocks noGrp="1"/>
+          </p:cNvSpPr>
+          <p:nvPr>
+            <p:ph type="sldNum" sz="quarter" idx="12"/>
+          </p:nvPr>
+        </p:nvSpPr>
+        <p:spPr/>
+        <p:txBody>
+          <a:bodyPr/>
+          <a:lstStyle/>
+          <a:p>
+            <a:fld id="{6DA12B36-9664-4CB0-8B2E-F4A2F44AE97E}" type="slidenum">
+              <a:rPr lang="en-US" smtClean="0"/>
+              <a:t>13</a:t>
+            </a:fld>
+            <a:endParaRPr lang="en-US"/>
+          </a:p>
+        </p:txBody>
+      </p:sp>
+    </p:spTree>
+    <p:extLst>
+      <p:ext uri="{BB962C8B-B14F-4D97-AF65-F5344CB8AC3E}">
+        <p14:creationId xmlns:p14="http://schemas.microsoft.com/office/powerpoint/2010/main" val="2896668148"/>
       </p:ext>
     </p:extLst>
   </p:cSld>

--- a/Lectures/Threads/Threads.pptx
+++ b/Lectures/Threads/Threads.pptx
@@ -5,7 +5,7 @@
     <p:sldMasterId id="2147483660" r:id="rId1"/>
   </p:sldMasterIdLst>
   <p:notesMasterIdLst>
-    <p:notesMasterId r:id="rId15"/>
+    <p:notesMasterId r:id="rId27"/>
   </p:notesMasterIdLst>
   <p:sldIdLst>
     <p:sldId id="256" r:id="rId2"/>
@@ -21,6 +21,18 @@
     <p:sldId id="266" r:id="rId12"/>
     <p:sldId id="267" r:id="rId13"/>
     <p:sldId id="268" r:id="rId14"/>
+    <p:sldId id="269" r:id="rId15"/>
+    <p:sldId id="270" r:id="rId16"/>
+    <p:sldId id="271" r:id="rId17"/>
+    <p:sldId id="272" r:id="rId18"/>
+    <p:sldId id="273" r:id="rId19"/>
+    <p:sldId id="274" r:id="rId20"/>
+    <p:sldId id="275" r:id="rId21"/>
+    <p:sldId id="276" r:id="rId22"/>
+    <p:sldId id="277" r:id="rId23"/>
+    <p:sldId id="278" r:id="rId24"/>
+    <p:sldId id="279" r:id="rId25"/>
+    <p:sldId id="280" r:id="rId26"/>
   </p:sldIdLst>
   <p:sldSz cx="9144000" cy="6858000" type="screen4x3"/>
   <p:notesSz cx="6858000" cy="9144000"/>
@@ -204,7 +216,7 @@
           <a:p>
             <a:fld id="{DBE0ECA1-3FBF-48AE-AD2A-4439AE745E19}" type="datetimeFigureOut">
               <a:rPr lang="en-US" smtClean="0"/>
-              <a:t>10/31/2013</a:t>
+              <a:t>11/1/2013</a:t>
             </a:fld>
             <a:endParaRPr lang="en-US"/>
           </a:p>
@@ -665,7 +677,7 @@
           <a:p>
             <a:fld id="{9769DED8-28D4-45B9-A00F-7CFE9335FEA6}" type="datetime1">
               <a:rPr lang="en-US" smtClean="0"/>
-              <a:t>10/31/2013</a:t>
+              <a:t>11/1/2013</a:t>
             </a:fld>
             <a:endParaRPr lang="en-US"/>
           </a:p>
@@ -930,7 +942,7 @@
           <a:p>
             <a:fld id="{2DB3D439-1F88-44B4-B5F7-F9BCD4064257}" type="datetime1">
               <a:rPr lang="en-US" smtClean="0"/>
-              <a:t>10/31/2013</a:t>
+              <a:t>11/1/2013</a:t>
             </a:fld>
             <a:endParaRPr lang="en-US"/>
           </a:p>
@@ -1105,7 +1117,7 @@
           <a:p>
             <a:fld id="{99C5638F-6F55-4055-935C-67841BE78C36}" type="datetime1">
               <a:rPr lang="en-US" smtClean="0"/>
-              <a:t>10/31/2013</a:t>
+              <a:t>11/1/2013</a:t>
             </a:fld>
             <a:endParaRPr lang="en-US"/>
           </a:p>
@@ -1270,7 +1282,7 @@
           <a:p>
             <a:fld id="{E6987D90-0C92-4B22-A29D-FED15412CED2}" type="datetime1">
               <a:rPr lang="en-US" smtClean="0"/>
-              <a:t>10/31/2013</a:t>
+              <a:t>11/1/2013</a:t>
             </a:fld>
             <a:endParaRPr lang="en-US"/>
           </a:p>
@@ -1519,7 +1531,7 @@
           <a:p>
             <a:fld id="{DDB67BC4-9554-49E0-BCB3-D1EF965BA0B8}" type="datetime1">
               <a:rPr lang="en-US" smtClean="0"/>
-              <a:t>10/31/2013</a:t>
+              <a:t>11/1/2013</a:t>
             </a:fld>
             <a:endParaRPr lang="en-US"/>
           </a:p>
@@ -1802,7 +1814,7 @@
           <a:p>
             <a:fld id="{EC24D770-803D-4E01-921C-9C100DD8230C}" type="datetime1">
               <a:rPr lang="en-US" smtClean="0"/>
-              <a:t>10/31/2013</a:t>
+              <a:t>11/1/2013</a:t>
             </a:fld>
             <a:endParaRPr lang="en-US"/>
           </a:p>
@@ -2241,7 +2253,7 @@
           <a:p>
             <a:fld id="{356AD44B-78A4-4209-8070-7DCBE2DC4992}" type="datetime1">
               <a:rPr lang="en-US" smtClean="0"/>
-              <a:t>10/31/2013</a:t>
+              <a:t>11/1/2013</a:t>
             </a:fld>
             <a:endParaRPr lang="en-US"/>
           </a:p>
@@ -2354,7 +2366,7 @@
           <a:p>
             <a:fld id="{A993C59A-7CA2-467F-B7F1-9096881A01B8}" type="datetime1">
               <a:rPr lang="en-US" smtClean="0"/>
-              <a:t>10/31/2013</a:t>
+              <a:t>11/1/2013</a:t>
             </a:fld>
             <a:endParaRPr lang="en-US"/>
           </a:p>
@@ -2444,7 +2456,7 @@
           <a:p>
             <a:fld id="{2B6B58D0-2488-434A-8ED1-692E09B85CC5}" type="datetime1">
               <a:rPr lang="en-US" smtClean="0"/>
-              <a:t>10/31/2013</a:t>
+              <a:t>11/1/2013</a:t>
             </a:fld>
             <a:endParaRPr lang="en-US"/>
           </a:p>
@@ -2686,7 +2698,7 @@
           <a:p>
             <a:fld id="{FDB0AFC2-7D64-4F61-A7B7-9932D3305DDA}" type="datetime1">
               <a:rPr lang="en-US" smtClean="0"/>
-              <a:t>10/31/2013</a:t>
+              <a:t>11/1/2013</a:t>
             </a:fld>
             <a:endParaRPr lang="en-US"/>
           </a:p>
@@ -2980,7 +2992,7 @@
           <a:p>
             <a:fld id="{4983D17A-D7B2-4ECE-8A2C-93679B9D177B}" type="datetime1">
               <a:rPr lang="en-US" smtClean="0"/>
-              <a:t>10/31/2013</a:t>
+              <a:t>11/1/2013</a:t>
             </a:fld>
             <a:endParaRPr lang="en-US"/>
           </a:p>
@@ -3274,7 +3286,7 @@
           <a:p>
             <a:fld id="{2A5275F7-419E-4C23-8A3D-2EE5742B2EC9}" type="datetime1">
               <a:rPr lang="en-US" smtClean="0"/>
-              <a:t>10/31/2013</a:t>
+              <a:t>11/1/2013</a:t>
             </a:fld>
             <a:endParaRPr lang="en-US"/>
           </a:p>
@@ -4005,6 +4017,13 @@
   <p:clrMapOvr>
     <a:masterClrMapping/>
   </p:clrMapOvr>
+  <p:timing>
+    <p:tnLst>
+      <p:par>
+        <p:cTn id="1" dur="indefinite" restart="never" nodeType="tmRoot"/>
+      </p:par>
+    </p:tnLst>
+  </p:timing>
 </p:sld>
 </file>
 
@@ -4122,11 +4141,7 @@
             <a:pPr marL="800100" lvl="1" indent="-342900"/>
             <a:r>
               <a:rPr lang="en-US" dirty="0" smtClean="0"/>
-              <a:t>Lambda </a:t>
-            </a:r>
-            <a:r>
-              <a:rPr lang="en-US" dirty="0" smtClean="0"/>
-              <a:t>expression</a:t>
+              <a:t>Lambda expression</a:t>
             </a:r>
           </a:p>
           <a:p>
@@ -4210,6 +4225,13 @@
   <p:clrMapOvr>
     <a:masterClrMapping/>
   </p:clrMapOvr>
+  <p:timing>
+    <p:tnLst>
+      <p:par>
+        <p:cTn id="1" dur="indefinite" restart="never" nodeType="tmRoot"/>
+      </p:par>
+    </p:tnLst>
+  </p:timing>
 </p:sld>
 </file>
 
@@ -4316,6 +4338,13 @@
   <p:clrMapOvr>
     <a:masterClrMapping/>
   </p:clrMapOvr>
+  <p:timing>
+    <p:tnLst>
+      <p:par>
+        <p:cTn id="1" dur="indefinite" restart="never" nodeType="tmRoot"/>
+      </p:par>
+    </p:tnLst>
+  </p:timing>
 </p:sld>
 </file>
 
@@ -4566,27 +4595,44 @@
                 <a:solidFill>
                   <a:srgbClr val="7F0055"/>
                 </a:solidFill>
+                <a:latin typeface="Courier New" panose="02070309020205020404" pitchFamily="49" charset="0"/>
+                <a:cs typeface="Courier New" panose="02070309020205020404" pitchFamily="49" charset="0"/>
               </a:rPr>
               <a:t>void</a:t>
             </a:r>
             <a:r>
-              <a:rPr lang="en-US" dirty="0" smtClean="0"/>
+              <a:rPr lang="en-US" dirty="0" smtClean="0">
+                <a:latin typeface="Courier New" panose="02070309020205020404" pitchFamily="49" charset="0"/>
+                <a:cs typeface="Courier New" panose="02070309020205020404" pitchFamily="49" charset="0"/>
+              </a:rPr>
               <a:t> </a:t>
             </a:r>
             <a:r>
-              <a:rPr lang="en-US" dirty="0" err="1"/>
+              <a:rPr lang="en-US" dirty="0" err="1">
+                <a:latin typeface="Courier New" panose="02070309020205020404" pitchFamily="49" charset="0"/>
+                <a:cs typeface="Courier New" panose="02070309020205020404" pitchFamily="49" charset="0"/>
+              </a:rPr>
               <a:t>free_function</a:t>
             </a:r>
             <a:r>
-              <a:rPr lang="en-US" dirty="0"/>
+              <a:rPr lang="en-US" dirty="0">
+                <a:latin typeface="Courier New" panose="02070309020205020404" pitchFamily="49" charset="0"/>
+                <a:cs typeface="Courier New" panose="02070309020205020404" pitchFamily="49" charset="0"/>
+              </a:rPr>
               <a:t>(</a:t>
             </a:r>
             <a:r>
-              <a:rPr lang="en-US" dirty="0" err="1"/>
+              <a:rPr lang="en-US" dirty="0" err="1">
+                <a:latin typeface="Courier New" panose="02070309020205020404" pitchFamily="49" charset="0"/>
+                <a:cs typeface="Courier New" panose="02070309020205020404" pitchFamily="49" charset="0"/>
+              </a:rPr>
               <a:t>std</a:t>
             </a:r>
             <a:r>
-              <a:rPr lang="en-US" dirty="0"/>
+              <a:rPr lang="en-US" dirty="0">
+                <a:latin typeface="Courier New" panose="02070309020205020404" pitchFamily="49" charset="0"/>
+                <a:cs typeface="Courier New" panose="02070309020205020404" pitchFamily="49" charset="0"/>
+              </a:rPr>
               <a:t>::</a:t>
             </a:r>
             <a:r>
@@ -4594,34 +4640,54 @@
                 <a:solidFill>
                   <a:srgbClr val="7F0055"/>
                 </a:solidFill>
+                <a:latin typeface="Courier New" panose="02070309020205020404" pitchFamily="49" charset="0"/>
+                <a:cs typeface="Courier New" panose="02070309020205020404" pitchFamily="49" charset="0"/>
               </a:rPr>
               <a:t>ostream</a:t>
             </a:r>
             <a:r>
-              <a:rPr lang="en-US" dirty="0" smtClean="0"/>
+              <a:rPr lang="en-US" dirty="0" smtClean="0">
+                <a:latin typeface="Courier New" panose="02070309020205020404" pitchFamily="49" charset="0"/>
+                <a:cs typeface="Courier New" panose="02070309020205020404" pitchFamily="49" charset="0"/>
+              </a:rPr>
               <a:t>&amp; </a:t>
             </a:r>
             <a:r>
-              <a:rPr lang="en-US" dirty="0"/>
+              <a:rPr lang="en-US" dirty="0">
+                <a:latin typeface="Courier New" panose="02070309020205020404" pitchFamily="49" charset="0"/>
+                <a:cs typeface="Courier New" panose="02070309020205020404" pitchFamily="49" charset="0"/>
+              </a:rPr>
               <a:t>out</a:t>
             </a:r>
             <a:r>
-              <a:rPr lang="en-US" dirty="0" smtClean="0"/>
+              <a:rPr lang="en-US" dirty="0" smtClean="0">
+                <a:latin typeface="Courier New" panose="02070309020205020404" pitchFamily="49" charset="0"/>
+                <a:cs typeface="Courier New" panose="02070309020205020404" pitchFamily="49" charset="0"/>
+              </a:rPr>
               <a:t>) {</a:t>
             </a:r>
           </a:p>
           <a:p>
             <a:pPr marL="342900" indent="-342900"/>
             <a:r>
-              <a:rPr lang="en-US" dirty="0"/>
+              <a:rPr lang="en-US" dirty="0">
+                <a:latin typeface="Courier New" panose="02070309020205020404" pitchFamily="49" charset="0"/>
+                <a:cs typeface="Courier New" panose="02070309020205020404" pitchFamily="49" charset="0"/>
+              </a:rPr>
               <a:t> </a:t>
             </a:r>
             <a:r>
-              <a:rPr lang="en-US" dirty="0" smtClean="0"/>
+              <a:rPr lang="en-US" dirty="0" smtClean="0">
+                <a:latin typeface="Courier New" panose="02070309020205020404" pitchFamily="49" charset="0"/>
+                <a:cs typeface="Courier New" panose="02070309020205020404" pitchFamily="49" charset="0"/>
+              </a:rPr>
               <a:t> out </a:t>
             </a:r>
             <a:r>
-              <a:rPr lang="en-US" dirty="0"/>
+              <a:rPr lang="en-US" dirty="0">
+                <a:latin typeface="Courier New" panose="02070309020205020404" pitchFamily="49" charset="0"/>
+                <a:cs typeface="Courier New" panose="02070309020205020404" pitchFamily="49" charset="0"/>
+              </a:rPr>
               <a:t>&lt;&lt; </a:t>
             </a:r>
             <a:r>
@@ -4629,6 +4695,8 @@
                 <a:solidFill>
                   <a:srgbClr val="2A00FF"/>
                 </a:solidFill>
+                <a:latin typeface="Courier New" panose="02070309020205020404" pitchFamily="49" charset="0"/>
+                <a:cs typeface="Courier New" panose="02070309020205020404" pitchFamily="49" charset="0"/>
               </a:rPr>
               <a:t>"Free function\n</a:t>
             </a:r>
@@ -4637,23 +4705,28 @@
                 <a:solidFill>
                   <a:srgbClr val="2A00FF"/>
                 </a:solidFill>
+                <a:latin typeface="Courier New" panose="02070309020205020404" pitchFamily="49" charset="0"/>
+                <a:cs typeface="Courier New" panose="02070309020205020404" pitchFamily="49" charset="0"/>
               </a:rPr>
               <a:t>"</a:t>
             </a:r>
             <a:r>
-              <a:rPr lang="en-US" dirty="0" smtClean="0"/>
+              <a:rPr lang="en-US" dirty="0" smtClean="0">
+                <a:latin typeface="Courier New" panose="02070309020205020404" pitchFamily="49" charset="0"/>
+                <a:cs typeface="Courier New" panose="02070309020205020404" pitchFamily="49" charset="0"/>
+              </a:rPr>
               <a:t>;</a:t>
             </a:r>
           </a:p>
           <a:p>
             <a:pPr marL="342900" indent="-342900"/>
             <a:r>
-              <a:rPr lang="en-US" dirty="0" smtClean="0"/>
+              <a:rPr lang="en-US" dirty="0" smtClean="0">
+                <a:latin typeface="Courier New" panose="02070309020205020404" pitchFamily="49" charset="0"/>
+                <a:cs typeface="Courier New" panose="02070309020205020404" pitchFamily="49" charset="0"/>
+              </a:rPr>
               <a:t>}</a:t>
             </a:r>
-            <a:endParaRPr lang="en-US" dirty="0" smtClean="0">
-              <a:cs typeface="Courier New" panose="02070309020205020404" pitchFamily="49" charset="0"/>
-            </a:endParaRPr>
           </a:p>
         </p:txBody>
       </p:sp>
@@ -4690,6 +4763,2554 @@
   <p:clrMapOvr>
     <a:masterClrMapping/>
   </p:clrMapOvr>
+  <p:timing>
+    <p:tnLst>
+      <p:par>
+        <p:cTn id="1" dur="indefinite" restart="never" nodeType="tmRoot"/>
+      </p:par>
+    </p:tnLst>
+  </p:timing>
+</p:sld>
+</file>
+
+<file path=ppt/slides/slide14.xml><?xml version="1.0" encoding="utf-8"?>
+<p:sld xmlns:a="http://schemas.openxmlformats.org/drawingml/2006/main" xmlns:r="http://schemas.openxmlformats.org/officeDocument/2006/relationships" xmlns:p="http://schemas.openxmlformats.org/presentationml/2006/main">
+  <p:cSld>
+    <p:spTree>
+      <p:nvGrpSpPr>
+        <p:cNvPr id="1" name=""/>
+        <p:cNvGrpSpPr/>
+        <p:nvPr/>
+      </p:nvGrpSpPr>
+      <p:grpSpPr>
+        <a:xfrm>
+          <a:off x="0" y="0"/>
+          <a:ext cx="0" cy="0"/>
+          <a:chOff x="0" y="0"/>
+          <a:chExt cx="0" cy="0"/>
+        </a:xfrm>
+      </p:grpSpPr>
+      <p:sp>
+        <p:nvSpPr>
+          <p:cNvPr id="2" name="Title 1"/>
+          <p:cNvSpPr>
+            <a:spLocks noGrp="1"/>
+          </p:cNvSpPr>
+          <p:nvPr>
+            <p:ph type="title"/>
+          </p:nvPr>
+        </p:nvSpPr>
+        <p:spPr/>
+        <p:txBody>
+          <a:bodyPr>
+            <a:normAutofit/>
+          </a:bodyPr>
+          <a:lstStyle/>
+          <a:p>
+            <a:r>
+              <a:rPr lang="en-US" dirty="0" smtClean="0"/>
+              <a:t>Passing arguments to a thread</a:t>
+            </a:r>
+            <a:endParaRPr lang="en-US" dirty="0"/>
+          </a:p>
+        </p:txBody>
+      </p:sp>
+      <p:sp>
+        <p:nvSpPr>
+          <p:cNvPr id="3" name="Content Placeholder 2"/>
+          <p:cNvSpPr>
+            <a:spLocks noGrp="1"/>
+          </p:cNvSpPr>
+          <p:nvPr>
+            <p:ph idx="1"/>
+          </p:nvPr>
+        </p:nvSpPr>
+        <p:spPr/>
+        <p:txBody>
+          <a:bodyPr/>
+          <a:lstStyle/>
+          <a:p>
+            <a:r>
+              <a:rPr lang="en-US" dirty="0" smtClean="0"/>
+              <a:t>Arguments passed to the </a:t>
+            </a:r>
+            <a:r>
+              <a:rPr lang="en-US" dirty="0" err="1" smtClean="0">
+                <a:latin typeface="Courier New" panose="02070309020205020404" pitchFamily="49" charset="0"/>
+                <a:cs typeface="Courier New" panose="02070309020205020404" pitchFamily="49" charset="0"/>
+              </a:rPr>
+              <a:t>std</a:t>
+            </a:r>
+            <a:r>
+              <a:rPr lang="en-US" dirty="0" smtClean="0">
+                <a:latin typeface="Courier New" panose="02070309020205020404" pitchFamily="49" charset="0"/>
+                <a:cs typeface="Courier New" panose="02070309020205020404" pitchFamily="49" charset="0"/>
+              </a:rPr>
+              <a:t>::thread</a:t>
+            </a:r>
+            <a:r>
+              <a:rPr lang="en-US" dirty="0" smtClean="0"/>
+              <a:t> constructor are forwarded to the callable object.</a:t>
+            </a:r>
+          </a:p>
+          <a:p>
+            <a:pPr marL="800100" lvl="1" indent="-342900"/>
+            <a:r>
+              <a:rPr lang="en-US" dirty="0" smtClean="0"/>
+              <a:t>Arguments are copied by default</a:t>
+            </a:r>
+          </a:p>
+          <a:p>
+            <a:pPr marL="800100" lvl="1" indent="-342900"/>
+            <a:r>
+              <a:rPr lang="en-US" dirty="0" smtClean="0"/>
+              <a:t>Consider the lifetime of the thread and the object</a:t>
+            </a:r>
+          </a:p>
+          <a:p>
+            <a:pPr marL="1485900" lvl="2" indent="-342900"/>
+            <a:r>
+              <a:rPr lang="en-US" dirty="0" smtClean="0"/>
+              <a:t>Argument passed by pointer</a:t>
+            </a:r>
+          </a:p>
+          <a:p>
+            <a:pPr marL="1485900" lvl="2" indent="-342900"/>
+            <a:r>
+              <a:rPr lang="en-US" dirty="0" smtClean="0"/>
+              <a:t>Argument passed by reference</a:t>
+            </a:r>
+          </a:p>
+          <a:p>
+            <a:pPr marL="800100" lvl="1" indent="-342900"/>
+            <a:r>
+              <a:rPr lang="en-US" dirty="0" smtClean="0"/>
+              <a:t>Consider automatic conversion of the argument</a:t>
+            </a:r>
+          </a:p>
+          <a:p>
+            <a:pPr marL="1485900" lvl="2" indent="-342900"/>
+            <a:r>
+              <a:rPr lang="en-US" dirty="0" smtClean="0"/>
+              <a:t>Object of type </a:t>
+            </a:r>
+            <a:r>
+              <a:rPr lang="en-US" dirty="0" err="1" smtClean="0">
+                <a:latin typeface="Courier New" panose="02070309020205020404" pitchFamily="49" charset="0"/>
+                <a:cs typeface="Courier New" panose="02070309020205020404" pitchFamily="49" charset="0"/>
+              </a:rPr>
+              <a:t>const</a:t>
+            </a:r>
+            <a:r>
+              <a:rPr lang="en-US" dirty="0" smtClean="0">
+                <a:latin typeface="Courier New" panose="02070309020205020404" pitchFamily="49" charset="0"/>
+                <a:cs typeface="Courier New" panose="02070309020205020404" pitchFamily="49" charset="0"/>
+              </a:rPr>
+              <a:t> char*</a:t>
+            </a:r>
+          </a:p>
+          <a:p>
+            <a:pPr marL="1485900" lvl="2" indent="-342900"/>
+            <a:r>
+              <a:rPr lang="en-US" dirty="0" smtClean="0">
+                <a:cs typeface="Courier New" panose="02070309020205020404" pitchFamily="49" charset="0"/>
+              </a:rPr>
+              <a:t>Argument is reference type</a:t>
+            </a:r>
+          </a:p>
+          <a:p>
+            <a:pPr marL="1485900" lvl="2" indent="-342900"/>
+            <a:r>
+              <a:rPr lang="en-US" dirty="0" smtClean="0">
+                <a:cs typeface="Courier New" panose="02070309020205020404" pitchFamily="49" charset="0"/>
+              </a:rPr>
+              <a:t>Object is movable, but not </a:t>
+            </a:r>
+            <a:r>
+              <a:rPr lang="en-US" dirty="0" err="1" smtClean="0">
+                <a:cs typeface="Courier New" panose="02070309020205020404" pitchFamily="49" charset="0"/>
+              </a:rPr>
+              <a:t>copyable</a:t>
+            </a:r>
+            <a:r>
+              <a:rPr lang="en-US" dirty="0" smtClean="0">
+                <a:cs typeface="Courier New" panose="02070309020205020404" pitchFamily="49" charset="0"/>
+              </a:rPr>
+              <a:t> type</a:t>
+            </a:r>
+            <a:endParaRPr lang="en-US" dirty="0">
+              <a:cs typeface="Courier New" panose="02070309020205020404" pitchFamily="49" charset="0"/>
+            </a:endParaRPr>
+          </a:p>
+        </p:txBody>
+      </p:sp>
+      <p:sp>
+        <p:nvSpPr>
+          <p:cNvPr id="4" name="Slide Number Placeholder 3"/>
+          <p:cNvSpPr>
+            <a:spLocks noGrp="1"/>
+          </p:cNvSpPr>
+          <p:nvPr>
+            <p:ph type="sldNum" sz="quarter" idx="12"/>
+          </p:nvPr>
+        </p:nvSpPr>
+        <p:spPr/>
+        <p:txBody>
+          <a:bodyPr/>
+          <a:lstStyle/>
+          <a:p>
+            <a:fld id="{6DA12B36-9664-4CB0-8B2E-F4A2F44AE97E}" type="slidenum">
+              <a:rPr lang="en-US" smtClean="0"/>
+              <a:t>14</a:t>
+            </a:fld>
+            <a:endParaRPr lang="en-US"/>
+          </a:p>
+        </p:txBody>
+      </p:sp>
+      <p:sp>
+        <p:nvSpPr>
+          <p:cNvPr id="5" name="Footer Placeholder 4"/>
+          <p:cNvSpPr>
+            <a:spLocks noGrp="1"/>
+          </p:cNvSpPr>
+          <p:nvPr>
+            <p:ph type="ftr" sz="quarter" idx="11"/>
+          </p:nvPr>
+        </p:nvSpPr>
+        <p:spPr/>
+        <p:txBody>
+          <a:bodyPr/>
+          <a:lstStyle/>
+          <a:p>
+            <a:r>
+              <a:rPr lang="en-US" smtClean="0"/>
+              <a:t>Source: Williams, Chapter 2</a:t>
+            </a:r>
+            <a:endParaRPr lang="en-US"/>
+          </a:p>
+        </p:txBody>
+      </p:sp>
+    </p:spTree>
+    <p:extLst>
+      <p:ext uri="{BB962C8B-B14F-4D97-AF65-F5344CB8AC3E}">
+        <p14:creationId xmlns:p14="http://schemas.microsoft.com/office/powerpoint/2010/main" val="3163633689"/>
+      </p:ext>
+    </p:extLst>
+  </p:cSld>
+  <p:clrMapOvr>
+    <a:masterClrMapping/>
+  </p:clrMapOvr>
+  <p:timing>
+    <p:tnLst>
+      <p:par>
+        <p:cTn id="1" dur="indefinite" restart="never" nodeType="tmRoot"/>
+      </p:par>
+    </p:tnLst>
+  </p:timing>
+</p:sld>
+</file>
+
+<file path=ppt/slides/slide15.xml><?xml version="1.0" encoding="utf-8"?>
+<p:sld xmlns:a="http://schemas.openxmlformats.org/drawingml/2006/main" xmlns:r="http://schemas.openxmlformats.org/officeDocument/2006/relationships" xmlns:p="http://schemas.openxmlformats.org/presentationml/2006/main">
+  <p:cSld>
+    <p:spTree>
+      <p:nvGrpSpPr>
+        <p:cNvPr id="1" name=""/>
+        <p:cNvGrpSpPr/>
+        <p:nvPr/>
+      </p:nvGrpSpPr>
+      <p:grpSpPr>
+        <a:xfrm>
+          <a:off x="0" y="0"/>
+          <a:ext cx="0" cy="0"/>
+          <a:chOff x="0" y="0"/>
+          <a:chExt cx="0" cy="0"/>
+        </a:xfrm>
+      </p:grpSpPr>
+      <p:sp>
+        <p:nvSpPr>
+          <p:cNvPr id="2" name="Title 1"/>
+          <p:cNvSpPr>
+            <a:spLocks noGrp="1"/>
+          </p:cNvSpPr>
+          <p:nvPr>
+            <p:ph type="title"/>
+          </p:nvPr>
+        </p:nvSpPr>
+        <p:spPr/>
+        <p:txBody>
+          <a:bodyPr/>
+          <a:lstStyle/>
+          <a:p>
+            <a:r>
+              <a:rPr lang="en-US" dirty="0" smtClean="0"/>
+              <a:t>Lifetime of arguments</a:t>
+            </a:r>
+            <a:endParaRPr lang="en-US" dirty="0"/>
+          </a:p>
+        </p:txBody>
+      </p:sp>
+      <p:sp>
+        <p:nvSpPr>
+          <p:cNvPr id="3" name="Content Placeholder 2"/>
+          <p:cNvSpPr>
+            <a:spLocks noGrp="1"/>
+          </p:cNvSpPr>
+          <p:nvPr>
+            <p:ph idx="1"/>
+          </p:nvPr>
+        </p:nvSpPr>
+        <p:spPr/>
+        <p:txBody>
+          <a:bodyPr>
+            <a:normAutofit lnSpcReduction="10000"/>
+          </a:bodyPr>
+          <a:lstStyle/>
+          <a:p>
+            <a:r>
+              <a:rPr lang="en-US" dirty="0" smtClean="0">
+                <a:cs typeface="Courier New" panose="02070309020205020404" pitchFamily="49" charset="0"/>
+              </a:rPr>
+              <a:t>No problem with this code:</a:t>
+            </a:r>
+          </a:p>
+          <a:p>
+            <a:r>
+              <a:rPr lang="en-US" dirty="0" smtClean="0">
+                <a:solidFill>
+                  <a:srgbClr val="7F0055"/>
+                </a:solidFill>
+                <a:latin typeface="Courier New" panose="02070309020205020404" pitchFamily="49" charset="0"/>
+                <a:cs typeface="Courier New" panose="02070309020205020404" pitchFamily="49" charset="0"/>
+              </a:rPr>
+              <a:t>void</a:t>
+            </a:r>
+            <a:r>
+              <a:rPr lang="en-US" dirty="0" smtClean="0">
+                <a:latin typeface="Courier New" panose="02070309020205020404" pitchFamily="49" charset="0"/>
+                <a:cs typeface="Courier New" panose="02070309020205020404" pitchFamily="49" charset="0"/>
+              </a:rPr>
+              <a:t> </a:t>
+            </a:r>
+            <a:r>
+              <a:rPr lang="en-US" dirty="0">
+                <a:latin typeface="Courier New" panose="02070309020205020404" pitchFamily="49" charset="0"/>
+                <a:cs typeface="Courier New" panose="02070309020205020404" pitchFamily="49" charset="0"/>
+              </a:rPr>
+              <a:t>f(</a:t>
+            </a:r>
+            <a:r>
+              <a:rPr lang="en-US" dirty="0" err="1">
+                <a:solidFill>
+                  <a:srgbClr val="7F0055"/>
+                </a:solidFill>
+                <a:latin typeface="Courier New" panose="02070309020205020404" pitchFamily="49" charset="0"/>
+                <a:cs typeface="Courier New" panose="02070309020205020404" pitchFamily="49" charset="0"/>
+              </a:rPr>
+              <a:t>int</a:t>
+            </a:r>
+            <a:r>
+              <a:rPr lang="en-US" dirty="0">
+                <a:latin typeface="Courier New" panose="02070309020205020404" pitchFamily="49" charset="0"/>
+                <a:cs typeface="Courier New" panose="02070309020205020404" pitchFamily="49" charset="0"/>
+              </a:rPr>
+              <a:t> </a:t>
+            </a:r>
+            <a:r>
+              <a:rPr lang="en-US" dirty="0" err="1">
+                <a:latin typeface="Courier New" panose="02070309020205020404" pitchFamily="49" charset="0"/>
+                <a:cs typeface="Courier New" panose="02070309020205020404" pitchFamily="49" charset="0"/>
+              </a:rPr>
+              <a:t>i</a:t>
+            </a:r>
+            <a:r>
+              <a:rPr lang="en-US" dirty="0">
+                <a:latin typeface="Courier New" panose="02070309020205020404" pitchFamily="49" charset="0"/>
+                <a:cs typeface="Courier New" panose="02070309020205020404" pitchFamily="49" charset="0"/>
+              </a:rPr>
+              <a:t>, </a:t>
+            </a:r>
+            <a:r>
+              <a:rPr lang="en-US" dirty="0" err="1">
+                <a:solidFill>
+                  <a:srgbClr val="7F0055"/>
+                </a:solidFill>
+                <a:latin typeface="Courier New" panose="02070309020205020404" pitchFamily="49" charset="0"/>
+                <a:cs typeface="Courier New" panose="02070309020205020404" pitchFamily="49" charset="0"/>
+              </a:rPr>
+              <a:t>const</a:t>
+            </a:r>
+            <a:r>
+              <a:rPr lang="en-US" dirty="0">
+                <a:latin typeface="Courier New" panose="02070309020205020404" pitchFamily="49" charset="0"/>
+                <a:cs typeface="Courier New" panose="02070309020205020404" pitchFamily="49" charset="0"/>
+              </a:rPr>
+              <a:t> </a:t>
+            </a:r>
+            <a:r>
+              <a:rPr lang="en-US" dirty="0">
+                <a:solidFill>
+                  <a:srgbClr val="7F0055"/>
+                </a:solidFill>
+                <a:latin typeface="Courier New" panose="02070309020205020404" pitchFamily="49" charset="0"/>
+                <a:cs typeface="Courier New" panose="02070309020205020404" pitchFamily="49" charset="0"/>
+              </a:rPr>
+              <a:t>char</a:t>
+            </a:r>
+            <a:r>
+              <a:rPr lang="en-US" dirty="0">
+                <a:latin typeface="Courier New" panose="02070309020205020404" pitchFamily="49" charset="0"/>
+                <a:cs typeface="Courier New" panose="02070309020205020404" pitchFamily="49" charset="0"/>
+              </a:rPr>
+              <a:t>* s</a:t>
+            </a:r>
+            <a:r>
+              <a:rPr lang="en-US" dirty="0" smtClean="0">
+                <a:latin typeface="Courier New" panose="02070309020205020404" pitchFamily="49" charset="0"/>
+                <a:cs typeface="Courier New" panose="02070309020205020404" pitchFamily="49" charset="0"/>
+              </a:rPr>
+              <a:t>);</a:t>
+            </a:r>
+          </a:p>
+          <a:p>
+            <a:r>
+              <a:rPr lang="en-US" dirty="0" err="1">
+                <a:latin typeface="Courier New" panose="02070309020205020404" pitchFamily="49" charset="0"/>
+                <a:cs typeface="Courier New" panose="02070309020205020404" pitchFamily="49" charset="0"/>
+              </a:rPr>
+              <a:t>std</a:t>
+            </a:r>
+            <a:r>
+              <a:rPr lang="en-US" dirty="0">
+                <a:latin typeface="Courier New" panose="02070309020205020404" pitchFamily="49" charset="0"/>
+                <a:cs typeface="Courier New" panose="02070309020205020404" pitchFamily="49" charset="0"/>
+              </a:rPr>
+              <a:t>::</a:t>
+            </a:r>
+            <a:r>
+              <a:rPr lang="en-US" dirty="0" smtClean="0">
+                <a:latin typeface="Courier New" panose="02070309020205020404" pitchFamily="49" charset="0"/>
+                <a:cs typeface="Courier New" panose="02070309020205020404" pitchFamily="49" charset="0"/>
+              </a:rPr>
+              <a:t>thread </a:t>
+            </a:r>
+            <a:r>
+              <a:rPr lang="en-US" dirty="0">
+                <a:latin typeface="Courier New" panose="02070309020205020404" pitchFamily="49" charset="0"/>
+                <a:cs typeface="Courier New" panose="02070309020205020404" pitchFamily="49" charset="0"/>
+              </a:rPr>
+              <a:t>t(f, 3, </a:t>
+            </a:r>
+            <a:r>
+              <a:rPr lang="en-US" dirty="0">
+                <a:solidFill>
+                  <a:srgbClr val="2A00FF"/>
+                </a:solidFill>
+                <a:latin typeface="Courier New" panose="02070309020205020404" pitchFamily="49" charset="0"/>
+                <a:cs typeface="Courier New" panose="02070309020205020404" pitchFamily="49" charset="0"/>
+              </a:rPr>
+              <a:t>"hello</a:t>
+            </a:r>
+            <a:r>
+              <a:rPr lang="en-US" dirty="0" smtClean="0">
+                <a:solidFill>
+                  <a:srgbClr val="2A00FF"/>
+                </a:solidFill>
+                <a:latin typeface="Courier New" panose="02070309020205020404" pitchFamily="49" charset="0"/>
+                <a:cs typeface="Courier New" panose="02070309020205020404" pitchFamily="49" charset="0"/>
+              </a:rPr>
+              <a:t>"</a:t>
+            </a:r>
+            <a:r>
+              <a:rPr lang="en-US" dirty="0" smtClean="0">
+                <a:latin typeface="Courier New" panose="02070309020205020404" pitchFamily="49" charset="0"/>
+                <a:cs typeface="Courier New" panose="02070309020205020404" pitchFamily="49" charset="0"/>
+              </a:rPr>
+              <a:t>);</a:t>
+            </a:r>
+          </a:p>
+          <a:p>
+            <a:r>
+              <a:rPr lang="en-US" dirty="0" smtClean="0">
+                <a:cs typeface="Courier New" panose="02070309020205020404" pitchFamily="49" charset="0"/>
+              </a:rPr>
+              <a:t>What is the problem with this code?</a:t>
+            </a:r>
+          </a:p>
+          <a:p>
+            <a:r>
+              <a:rPr lang="en-US" dirty="0" smtClean="0">
+                <a:solidFill>
+                  <a:srgbClr val="7F0055"/>
+                </a:solidFill>
+                <a:latin typeface="Courier New" panose="02070309020205020404" pitchFamily="49" charset="0"/>
+                <a:cs typeface="Courier New" panose="02070309020205020404" pitchFamily="49" charset="0"/>
+              </a:rPr>
+              <a:t>void</a:t>
+            </a:r>
+            <a:r>
+              <a:rPr lang="en-US" dirty="0" smtClean="0">
+                <a:latin typeface="Courier New" panose="02070309020205020404" pitchFamily="49" charset="0"/>
+                <a:cs typeface="Courier New" panose="02070309020205020404" pitchFamily="49" charset="0"/>
+              </a:rPr>
+              <a:t> oops(</a:t>
+            </a:r>
+            <a:r>
+              <a:rPr lang="en-US" dirty="0" err="1" smtClean="0">
+                <a:solidFill>
+                  <a:srgbClr val="7F0055"/>
+                </a:solidFill>
+                <a:latin typeface="Courier New" panose="02070309020205020404" pitchFamily="49" charset="0"/>
+                <a:cs typeface="Courier New" panose="02070309020205020404" pitchFamily="49" charset="0"/>
+              </a:rPr>
+              <a:t>int</a:t>
+            </a:r>
+            <a:r>
+              <a:rPr lang="en-US" dirty="0" smtClean="0">
+                <a:latin typeface="Courier New" panose="02070309020205020404" pitchFamily="49" charset="0"/>
+                <a:cs typeface="Courier New" panose="02070309020205020404" pitchFamily="49" charset="0"/>
+              </a:rPr>
+              <a:t> j) {</a:t>
+            </a:r>
+          </a:p>
+          <a:p>
+            <a:r>
+              <a:rPr lang="en-US" dirty="0" smtClean="0">
+                <a:solidFill>
+                  <a:srgbClr val="7F0055"/>
+                </a:solidFill>
+                <a:latin typeface="Courier New" panose="02070309020205020404" pitchFamily="49" charset="0"/>
+                <a:cs typeface="Courier New" panose="02070309020205020404" pitchFamily="49" charset="0"/>
+              </a:rPr>
+              <a:t>  char</a:t>
+            </a:r>
+            <a:r>
+              <a:rPr lang="en-US" dirty="0" smtClean="0">
+                <a:latin typeface="Courier New" panose="02070309020205020404" pitchFamily="49" charset="0"/>
+                <a:cs typeface="Courier New" panose="02070309020205020404" pitchFamily="49" charset="0"/>
+              </a:rPr>
+              <a:t> buffer[1024];</a:t>
+            </a:r>
+          </a:p>
+          <a:p>
+            <a:r>
+              <a:rPr lang="en-US" dirty="0" smtClean="0">
+                <a:solidFill>
+                  <a:srgbClr val="7F0055"/>
+                </a:solidFill>
+                <a:latin typeface="Courier New" panose="02070309020205020404" pitchFamily="49" charset="0"/>
+                <a:cs typeface="Courier New" panose="02070309020205020404" pitchFamily="49" charset="0"/>
+              </a:rPr>
+              <a:t>  </a:t>
+            </a:r>
+            <a:r>
+              <a:rPr lang="en-US" dirty="0" err="1" smtClean="0">
+                <a:solidFill>
+                  <a:srgbClr val="7F0055"/>
+                </a:solidFill>
+                <a:latin typeface="Courier New" panose="02070309020205020404" pitchFamily="49" charset="0"/>
+                <a:cs typeface="Courier New" panose="02070309020205020404" pitchFamily="49" charset="0"/>
+              </a:rPr>
+              <a:t>sprintf</a:t>
+            </a:r>
+            <a:r>
+              <a:rPr lang="en-US" dirty="0" smtClean="0">
+                <a:latin typeface="Courier New" panose="02070309020205020404" pitchFamily="49" charset="0"/>
+                <a:cs typeface="Courier New" panose="02070309020205020404" pitchFamily="49" charset="0"/>
+              </a:rPr>
+              <a:t>(buffer, </a:t>
+            </a:r>
+            <a:r>
+              <a:rPr lang="en-US" dirty="0" smtClean="0">
+                <a:solidFill>
+                  <a:srgbClr val="2A00FF"/>
+                </a:solidFill>
+                <a:latin typeface="Courier New" panose="02070309020205020404" pitchFamily="49" charset="0"/>
+                <a:cs typeface="Courier New" panose="02070309020205020404" pitchFamily="49" charset="0"/>
+              </a:rPr>
+              <a:t>"%</a:t>
+            </a:r>
+            <a:r>
+              <a:rPr lang="en-US" dirty="0" err="1" smtClean="0">
+                <a:solidFill>
+                  <a:srgbClr val="2A00FF"/>
+                </a:solidFill>
+                <a:latin typeface="Courier New" panose="02070309020205020404" pitchFamily="49" charset="0"/>
+                <a:cs typeface="Courier New" panose="02070309020205020404" pitchFamily="49" charset="0"/>
+              </a:rPr>
+              <a:t>i</a:t>
+            </a:r>
+            <a:r>
+              <a:rPr lang="en-US" dirty="0" smtClean="0">
+                <a:solidFill>
+                  <a:srgbClr val="2A00FF"/>
+                </a:solidFill>
+                <a:latin typeface="Courier New" panose="02070309020205020404" pitchFamily="49" charset="0"/>
+                <a:cs typeface="Courier New" panose="02070309020205020404" pitchFamily="49" charset="0"/>
+              </a:rPr>
+              <a:t>"</a:t>
+            </a:r>
+            <a:r>
+              <a:rPr lang="en-US" dirty="0" smtClean="0">
+                <a:latin typeface="Courier New" panose="02070309020205020404" pitchFamily="49" charset="0"/>
+                <a:cs typeface="Courier New" panose="02070309020205020404" pitchFamily="49" charset="0"/>
+              </a:rPr>
+              <a:t>, j);</a:t>
+            </a:r>
+          </a:p>
+          <a:p>
+            <a:r>
+              <a:rPr lang="en-US" dirty="0" smtClean="0">
+                <a:latin typeface="Courier New" panose="02070309020205020404" pitchFamily="49" charset="0"/>
+                <a:cs typeface="Courier New" panose="02070309020205020404" pitchFamily="49" charset="0"/>
+              </a:rPr>
+              <a:t>  </a:t>
+            </a:r>
+            <a:r>
+              <a:rPr lang="en-US" dirty="0" err="1" smtClean="0">
+                <a:latin typeface="Courier New" panose="02070309020205020404" pitchFamily="49" charset="0"/>
+                <a:cs typeface="Courier New" panose="02070309020205020404" pitchFamily="49" charset="0"/>
+              </a:rPr>
+              <a:t>std</a:t>
+            </a:r>
+            <a:r>
+              <a:rPr lang="en-US" dirty="0" smtClean="0">
+                <a:latin typeface="Courier New" panose="02070309020205020404" pitchFamily="49" charset="0"/>
+                <a:cs typeface="Courier New" panose="02070309020205020404" pitchFamily="49" charset="0"/>
+              </a:rPr>
+              <a:t>::thread t(f, 3, buffer);</a:t>
+            </a:r>
+          </a:p>
+          <a:p>
+            <a:r>
+              <a:rPr lang="en-US" dirty="0" smtClean="0">
+                <a:latin typeface="Courier New" panose="02070309020205020404" pitchFamily="49" charset="0"/>
+                <a:cs typeface="Courier New" panose="02070309020205020404" pitchFamily="49" charset="0"/>
+              </a:rPr>
+              <a:t>  </a:t>
+            </a:r>
+            <a:r>
+              <a:rPr lang="en-US" dirty="0" err="1" smtClean="0">
+                <a:latin typeface="Courier New" panose="02070309020205020404" pitchFamily="49" charset="0"/>
+                <a:cs typeface="Courier New" panose="02070309020205020404" pitchFamily="49" charset="0"/>
+              </a:rPr>
+              <a:t>t.detach</a:t>
+            </a:r>
+            <a:r>
+              <a:rPr lang="en-US" dirty="0" smtClean="0">
+                <a:latin typeface="Courier New" panose="02070309020205020404" pitchFamily="49" charset="0"/>
+                <a:cs typeface="Courier New" panose="02070309020205020404" pitchFamily="49" charset="0"/>
+              </a:rPr>
+              <a:t>();</a:t>
+            </a:r>
+          </a:p>
+          <a:p>
+            <a:r>
+              <a:rPr lang="en-US" dirty="0" smtClean="0">
+                <a:latin typeface="Courier New" panose="02070309020205020404" pitchFamily="49" charset="0"/>
+                <a:cs typeface="Courier New" panose="02070309020205020404" pitchFamily="49" charset="0"/>
+              </a:rPr>
+              <a:t>}</a:t>
+            </a:r>
+            <a:endParaRPr lang="en-US" dirty="0">
+              <a:latin typeface="Courier New" panose="02070309020205020404" pitchFamily="49" charset="0"/>
+              <a:cs typeface="Courier New" panose="02070309020205020404" pitchFamily="49" charset="0"/>
+            </a:endParaRPr>
+          </a:p>
+        </p:txBody>
+      </p:sp>
+      <p:sp>
+        <p:nvSpPr>
+          <p:cNvPr id="4" name="Slide Number Placeholder 3"/>
+          <p:cNvSpPr>
+            <a:spLocks noGrp="1"/>
+          </p:cNvSpPr>
+          <p:nvPr>
+            <p:ph type="sldNum" sz="quarter" idx="12"/>
+          </p:nvPr>
+        </p:nvSpPr>
+        <p:spPr/>
+        <p:txBody>
+          <a:bodyPr/>
+          <a:lstStyle/>
+          <a:p>
+            <a:fld id="{6DA12B36-9664-4CB0-8B2E-F4A2F44AE97E}" type="slidenum">
+              <a:rPr lang="en-US" smtClean="0"/>
+              <a:t>15</a:t>
+            </a:fld>
+            <a:endParaRPr lang="en-US"/>
+          </a:p>
+        </p:txBody>
+      </p:sp>
+      <p:sp>
+        <p:nvSpPr>
+          <p:cNvPr id="5" name="Footer Placeholder 4"/>
+          <p:cNvSpPr>
+            <a:spLocks noGrp="1"/>
+          </p:cNvSpPr>
+          <p:nvPr>
+            <p:ph type="ftr" sz="quarter" idx="11"/>
+          </p:nvPr>
+        </p:nvSpPr>
+        <p:spPr/>
+        <p:txBody>
+          <a:bodyPr/>
+          <a:lstStyle/>
+          <a:p>
+            <a:r>
+              <a:rPr lang="en-US" smtClean="0"/>
+              <a:t>Source: Williams, Chapter 2</a:t>
+            </a:r>
+            <a:endParaRPr lang="en-US"/>
+          </a:p>
+        </p:txBody>
+      </p:sp>
+    </p:spTree>
+    <p:extLst>
+      <p:ext uri="{BB962C8B-B14F-4D97-AF65-F5344CB8AC3E}">
+        <p14:creationId xmlns:p14="http://schemas.microsoft.com/office/powerpoint/2010/main" val="685214048"/>
+      </p:ext>
+    </p:extLst>
+  </p:cSld>
+  <p:clrMapOvr>
+    <a:masterClrMapping/>
+  </p:clrMapOvr>
+  <p:timing>
+    <p:tnLst>
+      <p:par>
+        <p:cTn id="1" dur="indefinite" restart="never" nodeType="tmRoot"/>
+      </p:par>
+    </p:tnLst>
+  </p:timing>
+</p:sld>
+</file>
+
+<file path=ppt/slides/slide16.xml><?xml version="1.0" encoding="utf-8"?>
+<p:sld xmlns:a="http://schemas.openxmlformats.org/drawingml/2006/main" xmlns:r="http://schemas.openxmlformats.org/officeDocument/2006/relationships" xmlns:p="http://schemas.openxmlformats.org/presentationml/2006/main">
+  <p:cSld>
+    <p:spTree>
+      <p:nvGrpSpPr>
+        <p:cNvPr id="1" name=""/>
+        <p:cNvGrpSpPr/>
+        <p:nvPr/>
+      </p:nvGrpSpPr>
+      <p:grpSpPr>
+        <a:xfrm>
+          <a:off x="0" y="0"/>
+          <a:ext cx="0" cy="0"/>
+          <a:chOff x="0" y="0"/>
+          <a:chExt cx="0" cy="0"/>
+        </a:xfrm>
+      </p:grpSpPr>
+      <p:sp>
+        <p:nvSpPr>
+          <p:cNvPr id="2" name="Title 1"/>
+          <p:cNvSpPr>
+            <a:spLocks noGrp="1"/>
+          </p:cNvSpPr>
+          <p:nvPr>
+            <p:ph type="title"/>
+          </p:nvPr>
+        </p:nvSpPr>
+        <p:spPr/>
+        <p:txBody>
+          <a:bodyPr/>
+          <a:lstStyle/>
+          <a:p>
+            <a:r>
+              <a:rPr lang="en-US" dirty="0" smtClean="0"/>
+              <a:t>Automatic conversion</a:t>
+            </a:r>
+            <a:endParaRPr lang="en-US" dirty="0"/>
+          </a:p>
+        </p:txBody>
+      </p:sp>
+      <p:sp>
+        <p:nvSpPr>
+          <p:cNvPr id="3" name="Content Placeholder 2"/>
+          <p:cNvSpPr>
+            <a:spLocks noGrp="1"/>
+          </p:cNvSpPr>
+          <p:nvPr>
+            <p:ph idx="1"/>
+          </p:nvPr>
+        </p:nvSpPr>
+        <p:spPr/>
+        <p:txBody>
+          <a:bodyPr/>
+          <a:lstStyle/>
+          <a:p>
+            <a:r>
+              <a:rPr lang="en-US" dirty="0" smtClean="0"/>
+              <a:t>Suppose instead we have this function:</a:t>
+            </a:r>
+          </a:p>
+          <a:p>
+            <a:r>
+              <a:rPr lang="en-US" dirty="0">
+                <a:solidFill>
+                  <a:srgbClr val="7F0055"/>
+                </a:solidFill>
+                <a:latin typeface="Courier New" panose="02070309020205020404" pitchFamily="49" charset="0"/>
+                <a:cs typeface="Courier New" panose="02070309020205020404" pitchFamily="49" charset="0"/>
+              </a:rPr>
+              <a:t>void</a:t>
+            </a:r>
+            <a:r>
+              <a:rPr lang="en-US" dirty="0">
+                <a:latin typeface="Courier New" panose="02070309020205020404" pitchFamily="49" charset="0"/>
+                <a:cs typeface="Courier New" panose="02070309020205020404" pitchFamily="49" charset="0"/>
+              </a:rPr>
+              <a:t> f(</a:t>
+            </a:r>
+            <a:r>
+              <a:rPr lang="en-US" dirty="0" err="1">
+                <a:solidFill>
+                  <a:srgbClr val="7F0055"/>
+                </a:solidFill>
+                <a:latin typeface="Courier New" panose="02070309020205020404" pitchFamily="49" charset="0"/>
+                <a:cs typeface="Courier New" panose="02070309020205020404" pitchFamily="49" charset="0"/>
+              </a:rPr>
+              <a:t>int</a:t>
+            </a:r>
+            <a:r>
+              <a:rPr lang="en-US" dirty="0">
+                <a:latin typeface="Courier New" panose="02070309020205020404" pitchFamily="49" charset="0"/>
+                <a:cs typeface="Courier New" panose="02070309020205020404" pitchFamily="49" charset="0"/>
+              </a:rPr>
+              <a:t> </a:t>
+            </a:r>
+            <a:r>
+              <a:rPr lang="en-US" dirty="0" err="1">
+                <a:latin typeface="Courier New" panose="02070309020205020404" pitchFamily="49" charset="0"/>
+                <a:cs typeface="Courier New" panose="02070309020205020404" pitchFamily="49" charset="0"/>
+              </a:rPr>
+              <a:t>i</a:t>
+            </a:r>
+            <a:r>
+              <a:rPr lang="en-US" dirty="0">
+                <a:latin typeface="Courier New" panose="02070309020205020404" pitchFamily="49" charset="0"/>
+                <a:cs typeface="Courier New" panose="02070309020205020404" pitchFamily="49" charset="0"/>
+              </a:rPr>
+              <a:t>, </a:t>
+            </a:r>
+            <a:r>
+              <a:rPr lang="en-US" dirty="0" err="1">
+                <a:solidFill>
+                  <a:srgbClr val="7F0055"/>
+                </a:solidFill>
+                <a:latin typeface="Courier New" panose="02070309020205020404" pitchFamily="49" charset="0"/>
+                <a:cs typeface="Courier New" panose="02070309020205020404" pitchFamily="49" charset="0"/>
+              </a:rPr>
+              <a:t>const</a:t>
+            </a:r>
+            <a:r>
+              <a:rPr lang="en-US" dirty="0">
+                <a:latin typeface="Courier New" panose="02070309020205020404" pitchFamily="49" charset="0"/>
+                <a:cs typeface="Courier New" panose="02070309020205020404" pitchFamily="49" charset="0"/>
+              </a:rPr>
+              <a:t> </a:t>
+            </a:r>
+            <a:r>
+              <a:rPr lang="en-US" dirty="0" err="1" smtClean="0">
+                <a:solidFill>
+                  <a:srgbClr val="7F0055"/>
+                </a:solidFill>
+                <a:latin typeface="Courier New" panose="02070309020205020404" pitchFamily="49" charset="0"/>
+                <a:cs typeface="Courier New" panose="02070309020205020404" pitchFamily="49" charset="0"/>
+              </a:rPr>
+              <a:t>std</a:t>
+            </a:r>
+            <a:r>
+              <a:rPr lang="en-US" dirty="0" smtClean="0">
+                <a:solidFill>
+                  <a:srgbClr val="7F0055"/>
+                </a:solidFill>
+                <a:latin typeface="Courier New" panose="02070309020205020404" pitchFamily="49" charset="0"/>
+                <a:cs typeface="Courier New" panose="02070309020205020404" pitchFamily="49" charset="0"/>
+              </a:rPr>
+              <a:t>::string</a:t>
+            </a:r>
+            <a:r>
+              <a:rPr lang="en-US" dirty="0" smtClean="0">
+                <a:latin typeface="Courier New" panose="02070309020205020404" pitchFamily="49" charset="0"/>
+                <a:cs typeface="Courier New" panose="02070309020205020404" pitchFamily="49" charset="0"/>
+              </a:rPr>
+              <a:t> </a:t>
+            </a:r>
+            <a:r>
+              <a:rPr lang="en-US" dirty="0">
+                <a:latin typeface="Courier New" panose="02070309020205020404" pitchFamily="49" charset="0"/>
+                <a:cs typeface="Courier New" panose="02070309020205020404" pitchFamily="49" charset="0"/>
+              </a:rPr>
+              <a:t>s</a:t>
+            </a:r>
+            <a:r>
+              <a:rPr lang="en-US" dirty="0" smtClean="0">
+                <a:latin typeface="Courier New" panose="02070309020205020404" pitchFamily="49" charset="0"/>
+                <a:cs typeface="Courier New" panose="02070309020205020404" pitchFamily="49" charset="0"/>
+              </a:rPr>
+              <a:t>);</a:t>
+            </a:r>
+          </a:p>
+          <a:p>
+            <a:r>
+              <a:rPr lang="en-US" dirty="0" smtClean="0">
+                <a:cs typeface="Courier New" panose="02070309020205020404" pitchFamily="49" charset="0"/>
+              </a:rPr>
+              <a:t>Is there still a problem?</a:t>
+            </a:r>
+          </a:p>
+          <a:p>
+            <a:r>
+              <a:rPr lang="en-US" dirty="0">
+                <a:solidFill>
+                  <a:srgbClr val="7F0055"/>
+                </a:solidFill>
+                <a:latin typeface="Courier New" panose="02070309020205020404" pitchFamily="49" charset="0"/>
+                <a:cs typeface="Courier New" panose="02070309020205020404" pitchFamily="49" charset="0"/>
+              </a:rPr>
+              <a:t>void</a:t>
+            </a:r>
+            <a:r>
+              <a:rPr lang="en-US" dirty="0">
+                <a:latin typeface="Courier New" panose="02070309020205020404" pitchFamily="49" charset="0"/>
+                <a:cs typeface="Courier New" panose="02070309020205020404" pitchFamily="49" charset="0"/>
+              </a:rPr>
+              <a:t> oops(</a:t>
+            </a:r>
+            <a:r>
+              <a:rPr lang="en-US" dirty="0" err="1">
+                <a:solidFill>
+                  <a:srgbClr val="7F0055"/>
+                </a:solidFill>
+                <a:latin typeface="Courier New" panose="02070309020205020404" pitchFamily="49" charset="0"/>
+                <a:cs typeface="Courier New" panose="02070309020205020404" pitchFamily="49" charset="0"/>
+              </a:rPr>
+              <a:t>int</a:t>
+            </a:r>
+            <a:r>
+              <a:rPr lang="en-US" dirty="0">
+                <a:latin typeface="Courier New" panose="02070309020205020404" pitchFamily="49" charset="0"/>
+                <a:cs typeface="Courier New" panose="02070309020205020404" pitchFamily="49" charset="0"/>
+              </a:rPr>
+              <a:t> j) {</a:t>
+            </a:r>
+          </a:p>
+          <a:p>
+            <a:r>
+              <a:rPr lang="en-US" dirty="0">
+                <a:solidFill>
+                  <a:srgbClr val="7F0055"/>
+                </a:solidFill>
+                <a:latin typeface="Courier New" panose="02070309020205020404" pitchFamily="49" charset="0"/>
+                <a:cs typeface="Courier New" panose="02070309020205020404" pitchFamily="49" charset="0"/>
+              </a:rPr>
+              <a:t>  char</a:t>
+            </a:r>
+            <a:r>
+              <a:rPr lang="en-US" dirty="0">
+                <a:latin typeface="Courier New" panose="02070309020205020404" pitchFamily="49" charset="0"/>
+                <a:cs typeface="Courier New" panose="02070309020205020404" pitchFamily="49" charset="0"/>
+              </a:rPr>
+              <a:t> buffer[1024];</a:t>
+            </a:r>
+          </a:p>
+          <a:p>
+            <a:r>
+              <a:rPr lang="en-US" dirty="0">
+                <a:solidFill>
+                  <a:srgbClr val="7F0055"/>
+                </a:solidFill>
+                <a:latin typeface="Courier New" panose="02070309020205020404" pitchFamily="49" charset="0"/>
+                <a:cs typeface="Courier New" panose="02070309020205020404" pitchFamily="49" charset="0"/>
+              </a:rPr>
+              <a:t>  </a:t>
+            </a:r>
+            <a:r>
+              <a:rPr lang="en-US" dirty="0" err="1">
+                <a:solidFill>
+                  <a:srgbClr val="7F0055"/>
+                </a:solidFill>
+                <a:latin typeface="Courier New" panose="02070309020205020404" pitchFamily="49" charset="0"/>
+                <a:cs typeface="Courier New" panose="02070309020205020404" pitchFamily="49" charset="0"/>
+              </a:rPr>
+              <a:t>sprintf</a:t>
+            </a:r>
+            <a:r>
+              <a:rPr lang="en-US" dirty="0">
+                <a:latin typeface="Courier New" panose="02070309020205020404" pitchFamily="49" charset="0"/>
+                <a:cs typeface="Courier New" panose="02070309020205020404" pitchFamily="49" charset="0"/>
+              </a:rPr>
+              <a:t>(buffer, </a:t>
+            </a:r>
+            <a:r>
+              <a:rPr lang="en-US" dirty="0">
+                <a:solidFill>
+                  <a:srgbClr val="2A00FF"/>
+                </a:solidFill>
+                <a:latin typeface="Courier New" panose="02070309020205020404" pitchFamily="49" charset="0"/>
+                <a:cs typeface="Courier New" panose="02070309020205020404" pitchFamily="49" charset="0"/>
+              </a:rPr>
+              <a:t>"%</a:t>
+            </a:r>
+            <a:r>
+              <a:rPr lang="en-US" dirty="0" err="1">
+                <a:solidFill>
+                  <a:srgbClr val="2A00FF"/>
+                </a:solidFill>
+                <a:latin typeface="Courier New" panose="02070309020205020404" pitchFamily="49" charset="0"/>
+                <a:cs typeface="Courier New" panose="02070309020205020404" pitchFamily="49" charset="0"/>
+              </a:rPr>
+              <a:t>i</a:t>
+            </a:r>
+            <a:r>
+              <a:rPr lang="en-US" dirty="0">
+                <a:solidFill>
+                  <a:srgbClr val="2A00FF"/>
+                </a:solidFill>
+                <a:latin typeface="Courier New" panose="02070309020205020404" pitchFamily="49" charset="0"/>
+                <a:cs typeface="Courier New" panose="02070309020205020404" pitchFamily="49" charset="0"/>
+              </a:rPr>
+              <a:t>"</a:t>
+            </a:r>
+            <a:r>
+              <a:rPr lang="en-US" dirty="0">
+                <a:latin typeface="Courier New" panose="02070309020205020404" pitchFamily="49" charset="0"/>
+                <a:cs typeface="Courier New" panose="02070309020205020404" pitchFamily="49" charset="0"/>
+              </a:rPr>
+              <a:t>, j);</a:t>
+            </a:r>
+          </a:p>
+          <a:p>
+            <a:r>
+              <a:rPr lang="en-US" dirty="0">
+                <a:latin typeface="Courier New" panose="02070309020205020404" pitchFamily="49" charset="0"/>
+                <a:cs typeface="Courier New" panose="02070309020205020404" pitchFamily="49" charset="0"/>
+              </a:rPr>
+              <a:t>  </a:t>
+            </a:r>
+            <a:r>
+              <a:rPr lang="en-US" dirty="0" err="1">
+                <a:latin typeface="Courier New" panose="02070309020205020404" pitchFamily="49" charset="0"/>
+                <a:cs typeface="Courier New" panose="02070309020205020404" pitchFamily="49" charset="0"/>
+              </a:rPr>
+              <a:t>std</a:t>
+            </a:r>
+            <a:r>
+              <a:rPr lang="en-US" dirty="0">
+                <a:latin typeface="Courier New" panose="02070309020205020404" pitchFamily="49" charset="0"/>
+                <a:cs typeface="Courier New" panose="02070309020205020404" pitchFamily="49" charset="0"/>
+              </a:rPr>
+              <a:t>::thread t(f, 3, buffer);</a:t>
+            </a:r>
+          </a:p>
+          <a:p>
+            <a:r>
+              <a:rPr lang="en-US" dirty="0">
+                <a:latin typeface="Courier New" panose="02070309020205020404" pitchFamily="49" charset="0"/>
+                <a:cs typeface="Courier New" panose="02070309020205020404" pitchFamily="49" charset="0"/>
+              </a:rPr>
+              <a:t>  </a:t>
+            </a:r>
+            <a:r>
+              <a:rPr lang="en-US" dirty="0" err="1">
+                <a:latin typeface="Courier New" panose="02070309020205020404" pitchFamily="49" charset="0"/>
+                <a:cs typeface="Courier New" panose="02070309020205020404" pitchFamily="49" charset="0"/>
+              </a:rPr>
+              <a:t>t.detach</a:t>
+            </a:r>
+            <a:r>
+              <a:rPr lang="en-US" dirty="0">
+                <a:latin typeface="Courier New" panose="02070309020205020404" pitchFamily="49" charset="0"/>
+                <a:cs typeface="Courier New" panose="02070309020205020404" pitchFamily="49" charset="0"/>
+              </a:rPr>
+              <a:t>();</a:t>
+            </a:r>
+          </a:p>
+          <a:p>
+            <a:r>
+              <a:rPr lang="en-US" dirty="0">
+                <a:latin typeface="Courier New" panose="02070309020205020404" pitchFamily="49" charset="0"/>
+                <a:cs typeface="Courier New" panose="02070309020205020404" pitchFamily="49" charset="0"/>
+              </a:rPr>
+              <a:t>}</a:t>
+            </a:r>
+          </a:p>
+          <a:p>
+            <a:endParaRPr lang="en-US" dirty="0">
+              <a:cs typeface="Courier New" panose="02070309020205020404" pitchFamily="49" charset="0"/>
+            </a:endParaRPr>
+          </a:p>
+          <a:p>
+            <a:endParaRPr lang="en-US" dirty="0"/>
+          </a:p>
+        </p:txBody>
+      </p:sp>
+      <p:sp>
+        <p:nvSpPr>
+          <p:cNvPr id="4" name="Slide Number Placeholder 3"/>
+          <p:cNvSpPr>
+            <a:spLocks noGrp="1"/>
+          </p:cNvSpPr>
+          <p:nvPr>
+            <p:ph type="sldNum" sz="quarter" idx="12"/>
+          </p:nvPr>
+        </p:nvSpPr>
+        <p:spPr/>
+        <p:txBody>
+          <a:bodyPr/>
+          <a:lstStyle/>
+          <a:p>
+            <a:fld id="{6DA12B36-9664-4CB0-8B2E-F4A2F44AE97E}" type="slidenum">
+              <a:rPr lang="en-US" smtClean="0"/>
+              <a:t>16</a:t>
+            </a:fld>
+            <a:endParaRPr lang="en-US"/>
+          </a:p>
+        </p:txBody>
+      </p:sp>
+      <p:sp>
+        <p:nvSpPr>
+          <p:cNvPr id="5" name="Footer Placeholder 4"/>
+          <p:cNvSpPr>
+            <a:spLocks noGrp="1"/>
+          </p:cNvSpPr>
+          <p:nvPr>
+            <p:ph type="ftr" sz="quarter" idx="11"/>
+          </p:nvPr>
+        </p:nvSpPr>
+        <p:spPr/>
+        <p:txBody>
+          <a:bodyPr/>
+          <a:lstStyle/>
+          <a:p>
+            <a:r>
+              <a:rPr lang="en-US" smtClean="0"/>
+              <a:t>Source: Williams, Chapter 2</a:t>
+            </a:r>
+            <a:endParaRPr lang="en-US"/>
+          </a:p>
+        </p:txBody>
+      </p:sp>
+    </p:spTree>
+    <p:extLst>
+      <p:ext uri="{BB962C8B-B14F-4D97-AF65-F5344CB8AC3E}">
+        <p14:creationId xmlns:p14="http://schemas.microsoft.com/office/powerpoint/2010/main" val="2448860951"/>
+      </p:ext>
+    </p:extLst>
+  </p:cSld>
+  <p:clrMapOvr>
+    <a:masterClrMapping/>
+  </p:clrMapOvr>
+  <p:timing>
+    <p:tnLst>
+      <p:par>
+        <p:cTn id="1" dur="indefinite" restart="never" nodeType="tmRoot"/>
+      </p:par>
+    </p:tnLst>
+  </p:timing>
+</p:sld>
+</file>
+
+<file path=ppt/slides/slide17.xml><?xml version="1.0" encoding="utf-8"?>
+<p:sld xmlns:a="http://schemas.openxmlformats.org/drawingml/2006/main" xmlns:r="http://schemas.openxmlformats.org/officeDocument/2006/relationships" xmlns:p="http://schemas.openxmlformats.org/presentationml/2006/main">
+  <p:cSld>
+    <p:spTree>
+      <p:nvGrpSpPr>
+        <p:cNvPr id="1" name=""/>
+        <p:cNvGrpSpPr/>
+        <p:nvPr/>
+      </p:nvGrpSpPr>
+      <p:grpSpPr>
+        <a:xfrm>
+          <a:off x="0" y="0"/>
+          <a:ext cx="0" cy="0"/>
+          <a:chOff x="0" y="0"/>
+          <a:chExt cx="0" cy="0"/>
+        </a:xfrm>
+      </p:grpSpPr>
+      <p:sp>
+        <p:nvSpPr>
+          <p:cNvPr id="2" name="Title 1"/>
+          <p:cNvSpPr>
+            <a:spLocks noGrp="1"/>
+          </p:cNvSpPr>
+          <p:nvPr>
+            <p:ph type="title"/>
+          </p:nvPr>
+        </p:nvSpPr>
+        <p:spPr/>
+        <p:txBody>
+          <a:bodyPr/>
+          <a:lstStyle/>
+          <a:p>
+            <a:r>
+              <a:rPr lang="en-US" dirty="0" smtClean="0"/>
+              <a:t>Use an explicit conversion</a:t>
+            </a:r>
+            <a:endParaRPr lang="en-US" dirty="0"/>
+          </a:p>
+        </p:txBody>
+      </p:sp>
+      <p:sp>
+        <p:nvSpPr>
+          <p:cNvPr id="3" name="Content Placeholder 2"/>
+          <p:cNvSpPr>
+            <a:spLocks noGrp="1"/>
+          </p:cNvSpPr>
+          <p:nvPr>
+            <p:ph idx="1"/>
+          </p:nvPr>
+        </p:nvSpPr>
+        <p:spPr/>
+        <p:txBody>
+          <a:bodyPr/>
+          <a:lstStyle/>
+          <a:p>
+            <a:r>
+              <a:rPr lang="en-US" dirty="0" smtClean="0"/>
+              <a:t>Correct the problem by explicitly converting the argument</a:t>
+            </a:r>
+          </a:p>
+          <a:p>
+            <a:r>
+              <a:rPr lang="en-US" dirty="0">
+                <a:solidFill>
+                  <a:srgbClr val="7F0055"/>
+                </a:solidFill>
+                <a:latin typeface="Courier New" panose="02070309020205020404" pitchFamily="49" charset="0"/>
+                <a:cs typeface="Courier New" panose="02070309020205020404" pitchFamily="49" charset="0"/>
+              </a:rPr>
+              <a:t>void</a:t>
+            </a:r>
+            <a:r>
+              <a:rPr lang="en-US" dirty="0">
+                <a:latin typeface="Courier New" panose="02070309020205020404" pitchFamily="49" charset="0"/>
+                <a:cs typeface="Courier New" panose="02070309020205020404" pitchFamily="49" charset="0"/>
+              </a:rPr>
+              <a:t> oops(</a:t>
+            </a:r>
+            <a:r>
+              <a:rPr lang="en-US" dirty="0" err="1">
+                <a:solidFill>
+                  <a:srgbClr val="7F0055"/>
+                </a:solidFill>
+                <a:latin typeface="Courier New" panose="02070309020205020404" pitchFamily="49" charset="0"/>
+                <a:cs typeface="Courier New" panose="02070309020205020404" pitchFamily="49" charset="0"/>
+              </a:rPr>
+              <a:t>int</a:t>
+            </a:r>
+            <a:r>
+              <a:rPr lang="en-US" dirty="0">
+                <a:latin typeface="Courier New" panose="02070309020205020404" pitchFamily="49" charset="0"/>
+                <a:cs typeface="Courier New" panose="02070309020205020404" pitchFamily="49" charset="0"/>
+              </a:rPr>
+              <a:t> j) {</a:t>
+            </a:r>
+          </a:p>
+          <a:p>
+            <a:r>
+              <a:rPr lang="en-US" dirty="0">
+                <a:solidFill>
+                  <a:srgbClr val="7F0055"/>
+                </a:solidFill>
+                <a:latin typeface="Courier New" panose="02070309020205020404" pitchFamily="49" charset="0"/>
+                <a:cs typeface="Courier New" panose="02070309020205020404" pitchFamily="49" charset="0"/>
+              </a:rPr>
+              <a:t>  char</a:t>
+            </a:r>
+            <a:r>
+              <a:rPr lang="en-US" dirty="0">
+                <a:latin typeface="Courier New" panose="02070309020205020404" pitchFamily="49" charset="0"/>
+                <a:cs typeface="Courier New" panose="02070309020205020404" pitchFamily="49" charset="0"/>
+              </a:rPr>
+              <a:t> buffer[1024];</a:t>
+            </a:r>
+          </a:p>
+          <a:p>
+            <a:r>
+              <a:rPr lang="en-US" dirty="0">
+                <a:solidFill>
+                  <a:srgbClr val="7F0055"/>
+                </a:solidFill>
+                <a:latin typeface="Courier New" panose="02070309020205020404" pitchFamily="49" charset="0"/>
+                <a:cs typeface="Courier New" panose="02070309020205020404" pitchFamily="49" charset="0"/>
+              </a:rPr>
+              <a:t>  </a:t>
+            </a:r>
+            <a:r>
+              <a:rPr lang="en-US" dirty="0" err="1">
+                <a:solidFill>
+                  <a:srgbClr val="7F0055"/>
+                </a:solidFill>
+                <a:latin typeface="Courier New" panose="02070309020205020404" pitchFamily="49" charset="0"/>
+                <a:cs typeface="Courier New" panose="02070309020205020404" pitchFamily="49" charset="0"/>
+              </a:rPr>
+              <a:t>sprintf</a:t>
+            </a:r>
+            <a:r>
+              <a:rPr lang="en-US" dirty="0">
+                <a:latin typeface="Courier New" panose="02070309020205020404" pitchFamily="49" charset="0"/>
+                <a:cs typeface="Courier New" panose="02070309020205020404" pitchFamily="49" charset="0"/>
+              </a:rPr>
+              <a:t>(buffer, </a:t>
+            </a:r>
+            <a:r>
+              <a:rPr lang="en-US" dirty="0">
+                <a:solidFill>
+                  <a:srgbClr val="2A00FF"/>
+                </a:solidFill>
+                <a:latin typeface="Courier New" panose="02070309020205020404" pitchFamily="49" charset="0"/>
+                <a:cs typeface="Courier New" panose="02070309020205020404" pitchFamily="49" charset="0"/>
+              </a:rPr>
+              <a:t>"%</a:t>
+            </a:r>
+            <a:r>
+              <a:rPr lang="en-US" dirty="0" err="1">
+                <a:solidFill>
+                  <a:srgbClr val="2A00FF"/>
+                </a:solidFill>
+                <a:latin typeface="Courier New" panose="02070309020205020404" pitchFamily="49" charset="0"/>
+                <a:cs typeface="Courier New" panose="02070309020205020404" pitchFamily="49" charset="0"/>
+              </a:rPr>
+              <a:t>i</a:t>
+            </a:r>
+            <a:r>
+              <a:rPr lang="en-US" dirty="0">
+                <a:solidFill>
+                  <a:srgbClr val="2A00FF"/>
+                </a:solidFill>
+                <a:latin typeface="Courier New" panose="02070309020205020404" pitchFamily="49" charset="0"/>
+                <a:cs typeface="Courier New" panose="02070309020205020404" pitchFamily="49" charset="0"/>
+              </a:rPr>
+              <a:t>"</a:t>
+            </a:r>
+            <a:r>
+              <a:rPr lang="en-US" dirty="0">
+                <a:latin typeface="Courier New" panose="02070309020205020404" pitchFamily="49" charset="0"/>
+                <a:cs typeface="Courier New" panose="02070309020205020404" pitchFamily="49" charset="0"/>
+              </a:rPr>
+              <a:t>, j);</a:t>
+            </a:r>
+          </a:p>
+          <a:p>
+            <a:r>
+              <a:rPr lang="en-US" dirty="0">
+                <a:latin typeface="Courier New" panose="02070309020205020404" pitchFamily="49" charset="0"/>
+                <a:cs typeface="Courier New" panose="02070309020205020404" pitchFamily="49" charset="0"/>
+              </a:rPr>
+              <a:t>  </a:t>
+            </a:r>
+            <a:r>
+              <a:rPr lang="en-US" dirty="0" err="1">
+                <a:latin typeface="Courier New" panose="02070309020205020404" pitchFamily="49" charset="0"/>
+                <a:cs typeface="Courier New" panose="02070309020205020404" pitchFamily="49" charset="0"/>
+              </a:rPr>
+              <a:t>std</a:t>
+            </a:r>
+            <a:r>
+              <a:rPr lang="en-US" dirty="0">
+                <a:latin typeface="Courier New" panose="02070309020205020404" pitchFamily="49" charset="0"/>
+                <a:cs typeface="Courier New" panose="02070309020205020404" pitchFamily="49" charset="0"/>
+              </a:rPr>
+              <a:t>::thread t(f, 3, </a:t>
+            </a:r>
+            <a:r>
+              <a:rPr lang="en-US" dirty="0" err="1" smtClean="0">
+                <a:solidFill>
+                  <a:schemeClr val="tx2"/>
+                </a:solidFill>
+                <a:latin typeface="Courier New" panose="02070309020205020404" pitchFamily="49" charset="0"/>
+                <a:cs typeface="Courier New" panose="02070309020205020404" pitchFamily="49" charset="0"/>
+              </a:rPr>
+              <a:t>std</a:t>
+            </a:r>
+            <a:r>
+              <a:rPr lang="en-US" dirty="0" smtClean="0">
+                <a:solidFill>
+                  <a:schemeClr val="tx2"/>
+                </a:solidFill>
+                <a:latin typeface="Courier New" panose="02070309020205020404" pitchFamily="49" charset="0"/>
+                <a:cs typeface="Courier New" panose="02070309020205020404" pitchFamily="49" charset="0"/>
+              </a:rPr>
+              <a:t>::string(buffer)</a:t>
+            </a:r>
+            <a:r>
+              <a:rPr lang="en-US" dirty="0" smtClean="0">
+                <a:latin typeface="Courier New" panose="02070309020205020404" pitchFamily="49" charset="0"/>
+                <a:cs typeface="Courier New" panose="02070309020205020404" pitchFamily="49" charset="0"/>
+              </a:rPr>
+              <a:t>);</a:t>
+            </a:r>
+            <a:endParaRPr lang="en-US" dirty="0">
+              <a:latin typeface="Courier New" panose="02070309020205020404" pitchFamily="49" charset="0"/>
+              <a:cs typeface="Courier New" panose="02070309020205020404" pitchFamily="49" charset="0"/>
+            </a:endParaRPr>
+          </a:p>
+          <a:p>
+            <a:r>
+              <a:rPr lang="en-US" dirty="0">
+                <a:latin typeface="Courier New" panose="02070309020205020404" pitchFamily="49" charset="0"/>
+                <a:cs typeface="Courier New" panose="02070309020205020404" pitchFamily="49" charset="0"/>
+              </a:rPr>
+              <a:t>  </a:t>
+            </a:r>
+            <a:r>
+              <a:rPr lang="en-US" dirty="0" err="1">
+                <a:latin typeface="Courier New" panose="02070309020205020404" pitchFamily="49" charset="0"/>
+                <a:cs typeface="Courier New" panose="02070309020205020404" pitchFamily="49" charset="0"/>
+              </a:rPr>
+              <a:t>t.detach</a:t>
+            </a:r>
+            <a:r>
+              <a:rPr lang="en-US" dirty="0">
+                <a:latin typeface="Courier New" panose="02070309020205020404" pitchFamily="49" charset="0"/>
+                <a:cs typeface="Courier New" panose="02070309020205020404" pitchFamily="49" charset="0"/>
+              </a:rPr>
+              <a:t>();</a:t>
+            </a:r>
+          </a:p>
+          <a:p>
+            <a:r>
+              <a:rPr lang="en-US" dirty="0">
+                <a:latin typeface="Courier New" panose="02070309020205020404" pitchFamily="49" charset="0"/>
+                <a:cs typeface="Courier New" panose="02070309020205020404" pitchFamily="49" charset="0"/>
+              </a:rPr>
+              <a:t>}</a:t>
+            </a:r>
+          </a:p>
+          <a:p>
+            <a:endParaRPr lang="en-US" dirty="0"/>
+          </a:p>
+        </p:txBody>
+      </p:sp>
+      <p:sp>
+        <p:nvSpPr>
+          <p:cNvPr id="4" name="Slide Number Placeholder 3"/>
+          <p:cNvSpPr>
+            <a:spLocks noGrp="1"/>
+          </p:cNvSpPr>
+          <p:nvPr>
+            <p:ph type="sldNum" sz="quarter" idx="12"/>
+          </p:nvPr>
+        </p:nvSpPr>
+        <p:spPr/>
+        <p:txBody>
+          <a:bodyPr/>
+          <a:lstStyle/>
+          <a:p>
+            <a:fld id="{6DA12B36-9664-4CB0-8B2E-F4A2F44AE97E}" type="slidenum">
+              <a:rPr lang="en-US" smtClean="0"/>
+              <a:t>17</a:t>
+            </a:fld>
+            <a:endParaRPr lang="en-US"/>
+          </a:p>
+        </p:txBody>
+      </p:sp>
+      <p:sp>
+        <p:nvSpPr>
+          <p:cNvPr id="5" name="Footer Placeholder 4"/>
+          <p:cNvSpPr>
+            <a:spLocks noGrp="1"/>
+          </p:cNvSpPr>
+          <p:nvPr>
+            <p:ph type="ftr" sz="quarter" idx="11"/>
+          </p:nvPr>
+        </p:nvSpPr>
+        <p:spPr/>
+        <p:txBody>
+          <a:bodyPr/>
+          <a:lstStyle/>
+          <a:p>
+            <a:r>
+              <a:rPr lang="en-US" smtClean="0"/>
+              <a:t>Source: Williams, Chapter 2</a:t>
+            </a:r>
+            <a:endParaRPr lang="en-US"/>
+          </a:p>
+        </p:txBody>
+      </p:sp>
+    </p:spTree>
+    <p:extLst>
+      <p:ext uri="{BB962C8B-B14F-4D97-AF65-F5344CB8AC3E}">
+        <p14:creationId xmlns:p14="http://schemas.microsoft.com/office/powerpoint/2010/main" val="2683838904"/>
+      </p:ext>
+    </p:extLst>
+  </p:cSld>
+  <p:clrMapOvr>
+    <a:masterClrMapping/>
+  </p:clrMapOvr>
+  <p:timing>
+    <p:tnLst>
+      <p:par>
+        <p:cTn id="1" dur="indefinite" restart="never" nodeType="tmRoot"/>
+      </p:par>
+    </p:tnLst>
+  </p:timing>
+</p:sld>
+</file>
+
+<file path=ppt/slides/slide18.xml><?xml version="1.0" encoding="utf-8"?>
+<p:sld xmlns:a="http://schemas.openxmlformats.org/drawingml/2006/main" xmlns:r="http://schemas.openxmlformats.org/officeDocument/2006/relationships" xmlns:p="http://schemas.openxmlformats.org/presentationml/2006/main">
+  <p:cSld>
+    <p:spTree>
+      <p:nvGrpSpPr>
+        <p:cNvPr id="1" name=""/>
+        <p:cNvGrpSpPr/>
+        <p:nvPr/>
+      </p:nvGrpSpPr>
+      <p:grpSpPr>
+        <a:xfrm>
+          <a:off x="0" y="0"/>
+          <a:ext cx="0" cy="0"/>
+          <a:chOff x="0" y="0"/>
+          <a:chExt cx="0" cy="0"/>
+        </a:xfrm>
+      </p:grpSpPr>
+      <p:sp>
+        <p:nvSpPr>
+          <p:cNvPr id="2" name="Title 1"/>
+          <p:cNvSpPr>
+            <a:spLocks noGrp="1"/>
+          </p:cNvSpPr>
+          <p:nvPr>
+            <p:ph type="title"/>
+          </p:nvPr>
+        </p:nvSpPr>
+        <p:spPr/>
+        <p:txBody>
+          <a:bodyPr>
+            <a:normAutofit fontScale="90000"/>
+          </a:bodyPr>
+          <a:lstStyle/>
+          <a:p>
+            <a:r>
+              <a:rPr lang="en-US" dirty="0" smtClean="0"/>
+              <a:t>Passing an argument by reference</a:t>
+            </a:r>
+            <a:endParaRPr lang="en-US" dirty="0"/>
+          </a:p>
+        </p:txBody>
+      </p:sp>
+      <p:sp>
+        <p:nvSpPr>
+          <p:cNvPr id="3" name="Content Placeholder 2"/>
+          <p:cNvSpPr>
+            <a:spLocks noGrp="1"/>
+          </p:cNvSpPr>
+          <p:nvPr>
+            <p:ph idx="1"/>
+          </p:nvPr>
+        </p:nvSpPr>
+        <p:spPr/>
+        <p:txBody>
+          <a:bodyPr/>
+          <a:lstStyle/>
+          <a:p>
+            <a:r>
+              <a:rPr lang="en-US" dirty="0" smtClean="0"/>
+              <a:t>If the argument is always copied, how do we pass it by reference?</a:t>
+            </a:r>
+          </a:p>
+          <a:p>
+            <a:pPr marL="342900" lvl="0" indent="-342900"/>
+            <a:r>
+              <a:rPr lang="en-US" dirty="0">
+                <a:solidFill>
+                  <a:srgbClr val="7F0055"/>
+                </a:solidFill>
+                <a:latin typeface="Courier New" panose="02070309020205020404" pitchFamily="49" charset="0"/>
+                <a:cs typeface="Courier New" panose="02070309020205020404" pitchFamily="49" charset="0"/>
+              </a:rPr>
+              <a:t>void</a:t>
+            </a:r>
+            <a:r>
+              <a:rPr lang="en-US" dirty="0">
+                <a:solidFill>
+                  <a:srgbClr val="000000"/>
+                </a:solidFill>
+                <a:latin typeface="Courier New" panose="02070309020205020404" pitchFamily="49" charset="0"/>
+                <a:cs typeface="Courier New" panose="02070309020205020404" pitchFamily="49" charset="0"/>
+              </a:rPr>
+              <a:t> </a:t>
+            </a:r>
+            <a:r>
+              <a:rPr lang="en-US" dirty="0" err="1">
+                <a:solidFill>
+                  <a:srgbClr val="000000"/>
+                </a:solidFill>
+                <a:latin typeface="Courier New" panose="02070309020205020404" pitchFamily="49" charset="0"/>
+                <a:cs typeface="Courier New" panose="02070309020205020404" pitchFamily="49" charset="0"/>
+              </a:rPr>
+              <a:t>free_function</a:t>
+            </a:r>
+            <a:r>
+              <a:rPr lang="en-US" dirty="0">
+                <a:solidFill>
+                  <a:srgbClr val="000000"/>
+                </a:solidFill>
+                <a:latin typeface="Courier New" panose="02070309020205020404" pitchFamily="49" charset="0"/>
+                <a:cs typeface="Courier New" panose="02070309020205020404" pitchFamily="49" charset="0"/>
+              </a:rPr>
+              <a:t>(</a:t>
+            </a:r>
+            <a:r>
+              <a:rPr lang="en-US" dirty="0" err="1">
+                <a:solidFill>
+                  <a:srgbClr val="000000"/>
+                </a:solidFill>
+                <a:latin typeface="Courier New" panose="02070309020205020404" pitchFamily="49" charset="0"/>
+                <a:cs typeface="Courier New" panose="02070309020205020404" pitchFamily="49" charset="0"/>
+              </a:rPr>
+              <a:t>std</a:t>
+            </a:r>
+            <a:r>
+              <a:rPr lang="en-US" dirty="0">
+                <a:solidFill>
+                  <a:srgbClr val="000000"/>
+                </a:solidFill>
+                <a:latin typeface="Courier New" panose="02070309020205020404" pitchFamily="49" charset="0"/>
+                <a:cs typeface="Courier New" panose="02070309020205020404" pitchFamily="49" charset="0"/>
+              </a:rPr>
+              <a:t>::</a:t>
+            </a:r>
+            <a:r>
+              <a:rPr lang="en-US" dirty="0" err="1">
+                <a:solidFill>
+                  <a:srgbClr val="7F0055"/>
+                </a:solidFill>
+                <a:latin typeface="Courier New" panose="02070309020205020404" pitchFamily="49" charset="0"/>
+                <a:cs typeface="Courier New" panose="02070309020205020404" pitchFamily="49" charset="0"/>
+              </a:rPr>
+              <a:t>ostream</a:t>
+            </a:r>
+            <a:r>
+              <a:rPr lang="en-US" dirty="0">
+                <a:solidFill>
+                  <a:srgbClr val="000000"/>
+                </a:solidFill>
+                <a:latin typeface="Courier New" panose="02070309020205020404" pitchFamily="49" charset="0"/>
+                <a:cs typeface="Courier New" panose="02070309020205020404" pitchFamily="49" charset="0"/>
+              </a:rPr>
+              <a:t>&amp; out) {</a:t>
+            </a:r>
+          </a:p>
+          <a:p>
+            <a:pPr marL="342900" lvl="0" indent="-342900"/>
+            <a:r>
+              <a:rPr lang="en-US" dirty="0">
+                <a:solidFill>
+                  <a:srgbClr val="000000"/>
+                </a:solidFill>
+                <a:latin typeface="Courier New" panose="02070309020205020404" pitchFamily="49" charset="0"/>
+                <a:cs typeface="Courier New" panose="02070309020205020404" pitchFamily="49" charset="0"/>
+              </a:rPr>
+              <a:t>  out &lt;&lt; </a:t>
+            </a:r>
+            <a:r>
+              <a:rPr lang="en-US" dirty="0">
+                <a:solidFill>
+                  <a:srgbClr val="2A00FF"/>
+                </a:solidFill>
+                <a:latin typeface="Courier New" panose="02070309020205020404" pitchFamily="49" charset="0"/>
+                <a:cs typeface="Courier New" panose="02070309020205020404" pitchFamily="49" charset="0"/>
+              </a:rPr>
+              <a:t>"Free function\n"</a:t>
+            </a:r>
+            <a:r>
+              <a:rPr lang="en-US" dirty="0">
+                <a:solidFill>
+                  <a:srgbClr val="000000"/>
+                </a:solidFill>
+                <a:latin typeface="Courier New" panose="02070309020205020404" pitchFamily="49" charset="0"/>
+                <a:cs typeface="Courier New" panose="02070309020205020404" pitchFamily="49" charset="0"/>
+              </a:rPr>
+              <a:t>;</a:t>
+            </a:r>
+          </a:p>
+          <a:p>
+            <a:pPr marL="342900" lvl="0" indent="-342900"/>
+            <a:r>
+              <a:rPr lang="en-US" dirty="0">
+                <a:solidFill>
+                  <a:srgbClr val="000000"/>
+                </a:solidFill>
+                <a:latin typeface="Courier New" panose="02070309020205020404" pitchFamily="49" charset="0"/>
+                <a:cs typeface="Courier New" panose="02070309020205020404" pitchFamily="49" charset="0"/>
+              </a:rPr>
+              <a:t>}</a:t>
+            </a:r>
+          </a:p>
+          <a:p>
+            <a:r>
+              <a:rPr lang="en-US" dirty="0" smtClean="0"/>
+              <a:t>Will this work?</a:t>
+            </a:r>
+          </a:p>
+          <a:p>
+            <a:r>
+              <a:rPr lang="en-US" dirty="0" err="1">
+                <a:latin typeface="Courier New" panose="02070309020205020404" pitchFamily="49" charset="0"/>
+                <a:cs typeface="Courier New" panose="02070309020205020404" pitchFamily="49" charset="0"/>
+              </a:rPr>
+              <a:t>std</a:t>
+            </a:r>
+            <a:r>
+              <a:rPr lang="en-US" dirty="0">
+                <a:latin typeface="Courier New" panose="02070309020205020404" pitchFamily="49" charset="0"/>
+                <a:cs typeface="Courier New" panose="02070309020205020404" pitchFamily="49" charset="0"/>
+              </a:rPr>
+              <a:t>::thread t(</a:t>
+            </a:r>
+            <a:r>
+              <a:rPr lang="en-US" dirty="0" err="1">
+                <a:latin typeface="Courier New" panose="02070309020205020404" pitchFamily="49" charset="0"/>
+                <a:cs typeface="Courier New" panose="02070309020205020404" pitchFamily="49" charset="0"/>
+              </a:rPr>
+              <a:t>free_function</a:t>
+            </a:r>
+            <a:r>
+              <a:rPr lang="en-US" dirty="0">
+                <a:latin typeface="Courier New" panose="02070309020205020404" pitchFamily="49" charset="0"/>
+                <a:cs typeface="Courier New" panose="02070309020205020404" pitchFamily="49" charset="0"/>
+              </a:rPr>
+              <a:t>, </a:t>
+            </a:r>
+            <a:r>
+              <a:rPr lang="en-US" dirty="0" err="1">
+                <a:latin typeface="Courier New" panose="02070309020205020404" pitchFamily="49" charset="0"/>
+                <a:cs typeface="Courier New" panose="02070309020205020404" pitchFamily="49" charset="0"/>
+              </a:rPr>
+              <a:t>std</a:t>
+            </a:r>
+            <a:r>
+              <a:rPr lang="en-US" dirty="0">
+                <a:latin typeface="Courier New" panose="02070309020205020404" pitchFamily="49" charset="0"/>
+                <a:cs typeface="Courier New" panose="02070309020205020404" pitchFamily="49" charset="0"/>
+              </a:rPr>
+              <a:t>::</a:t>
+            </a:r>
+            <a:r>
+              <a:rPr lang="en-US" dirty="0" err="1">
+                <a:solidFill>
+                  <a:srgbClr val="7F0055"/>
+                </a:solidFill>
+                <a:latin typeface="Courier New" panose="02070309020205020404" pitchFamily="49" charset="0"/>
+                <a:cs typeface="Courier New" panose="02070309020205020404" pitchFamily="49" charset="0"/>
+              </a:rPr>
+              <a:t>cout</a:t>
+            </a:r>
+            <a:r>
+              <a:rPr lang="en-US" dirty="0" smtClean="0">
+                <a:latin typeface="Courier New" panose="02070309020205020404" pitchFamily="49" charset="0"/>
+                <a:cs typeface="Courier New" panose="02070309020205020404" pitchFamily="49" charset="0"/>
+              </a:rPr>
+              <a:t>);</a:t>
+            </a:r>
+          </a:p>
+          <a:p>
+            <a:r>
+              <a:rPr lang="en-US" dirty="0" smtClean="0">
+                <a:cs typeface="Courier New" panose="02070309020205020404" pitchFamily="49" charset="0"/>
+              </a:rPr>
+              <a:t>Instead we need a reference to </a:t>
+            </a:r>
+            <a:r>
+              <a:rPr lang="en-US" dirty="0" err="1" smtClean="0">
+                <a:latin typeface="Courier New" panose="02070309020205020404" pitchFamily="49" charset="0"/>
+                <a:cs typeface="Courier New" panose="02070309020205020404" pitchFamily="49" charset="0"/>
+              </a:rPr>
+              <a:t>std</a:t>
+            </a:r>
+            <a:r>
+              <a:rPr lang="en-US" dirty="0" smtClean="0">
+                <a:latin typeface="Courier New" panose="02070309020205020404" pitchFamily="49" charset="0"/>
+                <a:cs typeface="Courier New" panose="02070309020205020404" pitchFamily="49" charset="0"/>
+              </a:rPr>
+              <a:t>::</a:t>
+            </a:r>
+            <a:r>
+              <a:rPr lang="en-US" dirty="0" err="1" smtClean="0">
+                <a:latin typeface="Courier New" panose="02070309020205020404" pitchFamily="49" charset="0"/>
+                <a:cs typeface="Courier New" panose="02070309020205020404" pitchFamily="49" charset="0"/>
+              </a:rPr>
+              <a:t>cout</a:t>
+            </a:r>
+            <a:r>
+              <a:rPr lang="en-US" dirty="0" smtClean="0">
+                <a:cs typeface="Courier New" panose="02070309020205020404" pitchFamily="49" charset="0"/>
+              </a:rPr>
+              <a:t>:</a:t>
+            </a:r>
+          </a:p>
+          <a:p>
+            <a:r>
+              <a:rPr lang="en-US" dirty="0" err="1">
+                <a:latin typeface="Courier New" panose="02070309020205020404" pitchFamily="49" charset="0"/>
+                <a:cs typeface="Courier New" panose="02070309020205020404" pitchFamily="49" charset="0"/>
+              </a:rPr>
+              <a:t>std</a:t>
+            </a:r>
+            <a:r>
+              <a:rPr lang="en-US" dirty="0">
+                <a:latin typeface="Courier New" panose="02070309020205020404" pitchFamily="49" charset="0"/>
+                <a:cs typeface="Courier New" panose="02070309020205020404" pitchFamily="49" charset="0"/>
+              </a:rPr>
+              <a:t>::thread </a:t>
+            </a:r>
+            <a:r>
+              <a:rPr lang="en-US" dirty="0" smtClean="0">
+                <a:latin typeface="Courier New" panose="02070309020205020404" pitchFamily="49" charset="0"/>
+                <a:cs typeface="Courier New" panose="02070309020205020404" pitchFamily="49" charset="0"/>
+              </a:rPr>
+              <a:t>t(</a:t>
+            </a:r>
+            <a:r>
+              <a:rPr lang="en-US" dirty="0" err="1" smtClean="0">
+                <a:latin typeface="Courier New" panose="02070309020205020404" pitchFamily="49" charset="0"/>
+                <a:cs typeface="Courier New" panose="02070309020205020404" pitchFamily="49" charset="0"/>
+              </a:rPr>
+              <a:t>free_function</a:t>
+            </a:r>
+            <a:r>
+              <a:rPr lang="en-US" dirty="0" smtClean="0">
+                <a:latin typeface="Courier New" panose="02070309020205020404" pitchFamily="49" charset="0"/>
+                <a:cs typeface="Courier New" panose="02070309020205020404" pitchFamily="49" charset="0"/>
+              </a:rPr>
+              <a:t>,</a:t>
+            </a:r>
+          </a:p>
+          <a:p>
+            <a:r>
+              <a:rPr lang="en-US" dirty="0">
+                <a:latin typeface="Courier New" panose="02070309020205020404" pitchFamily="49" charset="0"/>
+                <a:cs typeface="Courier New" panose="02070309020205020404" pitchFamily="49" charset="0"/>
+              </a:rPr>
+              <a:t> </a:t>
+            </a:r>
+            <a:r>
+              <a:rPr lang="en-US" dirty="0" smtClean="0">
+                <a:latin typeface="Courier New" panose="02070309020205020404" pitchFamily="49" charset="0"/>
+                <a:cs typeface="Courier New" panose="02070309020205020404" pitchFamily="49" charset="0"/>
+              </a:rPr>
+              <a:t>             </a:t>
+            </a:r>
+            <a:r>
+              <a:rPr lang="en-US" dirty="0" err="1" smtClean="0">
+                <a:latin typeface="Courier New" panose="02070309020205020404" pitchFamily="49" charset="0"/>
+                <a:cs typeface="Courier New" panose="02070309020205020404" pitchFamily="49" charset="0"/>
+              </a:rPr>
+              <a:t>std</a:t>
+            </a:r>
+            <a:r>
+              <a:rPr lang="en-US" dirty="0" smtClean="0">
+                <a:latin typeface="Courier New" panose="02070309020205020404" pitchFamily="49" charset="0"/>
+                <a:cs typeface="Courier New" panose="02070309020205020404" pitchFamily="49" charset="0"/>
+              </a:rPr>
+              <a:t>::ref(</a:t>
+            </a:r>
+            <a:r>
+              <a:rPr lang="en-US" dirty="0" err="1" smtClean="0">
+                <a:latin typeface="Courier New" panose="02070309020205020404" pitchFamily="49" charset="0"/>
+                <a:cs typeface="Courier New" panose="02070309020205020404" pitchFamily="49" charset="0"/>
+              </a:rPr>
+              <a:t>std</a:t>
+            </a:r>
+            <a:r>
+              <a:rPr lang="en-US" dirty="0">
+                <a:latin typeface="Courier New" panose="02070309020205020404" pitchFamily="49" charset="0"/>
+                <a:cs typeface="Courier New" panose="02070309020205020404" pitchFamily="49" charset="0"/>
+              </a:rPr>
+              <a:t>::</a:t>
+            </a:r>
+            <a:r>
+              <a:rPr lang="en-US" dirty="0" err="1" smtClean="0">
+                <a:solidFill>
+                  <a:srgbClr val="7F0055"/>
+                </a:solidFill>
+                <a:latin typeface="Courier New" panose="02070309020205020404" pitchFamily="49" charset="0"/>
+                <a:cs typeface="Courier New" panose="02070309020205020404" pitchFamily="49" charset="0"/>
+              </a:rPr>
+              <a:t>cout</a:t>
+            </a:r>
+            <a:r>
+              <a:rPr lang="en-US" dirty="0" smtClean="0">
+                <a:solidFill>
+                  <a:srgbClr val="7F0055"/>
+                </a:solidFill>
+                <a:latin typeface="Courier New" panose="02070309020205020404" pitchFamily="49" charset="0"/>
+                <a:cs typeface="Courier New" panose="02070309020205020404" pitchFamily="49" charset="0"/>
+              </a:rPr>
+              <a:t>)</a:t>
+            </a:r>
+            <a:r>
+              <a:rPr lang="en-US" dirty="0" smtClean="0">
+                <a:latin typeface="Courier New" panose="02070309020205020404" pitchFamily="49" charset="0"/>
+                <a:cs typeface="Courier New" panose="02070309020205020404" pitchFamily="49" charset="0"/>
+              </a:rPr>
+              <a:t>);</a:t>
+            </a:r>
+            <a:endParaRPr lang="en-US" dirty="0">
+              <a:latin typeface="Courier New" panose="02070309020205020404" pitchFamily="49" charset="0"/>
+              <a:cs typeface="Courier New" panose="02070309020205020404" pitchFamily="49" charset="0"/>
+            </a:endParaRPr>
+          </a:p>
+          <a:p>
+            <a:endParaRPr lang="en-US" dirty="0">
+              <a:cs typeface="Courier New" panose="02070309020205020404" pitchFamily="49" charset="0"/>
+            </a:endParaRPr>
+          </a:p>
+        </p:txBody>
+      </p:sp>
+      <p:sp>
+        <p:nvSpPr>
+          <p:cNvPr id="4" name="Slide Number Placeholder 3"/>
+          <p:cNvSpPr>
+            <a:spLocks noGrp="1"/>
+          </p:cNvSpPr>
+          <p:nvPr>
+            <p:ph type="sldNum" sz="quarter" idx="12"/>
+          </p:nvPr>
+        </p:nvSpPr>
+        <p:spPr/>
+        <p:txBody>
+          <a:bodyPr/>
+          <a:lstStyle/>
+          <a:p>
+            <a:fld id="{6DA12B36-9664-4CB0-8B2E-F4A2F44AE97E}" type="slidenum">
+              <a:rPr lang="en-US" smtClean="0"/>
+              <a:t>18</a:t>
+            </a:fld>
+            <a:endParaRPr lang="en-US"/>
+          </a:p>
+        </p:txBody>
+      </p:sp>
+      <p:sp>
+        <p:nvSpPr>
+          <p:cNvPr id="5" name="Rectangle 4"/>
+          <p:cNvSpPr/>
+          <p:nvPr/>
+        </p:nvSpPr>
+        <p:spPr>
+          <a:xfrm>
+            <a:off x="6324600" y="4800600"/>
+            <a:ext cx="2438400" cy="1295400"/>
+          </a:xfrm>
+          <a:prstGeom prst="rect">
+            <a:avLst/>
+          </a:prstGeom>
+        </p:spPr>
+        <p:style>
+          <a:lnRef idx="2">
+            <a:schemeClr val="accent1">
+              <a:shade val="50000"/>
+            </a:schemeClr>
+          </a:lnRef>
+          <a:fillRef idx="1">
+            <a:schemeClr val="accent1"/>
+          </a:fillRef>
+          <a:effectRef idx="0">
+            <a:schemeClr val="accent1"/>
+          </a:effectRef>
+          <a:fontRef idx="minor">
+            <a:schemeClr val="lt1"/>
+          </a:fontRef>
+        </p:style>
+        <p:txBody>
+          <a:bodyPr rtlCol="0" anchor="ctr"/>
+          <a:lstStyle/>
+          <a:p>
+            <a:pPr algn="ctr"/>
+            <a:r>
+              <a:rPr lang="en-US" dirty="0" smtClean="0"/>
+              <a:t>Be wary of lifetime of the reference, just as with a pointer.</a:t>
+            </a:r>
+            <a:endParaRPr lang="en-US" dirty="0"/>
+          </a:p>
+        </p:txBody>
+      </p:sp>
+      <p:sp>
+        <p:nvSpPr>
+          <p:cNvPr id="6" name="Footer Placeholder 5"/>
+          <p:cNvSpPr>
+            <a:spLocks noGrp="1"/>
+          </p:cNvSpPr>
+          <p:nvPr>
+            <p:ph type="ftr" sz="quarter" idx="11"/>
+          </p:nvPr>
+        </p:nvSpPr>
+        <p:spPr/>
+        <p:txBody>
+          <a:bodyPr/>
+          <a:lstStyle/>
+          <a:p>
+            <a:r>
+              <a:rPr lang="en-US" dirty="0" smtClean="0"/>
+              <a:t>Source: Williams, Chapter 2</a:t>
+            </a:r>
+            <a:endParaRPr lang="en-US" dirty="0"/>
+          </a:p>
+        </p:txBody>
+      </p:sp>
+    </p:spTree>
+    <p:extLst>
+      <p:ext uri="{BB962C8B-B14F-4D97-AF65-F5344CB8AC3E}">
+        <p14:creationId xmlns:p14="http://schemas.microsoft.com/office/powerpoint/2010/main" val="667390665"/>
+      </p:ext>
+    </p:extLst>
+  </p:cSld>
+  <p:clrMapOvr>
+    <a:masterClrMapping/>
+  </p:clrMapOvr>
+  <p:timing>
+    <p:tnLst>
+      <p:par>
+        <p:cTn id="1" dur="indefinite" restart="never" nodeType="tmRoot">
+          <p:childTnLst>
+            <p:seq concurrent="1" nextAc="seek">
+              <p:cTn id="2" dur="indefinite" nodeType="mainSeq">
+                <p:childTnLst>
+                  <p:par>
+                    <p:cTn id="3" fill="hold">
+                      <p:stCondLst>
+                        <p:cond delay="indefinite"/>
+                      </p:stCondLst>
+                      <p:childTnLst>
+                        <p:par>
+                          <p:cTn id="4" fill="hold">
+                            <p:stCondLst>
+                              <p:cond delay="0"/>
+                            </p:stCondLst>
+                            <p:childTnLst>
+                              <p:par>
+                                <p:cTn id="5" presetID="1" presetClass="entr" presetSubtype="0" fill="hold" nodeType="clickEffect">
+                                  <p:stCondLst>
+                                    <p:cond delay="0"/>
+                                  </p:stCondLst>
+                                  <p:childTnLst>
+                                    <p:set>
+                                      <p:cBhvr>
+                                        <p:cTn id="6" dur="1" fill="hold">
+                                          <p:stCondLst>
+                                            <p:cond delay="0"/>
+                                          </p:stCondLst>
+                                        </p:cTn>
+                                        <p:tgtEl>
+                                          <p:spTgt spid="3">
+                                            <p:txEl>
+                                              <p:pRg st="6" end="6"/>
+                                            </p:txEl>
+                                          </p:spTgt>
+                                        </p:tgtEl>
+                                        <p:attrNameLst>
+                                          <p:attrName>style.visibility</p:attrName>
+                                        </p:attrNameLst>
+                                      </p:cBhvr>
+                                      <p:to>
+                                        <p:strVal val="visible"/>
+                                      </p:to>
+                                    </p:set>
+                                  </p:childTnLst>
+                                </p:cTn>
+                              </p:par>
+                              <p:par>
+                                <p:cTn id="7" presetID="1" presetClass="entr" presetSubtype="0" fill="hold" nodeType="withEffect">
+                                  <p:stCondLst>
+                                    <p:cond delay="0"/>
+                                  </p:stCondLst>
+                                  <p:childTnLst>
+                                    <p:set>
+                                      <p:cBhvr>
+                                        <p:cTn id="8" dur="1" fill="hold">
+                                          <p:stCondLst>
+                                            <p:cond delay="0"/>
+                                          </p:stCondLst>
+                                        </p:cTn>
+                                        <p:tgtEl>
+                                          <p:spTgt spid="3">
+                                            <p:txEl>
+                                              <p:pRg st="7" end="7"/>
+                                            </p:txEl>
+                                          </p:spTgt>
+                                        </p:tgtEl>
+                                        <p:attrNameLst>
+                                          <p:attrName>style.visibility</p:attrName>
+                                        </p:attrNameLst>
+                                      </p:cBhvr>
+                                      <p:to>
+                                        <p:strVal val="visible"/>
+                                      </p:to>
+                                    </p:set>
+                                  </p:childTnLst>
+                                </p:cTn>
+                              </p:par>
+                              <p:par>
+                                <p:cTn id="9" presetID="1" presetClass="entr" presetSubtype="0" fill="hold" nodeType="withEffect">
+                                  <p:stCondLst>
+                                    <p:cond delay="0"/>
+                                  </p:stCondLst>
+                                  <p:childTnLst>
+                                    <p:set>
+                                      <p:cBhvr>
+                                        <p:cTn id="10" dur="1" fill="hold">
+                                          <p:stCondLst>
+                                            <p:cond delay="0"/>
+                                          </p:stCondLst>
+                                        </p:cTn>
+                                        <p:tgtEl>
+                                          <p:spTgt spid="3">
+                                            <p:txEl>
+                                              <p:pRg st="8" end="8"/>
+                                            </p:txEl>
+                                          </p:spTgt>
+                                        </p:tgtEl>
+                                        <p:attrNameLst>
+                                          <p:attrName>style.visibility</p:attrName>
+                                        </p:attrNameLst>
+                                      </p:cBhvr>
+                                      <p:to>
+                                        <p:strVal val="visible"/>
+                                      </p:to>
+                                    </p:set>
+                                  </p:childTnLst>
+                                </p:cTn>
+                              </p:par>
+                            </p:childTnLst>
+                          </p:cTn>
+                        </p:par>
+                      </p:childTnLst>
+                    </p:cTn>
+                  </p:par>
+                  <p:par>
+                    <p:cTn id="11" fill="hold">
+                      <p:stCondLst>
+                        <p:cond delay="indefinite"/>
+                      </p:stCondLst>
+                      <p:childTnLst>
+                        <p:par>
+                          <p:cTn id="12" fill="hold">
+                            <p:stCondLst>
+                              <p:cond delay="0"/>
+                            </p:stCondLst>
+                            <p:childTnLst>
+                              <p:par>
+                                <p:cTn id="13" presetID="1" presetClass="entr" presetSubtype="0" fill="hold" grpId="0" nodeType="clickEffect">
+                                  <p:stCondLst>
+                                    <p:cond delay="0"/>
+                                  </p:stCondLst>
+                                  <p:childTnLst>
+                                    <p:set>
+                                      <p:cBhvr>
+                                        <p:cTn id="14" dur="1" fill="hold">
+                                          <p:stCondLst>
+                                            <p:cond delay="0"/>
+                                          </p:stCondLst>
+                                        </p:cTn>
+                                        <p:tgtEl>
+                                          <p:spTgt spid="5"/>
+                                        </p:tgtEl>
+                                        <p:attrNameLst>
+                                          <p:attrName>style.visibility</p:attrName>
+                                        </p:attrNameLst>
+                                      </p:cBhvr>
+                                      <p:to>
+                                        <p:strVal val="visible"/>
+                                      </p:to>
+                                    </p:set>
+                                  </p:childTnLst>
+                                </p:cTn>
+                              </p:par>
+                            </p:childTnLst>
+                          </p:cTn>
+                        </p:par>
+                      </p:childTnLst>
+                    </p:cTn>
+                  </p:par>
+                </p:childTnLst>
+              </p:cTn>
+              <p:prevCondLst>
+                <p:cond evt="onPrev" delay="0">
+                  <p:tgtEl>
+                    <p:sldTgt/>
+                  </p:tgtEl>
+                </p:cond>
+              </p:prevCondLst>
+              <p:nextCondLst>
+                <p:cond evt="onNext" delay="0">
+                  <p:tgtEl>
+                    <p:sldTgt/>
+                  </p:tgtEl>
+                </p:cond>
+              </p:nextCondLst>
+            </p:seq>
+          </p:childTnLst>
+        </p:cTn>
+      </p:par>
+    </p:tnLst>
+    <p:bldLst>
+      <p:bldP spid="5" grpId="0" animBg="1"/>
+    </p:bldLst>
+  </p:timing>
+</p:sld>
+</file>
+
+<file path=ppt/slides/slide19.xml><?xml version="1.0" encoding="utf-8"?>
+<p:sld xmlns:a="http://schemas.openxmlformats.org/drawingml/2006/main" xmlns:r="http://schemas.openxmlformats.org/officeDocument/2006/relationships" xmlns:p="http://schemas.openxmlformats.org/presentationml/2006/main">
+  <p:cSld>
+    <p:spTree>
+      <p:nvGrpSpPr>
+        <p:cNvPr id="1" name=""/>
+        <p:cNvGrpSpPr/>
+        <p:nvPr/>
+      </p:nvGrpSpPr>
+      <p:grpSpPr>
+        <a:xfrm>
+          <a:off x="0" y="0"/>
+          <a:ext cx="0" cy="0"/>
+          <a:chOff x="0" y="0"/>
+          <a:chExt cx="0" cy="0"/>
+        </a:xfrm>
+      </p:grpSpPr>
+      <p:sp>
+        <p:nvSpPr>
+          <p:cNvPr id="2" name="Title 1"/>
+          <p:cNvSpPr>
+            <a:spLocks noGrp="1"/>
+          </p:cNvSpPr>
+          <p:nvPr>
+            <p:ph type="title"/>
+          </p:nvPr>
+        </p:nvSpPr>
+        <p:spPr/>
+        <p:txBody>
+          <a:bodyPr>
+            <a:normAutofit/>
+          </a:bodyPr>
+          <a:lstStyle/>
+          <a:p>
+            <a:r>
+              <a:rPr lang="en-US" dirty="0" smtClean="0"/>
+              <a:t>a type that is not </a:t>
+            </a:r>
+            <a:r>
+              <a:rPr lang="en-US" dirty="0" err="1" smtClean="0"/>
+              <a:t>copyable</a:t>
+            </a:r>
+            <a:endParaRPr lang="en-US" dirty="0"/>
+          </a:p>
+        </p:txBody>
+      </p:sp>
+      <p:sp>
+        <p:nvSpPr>
+          <p:cNvPr id="3" name="Content Placeholder 2"/>
+          <p:cNvSpPr>
+            <a:spLocks noGrp="1"/>
+          </p:cNvSpPr>
+          <p:nvPr>
+            <p:ph idx="1"/>
+          </p:nvPr>
+        </p:nvSpPr>
+        <p:spPr/>
+        <p:txBody>
+          <a:bodyPr/>
+          <a:lstStyle/>
+          <a:p>
+            <a:r>
+              <a:rPr lang="en-US" dirty="0" smtClean="0"/>
+              <a:t>Some types can be moved, but not copied</a:t>
+            </a:r>
+          </a:p>
+          <a:p>
+            <a:pPr marL="800100" lvl="1" indent="-342900"/>
+            <a:r>
+              <a:rPr lang="en-US" dirty="0" smtClean="0"/>
+              <a:t>The type </a:t>
+            </a:r>
+            <a:r>
+              <a:rPr lang="en-US" dirty="0" err="1" smtClean="0">
+                <a:latin typeface="Courier New" panose="02070309020205020404" pitchFamily="49" charset="0"/>
+                <a:cs typeface="Courier New" panose="02070309020205020404" pitchFamily="49" charset="0"/>
+              </a:rPr>
+              <a:t>std</a:t>
+            </a:r>
+            <a:r>
+              <a:rPr lang="en-US" dirty="0" smtClean="0">
+                <a:latin typeface="Courier New" panose="02070309020205020404" pitchFamily="49" charset="0"/>
+                <a:cs typeface="Courier New" panose="02070309020205020404" pitchFamily="49" charset="0"/>
+              </a:rPr>
+              <a:t>::</a:t>
+            </a:r>
+            <a:r>
+              <a:rPr lang="en-US" dirty="0" err="1" smtClean="0">
+                <a:latin typeface="Courier New" panose="02070309020205020404" pitchFamily="49" charset="0"/>
+                <a:cs typeface="Courier New" panose="02070309020205020404" pitchFamily="49" charset="0"/>
+              </a:rPr>
+              <a:t>unique_ptr</a:t>
+            </a:r>
+            <a:r>
+              <a:rPr lang="en-US" dirty="0" smtClean="0"/>
+              <a:t> allows a single owner of heap-allocated memory</a:t>
+            </a:r>
+          </a:p>
+          <a:p>
+            <a:pPr marL="800100" lvl="1" indent="-342900"/>
+            <a:r>
+              <a:rPr lang="en-US" dirty="0" err="1" smtClean="0">
+                <a:latin typeface="Courier New" panose="02070309020205020404" pitchFamily="49" charset="0"/>
+                <a:cs typeface="Courier New" panose="02070309020205020404" pitchFamily="49" charset="0"/>
+              </a:rPr>
+              <a:t>std</a:t>
+            </a:r>
+            <a:r>
+              <a:rPr lang="en-US" dirty="0" smtClean="0">
+                <a:latin typeface="Courier New" panose="02070309020205020404" pitchFamily="49" charset="0"/>
+                <a:cs typeface="Courier New" panose="02070309020205020404" pitchFamily="49" charset="0"/>
+              </a:rPr>
+              <a:t>::</a:t>
+            </a:r>
+            <a:r>
+              <a:rPr lang="en-US" dirty="0" err="1" smtClean="0">
+                <a:latin typeface="Courier New" panose="02070309020205020404" pitchFamily="49" charset="0"/>
+                <a:cs typeface="Courier New" panose="02070309020205020404" pitchFamily="49" charset="0"/>
+              </a:rPr>
+              <a:t>unique_ptr</a:t>
+            </a:r>
+            <a:r>
+              <a:rPr lang="en-US" dirty="0" smtClean="0"/>
+              <a:t> cannot be copied, but can be moved</a:t>
+            </a:r>
+          </a:p>
+          <a:p>
+            <a:pPr marL="800100" lvl="1" indent="-342900"/>
+            <a:endParaRPr lang="en-US" dirty="0"/>
+          </a:p>
+          <a:p>
+            <a:pPr marL="342900" indent="-342900"/>
+            <a:r>
+              <a:rPr lang="en-US" dirty="0">
+                <a:solidFill>
+                  <a:srgbClr val="7F0055"/>
+                </a:solidFill>
+                <a:latin typeface="Courier New" panose="02070309020205020404" pitchFamily="49" charset="0"/>
+                <a:cs typeface="Courier New" panose="02070309020205020404" pitchFamily="49" charset="0"/>
+              </a:rPr>
+              <a:t>void</a:t>
+            </a:r>
+            <a:r>
+              <a:rPr lang="en-US" dirty="0">
+                <a:latin typeface="Courier New" panose="02070309020205020404" pitchFamily="49" charset="0"/>
+                <a:cs typeface="Courier New" panose="02070309020205020404" pitchFamily="49" charset="0"/>
+              </a:rPr>
+              <a:t> process(</a:t>
+            </a:r>
+            <a:r>
+              <a:rPr lang="en-US" dirty="0" err="1">
+                <a:latin typeface="Courier New" panose="02070309020205020404" pitchFamily="49" charset="0"/>
+                <a:cs typeface="Courier New" panose="02070309020205020404" pitchFamily="49" charset="0"/>
+              </a:rPr>
+              <a:t>std</a:t>
+            </a:r>
+            <a:r>
+              <a:rPr lang="en-US" dirty="0">
+                <a:latin typeface="Courier New" panose="02070309020205020404" pitchFamily="49" charset="0"/>
+                <a:cs typeface="Courier New" panose="02070309020205020404" pitchFamily="49" charset="0"/>
+              </a:rPr>
+              <a:t>::</a:t>
+            </a:r>
+            <a:r>
+              <a:rPr lang="en-US" dirty="0" err="1">
+                <a:latin typeface="Courier New" panose="02070309020205020404" pitchFamily="49" charset="0"/>
+                <a:cs typeface="Courier New" panose="02070309020205020404" pitchFamily="49" charset="0"/>
+              </a:rPr>
+              <a:t>unique_ptr</a:t>
+            </a:r>
+            <a:r>
+              <a:rPr lang="en-US" dirty="0">
+                <a:latin typeface="Courier New" panose="02070309020205020404" pitchFamily="49" charset="0"/>
+                <a:cs typeface="Courier New" panose="02070309020205020404" pitchFamily="49" charset="0"/>
+              </a:rPr>
+              <a:t>&lt;matrix&gt; m</a:t>
+            </a:r>
+            <a:r>
+              <a:rPr lang="en-US" dirty="0" smtClean="0">
+                <a:latin typeface="Courier New" panose="02070309020205020404" pitchFamily="49" charset="0"/>
+                <a:cs typeface="Courier New" panose="02070309020205020404" pitchFamily="49" charset="0"/>
+              </a:rPr>
+              <a:t>);</a:t>
+            </a:r>
+          </a:p>
+          <a:p>
+            <a:pPr marL="342900" indent="-342900"/>
+            <a:endParaRPr lang="en-US" dirty="0" smtClean="0">
+              <a:latin typeface="Courier New" panose="02070309020205020404" pitchFamily="49" charset="0"/>
+              <a:cs typeface="Courier New" panose="02070309020205020404" pitchFamily="49" charset="0"/>
+            </a:endParaRPr>
+          </a:p>
+          <a:p>
+            <a:pPr marL="342900" indent="-342900"/>
+            <a:r>
+              <a:rPr lang="en-US" dirty="0" err="1" smtClean="0">
+                <a:latin typeface="Courier New" panose="02070309020205020404" pitchFamily="49" charset="0"/>
+                <a:cs typeface="Courier New" panose="02070309020205020404" pitchFamily="49" charset="0"/>
+              </a:rPr>
+              <a:t>std</a:t>
+            </a:r>
+            <a:r>
+              <a:rPr lang="en-US" dirty="0">
+                <a:latin typeface="Courier New" panose="02070309020205020404" pitchFamily="49" charset="0"/>
+                <a:cs typeface="Courier New" panose="02070309020205020404" pitchFamily="49" charset="0"/>
+              </a:rPr>
+              <a:t>::</a:t>
+            </a:r>
+            <a:r>
+              <a:rPr lang="en-US" dirty="0" err="1">
+                <a:latin typeface="Courier New" panose="02070309020205020404" pitchFamily="49" charset="0"/>
+                <a:cs typeface="Courier New" panose="02070309020205020404" pitchFamily="49" charset="0"/>
+              </a:rPr>
+              <a:t>unique_ptr</a:t>
+            </a:r>
+            <a:r>
+              <a:rPr lang="en-US" dirty="0">
+                <a:latin typeface="Courier New" panose="02070309020205020404" pitchFamily="49" charset="0"/>
+                <a:cs typeface="Courier New" panose="02070309020205020404" pitchFamily="49" charset="0"/>
+              </a:rPr>
+              <a:t>&lt;matrix&gt; p(</a:t>
+            </a:r>
+            <a:r>
+              <a:rPr lang="en-US" dirty="0">
+                <a:solidFill>
+                  <a:srgbClr val="7F0055"/>
+                </a:solidFill>
+                <a:latin typeface="Courier New" panose="02070309020205020404" pitchFamily="49" charset="0"/>
+                <a:cs typeface="Courier New" panose="02070309020205020404" pitchFamily="49" charset="0"/>
+              </a:rPr>
+              <a:t>new</a:t>
+            </a:r>
+            <a:r>
+              <a:rPr lang="en-US" dirty="0">
+                <a:latin typeface="Courier New" panose="02070309020205020404" pitchFamily="49" charset="0"/>
+                <a:cs typeface="Courier New" panose="02070309020205020404" pitchFamily="49" charset="0"/>
+              </a:rPr>
+              <a:t> matrix</a:t>
+            </a:r>
+            <a:r>
+              <a:rPr lang="en-US" dirty="0" smtClean="0">
+                <a:latin typeface="Courier New" panose="02070309020205020404" pitchFamily="49" charset="0"/>
+                <a:cs typeface="Courier New" panose="02070309020205020404" pitchFamily="49" charset="0"/>
+              </a:rPr>
+              <a:t>);</a:t>
+            </a:r>
+          </a:p>
+          <a:p>
+            <a:pPr marL="342900" indent="-342900"/>
+            <a:r>
+              <a:rPr lang="en-US" dirty="0" err="1" smtClean="0">
+                <a:latin typeface="Courier New" panose="02070309020205020404" pitchFamily="49" charset="0"/>
+                <a:cs typeface="Courier New" panose="02070309020205020404" pitchFamily="49" charset="0"/>
+              </a:rPr>
+              <a:t>std</a:t>
+            </a:r>
+            <a:r>
+              <a:rPr lang="en-US" dirty="0">
+                <a:latin typeface="Courier New" panose="02070309020205020404" pitchFamily="49" charset="0"/>
+                <a:cs typeface="Courier New" panose="02070309020205020404" pitchFamily="49" charset="0"/>
+              </a:rPr>
+              <a:t>::thread t(process, </a:t>
+            </a:r>
+            <a:r>
+              <a:rPr lang="en-US" dirty="0" err="1">
+                <a:solidFill>
+                  <a:schemeClr val="tx2"/>
+                </a:solidFill>
+                <a:latin typeface="Courier New" panose="02070309020205020404" pitchFamily="49" charset="0"/>
+                <a:cs typeface="Courier New" panose="02070309020205020404" pitchFamily="49" charset="0"/>
+              </a:rPr>
+              <a:t>std</a:t>
+            </a:r>
+            <a:r>
+              <a:rPr lang="en-US" dirty="0">
+                <a:solidFill>
+                  <a:schemeClr val="tx2"/>
+                </a:solidFill>
+                <a:latin typeface="Courier New" panose="02070309020205020404" pitchFamily="49" charset="0"/>
+                <a:cs typeface="Courier New" panose="02070309020205020404" pitchFamily="49" charset="0"/>
+              </a:rPr>
+              <a:t>::move(p)</a:t>
+            </a:r>
+            <a:r>
+              <a:rPr lang="en-US" dirty="0">
+                <a:latin typeface="Courier New" panose="02070309020205020404" pitchFamily="49" charset="0"/>
+                <a:cs typeface="Courier New" panose="02070309020205020404" pitchFamily="49" charset="0"/>
+              </a:rPr>
+              <a:t>);</a:t>
+            </a:r>
+          </a:p>
+        </p:txBody>
+      </p:sp>
+      <p:sp>
+        <p:nvSpPr>
+          <p:cNvPr id="4" name="Slide Number Placeholder 3"/>
+          <p:cNvSpPr>
+            <a:spLocks noGrp="1"/>
+          </p:cNvSpPr>
+          <p:nvPr>
+            <p:ph type="sldNum" sz="quarter" idx="12"/>
+          </p:nvPr>
+        </p:nvSpPr>
+        <p:spPr/>
+        <p:txBody>
+          <a:bodyPr/>
+          <a:lstStyle/>
+          <a:p>
+            <a:fld id="{6DA12B36-9664-4CB0-8B2E-F4A2F44AE97E}" type="slidenum">
+              <a:rPr lang="en-US" smtClean="0"/>
+              <a:t>19</a:t>
+            </a:fld>
+            <a:endParaRPr lang="en-US"/>
+          </a:p>
+        </p:txBody>
+      </p:sp>
+      <p:sp>
+        <p:nvSpPr>
+          <p:cNvPr id="5" name="Footer Placeholder 4"/>
+          <p:cNvSpPr>
+            <a:spLocks noGrp="1"/>
+          </p:cNvSpPr>
+          <p:nvPr>
+            <p:ph type="ftr" sz="quarter" idx="11"/>
+          </p:nvPr>
+        </p:nvSpPr>
+        <p:spPr/>
+        <p:txBody>
+          <a:bodyPr/>
+          <a:lstStyle/>
+          <a:p>
+            <a:r>
+              <a:rPr lang="en-US" dirty="0" smtClean="0"/>
+              <a:t>Source: Williams, Chapter 2</a:t>
+            </a:r>
+            <a:endParaRPr lang="en-US" dirty="0"/>
+          </a:p>
+        </p:txBody>
+      </p:sp>
+    </p:spTree>
+    <p:extLst>
+      <p:ext uri="{BB962C8B-B14F-4D97-AF65-F5344CB8AC3E}">
+        <p14:creationId xmlns:p14="http://schemas.microsoft.com/office/powerpoint/2010/main" val="3191540136"/>
+      </p:ext>
+    </p:extLst>
+  </p:cSld>
+  <p:clrMapOvr>
+    <a:masterClrMapping/>
+  </p:clrMapOvr>
+  <p:timing>
+    <p:tnLst>
+      <p:par>
+        <p:cTn id="1" dur="indefinite" restart="never" nodeType="tmRoot"/>
+      </p:par>
+    </p:tnLst>
+  </p:timing>
 </p:sld>
 </file>
 
@@ -4818,6 +7439,1920 @@
     <p:extLst>
       <p:ext uri="{BB962C8B-B14F-4D97-AF65-F5344CB8AC3E}">
         <p14:creationId xmlns:p14="http://schemas.microsoft.com/office/powerpoint/2010/main" val="3237691251"/>
+      </p:ext>
+    </p:extLst>
+  </p:cSld>
+  <p:clrMapOvr>
+    <a:masterClrMapping/>
+  </p:clrMapOvr>
+  <p:timing>
+    <p:tnLst>
+      <p:par>
+        <p:cTn id="1" dur="indefinite" restart="never" nodeType="tmRoot"/>
+      </p:par>
+    </p:tnLst>
+  </p:timing>
+</p:sld>
+</file>
+
+<file path=ppt/slides/slide20.xml><?xml version="1.0" encoding="utf-8"?>
+<p:sld xmlns:a="http://schemas.openxmlformats.org/drawingml/2006/main" xmlns:r="http://schemas.openxmlformats.org/officeDocument/2006/relationships" xmlns:p="http://schemas.openxmlformats.org/presentationml/2006/main">
+  <p:cSld>
+    <p:spTree>
+      <p:nvGrpSpPr>
+        <p:cNvPr id="1" name=""/>
+        <p:cNvGrpSpPr/>
+        <p:nvPr/>
+      </p:nvGrpSpPr>
+      <p:grpSpPr>
+        <a:xfrm>
+          <a:off x="0" y="0"/>
+          <a:ext cx="0" cy="0"/>
+          <a:chOff x="0" y="0"/>
+          <a:chExt cx="0" cy="0"/>
+        </a:xfrm>
+      </p:grpSpPr>
+      <p:sp>
+        <p:nvSpPr>
+          <p:cNvPr id="2" name="Title 1"/>
+          <p:cNvSpPr>
+            <a:spLocks noGrp="1"/>
+          </p:cNvSpPr>
+          <p:nvPr>
+            <p:ph type="title"/>
+          </p:nvPr>
+        </p:nvSpPr>
+        <p:spPr/>
+        <p:txBody>
+          <a:bodyPr>
+            <a:normAutofit/>
+          </a:bodyPr>
+          <a:lstStyle/>
+          <a:p>
+            <a:r>
+              <a:rPr lang="en-US" dirty="0" smtClean="0"/>
+              <a:t>Example of argument passing</a:t>
+            </a:r>
+            <a:endParaRPr lang="en-US" dirty="0"/>
+          </a:p>
+        </p:txBody>
+      </p:sp>
+      <p:sp>
+        <p:nvSpPr>
+          <p:cNvPr id="3" name="Content Placeholder 2"/>
+          <p:cNvSpPr>
+            <a:spLocks noGrp="1"/>
+          </p:cNvSpPr>
+          <p:nvPr>
+            <p:ph idx="1"/>
+          </p:nvPr>
+        </p:nvSpPr>
+        <p:spPr/>
+        <p:txBody>
+          <a:bodyPr/>
+          <a:lstStyle/>
+          <a:p>
+            <a:r>
+              <a:rPr lang="en-US" dirty="0" smtClean="0"/>
+              <a:t>Passing arguments to a callable object allows us to use dependency injection and test the callable objects.</a:t>
+            </a:r>
+            <a:endParaRPr lang="en-US" dirty="0"/>
+          </a:p>
+        </p:txBody>
+      </p:sp>
+      <p:sp>
+        <p:nvSpPr>
+          <p:cNvPr id="4" name="Slide Number Placeholder 3"/>
+          <p:cNvSpPr>
+            <a:spLocks noGrp="1"/>
+          </p:cNvSpPr>
+          <p:nvPr>
+            <p:ph type="sldNum" sz="quarter" idx="12"/>
+          </p:nvPr>
+        </p:nvSpPr>
+        <p:spPr/>
+        <p:txBody>
+          <a:bodyPr/>
+          <a:lstStyle/>
+          <a:p>
+            <a:fld id="{6DA12B36-9664-4CB0-8B2E-F4A2F44AE97E}" type="slidenum">
+              <a:rPr lang="en-US" smtClean="0"/>
+              <a:t>20</a:t>
+            </a:fld>
+            <a:endParaRPr lang="en-US"/>
+          </a:p>
+        </p:txBody>
+      </p:sp>
+    </p:spTree>
+    <p:extLst>
+      <p:ext uri="{BB962C8B-B14F-4D97-AF65-F5344CB8AC3E}">
+        <p14:creationId xmlns:p14="http://schemas.microsoft.com/office/powerpoint/2010/main" val="1332824776"/>
+      </p:ext>
+    </p:extLst>
+  </p:cSld>
+  <p:clrMapOvr>
+    <a:masterClrMapping/>
+  </p:clrMapOvr>
+  <p:timing>
+    <p:tnLst>
+      <p:par>
+        <p:cTn id="1" dur="indefinite" restart="never" nodeType="tmRoot"/>
+      </p:par>
+    </p:tnLst>
+  </p:timing>
+</p:sld>
+</file>
+
+<file path=ppt/slides/slide21.xml><?xml version="1.0" encoding="utf-8"?>
+<p:sld xmlns:a="http://schemas.openxmlformats.org/drawingml/2006/main" xmlns:r="http://schemas.openxmlformats.org/officeDocument/2006/relationships" xmlns:p="http://schemas.openxmlformats.org/presentationml/2006/main">
+  <p:cSld>
+    <p:spTree>
+      <p:nvGrpSpPr>
+        <p:cNvPr id="1" name=""/>
+        <p:cNvGrpSpPr/>
+        <p:nvPr/>
+      </p:nvGrpSpPr>
+      <p:grpSpPr>
+        <a:xfrm>
+          <a:off x="0" y="0"/>
+          <a:ext cx="0" cy="0"/>
+          <a:chOff x="0" y="0"/>
+          <a:chExt cx="0" cy="0"/>
+        </a:xfrm>
+      </p:grpSpPr>
+      <p:sp>
+        <p:nvSpPr>
+          <p:cNvPr id="2" name="Title 1"/>
+          <p:cNvSpPr>
+            <a:spLocks noGrp="1"/>
+          </p:cNvSpPr>
+          <p:nvPr>
+            <p:ph type="title"/>
+          </p:nvPr>
+        </p:nvSpPr>
+        <p:spPr/>
+        <p:txBody>
+          <a:bodyPr/>
+          <a:lstStyle/>
+          <a:p>
+            <a:r>
+              <a:rPr lang="en-US" dirty="0" smtClean="0"/>
+              <a:t>How to stop a thread</a:t>
+            </a:r>
+            <a:endParaRPr lang="en-US" dirty="0"/>
+          </a:p>
+        </p:txBody>
+      </p:sp>
+      <p:sp>
+        <p:nvSpPr>
+          <p:cNvPr id="3" name="Content Placeholder 2"/>
+          <p:cNvSpPr>
+            <a:spLocks noGrp="1"/>
+          </p:cNvSpPr>
+          <p:nvPr>
+            <p:ph idx="1"/>
+          </p:nvPr>
+        </p:nvSpPr>
+        <p:spPr/>
+        <p:txBody>
+          <a:bodyPr>
+            <a:normAutofit lnSpcReduction="10000"/>
+          </a:bodyPr>
+          <a:lstStyle/>
+          <a:p>
+            <a:r>
+              <a:rPr lang="en-US" dirty="0" smtClean="0"/>
+              <a:t>A thread will exit when its callable object returns</a:t>
+            </a:r>
+          </a:p>
+          <a:p>
+            <a:pPr marL="800100" lvl="1" indent="-342900"/>
+            <a:r>
+              <a:rPr lang="en-US" dirty="0" smtClean="0"/>
+              <a:t>The thread which started a thread must not exit before the thread exits</a:t>
+            </a:r>
+          </a:p>
+          <a:p>
+            <a:pPr marL="342900" indent="-342900"/>
+            <a:r>
+              <a:rPr lang="en-US" dirty="0">
+                <a:solidFill>
+                  <a:srgbClr val="7F0055"/>
+                </a:solidFill>
+                <a:latin typeface="Courier New" panose="02070309020205020404" pitchFamily="49" charset="0"/>
+                <a:cs typeface="Courier New" panose="02070309020205020404" pitchFamily="49" charset="0"/>
+              </a:rPr>
+              <a:t>void</a:t>
+            </a:r>
+            <a:r>
+              <a:rPr lang="en-US" dirty="0">
+                <a:latin typeface="Courier New" panose="02070309020205020404" pitchFamily="49" charset="0"/>
+                <a:cs typeface="Courier New" panose="02070309020205020404" pitchFamily="49" charset="0"/>
+              </a:rPr>
+              <a:t> </a:t>
+            </a:r>
+            <a:r>
+              <a:rPr lang="en-US" dirty="0" err="1">
+                <a:latin typeface="Courier New" panose="02070309020205020404" pitchFamily="49" charset="0"/>
+                <a:cs typeface="Courier New" panose="02070309020205020404" pitchFamily="49" charset="0"/>
+              </a:rPr>
+              <a:t>long_running</a:t>
+            </a:r>
+            <a:r>
+              <a:rPr lang="en-US" dirty="0" smtClean="0">
+                <a:latin typeface="Courier New" panose="02070309020205020404" pitchFamily="49" charset="0"/>
+                <a:cs typeface="Courier New" panose="02070309020205020404" pitchFamily="49" charset="0"/>
+              </a:rPr>
+              <a:t>();</a:t>
+            </a:r>
+          </a:p>
+          <a:p>
+            <a:pPr marL="342900" indent="-342900"/>
+            <a:r>
+              <a:rPr lang="en-US" dirty="0" smtClean="0">
+                <a:solidFill>
+                  <a:srgbClr val="7F0055"/>
+                </a:solidFill>
+                <a:latin typeface="Courier New" panose="02070309020205020404" pitchFamily="49" charset="0"/>
+                <a:cs typeface="Courier New" panose="02070309020205020404" pitchFamily="49" charset="0"/>
+              </a:rPr>
+              <a:t>void</a:t>
+            </a:r>
+            <a:r>
+              <a:rPr lang="en-US" dirty="0" smtClean="0">
+                <a:latin typeface="Courier New" panose="02070309020205020404" pitchFamily="49" charset="0"/>
+                <a:cs typeface="Courier New" panose="02070309020205020404" pitchFamily="49" charset="0"/>
+              </a:rPr>
+              <a:t> </a:t>
+            </a:r>
+            <a:r>
+              <a:rPr lang="en-US" dirty="0" err="1">
+                <a:latin typeface="Courier New" panose="02070309020205020404" pitchFamily="49" charset="0"/>
+                <a:cs typeface="Courier New" panose="02070309020205020404" pitchFamily="49" charset="0"/>
+              </a:rPr>
+              <a:t>run_it</a:t>
+            </a:r>
+            <a:r>
+              <a:rPr lang="en-US" dirty="0">
+                <a:latin typeface="Courier New" panose="02070309020205020404" pitchFamily="49" charset="0"/>
+                <a:cs typeface="Courier New" panose="02070309020205020404" pitchFamily="49" charset="0"/>
+              </a:rPr>
+              <a:t>() </a:t>
+            </a:r>
+            <a:r>
+              <a:rPr lang="en-US" dirty="0" smtClean="0">
+                <a:latin typeface="Courier New" panose="02070309020205020404" pitchFamily="49" charset="0"/>
+                <a:cs typeface="Courier New" panose="02070309020205020404" pitchFamily="49" charset="0"/>
+              </a:rPr>
+              <a:t>{</a:t>
+            </a:r>
+          </a:p>
+          <a:p>
+            <a:pPr marL="342900" indent="-342900"/>
+            <a:r>
+              <a:rPr lang="en-US" dirty="0">
+                <a:latin typeface="Courier New" panose="02070309020205020404" pitchFamily="49" charset="0"/>
+                <a:cs typeface="Courier New" panose="02070309020205020404" pitchFamily="49" charset="0"/>
+              </a:rPr>
+              <a:t> </a:t>
+            </a:r>
+            <a:r>
+              <a:rPr lang="en-US" dirty="0" smtClean="0">
+                <a:latin typeface="Courier New" panose="02070309020205020404" pitchFamily="49" charset="0"/>
+                <a:cs typeface="Courier New" panose="02070309020205020404" pitchFamily="49" charset="0"/>
+              </a:rPr>
+              <a:t> </a:t>
+            </a:r>
+            <a:r>
+              <a:rPr lang="en-US" dirty="0" err="1" smtClean="0">
+                <a:latin typeface="Courier New" panose="02070309020205020404" pitchFamily="49" charset="0"/>
+                <a:cs typeface="Courier New" panose="02070309020205020404" pitchFamily="49" charset="0"/>
+              </a:rPr>
+              <a:t>std</a:t>
+            </a:r>
+            <a:r>
+              <a:rPr lang="en-US" dirty="0">
+                <a:latin typeface="Courier New" panose="02070309020205020404" pitchFamily="49" charset="0"/>
+                <a:cs typeface="Courier New" panose="02070309020205020404" pitchFamily="49" charset="0"/>
+              </a:rPr>
+              <a:t>::thread t(</a:t>
+            </a:r>
+            <a:r>
+              <a:rPr lang="en-US" dirty="0" err="1">
+                <a:latin typeface="Courier New" panose="02070309020205020404" pitchFamily="49" charset="0"/>
+                <a:cs typeface="Courier New" panose="02070309020205020404" pitchFamily="49" charset="0"/>
+              </a:rPr>
+              <a:t>long_running</a:t>
+            </a:r>
+            <a:r>
+              <a:rPr lang="en-US" dirty="0" smtClean="0">
+                <a:latin typeface="Courier New" panose="02070309020205020404" pitchFamily="49" charset="0"/>
+                <a:cs typeface="Courier New" panose="02070309020205020404" pitchFamily="49" charset="0"/>
+              </a:rPr>
+              <a:t>);</a:t>
+            </a:r>
+          </a:p>
+          <a:p>
+            <a:pPr marL="342900" indent="-342900"/>
+            <a:r>
+              <a:rPr lang="en-US" dirty="0" smtClean="0">
+                <a:latin typeface="Courier New" panose="02070309020205020404" pitchFamily="49" charset="0"/>
+                <a:cs typeface="Courier New" panose="02070309020205020404" pitchFamily="49" charset="0"/>
+              </a:rPr>
+              <a:t>} </a:t>
+            </a:r>
+            <a:r>
+              <a:rPr lang="en-US" dirty="0">
+                <a:solidFill>
+                  <a:srgbClr val="3F7F59"/>
+                </a:solidFill>
+                <a:latin typeface="Courier New" panose="02070309020205020404" pitchFamily="49" charset="0"/>
+                <a:cs typeface="Courier New" panose="02070309020205020404" pitchFamily="49" charset="0"/>
+              </a:rPr>
+              <a:t>// Oops</a:t>
+            </a:r>
+            <a:r>
+              <a:rPr lang="en-US" dirty="0" smtClean="0">
+                <a:solidFill>
+                  <a:srgbClr val="3F7F59"/>
+                </a:solidFill>
+                <a:latin typeface="Courier New" panose="02070309020205020404" pitchFamily="49" charset="0"/>
+                <a:cs typeface="Courier New" panose="02070309020205020404" pitchFamily="49" charset="0"/>
+              </a:rPr>
+              <a:t>!</a:t>
+            </a:r>
+          </a:p>
+          <a:p>
+            <a:pPr marL="342900" indent="-342900"/>
+            <a:r>
+              <a:rPr lang="en-US" dirty="0">
+                <a:solidFill>
+                  <a:srgbClr val="7F0055"/>
+                </a:solidFill>
+                <a:latin typeface="Courier New" panose="02070309020205020404" pitchFamily="49" charset="0"/>
+                <a:cs typeface="Courier New" panose="02070309020205020404" pitchFamily="49" charset="0"/>
+              </a:rPr>
+              <a:t>void</a:t>
+            </a:r>
+            <a:r>
+              <a:rPr lang="en-US" dirty="0">
+                <a:latin typeface="Courier New" panose="02070309020205020404" pitchFamily="49" charset="0"/>
+                <a:cs typeface="Courier New" panose="02070309020205020404" pitchFamily="49" charset="0"/>
+              </a:rPr>
+              <a:t> </a:t>
+            </a:r>
+            <a:r>
+              <a:rPr lang="en-US" dirty="0" err="1">
+                <a:latin typeface="Courier New" panose="02070309020205020404" pitchFamily="49" charset="0"/>
+                <a:cs typeface="Courier New" panose="02070309020205020404" pitchFamily="49" charset="0"/>
+              </a:rPr>
+              <a:t>run_it</a:t>
+            </a:r>
+            <a:r>
+              <a:rPr lang="en-US" dirty="0">
+                <a:latin typeface="Courier New" panose="02070309020205020404" pitchFamily="49" charset="0"/>
+                <a:cs typeface="Courier New" panose="02070309020205020404" pitchFamily="49" charset="0"/>
+              </a:rPr>
+              <a:t>() {</a:t>
+            </a:r>
+          </a:p>
+          <a:p>
+            <a:pPr marL="342900" indent="-342900"/>
+            <a:r>
+              <a:rPr lang="en-US" dirty="0">
+                <a:latin typeface="Courier New" panose="02070309020205020404" pitchFamily="49" charset="0"/>
+                <a:cs typeface="Courier New" panose="02070309020205020404" pitchFamily="49" charset="0"/>
+              </a:rPr>
+              <a:t>  </a:t>
+            </a:r>
+            <a:r>
+              <a:rPr lang="en-US" dirty="0" err="1">
+                <a:latin typeface="Courier New" panose="02070309020205020404" pitchFamily="49" charset="0"/>
+                <a:cs typeface="Courier New" panose="02070309020205020404" pitchFamily="49" charset="0"/>
+              </a:rPr>
+              <a:t>std</a:t>
+            </a:r>
+            <a:r>
+              <a:rPr lang="en-US" dirty="0">
+                <a:latin typeface="Courier New" panose="02070309020205020404" pitchFamily="49" charset="0"/>
+                <a:cs typeface="Courier New" panose="02070309020205020404" pitchFamily="49" charset="0"/>
+              </a:rPr>
+              <a:t>::thread t(</a:t>
+            </a:r>
+            <a:r>
+              <a:rPr lang="en-US" dirty="0" err="1">
+                <a:latin typeface="Courier New" panose="02070309020205020404" pitchFamily="49" charset="0"/>
+                <a:cs typeface="Courier New" panose="02070309020205020404" pitchFamily="49" charset="0"/>
+              </a:rPr>
+              <a:t>long_running</a:t>
+            </a:r>
+            <a:r>
+              <a:rPr lang="en-US" dirty="0">
+                <a:latin typeface="Courier New" panose="02070309020205020404" pitchFamily="49" charset="0"/>
+                <a:cs typeface="Courier New" panose="02070309020205020404" pitchFamily="49" charset="0"/>
+              </a:rPr>
+              <a:t>);</a:t>
+            </a:r>
+          </a:p>
+          <a:p>
+            <a:pPr marL="342900" indent="-342900"/>
+            <a:r>
+              <a:rPr lang="en-US" dirty="0">
+                <a:latin typeface="Courier New" panose="02070309020205020404" pitchFamily="49" charset="0"/>
+                <a:cs typeface="Courier New" panose="02070309020205020404" pitchFamily="49" charset="0"/>
+              </a:rPr>
+              <a:t>  </a:t>
+            </a:r>
+            <a:r>
+              <a:rPr lang="en-US" dirty="0" err="1">
+                <a:solidFill>
+                  <a:schemeClr val="tx2"/>
+                </a:solidFill>
+                <a:latin typeface="Courier New" panose="02070309020205020404" pitchFamily="49" charset="0"/>
+                <a:cs typeface="Courier New" panose="02070309020205020404" pitchFamily="49" charset="0"/>
+              </a:rPr>
+              <a:t>t.join</a:t>
+            </a:r>
+            <a:r>
+              <a:rPr lang="en-US" dirty="0">
+                <a:solidFill>
+                  <a:schemeClr val="tx2"/>
+                </a:solidFill>
+                <a:latin typeface="Courier New" panose="02070309020205020404" pitchFamily="49" charset="0"/>
+                <a:cs typeface="Courier New" panose="02070309020205020404" pitchFamily="49" charset="0"/>
+              </a:rPr>
+              <a:t>();</a:t>
+            </a:r>
+          </a:p>
+          <a:p>
+            <a:pPr marL="342900" indent="-342900"/>
+            <a:r>
+              <a:rPr lang="en-US" dirty="0">
+                <a:latin typeface="Courier New" panose="02070309020205020404" pitchFamily="49" charset="0"/>
+                <a:cs typeface="Courier New" panose="02070309020205020404" pitchFamily="49" charset="0"/>
+              </a:rPr>
+              <a:t>} </a:t>
+            </a:r>
+            <a:r>
+              <a:rPr lang="en-US" dirty="0">
+                <a:solidFill>
+                  <a:srgbClr val="3F7F59"/>
+                </a:solidFill>
+                <a:latin typeface="Courier New" panose="02070309020205020404" pitchFamily="49" charset="0"/>
+                <a:cs typeface="Courier New" panose="02070309020205020404" pitchFamily="49" charset="0"/>
+              </a:rPr>
+              <a:t>// Oops!</a:t>
+            </a:r>
+            <a:endParaRPr lang="en-US" dirty="0">
+              <a:latin typeface="Courier New" panose="02070309020205020404" pitchFamily="49" charset="0"/>
+              <a:cs typeface="Courier New" panose="02070309020205020404" pitchFamily="49" charset="0"/>
+            </a:endParaRPr>
+          </a:p>
+          <a:p>
+            <a:pPr marL="342900" indent="-342900"/>
+            <a:endParaRPr lang="en-US" dirty="0">
+              <a:latin typeface="Courier New" panose="02070309020205020404" pitchFamily="49" charset="0"/>
+              <a:cs typeface="Courier New" panose="02070309020205020404" pitchFamily="49" charset="0"/>
+            </a:endParaRPr>
+          </a:p>
+        </p:txBody>
+      </p:sp>
+      <p:sp>
+        <p:nvSpPr>
+          <p:cNvPr id="4" name="Slide Number Placeholder 3"/>
+          <p:cNvSpPr>
+            <a:spLocks noGrp="1"/>
+          </p:cNvSpPr>
+          <p:nvPr>
+            <p:ph type="sldNum" sz="quarter" idx="12"/>
+          </p:nvPr>
+        </p:nvSpPr>
+        <p:spPr/>
+        <p:txBody>
+          <a:bodyPr/>
+          <a:lstStyle/>
+          <a:p>
+            <a:fld id="{6DA12B36-9664-4CB0-8B2E-F4A2F44AE97E}" type="slidenum">
+              <a:rPr lang="en-US" smtClean="0"/>
+              <a:t>21</a:t>
+            </a:fld>
+            <a:endParaRPr lang="en-US"/>
+          </a:p>
+        </p:txBody>
+      </p:sp>
+      <p:sp>
+        <p:nvSpPr>
+          <p:cNvPr id="5" name="Rectangle 4"/>
+          <p:cNvSpPr/>
+          <p:nvPr/>
+        </p:nvSpPr>
+        <p:spPr>
+          <a:xfrm>
+            <a:off x="5257800" y="2743200"/>
+            <a:ext cx="2819400" cy="1524000"/>
+          </a:xfrm>
+          <a:prstGeom prst="rect">
+            <a:avLst/>
+          </a:prstGeom>
+        </p:spPr>
+        <p:style>
+          <a:lnRef idx="2">
+            <a:schemeClr val="accent1">
+              <a:shade val="50000"/>
+            </a:schemeClr>
+          </a:lnRef>
+          <a:fillRef idx="1">
+            <a:schemeClr val="accent1"/>
+          </a:fillRef>
+          <a:effectRef idx="0">
+            <a:schemeClr val="accent1"/>
+          </a:effectRef>
+          <a:fontRef idx="minor">
+            <a:schemeClr val="lt1"/>
+          </a:fontRef>
+        </p:style>
+        <p:txBody>
+          <a:bodyPr rtlCol="0" anchor="ctr"/>
+          <a:lstStyle/>
+          <a:p>
+            <a:pPr algn="ctr"/>
+            <a:r>
+              <a:rPr lang="en-US" dirty="0" smtClean="0"/>
+              <a:t>The C++ runtime will call </a:t>
+            </a:r>
+            <a:r>
+              <a:rPr lang="en-US" dirty="0" err="1" smtClean="0"/>
+              <a:t>std</a:t>
+            </a:r>
+            <a:r>
+              <a:rPr lang="en-US" dirty="0" smtClean="0"/>
+              <a:t>::terminate() when the caller exits first!</a:t>
+            </a:r>
+            <a:endParaRPr lang="en-US" dirty="0"/>
+          </a:p>
+        </p:txBody>
+      </p:sp>
+      <p:sp>
+        <p:nvSpPr>
+          <p:cNvPr id="6" name="Footer Placeholder 5"/>
+          <p:cNvSpPr>
+            <a:spLocks noGrp="1"/>
+          </p:cNvSpPr>
+          <p:nvPr>
+            <p:ph type="ftr" sz="quarter" idx="11"/>
+          </p:nvPr>
+        </p:nvSpPr>
+        <p:spPr/>
+        <p:txBody>
+          <a:bodyPr/>
+          <a:lstStyle/>
+          <a:p>
+            <a:r>
+              <a:rPr lang="en-US" smtClean="0"/>
+              <a:t>Source: Williams, Chapter 2</a:t>
+            </a:r>
+            <a:endParaRPr lang="en-US"/>
+          </a:p>
+        </p:txBody>
+      </p:sp>
+    </p:spTree>
+    <p:extLst>
+      <p:ext uri="{BB962C8B-B14F-4D97-AF65-F5344CB8AC3E}">
+        <p14:creationId xmlns:p14="http://schemas.microsoft.com/office/powerpoint/2010/main" val="2681353184"/>
+      </p:ext>
+    </p:extLst>
+  </p:cSld>
+  <p:clrMapOvr>
+    <a:masterClrMapping/>
+  </p:clrMapOvr>
+  <p:timing>
+    <p:tnLst>
+      <p:par>
+        <p:cTn id="1" dur="indefinite" restart="never" nodeType="tmRoot">
+          <p:childTnLst>
+            <p:seq concurrent="1" nextAc="seek">
+              <p:cTn id="2" dur="indefinite" nodeType="mainSeq">
+                <p:childTnLst>
+                  <p:par>
+                    <p:cTn id="3" fill="hold">
+                      <p:stCondLst>
+                        <p:cond delay="indefinite"/>
+                      </p:stCondLst>
+                      <p:childTnLst>
+                        <p:par>
+                          <p:cTn id="4" fill="hold">
+                            <p:stCondLst>
+                              <p:cond delay="0"/>
+                            </p:stCondLst>
+                            <p:childTnLst>
+                              <p:par>
+                                <p:cTn id="5" presetID="1" presetClass="entr" presetSubtype="0" fill="hold" nodeType="clickEffect">
+                                  <p:stCondLst>
+                                    <p:cond delay="0"/>
+                                  </p:stCondLst>
+                                  <p:childTnLst>
+                                    <p:set>
+                                      <p:cBhvr>
+                                        <p:cTn id="6" dur="1" fill="hold">
+                                          <p:stCondLst>
+                                            <p:cond delay="0"/>
+                                          </p:stCondLst>
+                                        </p:cTn>
+                                        <p:tgtEl>
+                                          <p:spTgt spid="3">
+                                            <p:txEl>
+                                              <p:pRg st="6" end="6"/>
+                                            </p:txEl>
+                                          </p:spTgt>
+                                        </p:tgtEl>
+                                        <p:attrNameLst>
+                                          <p:attrName>style.visibility</p:attrName>
+                                        </p:attrNameLst>
+                                      </p:cBhvr>
+                                      <p:to>
+                                        <p:strVal val="visible"/>
+                                      </p:to>
+                                    </p:set>
+                                  </p:childTnLst>
+                                </p:cTn>
+                              </p:par>
+                              <p:par>
+                                <p:cTn id="7" presetID="1" presetClass="entr" presetSubtype="0" fill="hold" nodeType="withEffect">
+                                  <p:stCondLst>
+                                    <p:cond delay="0"/>
+                                  </p:stCondLst>
+                                  <p:childTnLst>
+                                    <p:set>
+                                      <p:cBhvr>
+                                        <p:cTn id="8" dur="1" fill="hold">
+                                          <p:stCondLst>
+                                            <p:cond delay="0"/>
+                                          </p:stCondLst>
+                                        </p:cTn>
+                                        <p:tgtEl>
+                                          <p:spTgt spid="3">
+                                            <p:txEl>
+                                              <p:pRg st="7" end="7"/>
+                                            </p:txEl>
+                                          </p:spTgt>
+                                        </p:tgtEl>
+                                        <p:attrNameLst>
+                                          <p:attrName>style.visibility</p:attrName>
+                                        </p:attrNameLst>
+                                      </p:cBhvr>
+                                      <p:to>
+                                        <p:strVal val="visible"/>
+                                      </p:to>
+                                    </p:set>
+                                  </p:childTnLst>
+                                </p:cTn>
+                              </p:par>
+                              <p:par>
+                                <p:cTn id="9" presetID="1" presetClass="entr" presetSubtype="0" fill="hold" nodeType="withEffect">
+                                  <p:stCondLst>
+                                    <p:cond delay="0"/>
+                                  </p:stCondLst>
+                                  <p:childTnLst>
+                                    <p:set>
+                                      <p:cBhvr>
+                                        <p:cTn id="10" dur="1" fill="hold">
+                                          <p:stCondLst>
+                                            <p:cond delay="0"/>
+                                          </p:stCondLst>
+                                        </p:cTn>
+                                        <p:tgtEl>
+                                          <p:spTgt spid="3">
+                                            <p:txEl>
+                                              <p:pRg st="8" end="8"/>
+                                            </p:txEl>
+                                          </p:spTgt>
+                                        </p:tgtEl>
+                                        <p:attrNameLst>
+                                          <p:attrName>style.visibility</p:attrName>
+                                        </p:attrNameLst>
+                                      </p:cBhvr>
+                                      <p:to>
+                                        <p:strVal val="visible"/>
+                                      </p:to>
+                                    </p:set>
+                                  </p:childTnLst>
+                                </p:cTn>
+                              </p:par>
+                              <p:par>
+                                <p:cTn id="11" presetID="1" presetClass="entr" presetSubtype="0" fill="hold" nodeType="withEffect">
+                                  <p:stCondLst>
+                                    <p:cond delay="0"/>
+                                  </p:stCondLst>
+                                  <p:childTnLst>
+                                    <p:set>
+                                      <p:cBhvr>
+                                        <p:cTn id="12" dur="1" fill="hold">
+                                          <p:stCondLst>
+                                            <p:cond delay="0"/>
+                                          </p:stCondLst>
+                                        </p:cTn>
+                                        <p:tgtEl>
+                                          <p:spTgt spid="3">
+                                            <p:txEl>
+                                              <p:pRg st="9" end="9"/>
+                                            </p:txEl>
+                                          </p:spTgt>
+                                        </p:tgtEl>
+                                        <p:attrNameLst>
+                                          <p:attrName>style.visibility</p:attrName>
+                                        </p:attrNameLst>
+                                      </p:cBhvr>
+                                      <p:to>
+                                        <p:strVal val="visible"/>
+                                      </p:to>
+                                    </p:set>
+                                  </p:childTnLst>
+                                </p:cTn>
+                              </p:par>
+                            </p:childTnLst>
+                          </p:cTn>
+                        </p:par>
+                      </p:childTnLst>
+                    </p:cTn>
+                  </p:par>
+                </p:childTnLst>
+              </p:cTn>
+              <p:prevCondLst>
+                <p:cond evt="onPrev" delay="0">
+                  <p:tgtEl>
+                    <p:sldTgt/>
+                  </p:tgtEl>
+                </p:cond>
+              </p:prevCondLst>
+              <p:nextCondLst>
+                <p:cond evt="onNext" delay="0">
+                  <p:tgtEl>
+                    <p:sldTgt/>
+                  </p:tgtEl>
+                </p:cond>
+              </p:nextCondLst>
+            </p:seq>
+          </p:childTnLst>
+        </p:cTn>
+      </p:par>
+    </p:tnLst>
+  </p:timing>
+</p:sld>
+</file>
+
+<file path=ppt/slides/slide22.xml><?xml version="1.0" encoding="utf-8"?>
+<p:sld xmlns:a="http://schemas.openxmlformats.org/drawingml/2006/main" xmlns:r="http://schemas.openxmlformats.org/officeDocument/2006/relationships" xmlns:p="http://schemas.openxmlformats.org/presentationml/2006/main">
+  <p:cSld>
+    <p:spTree>
+      <p:nvGrpSpPr>
+        <p:cNvPr id="1" name=""/>
+        <p:cNvGrpSpPr/>
+        <p:nvPr/>
+      </p:nvGrpSpPr>
+      <p:grpSpPr>
+        <a:xfrm>
+          <a:off x="0" y="0"/>
+          <a:ext cx="0" cy="0"/>
+          <a:chOff x="0" y="0"/>
+          <a:chExt cx="0" cy="0"/>
+        </a:xfrm>
+      </p:grpSpPr>
+      <p:sp>
+        <p:nvSpPr>
+          <p:cNvPr id="2" name="Title 1"/>
+          <p:cNvSpPr>
+            <a:spLocks noGrp="1"/>
+          </p:cNvSpPr>
+          <p:nvPr>
+            <p:ph type="title"/>
+          </p:nvPr>
+        </p:nvSpPr>
+        <p:spPr/>
+        <p:txBody>
+          <a:bodyPr/>
+          <a:lstStyle/>
+          <a:p>
+            <a:r>
+              <a:rPr lang="en-US" dirty="0" smtClean="0"/>
+              <a:t>Wait or don’t wait</a:t>
+            </a:r>
+            <a:endParaRPr lang="en-US" dirty="0"/>
+          </a:p>
+        </p:txBody>
+      </p:sp>
+      <p:sp>
+        <p:nvSpPr>
+          <p:cNvPr id="3" name="Content Placeholder 2"/>
+          <p:cNvSpPr>
+            <a:spLocks noGrp="1"/>
+          </p:cNvSpPr>
+          <p:nvPr>
+            <p:ph idx="1"/>
+          </p:nvPr>
+        </p:nvSpPr>
+        <p:spPr/>
+        <p:txBody>
+          <a:bodyPr/>
+          <a:lstStyle/>
+          <a:p>
+            <a:r>
+              <a:rPr lang="en-US" dirty="0" smtClean="0"/>
+              <a:t>We have two ways to deal with a long-running thread</a:t>
+            </a:r>
+          </a:p>
+          <a:p>
+            <a:pPr marL="800100" lvl="1" indent="-342900"/>
+            <a:r>
+              <a:rPr lang="en-US" dirty="0" smtClean="0"/>
+              <a:t>Call </a:t>
+            </a:r>
+            <a:r>
+              <a:rPr lang="en-US" dirty="0" smtClean="0">
+                <a:latin typeface="Courier New" panose="02070309020205020404" pitchFamily="49" charset="0"/>
+                <a:cs typeface="Courier New" panose="02070309020205020404" pitchFamily="49" charset="0"/>
+              </a:rPr>
+              <a:t>join()</a:t>
+            </a:r>
+            <a:r>
+              <a:rPr lang="en-US" dirty="0"/>
+              <a:t> </a:t>
+            </a:r>
+            <a:r>
+              <a:rPr lang="en-US" dirty="0" smtClean="0"/>
+              <a:t>on the thread to wait for it to complete.</a:t>
+            </a:r>
+          </a:p>
+          <a:p>
+            <a:pPr marL="1485900" lvl="2" indent="-342900"/>
+            <a:r>
+              <a:rPr lang="en-US" dirty="0" smtClean="0"/>
+              <a:t>Blocks the caller until the thread exits</a:t>
+            </a:r>
+          </a:p>
+          <a:p>
+            <a:pPr marL="1485900" lvl="2" indent="-342900"/>
+            <a:r>
+              <a:rPr lang="en-US" dirty="0" smtClean="0"/>
+              <a:t>Can be called only once on a </a:t>
+            </a:r>
+            <a:r>
+              <a:rPr lang="en-US" dirty="0" err="1" smtClean="0">
+                <a:latin typeface="Courier New" panose="02070309020205020404" pitchFamily="49" charset="0"/>
+                <a:cs typeface="Courier New" panose="02070309020205020404" pitchFamily="49" charset="0"/>
+              </a:rPr>
+              <a:t>std</a:t>
+            </a:r>
+            <a:r>
+              <a:rPr lang="en-US" dirty="0" smtClean="0">
+                <a:latin typeface="Courier New" panose="02070309020205020404" pitchFamily="49" charset="0"/>
+                <a:cs typeface="Courier New" panose="02070309020205020404" pitchFamily="49" charset="0"/>
+              </a:rPr>
+              <a:t>::thread</a:t>
+            </a:r>
+            <a:r>
+              <a:rPr lang="en-US" dirty="0" smtClean="0"/>
+              <a:t> object</a:t>
+            </a:r>
+          </a:p>
+          <a:p>
+            <a:pPr marL="1485900" lvl="2" indent="-342900"/>
+            <a:r>
+              <a:rPr lang="en-US" dirty="0" smtClean="0"/>
+              <a:t>Call </a:t>
+            </a:r>
+            <a:r>
+              <a:rPr lang="en-US" dirty="0" smtClean="0">
+                <a:latin typeface="Courier New" panose="02070309020205020404" pitchFamily="49" charset="0"/>
+                <a:cs typeface="Courier New" panose="02070309020205020404" pitchFamily="49" charset="0"/>
+              </a:rPr>
+              <a:t>joinable()</a:t>
+            </a:r>
+            <a:r>
+              <a:rPr lang="en-US" dirty="0" smtClean="0"/>
+              <a:t> to know if a thread can be joined</a:t>
+            </a:r>
+          </a:p>
+          <a:p>
+            <a:pPr marL="800100" lvl="1" indent="-342900"/>
+            <a:r>
+              <a:rPr lang="en-US" dirty="0" smtClean="0"/>
+              <a:t>Call </a:t>
+            </a:r>
+            <a:r>
+              <a:rPr lang="en-US" dirty="0" smtClean="0">
+                <a:latin typeface="Courier New" panose="02070309020205020404" pitchFamily="49" charset="0"/>
+                <a:cs typeface="Courier New" panose="02070309020205020404" pitchFamily="49" charset="0"/>
+              </a:rPr>
+              <a:t>detach()</a:t>
+            </a:r>
+            <a:r>
+              <a:rPr lang="en-US" dirty="0" smtClean="0"/>
+              <a:t> on the thread to </a:t>
+            </a:r>
+            <a:r>
+              <a:rPr lang="en-US" dirty="0" smtClean="0">
+                <a:solidFill>
+                  <a:schemeClr val="tx2"/>
+                </a:solidFill>
+              </a:rPr>
+              <a:t>not</a:t>
+            </a:r>
+            <a:r>
+              <a:rPr lang="en-US" dirty="0" smtClean="0"/>
+              <a:t> wait for it to complete</a:t>
+            </a:r>
+          </a:p>
+          <a:p>
+            <a:pPr marL="1485900" lvl="2" indent="-342900"/>
+            <a:r>
+              <a:rPr lang="en-US" dirty="0" smtClean="0"/>
+              <a:t>Transfers ownership to the C++ runtime library</a:t>
+            </a:r>
+          </a:p>
+          <a:p>
+            <a:pPr marL="1485900" lvl="2" indent="-342900"/>
+            <a:r>
+              <a:rPr lang="en-US" dirty="0" smtClean="0"/>
+              <a:t>Detached threads are not joinable</a:t>
+            </a:r>
+          </a:p>
+          <a:p>
+            <a:pPr marL="1485900" lvl="2" indent="-342900"/>
+            <a:r>
+              <a:rPr lang="en-US" dirty="0" smtClean="0"/>
+              <a:t>Usually, you want to detach immediately creation</a:t>
+            </a:r>
+            <a:endParaRPr lang="en-US" dirty="0"/>
+          </a:p>
+        </p:txBody>
+      </p:sp>
+      <p:sp>
+        <p:nvSpPr>
+          <p:cNvPr id="4" name="Slide Number Placeholder 3"/>
+          <p:cNvSpPr>
+            <a:spLocks noGrp="1"/>
+          </p:cNvSpPr>
+          <p:nvPr>
+            <p:ph type="sldNum" sz="quarter" idx="12"/>
+          </p:nvPr>
+        </p:nvSpPr>
+        <p:spPr/>
+        <p:txBody>
+          <a:bodyPr/>
+          <a:lstStyle/>
+          <a:p>
+            <a:fld id="{6DA12B36-9664-4CB0-8B2E-F4A2F44AE97E}" type="slidenum">
+              <a:rPr lang="en-US" smtClean="0"/>
+              <a:t>22</a:t>
+            </a:fld>
+            <a:endParaRPr lang="en-US"/>
+          </a:p>
+        </p:txBody>
+      </p:sp>
+      <p:sp>
+        <p:nvSpPr>
+          <p:cNvPr id="5" name="Footer Placeholder 4"/>
+          <p:cNvSpPr>
+            <a:spLocks noGrp="1"/>
+          </p:cNvSpPr>
+          <p:nvPr>
+            <p:ph type="ftr" sz="quarter" idx="11"/>
+          </p:nvPr>
+        </p:nvSpPr>
+        <p:spPr/>
+        <p:txBody>
+          <a:bodyPr/>
+          <a:lstStyle/>
+          <a:p>
+            <a:r>
+              <a:rPr lang="en-US" smtClean="0"/>
+              <a:t>Source: Williams, Chapter 2</a:t>
+            </a:r>
+            <a:endParaRPr lang="en-US"/>
+          </a:p>
+        </p:txBody>
+      </p:sp>
+    </p:spTree>
+    <p:extLst>
+      <p:ext uri="{BB962C8B-B14F-4D97-AF65-F5344CB8AC3E}">
+        <p14:creationId xmlns:p14="http://schemas.microsoft.com/office/powerpoint/2010/main" val="1301575756"/>
+      </p:ext>
+    </p:extLst>
+  </p:cSld>
+  <p:clrMapOvr>
+    <a:masterClrMapping/>
+  </p:clrMapOvr>
+  <p:timing>
+    <p:tnLst>
+      <p:par>
+        <p:cTn id="1" dur="indefinite" restart="never" nodeType="tmRoot"/>
+      </p:par>
+    </p:tnLst>
+  </p:timing>
+</p:sld>
+</file>
+
+<file path=ppt/slides/slide23.xml><?xml version="1.0" encoding="utf-8"?>
+<p:sld xmlns:a="http://schemas.openxmlformats.org/drawingml/2006/main" xmlns:r="http://schemas.openxmlformats.org/officeDocument/2006/relationships" xmlns:p="http://schemas.openxmlformats.org/presentationml/2006/main">
+  <p:cSld>
+    <p:spTree>
+      <p:nvGrpSpPr>
+        <p:cNvPr id="1" name=""/>
+        <p:cNvGrpSpPr/>
+        <p:nvPr/>
+      </p:nvGrpSpPr>
+      <p:grpSpPr>
+        <a:xfrm>
+          <a:off x="0" y="0"/>
+          <a:ext cx="0" cy="0"/>
+          <a:chOff x="0" y="0"/>
+          <a:chExt cx="0" cy="0"/>
+        </a:xfrm>
+      </p:grpSpPr>
+      <p:sp>
+        <p:nvSpPr>
+          <p:cNvPr id="2" name="Title 1"/>
+          <p:cNvSpPr>
+            <a:spLocks noGrp="1"/>
+          </p:cNvSpPr>
+          <p:nvPr>
+            <p:ph type="title"/>
+          </p:nvPr>
+        </p:nvSpPr>
+        <p:spPr/>
+        <p:txBody>
+          <a:bodyPr/>
+          <a:lstStyle/>
+          <a:p>
+            <a:r>
+              <a:rPr lang="en-US" dirty="0" smtClean="0"/>
+              <a:t>Detaching has an impact on lifetime</a:t>
+            </a:r>
+            <a:endParaRPr lang="en-US" dirty="0"/>
+          </a:p>
+        </p:txBody>
+      </p:sp>
+      <p:sp>
+        <p:nvSpPr>
+          <p:cNvPr id="3" name="Content Placeholder 2"/>
+          <p:cNvSpPr>
+            <a:spLocks noGrp="1"/>
+          </p:cNvSpPr>
+          <p:nvPr>
+            <p:ph idx="1"/>
+          </p:nvPr>
+        </p:nvSpPr>
+        <p:spPr/>
+        <p:txBody>
+          <a:bodyPr/>
+          <a:lstStyle/>
+          <a:p>
+            <a:r>
+              <a:rPr lang="en-US" dirty="0">
+                <a:solidFill>
+                  <a:srgbClr val="7F0055"/>
+                </a:solidFill>
+                <a:latin typeface="Courier New" panose="02070309020205020404" pitchFamily="49" charset="0"/>
+                <a:cs typeface="Courier New" panose="02070309020205020404" pitchFamily="49" charset="0"/>
+              </a:rPr>
+              <a:t>void</a:t>
+            </a:r>
+            <a:r>
+              <a:rPr lang="en-US" dirty="0">
+                <a:latin typeface="Courier New" panose="02070309020205020404" pitchFamily="49" charset="0"/>
+                <a:cs typeface="Courier New" panose="02070309020205020404" pitchFamily="49" charset="0"/>
+              </a:rPr>
+              <a:t> f(</a:t>
+            </a:r>
+            <a:r>
+              <a:rPr lang="en-US" dirty="0" err="1">
+                <a:solidFill>
+                  <a:srgbClr val="7F0055"/>
+                </a:solidFill>
+                <a:latin typeface="Courier New" panose="02070309020205020404" pitchFamily="49" charset="0"/>
+                <a:cs typeface="Courier New" panose="02070309020205020404" pitchFamily="49" charset="0"/>
+              </a:rPr>
+              <a:t>int</a:t>
+            </a:r>
+            <a:r>
+              <a:rPr lang="en-US" dirty="0">
+                <a:latin typeface="Courier New" panose="02070309020205020404" pitchFamily="49" charset="0"/>
+                <a:cs typeface="Courier New" panose="02070309020205020404" pitchFamily="49" charset="0"/>
+              </a:rPr>
+              <a:t> </a:t>
+            </a:r>
+            <a:r>
+              <a:rPr lang="en-US" dirty="0" err="1">
+                <a:latin typeface="Courier New" panose="02070309020205020404" pitchFamily="49" charset="0"/>
+                <a:cs typeface="Courier New" panose="02070309020205020404" pitchFamily="49" charset="0"/>
+              </a:rPr>
+              <a:t>i</a:t>
+            </a:r>
+            <a:r>
+              <a:rPr lang="en-US" dirty="0">
+                <a:latin typeface="Courier New" panose="02070309020205020404" pitchFamily="49" charset="0"/>
+                <a:cs typeface="Courier New" panose="02070309020205020404" pitchFamily="49" charset="0"/>
+              </a:rPr>
+              <a:t>, </a:t>
+            </a:r>
+            <a:r>
+              <a:rPr lang="en-US" dirty="0" err="1">
+                <a:solidFill>
+                  <a:srgbClr val="7F0055"/>
+                </a:solidFill>
+                <a:latin typeface="Courier New" panose="02070309020205020404" pitchFamily="49" charset="0"/>
+                <a:cs typeface="Courier New" panose="02070309020205020404" pitchFamily="49" charset="0"/>
+              </a:rPr>
+              <a:t>const</a:t>
+            </a:r>
+            <a:r>
+              <a:rPr lang="en-US" dirty="0">
+                <a:latin typeface="Courier New" panose="02070309020205020404" pitchFamily="49" charset="0"/>
+                <a:cs typeface="Courier New" panose="02070309020205020404" pitchFamily="49" charset="0"/>
+              </a:rPr>
+              <a:t> </a:t>
+            </a:r>
+            <a:r>
+              <a:rPr lang="en-US" dirty="0">
+                <a:solidFill>
+                  <a:srgbClr val="7F0055"/>
+                </a:solidFill>
+                <a:latin typeface="Courier New" panose="02070309020205020404" pitchFamily="49" charset="0"/>
+                <a:cs typeface="Courier New" panose="02070309020205020404" pitchFamily="49" charset="0"/>
+              </a:rPr>
+              <a:t>char</a:t>
+            </a:r>
+            <a:r>
+              <a:rPr lang="en-US" dirty="0">
+                <a:latin typeface="Courier New" panose="02070309020205020404" pitchFamily="49" charset="0"/>
+                <a:cs typeface="Courier New" panose="02070309020205020404" pitchFamily="49" charset="0"/>
+              </a:rPr>
+              <a:t>* s</a:t>
+            </a:r>
+            <a:r>
+              <a:rPr lang="en-US" dirty="0" smtClean="0">
+                <a:latin typeface="Courier New" panose="02070309020205020404" pitchFamily="49" charset="0"/>
+                <a:cs typeface="Courier New" panose="02070309020205020404" pitchFamily="49" charset="0"/>
+              </a:rPr>
+              <a:t>);</a:t>
+            </a:r>
+          </a:p>
+          <a:p>
+            <a:endParaRPr lang="en-US" dirty="0">
+              <a:latin typeface="Courier New" panose="02070309020205020404" pitchFamily="49" charset="0"/>
+              <a:cs typeface="Courier New" panose="02070309020205020404" pitchFamily="49" charset="0"/>
+            </a:endParaRPr>
+          </a:p>
+          <a:p>
+            <a:r>
+              <a:rPr lang="en-US" dirty="0">
+                <a:solidFill>
+                  <a:srgbClr val="7F0055"/>
+                </a:solidFill>
+                <a:latin typeface="Courier New" panose="02070309020205020404" pitchFamily="49" charset="0"/>
+                <a:cs typeface="Courier New" panose="02070309020205020404" pitchFamily="49" charset="0"/>
+              </a:rPr>
+              <a:t>void</a:t>
+            </a:r>
+            <a:r>
+              <a:rPr lang="en-US" dirty="0">
+                <a:latin typeface="Courier New" panose="02070309020205020404" pitchFamily="49" charset="0"/>
+                <a:cs typeface="Courier New" panose="02070309020205020404" pitchFamily="49" charset="0"/>
+              </a:rPr>
+              <a:t> </a:t>
+            </a:r>
+            <a:r>
+              <a:rPr lang="en-US" dirty="0" err="1" smtClean="0">
+                <a:latin typeface="Courier New" panose="02070309020205020404" pitchFamily="49" charset="0"/>
+                <a:cs typeface="Courier New" panose="02070309020205020404" pitchFamily="49" charset="0"/>
+              </a:rPr>
+              <a:t>just_fine</a:t>
+            </a:r>
+            <a:r>
+              <a:rPr lang="en-US" dirty="0" smtClean="0">
+                <a:latin typeface="Courier New" panose="02070309020205020404" pitchFamily="49" charset="0"/>
+                <a:cs typeface="Courier New" panose="02070309020205020404" pitchFamily="49" charset="0"/>
+              </a:rPr>
+              <a:t>(</a:t>
+            </a:r>
+            <a:r>
+              <a:rPr lang="en-US" dirty="0" err="1" smtClean="0">
+                <a:solidFill>
+                  <a:srgbClr val="7F0055"/>
+                </a:solidFill>
+                <a:latin typeface="Courier New" panose="02070309020205020404" pitchFamily="49" charset="0"/>
+                <a:cs typeface="Courier New" panose="02070309020205020404" pitchFamily="49" charset="0"/>
+              </a:rPr>
+              <a:t>int</a:t>
+            </a:r>
+            <a:r>
+              <a:rPr lang="en-US" dirty="0" smtClean="0">
+                <a:latin typeface="Courier New" panose="02070309020205020404" pitchFamily="49" charset="0"/>
+                <a:cs typeface="Courier New" panose="02070309020205020404" pitchFamily="49" charset="0"/>
+              </a:rPr>
+              <a:t> </a:t>
+            </a:r>
+            <a:r>
+              <a:rPr lang="en-US" dirty="0">
+                <a:latin typeface="Courier New" panose="02070309020205020404" pitchFamily="49" charset="0"/>
+                <a:cs typeface="Courier New" panose="02070309020205020404" pitchFamily="49" charset="0"/>
+              </a:rPr>
+              <a:t>j) {</a:t>
+            </a:r>
+          </a:p>
+          <a:p>
+            <a:r>
+              <a:rPr lang="en-US" dirty="0">
+                <a:solidFill>
+                  <a:srgbClr val="7F0055"/>
+                </a:solidFill>
+                <a:latin typeface="Courier New" panose="02070309020205020404" pitchFamily="49" charset="0"/>
+                <a:cs typeface="Courier New" panose="02070309020205020404" pitchFamily="49" charset="0"/>
+              </a:rPr>
+              <a:t>  char</a:t>
+            </a:r>
+            <a:r>
+              <a:rPr lang="en-US" dirty="0">
+                <a:latin typeface="Courier New" panose="02070309020205020404" pitchFamily="49" charset="0"/>
+                <a:cs typeface="Courier New" panose="02070309020205020404" pitchFamily="49" charset="0"/>
+              </a:rPr>
+              <a:t> buffer[1024];</a:t>
+            </a:r>
+          </a:p>
+          <a:p>
+            <a:r>
+              <a:rPr lang="en-US" dirty="0">
+                <a:solidFill>
+                  <a:srgbClr val="7F0055"/>
+                </a:solidFill>
+                <a:latin typeface="Courier New" panose="02070309020205020404" pitchFamily="49" charset="0"/>
+                <a:cs typeface="Courier New" panose="02070309020205020404" pitchFamily="49" charset="0"/>
+              </a:rPr>
+              <a:t>  </a:t>
+            </a:r>
+            <a:r>
+              <a:rPr lang="en-US" dirty="0" err="1">
+                <a:solidFill>
+                  <a:srgbClr val="7F0055"/>
+                </a:solidFill>
+                <a:latin typeface="Courier New" panose="02070309020205020404" pitchFamily="49" charset="0"/>
+                <a:cs typeface="Courier New" panose="02070309020205020404" pitchFamily="49" charset="0"/>
+              </a:rPr>
+              <a:t>sprintf</a:t>
+            </a:r>
+            <a:r>
+              <a:rPr lang="en-US" dirty="0">
+                <a:latin typeface="Courier New" panose="02070309020205020404" pitchFamily="49" charset="0"/>
+                <a:cs typeface="Courier New" panose="02070309020205020404" pitchFamily="49" charset="0"/>
+              </a:rPr>
+              <a:t>(buffer, </a:t>
+            </a:r>
+            <a:r>
+              <a:rPr lang="en-US" dirty="0">
+                <a:solidFill>
+                  <a:srgbClr val="2A00FF"/>
+                </a:solidFill>
+                <a:latin typeface="Courier New" panose="02070309020205020404" pitchFamily="49" charset="0"/>
+                <a:cs typeface="Courier New" panose="02070309020205020404" pitchFamily="49" charset="0"/>
+              </a:rPr>
+              <a:t>"%</a:t>
+            </a:r>
+            <a:r>
+              <a:rPr lang="en-US" dirty="0" err="1">
+                <a:solidFill>
+                  <a:srgbClr val="2A00FF"/>
+                </a:solidFill>
+                <a:latin typeface="Courier New" panose="02070309020205020404" pitchFamily="49" charset="0"/>
+                <a:cs typeface="Courier New" panose="02070309020205020404" pitchFamily="49" charset="0"/>
+              </a:rPr>
+              <a:t>i</a:t>
+            </a:r>
+            <a:r>
+              <a:rPr lang="en-US" dirty="0">
+                <a:solidFill>
+                  <a:srgbClr val="2A00FF"/>
+                </a:solidFill>
+                <a:latin typeface="Courier New" panose="02070309020205020404" pitchFamily="49" charset="0"/>
+                <a:cs typeface="Courier New" panose="02070309020205020404" pitchFamily="49" charset="0"/>
+              </a:rPr>
+              <a:t>"</a:t>
+            </a:r>
+            <a:r>
+              <a:rPr lang="en-US" dirty="0">
+                <a:latin typeface="Courier New" panose="02070309020205020404" pitchFamily="49" charset="0"/>
+                <a:cs typeface="Courier New" panose="02070309020205020404" pitchFamily="49" charset="0"/>
+              </a:rPr>
+              <a:t>, j);</a:t>
+            </a:r>
+          </a:p>
+          <a:p>
+            <a:r>
+              <a:rPr lang="en-US" dirty="0">
+                <a:latin typeface="Courier New" panose="02070309020205020404" pitchFamily="49" charset="0"/>
+                <a:cs typeface="Courier New" panose="02070309020205020404" pitchFamily="49" charset="0"/>
+              </a:rPr>
+              <a:t>  </a:t>
+            </a:r>
+            <a:r>
+              <a:rPr lang="en-US" dirty="0" err="1">
+                <a:latin typeface="Courier New" panose="02070309020205020404" pitchFamily="49" charset="0"/>
+                <a:cs typeface="Courier New" panose="02070309020205020404" pitchFamily="49" charset="0"/>
+              </a:rPr>
+              <a:t>std</a:t>
+            </a:r>
+            <a:r>
+              <a:rPr lang="en-US" dirty="0">
+                <a:latin typeface="Courier New" panose="02070309020205020404" pitchFamily="49" charset="0"/>
+                <a:cs typeface="Courier New" panose="02070309020205020404" pitchFamily="49" charset="0"/>
+              </a:rPr>
+              <a:t>::thread t(f, 3, buffer);</a:t>
+            </a:r>
+          </a:p>
+          <a:p>
+            <a:r>
+              <a:rPr lang="en-US" dirty="0">
+                <a:solidFill>
+                  <a:schemeClr val="tx2"/>
+                </a:solidFill>
+                <a:latin typeface="Courier New" panose="02070309020205020404" pitchFamily="49" charset="0"/>
+                <a:cs typeface="Courier New" panose="02070309020205020404" pitchFamily="49" charset="0"/>
+              </a:rPr>
+              <a:t>  </a:t>
+            </a:r>
+            <a:r>
+              <a:rPr lang="en-US" dirty="0" err="1" smtClean="0">
+                <a:solidFill>
+                  <a:schemeClr val="tx2"/>
+                </a:solidFill>
+                <a:latin typeface="Courier New" panose="02070309020205020404" pitchFamily="49" charset="0"/>
+                <a:cs typeface="Courier New" panose="02070309020205020404" pitchFamily="49" charset="0"/>
+              </a:rPr>
+              <a:t>t.join</a:t>
+            </a:r>
+            <a:r>
+              <a:rPr lang="en-US" dirty="0" smtClean="0">
+                <a:solidFill>
+                  <a:schemeClr val="tx2"/>
+                </a:solidFill>
+                <a:latin typeface="Courier New" panose="02070309020205020404" pitchFamily="49" charset="0"/>
+                <a:cs typeface="Courier New" panose="02070309020205020404" pitchFamily="49" charset="0"/>
+              </a:rPr>
+              <a:t>();</a:t>
+            </a:r>
+            <a:endParaRPr lang="en-US" dirty="0">
+              <a:solidFill>
+                <a:schemeClr val="tx2"/>
+              </a:solidFill>
+              <a:latin typeface="Courier New" panose="02070309020205020404" pitchFamily="49" charset="0"/>
+              <a:cs typeface="Courier New" panose="02070309020205020404" pitchFamily="49" charset="0"/>
+            </a:endParaRPr>
+          </a:p>
+          <a:p>
+            <a:r>
+              <a:rPr lang="en-US" dirty="0">
+                <a:latin typeface="Courier New" panose="02070309020205020404" pitchFamily="49" charset="0"/>
+                <a:cs typeface="Courier New" panose="02070309020205020404" pitchFamily="49" charset="0"/>
+              </a:rPr>
+              <a:t>}</a:t>
+            </a:r>
+          </a:p>
+          <a:p>
+            <a:endParaRPr lang="en-US" dirty="0">
+              <a:latin typeface="Courier New" panose="02070309020205020404" pitchFamily="49" charset="0"/>
+              <a:cs typeface="Courier New" panose="02070309020205020404" pitchFamily="49" charset="0"/>
+            </a:endParaRPr>
+          </a:p>
+          <a:p>
+            <a:endParaRPr lang="en-US" dirty="0"/>
+          </a:p>
+        </p:txBody>
+      </p:sp>
+      <p:sp>
+        <p:nvSpPr>
+          <p:cNvPr id="4" name="Slide Number Placeholder 3"/>
+          <p:cNvSpPr>
+            <a:spLocks noGrp="1"/>
+          </p:cNvSpPr>
+          <p:nvPr>
+            <p:ph type="sldNum" sz="quarter" idx="12"/>
+          </p:nvPr>
+        </p:nvSpPr>
+        <p:spPr/>
+        <p:txBody>
+          <a:bodyPr/>
+          <a:lstStyle/>
+          <a:p>
+            <a:fld id="{6DA12B36-9664-4CB0-8B2E-F4A2F44AE97E}" type="slidenum">
+              <a:rPr lang="en-US" smtClean="0"/>
+              <a:t>23</a:t>
+            </a:fld>
+            <a:endParaRPr lang="en-US"/>
+          </a:p>
+        </p:txBody>
+      </p:sp>
+      <p:sp>
+        <p:nvSpPr>
+          <p:cNvPr id="5" name="Footer Placeholder 4"/>
+          <p:cNvSpPr>
+            <a:spLocks noGrp="1"/>
+          </p:cNvSpPr>
+          <p:nvPr>
+            <p:ph type="ftr" sz="quarter" idx="11"/>
+          </p:nvPr>
+        </p:nvSpPr>
+        <p:spPr/>
+        <p:txBody>
+          <a:bodyPr/>
+          <a:lstStyle/>
+          <a:p>
+            <a:r>
+              <a:rPr lang="en-US" smtClean="0"/>
+              <a:t>Source: Williams, Chapter 2</a:t>
+            </a:r>
+            <a:endParaRPr lang="en-US"/>
+          </a:p>
+        </p:txBody>
+      </p:sp>
+    </p:spTree>
+    <p:extLst>
+      <p:ext uri="{BB962C8B-B14F-4D97-AF65-F5344CB8AC3E}">
+        <p14:creationId xmlns:p14="http://schemas.microsoft.com/office/powerpoint/2010/main" val="4129911133"/>
+      </p:ext>
+    </p:extLst>
+  </p:cSld>
+  <p:clrMapOvr>
+    <a:masterClrMapping/>
+  </p:clrMapOvr>
+  <p:timing>
+    <p:tnLst>
+      <p:par>
+        <p:cTn id="1" dur="indefinite" restart="never" nodeType="tmRoot"/>
+      </p:par>
+    </p:tnLst>
+  </p:timing>
+</p:sld>
+</file>
+
+<file path=ppt/slides/slide24.xml><?xml version="1.0" encoding="utf-8"?>
+<p:sld xmlns:a="http://schemas.openxmlformats.org/drawingml/2006/main" xmlns:r="http://schemas.openxmlformats.org/officeDocument/2006/relationships" xmlns:p="http://schemas.openxmlformats.org/presentationml/2006/main">
+  <p:cSld>
+    <p:spTree>
+      <p:nvGrpSpPr>
+        <p:cNvPr id="1" name=""/>
+        <p:cNvGrpSpPr/>
+        <p:nvPr/>
+      </p:nvGrpSpPr>
+      <p:grpSpPr>
+        <a:xfrm>
+          <a:off x="0" y="0"/>
+          <a:ext cx="0" cy="0"/>
+          <a:chOff x="0" y="0"/>
+          <a:chExt cx="0" cy="0"/>
+        </a:xfrm>
+      </p:grpSpPr>
+      <p:sp>
+        <p:nvSpPr>
+          <p:cNvPr id="2" name="Title 1"/>
+          <p:cNvSpPr>
+            <a:spLocks noGrp="1"/>
+          </p:cNvSpPr>
+          <p:nvPr>
+            <p:ph type="title"/>
+          </p:nvPr>
+        </p:nvSpPr>
+        <p:spPr/>
+        <p:txBody>
+          <a:bodyPr/>
+          <a:lstStyle/>
+          <a:p>
+            <a:r>
+              <a:rPr lang="en-US" dirty="0" smtClean="0"/>
+              <a:t>What if the calling code throws?</a:t>
+            </a:r>
+            <a:endParaRPr lang="en-US" dirty="0"/>
+          </a:p>
+        </p:txBody>
+      </p:sp>
+      <p:sp>
+        <p:nvSpPr>
+          <p:cNvPr id="3" name="Content Placeholder 2"/>
+          <p:cNvSpPr>
+            <a:spLocks noGrp="1"/>
+          </p:cNvSpPr>
+          <p:nvPr>
+            <p:ph idx="1"/>
+          </p:nvPr>
+        </p:nvSpPr>
+        <p:spPr/>
+        <p:txBody>
+          <a:bodyPr>
+            <a:normAutofit fontScale="92500" lnSpcReduction="10000"/>
+          </a:bodyPr>
+          <a:lstStyle/>
+          <a:p>
+            <a:r>
+              <a:rPr lang="en-US" dirty="0" smtClean="0"/>
+              <a:t>Resource Acquisition Is Initialization (RAII)</a:t>
+            </a:r>
+          </a:p>
+          <a:p>
+            <a:pPr marL="800100" lvl="1" indent="-342900"/>
+            <a:r>
+              <a:rPr lang="en-US" dirty="0" smtClean="0"/>
+              <a:t>Technique in C++ to deal with resource management</a:t>
+            </a:r>
+          </a:p>
+          <a:p>
+            <a:pPr marL="800100" lvl="1" indent="-342900"/>
+            <a:r>
+              <a:rPr lang="en-US" dirty="0" smtClean="0"/>
+              <a:t>Use the constructor to create a resource</a:t>
+            </a:r>
+          </a:p>
+          <a:p>
+            <a:pPr marL="800100" lvl="1" indent="-342900"/>
+            <a:r>
+              <a:rPr lang="en-US" dirty="0" smtClean="0"/>
+              <a:t>Use the destructor to release the resource</a:t>
+            </a:r>
+          </a:p>
+          <a:p>
+            <a:pPr marL="800100" lvl="1" indent="-342900"/>
+            <a:r>
+              <a:rPr lang="en-US" b="1" dirty="0" smtClean="0"/>
+              <a:t>Key:</a:t>
+            </a:r>
+            <a:r>
+              <a:rPr lang="en-US" dirty="0" smtClean="0"/>
+              <a:t> destructors are called for variables on the stack during exception processing</a:t>
+            </a:r>
+          </a:p>
+          <a:p>
+            <a:pPr marL="342900" indent="-342900"/>
+            <a:endParaRPr lang="en-US" dirty="0" smtClean="0">
+              <a:solidFill>
+                <a:srgbClr val="7F0055"/>
+              </a:solidFill>
+              <a:latin typeface="Courier New" panose="02070309020205020404" pitchFamily="49" charset="0"/>
+              <a:cs typeface="Courier New" panose="02070309020205020404" pitchFamily="49" charset="0"/>
+            </a:endParaRPr>
+          </a:p>
+          <a:p>
+            <a:pPr marL="342900" indent="-342900"/>
+            <a:r>
+              <a:rPr lang="en-US" dirty="0" smtClean="0">
+                <a:solidFill>
+                  <a:srgbClr val="7F0055"/>
+                </a:solidFill>
+                <a:latin typeface="Courier New" panose="02070309020205020404" pitchFamily="49" charset="0"/>
+                <a:cs typeface="Courier New" panose="02070309020205020404" pitchFamily="49" charset="0"/>
+              </a:rPr>
+              <a:t>class</a:t>
+            </a:r>
+            <a:r>
+              <a:rPr lang="en-US" dirty="0" smtClean="0">
+                <a:latin typeface="Courier New" panose="02070309020205020404" pitchFamily="49" charset="0"/>
+                <a:cs typeface="Courier New" panose="02070309020205020404" pitchFamily="49" charset="0"/>
+              </a:rPr>
+              <a:t> </a:t>
+            </a:r>
+            <a:r>
+              <a:rPr lang="en-US" dirty="0">
+                <a:latin typeface="Courier New" panose="02070309020205020404" pitchFamily="49" charset="0"/>
+                <a:cs typeface="Courier New" panose="02070309020205020404" pitchFamily="49" charset="0"/>
+              </a:rPr>
+              <a:t>foo { </a:t>
+            </a:r>
+            <a:r>
+              <a:rPr lang="en-US" dirty="0">
+                <a:solidFill>
+                  <a:srgbClr val="7F0055"/>
+                </a:solidFill>
+                <a:latin typeface="Courier New" panose="02070309020205020404" pitchFamily="49" charset="0"/>
+                <a:cs typeface="Courier New" panose="02070309020205020404" pitchFamily="49" charset="0"/>
+              </a:rPr>
+              <a:t>public</a:t>
+            </a:r>
+            <a:r>
+              <a:rPr lang="en-US" dirty="0">
+                <a:latin typeface="Courier New" panose="02070309020205020404" pitchFamily="49" charset="0"/>
+                <a:cs typeface="Courier New" panose="02070309020205020404" pitchFamily="49" charset="0"/>
+              </a:rPr>
+              <a:t>: foo</a:t>
+            </a:r>
+            <a:r>
+              <a:rPr lang="en-US" dirty="0" smtClean="0">
+                <a:latin typeface="Courier New" panose="02070309020205020404" pitchFamily="49" charset="0"/>
+                <a:cs typeface="Courier New" panose="02070309020205020404" pitchFamily="49" charset="0"/>
+              </a:rPr>
+              <a:t>(){} </a:t>
+            </a:r>
+            <a:r>
+              <a:rPr lang="en-US" dirty="0">
+                <a:latin typeface="Courier New" panose="02070309020205020404" pitchFamily="49" charset="0"/>
+                <a:cs typeface="Courier New" panose="02070309020205020404" pitchFamily="49" charset="0"/>
+              </a:rPr>
+              <a:t>~foo</a:t>
+            </a:r>
+            <a:r>
+              <a:rPr lang="en-US" dirty="0" smtClean="0">
+                <a:latin typeface="Courier New" panose="02070309020205020404" pitchFamily="49" charset="0"/>
+                <a:cs typeface="Courier New" panose="02070309020205020404" pitchFamily="49" charset="0"/>
+              </a:rPr>
+              <a:t>(){} };</a:t>
+            </a:r>
+          </a:p>
+          <a:p>
+            <a:pPr marL="342900" indent="-342900"/>
+            <a:r>
+              <a:rPr lang="en-US" dirty="0">
+                <a:solidFill>
+                  <a:srgbClr val="7F0055"/>
+                </a:solidFill>
+                <a:latin typeface="Courier New" panose="02070309020205020404" pitchFamily="49" charset="0"/>
+                <a:cs typeface="Courier New" panose="02070309020205020404" pitchFamily="49" charset="0"/>
+              </a:rPr>
+              <a:t>void</a:t>
+            </a:r>
+            <a:r>
+              <a:rPr lang="en-US" dirty="0">
+                <a:latin typeface="Courier New" panose="02070309020205020404" pitchFamily="49" charset="0"/>
+                <a:cs typeface="Courier New" panose="02070309020205020404" pitchFamily="49" charset="0"/>
+              </a:rPr>
+              <a:t> throws() </a:t>
+            </a:r>
+            <a:r>
+              <a:rPr lang="en-US" dirty="0" smtClean="0">
+                <a:latin typeface="Courier New" panose="02070309020205020404" pitchFamily="49" charset="0"/>
+                <a:cs typeface="Courier New" panose="02070309020205020404" pitchFamily="49" charset="0"/>
+              </a:rPr>
+              <a:t>{</a:t>
+            </a:r>
+          </a:p>
+          <a:p>
+            <a:pPr marL="342900" indent="-342900"/>
+            <a:r>
+              <a:rPr lang="en-US" dirty="0">
+                <a:latin typeface="Courier New" panose="02070309020205020404" pitchFamily="49" charset="0"/>
+                <a:cs typeface="Courier New" panose="02070309020205020404" pitchFamily="49" charset="0"/>
+              </a:rPr>
+              <a:t> </a:t>
+            </a:r>
+            <a:r>
+              <a:rPr lang="en-US" dirty="0" smtClean="0">
+                <a:latin typeface="Courier New" panose="02070309020205020404" pitchFamily="49" charset="0"/>
+                <a:cs typeface="Courier New" panose="02070309020205020404" pitchFamily="49" charset="0"/>
+              </a:rPr>
+              <a:t> foo f;</a:t>
+            </a:r>
+          </a:p>
+          <a:p>
+            <a:pPr marL="342900" indent="-342900"/>
+            <a:r>
+              <a:rPr lang="en-US" dirty="0">
+                <a:solidFill>
+                  <a:srgbClr val="7F0055"/>
+                </a:solidFill>
+                <a:latin typeface="Courier New" panose="02070309020205020404" pitchFamily="49" charset="0"/>
+                <a:cs typeface="Courier New" panose="02070309020205020404" pitchFamily="49" charset="0"/>
+              </a:rPr>
+              <a:t> </a:t>
+            </a:r>
+            <a:r>
+              <a:rPr lang="en-US" dirty="0" smtClean="0">
+                <a:solidFill>
+                  <a:srgbClr val="7F0055"/>
+                </a:solidFill>
+                <a:latin typeface="Courier New" panose="02070309020205020404" pitchFamily="49" charset="0"/>
+                <a:cs typeface="Courier New" panose="02070309020205020404" pitchFamily="49" charset="0"/>
+              </a:rPr>
+              <a:t> throw</a:t>
+            </a:r>
+            <a:r>
+              <a:rPr lang="en-US" dirty="0" smtClean="0">
+                <a:latin typeface="Courier New" panose="02070309020205020404" pitchFamily="49" charset="0"/>
+                <a:cs typeface="Courier New" panose="02070309020205020404" pitchFamily="49" charset="0"/>
+              </a:rPr>
+              <a:t> </a:t>
+            </a:r>
+            <a:r>
+              <a:rPr lang="en-US" dirty="0" err="1">
+                <a:latin typeface="Courier New" panose="02070309020205020404" pitchFamily="49" charset="0"/>
+                <a:cs typeface="Courier New" panose="02070309020205020404" pitchFamily="49" charset="0"/>
+              </a:rPr>
+              <a:t>std</a:t>
+            </a:r>
+            <a:r>
+              <a:rPr lang="en-US" dirty="0">
+                <a:latin typeface="Courier New" panose="02070309020205020404" pitchFamily="49" charset="0"/>
+                <a:cs typeface="Courier New" panose="02070309020205020404" pitchFamily="49" charset="0"/>
+              </a:rPr>
+              <a:t>::</a:t>
+            </a:r>
+            <a:r>
+              <a:rPr lang="en-US" dirty="0">
+                <a:solidFill>
+                  <a:srgbClr val="7F0055"/>
+                </a:solidFill>
+                <a:latin typeface="Courier New" panose="02070309020205020404" pitchFamily="49" charset="0"/>
+                <a:cs typeface="Courier New" panose="02070309020205020404" pitchFamily="49" charset="0"/>
+              </a:rPr>
+              <a:t>exception</a:t>
+            </a:r>
+            <a:r>
+              <a:rPr lang="en-US" dirty="0">
+                <a:latin typeface="Courier New" panose="02070309020205020404" pitchFamily="49" charset="0"/>
+                <a:cs typeface="Courier New" panose="02070309020205020404" pitchFamily="49" charset="0"/>
+              </a:rPr>
+              <a:t>(</a:t>
+            </a:r>
+            <a:r>
+              <a:rPr lang="en-US" dirty="0">
+                <a:solidFill>
+                  <a:srgbClr val="2A00FF"/>
+                </a:solidFill>
+                <a:latin typeface="Courier New" panose="02070309020205020404" pitchFamily="49" charset="0"/>
+                <a:cs typeface="Courier New" panose="02070309020205020404" pitchFamily="49" charset="0"/>
+              </a:rPr>
+              <a:t>"Boom</a:t>
+            </a:r>
+            <a:r>
+              <a:rPr lang="en-US" dirty="0" smtClean="0">
+                <a:solidFill>
+                  <a:srgbClr val="2A00FF"/>
+                </a:solidFill>
+                <a:latin typeface="Courier New" panose="02070309020205020404" pitchFamily="49" charset="0"/>
+                <a:cs typeface="Courier New" panose="02070309020205020404" pitchFamily="49" charset="0"/>
+              </a:rPr>
+              <a:t>!"</a:t>
+            </a:r>
+            <a:r>
+              <a:rPr lang="en-US" dirty="0" smtClean="0">
+                <a:latin typeface="Courier New" panose="02070309020205020404" pitchFamily="49" charset="0"/>
+                <a:cs typeface="Courier New" panose="02070309020205020404" pitchFamily="49" charset="0"/>
+              </a:rPr>
+              <a:t>);</a:t>
+            </a:r>
+          </a:p>
+          <a:p>
+            <a:pPr marL="342900" indent="-342900"/>
+            <a:r>
+              <a:rPr lang="en-US" dirty="0" smtClean="0">
+                <a:latin typeface="Courier New" panose="02070309020205020404" pitchFamily="49" charset="0"/>
+                <a:cs typeface="Courier New" panose="02070309020205020404" pitchFamily="49" charset="0"/>
+              </a:rPr>
+              <a:t>} </a:t>
+            </a:r>
+            <a:r>
+              <a:rPr lang="en-US" dirty="0">
+                <a:solidFill>
+                  <a:srgbClr val="3F7F59"/>
+                </a:solidFill>
+                <a:latin typeface="Courier New" panose="02070309020205020404" pitchFamily="49" charset="0"/>
+                <a:cs typeface="Courier New" panose="02070309020205020404" pitchFamily="49" charset="0"/>
+              </a:rPr>
+              <a:t>// ~foo() will be called</a:t>
+            </a:r>
+            <a:endParaRPr lang="en-US" dirty="0">
+              <a:latin typeface="Courier New" panose="02070309020205020404" pitchFamily="49" charset="0"/>
+              <a:cs typeface="Courier New" panose="02070309020205020404" pitchFamily="49" charset="0"/>
+            </a:endParaRPr>
+          </a:p>
+        </p:txBody>
+      </p:sp>
+      <p:sp>
+        <p:nvSpPr>
+          <p:cNvPr id="4" name="Slide Number Placeholder 3"/>
+          <p:cNvSpPr>
+            <a:spLocks noGrp="1"/>
+          </p:cNvSpPr>
+          <p:nvPr>
+            <p:ph type="sldNum" sz="quarter" idx="12"/>
+          </p:nvPr>
+        </p:nvSpPr>
+        <p:spPr/>
+        <p:txBody>
+          <a:bodyPr/>
+          <a:lstStyle/>
+          <a:p>
+            <a:fld id="{6DA12B36-9664-4CB0-8B2E-F4A2F44AE97E}" type="slidenum">
+              <a:rPr lang="en-US" smtClean="0"/>
+              <a:t>24</a:t>
+            </a:fld>
+            <a:endParaRPr lang="en-US"/>
+          </a:p>
+        </p:txBody>
+      </p:sp>
+    </p:spTree>
+    <p:extLst>
+      <p:ext uri="{BB962C8B-B14F-4D97-AF65-F5344CB8AC3E}">
+        <p14:creationId xmlns:p14="http://schemas.microsoft.com/office/powerpoint/2010/main" val="2361539726"/>
+      </p:ext>
+    </p:extLst>
+  </p:cSld>
+  <p:clrMapOvr>
+    <a:masterClrMapping/>
+  </p:clrMapOvr>
+  <p:timing>
+    <p:tnLst>
+      <p:par>
+        <p:cTn id="1" dur="indefinite" restart="never" nodeType="tmRoot"/>
+      </p:par>
+    </p:tnLst>
+  </p:timing>
+</p:sld>
+</file>
+
+<file path=ppt/slides/slide25.xml><?xml version="1.0" encoding="utf-8"?>
+<p:sld xmlns:a="http://schemas.openxmlformats.org/drawingml/2006/main" xmlns:r="http://schemas.openxmlformats.org/officeDocument/2006/relationships" xmlns:p="http://schemas.openxmlformats.org/presentationml/2006/main">
+  <p:cSld>
+    <p:spTree>
+      <p:nvGrpSpPr>
+        <p:cNvPr id="1" name=""/>
+        <p:cNvGrpSpPr/>
+        <p:nvPr/>
+      </p:nvGrpSpPr>
+      <p:grpSpPr>
+        <a:xfrm>
+          <a:off x="0" y="0"/>
+          <a:ext cx="0" cy="0"/>
+          <a:chOff x="0" y="0"/>
+          <a:chExt cx="0" cy="0"/>
+        </a:xfrm>
+      </p:grpSpPr>
+      <p:sp>
+        <p:nvSpPr>
+          <p:cNvPr id="2" name="Title 1"/>
+          <p:cNvSpPr>
+            <a:spLocks noGrp="1"/>
+          </p:cNvSpPr>
+          <p:nvPr>
+            <p:ph type="title"/>
+          </p:nvPr>
+        </p:nvSpPr>
+        <p:spPr/>
+        <p:txBody>
+          <a:bodyPr/>
+          <a:lstStyle/>
+          <a:p>
+            <a:r>
+              <a:rPr lang="en-US" dirty="0" smtClean="0"/>
+              <a:t>Creating a RAII thread manager</a:t>
+            </a:r>
+            <a:endParaRPr lang="en-US" dirty="0"/>
+          </a:p>
+        </p:txBody>
+      </p:sp>
+      <p:sp>
+        <p:nvSpPr>
+          <p:cNvPr id="3" name="Content Placeholder 2"/>
+          <p:cNvSpPr>
+            <a:spLocks noGrp="1"/>
+          </p:cNvSpPr>
+          <p:nvPr>
+            <p:ph idx="1"/>
+          </p:nvPr>
+        </p:nvSpPr>
+        <p:spPr/>
+        <p:txBody>
+          <a:bodyPr/>
+          <a:lstStyle/>
+          <a:p>
+            <a:r>
+              <a:rPr lang="en-US" dirty="0" smtClean="0"/>
+              <a:t>Let’s use TDD to create a class to manage a thread using RAII.</a:t>
+            </a:r>
+            <a:endParaRPr lang="en-US" dirty="0"/>
+          </a:p>
+        </p:txBody>
+      </p:sp>
+      <p:sp>
+        <p:nvSpPr>
+          <p:cNvPr id="4" name="Slide Number Placeholder 3"/>
+          <p:cNvSpPr>
+            <a:spLocks noGrp="1"/>
+          </p:cNvSpPr>
+          <p:nvPr>
+            <p:ph type="sldNum" sz="quarter" idx="12"/>
+          </p:nvPr>
+        </p:nvSpPr>
+        <p:spPr/>
+        <p:txBody>
+          <a:bodyPr/>
+          <a:lstStyle/>
+          <a:p>
+            <a:fld id="{6DA12B36-9664-4CB0-8B2E-F4A2F44AE97E}" type="slidenum">
+              <a:rPr lang="en-US" smtClean="0"/>
+              <a:t>25</a:t>
+            </a:fld>
+            <a:endParaRPr lang="en-US"/>
+          </a:p>
+        </p:txBody>
+      </p:sp>
+    </p:spTree>
+    <p:extLst>
+      <p:ext uri="{BB962C8B-B14F-4D97-AF65-F5344CB8AC3E}">
+        <p14:creationId xmlns:p14="http://schemas.microsoft.com/office/powerpoint/2010/main" val="3396377568"/>
       </p:ext>
     </p:extLst>
   </p:cSld>

--- a/Lectures/Threads/Threads.pptx
+++ b/Lectures/Threads/Threads.pptx
@@ -5,7 +5,7 @@
     <p:sldMasterId id="2147483660" r:id="rId1"/>
   </p:sldMasterIdLst>
   <p:notesMasterIdLst>
-    <p:notesMasterId r:id="rId27"/>
+    <p:notesMasterId r:id="rId32"/>
   </p:notesMasterIdLst>
   <p:sldIdLst>
     <p:sldId id="256" r:id="rId2"/>
@@ -31,8 +31,13 @@
     <p:sldId id="276" r:id="rId22"/>
     <p:sldId id="277" r:id="rId23"/>
     <p:sldId id="278" r:id="rId24"/>
-    <p:sldId id="279" r:id="rId25"/>
-    <p:sldId id="280" r:id="rId26"/>
+    <p:sldId id="281" r:id="rId25"/>
+    <p:sldId id="279" r:id="rId26"/>
+    <p:sldId id="280" r:id="rId27"/>
+    <p:sldId id="282" r:id="rId28"/>
+    <p:sldId id="283" r:id="rId29"/>
+    <p:sldId id="284" r:id="rId30"/>
+    <p:sldId id="285" r:id="rId31"/>
   </p:sldIdLst>
   <p:sldSz cx="9144000" cy="6858000" type="screen4x3"/>
   <p:notesSz cx="6858000" cy="9144000"/>
@@ -216,7 +221,7 @@
           <a:p>
             <a:fld id="{DBE0ECA1-3FBF-48AE-AD2A-4439AE745E19}" type="datetimeFigureOut">
               <a:rPr lang="en-US" smtClean="0"/>
-              <a:t>11/1/2013</a:t>
+              <a:t>11/2/2013</a:t>
             </a:fld>
             <a:endParaRPr lang="en-US"/>
           </a:p>
@@ -677,7 +682,7 @@
           <a:p>
             <a:fld id="{9769DED8-28D4-45B9-A00F-7CFE9335FEA6}" type="datetime1">
               <a:rPr lang="en-US" smtClean="0"/>
-              <a:t>11/1/2013</a:t>
+              <a:t>11/2/2013</a:t>
             </a:fld>
             <a:endParaRPr lang="en-US"/>
           </a:p>
@@ -942,7 +947,7 @@
           <a:p>
             <a:fld id="{2DB3D439-1F88-44B4-B5F7-F9BCD4064257}" type="datetime1">
               <a:rPr lang="en-US" smtClean="0"/>
-              <a:t>11/1/2013</a:t>
+              <a:t>11/2/2013</a:t>
             </a:fld>
             <a:endParaRPr lang="en-US"/>
           </a:p>
@@ -1117,7 +1122,7 @@
           <a:p>
             <a:fld id="{99C5638F-6F55-4055-935C-67841BE78C36}" type="datetime1">
               <a:rPr lang="en-US" smtClean="0"/>
-              <a:t>11/1/2013</a:t>
+              <a:t>11/2/2013</a:t>
             </a:fld>
             <a:endParaRPr lang="en-US"/>
           </a:p>
@@ -1282,7 +1287,7 @@
           <a:p>
             <a:fld id="{E6987D90-0C92-4B22-A29D-FED15412CED2}" type="datetime1">
               <a:rPr lang="en-US" smtClean="0"/>
-              <a:t>11/1/2013</a:t>
+              <a:t>11/2/2013</a:t>
             </a:fld>
             <a:endParaRPr lang="en-US"/>
           </a:p>
@@ -1531,7 +1536,7 @@
           <a:p>
             <a:fld id="{DDB67BC4-9554-49E0-BCB3-D1EF965BA0B8}" type="datetime1">
               <a:rPr lang="en-US" smtClean="0"/>
-              <a:t>11/1/2013</a:t>
+              <a:t>11/2/2013</a:t>
             </a:fld>
             <a:endParaRPr lang="en-US"/>
           </a:p>
@@ -1814,7 +1819,7 @@
           <a:p>
             <a:fld id="{EC24D770-803D-4E01-921C-9C100DD8230C}" type="datetime1">
               <a:rPr lang="en-US" smtClean="0"/>
-              <a:t>11/1/2013</a:t>
+              <a:t>11/2/2013</a:t>
             </a:fld>
             <a:endParaRPr lang="en-US"/>
           </a:p>
@@ -2253,7 +2258,7 @@
           <a:p>
             <a:fld id="{356AD44B-78A4-4209-8070-7DCBE2DC4992}" type="datetime1">
               <a:rPr lang="en-US" smtClean="0"/>
-              <a:t>11/1/2013</a:t>
+              <a:t>11/2/2013</a:t>
             </a:fld>
             <a:endParaRPr lang="en-US"/>
           </a:p>
@@ -2366,7 +2371,7 @@
           <a:p>
             <a:fld id="{A993C59A-7CA2-467F-B7F1-9096881A01B8}" type="datetime1">
               <a:rPr lang="en-US" smtClean="0"/>
-              <a:t>11/1/2013</a:t>
+              <a:t>11/2/2013</a:t>
             </a:fld>
             <a:endParaRPr lang="en-US"/>
           </a:p>
@@ -2456,7 +2461,7 @@
           <a:p>
             <a:fld id="{2B6B58D0-2488-434A-8ED1-692E09B85CC5}" type="datetime1">
               <a:rPr lang="en-US" smtClean="0"/>
-              <a:t>11/1/2013</a:t>
+              <a:t>11/2/2013</a:t>
             </a:fld>
             <a:endParaRPr lang="en-US"/>
           </a:p>
@@ -2698,7 +2703,7 @@
           <a:p>
             <a:fld id="{FDB0AFC2-7D64-4F61-A7B7-9932D3305DDA}" type="datetime1">
               <a:rPr lang="en-US" smtClean="0"/>
-              <a:t>11/1/2013</a:t>
+              <a:t>11/2/2013</a:t>
             </a:fld>
             <a:endParaRPr lang="en-US"/>
           </a:p>
@@ -2992,7 +2997,7 @@
           <a:p>
             <a:fld id="{4983D17A-D7B2-4ECE-8A2C-93679B9D177B}" type="datetime1">
               <a:rPr lang="en-US" smtClean="0"/>
-              <a:t>11/1/2013</a:t>
+              <a:t>11/2/2013</a:t>
             </a:fld>
             <a:endParaRPr lang="en-US"/>
           </a:p>
@@ -3286,7 +3291,7 @@
           <a:p>
             <a:fld id="{2A5275F7-419E-4C23-8A3D-2EE5742B2EC9}" type="datetime1">
               <a:rPr lang="en-US" smtClean="0"/>
-              <a:t>11/1/2013</a:t>
+              <a:t>11/2/2013</a:t>
             </a:fld>
             <a:endParaRPr lang="en-US"/>
           </a:p>
@@ -3971,14 +3976,11 @@
             <a:pPr marL="800100" lvl="1" indent="-342900"/>
             <a:r>
               <a:rPr lang="en-US" dirty="0" smtClean="0"/>
-              <a:t>How to identify a thread</a:t>
-            </a:r>
-          </a:p>
-          <a:p>
-            <a:pPr marL="800100" lvl="1" indent="-342900"/>
-            <a:r>
-              <a:rPr lang="en-US" dirty="0" smtClean="0"/>
-              <a:t>How to transfer ownership of a thread</a:t>
+              <a:t>How </a:t>
+            </a:r>
+            <a:r>
+              <a:rPr lang="en-US" dirty="0" smtClean="0"/>
+              <a:t>to transfer ownership of a thread</a:t>
             </a:r>
             <a:endParaRPr lang="en-US" dirty="0"/>
           </a:p>
@@ -8866,10 +8868,10 @@
           <a:lstStyle/>
           <a:p>
             <a:r>
-              <a:rPr lang="en-US" smtClean="0"/>
+              <a:rPr lang="en-US" dirty="0" smtClean="0"/>
               <a:t>Source: Williams, Chapter 2</a:t>
             </a:r>
-            <a:endParaRPr lang="en-US"/>
+            <a:endParaRPr lang="en-US" dirty="0"/>
           </a:p>
         </p:txBody>
       </p:sp>
@@ -8926,8 +8928,328 @@
           <a:lstStyle/>
           <a:p>
             <a:r>
-              <a:rPr lang="en-US" dirty="0" smtClean="0"/>
+              <a:rPr lang="en-US" dirty="0"/>
               <a:t>What if the calling code throws?</a:t>
+            </a:r>
+          </a:p>
+        </p:txBody>
+      </p:sp>
+      <p:sp>
+        <p:nvSpPr>
+          <p:cNvPr id="3" name="Content Placeholder 2"/>
+          <p:cNvSpPr>
+            <a:spLocks noGrp="1"/>
+          </p:cNvSpPr>
+          <p:nvPr>
+            <p:ph idx="1"/>
+          </p:nvPr>
+        </p:nvSpPr>
+        <p:spPr/>
+        <p:txBody>
+          <a:bodyPr/>
+          <a:lstStyle/>
+          <a:p>
+            <a:r>
+              <a:rPr lang="en-US" dirty="0">
+                <a:solidFill>
+                  <a:srgbClr val="7F0055"/>
+                </a:solidFill>
+                <a:latin typeface="Courier New" panose="02070309020205020404" pitchFamily="49" charset="0"/>
+                <a:cs typeface="Courier New" panose="02070309020205020404" pitchFamily="49" charset="0"/>
+              </a:rPr>
+              <a:t>void</a:t>
+            </a:r>
+            <a:r>
+              <a:rPr lang="en-US" dirty="0">
+                <a:latin typeface="Courier New" panose="02070309020205020404" pitchFamily="49" charset="0"/>
+                <a:cs typeface="Courier New" panose="02070309020205020404" pitchFamily="49" charset="0"/>
+              </a:rPr>
+              <a:t> f</a:t>
+            </a:r>
+            <a:r>
+              <a:rPr lang="en-US" dirty="0" smtClean="0">
+                <a:latin typeface="Courier New" panose="02070309020205020404" pitchFamily="49" charset="0"/>
+                <a:cs typeface="Courier New" panose="02070309020205020404" pitchFamily="49" charset="0"/>
+              </a:rPr>
+              <a:t>();</a:t>
+            </a:r>
+            <a:endParaRPr lang="en-US" dirty="0">
+              <a:latin typeface="Courier New" panose="02070309020205020404" pitchFamily="49" charset="0"/>
+              <a:cs typeface="Courier New" panose="02070309020205020404" pitchFamily="49" charset="0"/>
+            </a:endParaRPr>
+          </a:p>
+          <a:p>
+            <a:r>
+              <a:rPr lang="en-US" dirty="0">
+                <a:solidFill>
+                  <a:srgbClr val="7F0055"/>
+                </a:solidFill>
+                <a:latin typeface="Courier New" panose="02070309020205020404" pitchFamily="49" charset="0"/>
+                <a:cs typeface="Courier New" panose="02070309020205020404" pitchFamily="49" charset="0"/>
+              </a:rPr>
+              <a:t>void</a:t>
+            </a:r>
+            <a:r>
+              <a:rPr lang="en-US" dirty="0">
+                <a:latin typeface="Courier New" panose="02070309020205020404" pitchFamily="49" charset="0"/>
+                <a:cs typeface="Courier New" panose="02070309020205020404" pitchFamily="49" charset="0"/>
+              </a:rPr>
+              <a:t> </a:t>
+            </a:r>
+            <a:r>
+              <a:rPr lang="en-US" dirty="0" err="1">
+                <a:latin typeface="Courier New" panose="02070309020205020404" pitchFamily="49" charset="0"/>
+                <a:cs typeface="Courier New" panose="02070309020205020404" pitchFamily="49" charset="0"/>
+              </a:rPr>
+              <a:t>might_throw</a:t>
+            </a:r>
+            <a:r>
+              <a:rPr lang="en-US" dirty="0">
+                <a:latin typeface="Courier New" panose="02070309020205020404" pitchFamily="49" charset="0"/>
+                <a:cs typeface="Courier New" panose="02070309020205020404" pitchFamily="49" charset="0"/>
+              </a:rPr>
+              <a:t>() </a:t>
+            </a:r>
+            <a:r>
+              <a:rPr lang="en-US" dirty="0" smtClean="0">
+                <a:latin typeface="Courier New" panose="02070309020205020404" pitchFamily="49" charset="0"/>
+                <a:cs typeface="Courier New" panose="02070309020205020404" pitchFamily="49" charset="0"/>
+              </a:rPr>
+              <a:t>{</a:t>
+            </a:r>
+          </a:p>
+          <a:p>
+            <a:r>
+              <a:rPr lang="en-US" dirty="0">
+                <a:latin typeface="Courier New" panose="02070309020205020404" pitchFamily="49" charset="0"/>
+                <a:cs typeface="Courier New" panose="02070309020205020404" pitchFamily="49" charset="0"/>
+              </a:rPr>
+              <a:t> </a:t>
+            </a:r>
+            <a:r>
+              <a:rPr lang="en-US" dirty="0" smtClean="0">
+                <a:latin typeface="Courier New" panose="02070309020205020404" pitchFamily="49" charset="0"/>
+                <a:cs typeface="Courier New" panose="02070309020205020404" pitchFamily="49" charset="0"/>
+              </a:rPr>
+              <a:t> </a:t>
+            </a:r>
+            <a:r>
+              <a:rPr lang="en-US" dirty="0" err="1" smtClean="0">
+                <a:latin typeface="Courier New" panose="02070309020205020404" pitchFamily="49" charset="0"/>
+                <a:cs typeface="Courier New" panose="02070309020205020404" pitchFamily="49" charset="0"/>
+              </a:rPr>
+              <a:t>std</a:t>
+            </a:r>
+            <a:r>
+              <a:rPr lang="en-US" dirty="0">
+                <a:latin typeface="Courier New" panose="02070309020205020404" pitchFamily="49" charset="0"/>
+                <a:cs typeface="Courier New" panose="02070309020205020404" pitchFamily="49" charset="0"/>
+              </a:rPr>
+              <a:t>::thread t(f</a:t>
+            </a:r>
+            <a:r>
+              <a:rPr lang="en-US" dirty="0" smtClean="0">
+                <a:latin typeface="Courier New" panose="02070309020205020404" pitchFamily="49" charset="0"/>
+                <a:cs typeface="Courier New" panose="02070309020205020404" pitchFamily="49" charset="0"/>
+              </a:rPr>
+              <a:t>);</a:t>
+            </a:r>
+          </a:p>
+          <a:p>
+            <a:r>
+              <a:rPr lang="en-US" dirty="0" smtClean="0">
+                <a:solidFill>
+                  <a:srgbClr val="3F7F59"/>
+                </a:solidFill>
+                <a:latin typeface="Courier New" panose="02070309020205020404" pitchFamily="49" charset="0"/>
+                <a:cs typeface="Courier New" panose="02070309020205020404" pitchFamily="49" charset="0"/>
+              </a:rPr>
+              <a:t>  // </a:t>
+            </a:r>
+            <a:r>
+              <a:rPr lang="en-US" dirty="0">
+                <a:solidFill>
+                  <a:srgbClr val="3F7F59"/>
+                </a:solidFill>
+                <a:latin typeface="Courier New" panose="02070309020205020404" pitchFamily="49" charset="0"/>
+                <a:cs typeface="Courier New" panose="02070309020205020404" pitchFamily="49" charset="0"/>
+              </a:rPr>
+              <a:t>What if this throws?</a:t>
+            </a:r>
+            <a:endParaRPr lang="en-US" dirty="0" smtClean="0">
+              <a:latin typeface="Courier New" panose="02070309020205020404" pitchFamily="49" charset="0"/>
+              <a:cs typeface="Courier New" panose="02070309020205020404" pitchFamily="49" charset="0"/>
+            </a:endParaRPr>
+          </a:p>
+          <a:p>
+            <a:r>
+              <a:rPr lang="en-US" dirty="0">
+                <a:latin typeface="Courier New" panose="02070309020205020404" pitchFamily="49" charset="0"/>
+                <a:cs typeface="Courier New" panose="02070309020205020404" pitchFamily="49" charset="0"/>
+              </a:rPr>
+              <a:t> </a:t>
+            </a:r>
+            <a:r>
+              <a:rPr lang="en-US" dirty="0" smtClean="0">
+                <a:latin typeface="Courier New" panose="02070309020205020404" pitchFamily="49" charset="0"/>
+                <a:cs typeface="Courier New" panose="02070309020205020404" pitchFamily="49" charset="0"/>
+              </a:rPr>
+              <a:t> </a:t>
+            </a:r>
+            <a:r>
+              <a:rPr lang="en-US" dirty="0" err="1" smtClean="0">
+                <a:latin typeface="Courier New" panose="02070309020205020404" pitchFamily="49" charset="0"/>
+                <a:cs typeface="Courier New" panose="02070309020205020404" pitchFamily="49" charset="0"/>
+              </a:rPr>
+              <a:t>do_something_that_might_throw</a:t>
+            </a:r>
+            <a:r>
+              <a:rPr lang="en-US" dirty="0" smtClean="0">
+                <a:latin typeface="Courier New" panose="02070309020205020404" pitchFamily="49" charset="0"/>
+                <a:cs typeface="Courier New" panose="02070309020205020404" pitchFamily="49" charset="0"/>
+              </a:rPr>
+              <a:t>();</a:t>
+            </a:r>
+          </a:p>
+          <a:p>
+            <a:r>
+              <a:rPr lang="en-US" dirty="0">
+                <a:latin typeface="Courier New" panose="02070309020205020404" pitchFamily="49" charset="0"/>
+                <a:cs typeface="Courier New" panose="02070309020205020404" pitchFamily="49" charset="0"/>
+              </a:rPr>
+              <a:t> </a:t>
+            </a:r>
+            <a:r>
+              <a:rPr lang="en-US" dirty="0" smtClean="0">
+                <a:latin typeface="Courier New" panose="02070309020205020404" pitchFamily="49" charset="0"/>
+                <a:cs typeface="Courier New" panose="02070309020205020404" pitchFamily="49" charset="0"/>
+              </a:rPr>
+              <a:t> </a:t>
+            </a:r>
+            <a:r>
+              <a:rPr lang="en-US" dirty="0" err="1" smtClean="0">
+                <a:latin typeface="Courier New" panose="02070309020205020404" pitchFamily="49" charset="0"/>
+                <a:cs typeface="Courier New" panose="02070309020205020404" pitchFamily="49" charset="0"/>
+              </a:rPr>
+              <a:t>t.join</a:t>
+            </a:r>
+            <a:r>
+              <a:rPr lang="en-US" dirty="0" smtClean="0">
+                <a:latin typeface="Courier New" panose="02070309020205020404" pitchFamily="49" charset="0"/>
+                <a:cs typeface="Courier New" panose="02070309020205020404" pitchFamily="49" charset="0"/>
+              </a:rPr>
+              <a:t>();</a:t>
+            </a:r>
+          </a:p>
+          <a:p>
+            <a:r>
+              <a:rPr lang="en-US" dirty="0" smtClean="0">
+                <a:latin typeface="Courier New" panose="02070309020205020404" pitchFamily="49" charset="0"/>
+                <a:cs typeface="Courier New" panose="02070309020205020404" pitchFamily="49" charset="0"/>
+              </a:rPr>
+              <a:t>}</a:t>
+            </a:r>
+            <a:endParaRPr lang="en-US" dirty="0">
+              <a:latin typeface="Courier New" panose="02070309020205020404" pitchFamily="49" charset="0"/>
+              <a:cs typeface="Courier New" panose="02070309020205020404" pitchFamily="49" charset="0"/>
+            </a:endParaRPr>
+          </a:p>
+        </p:txBody>
+      </p:sp>
+      <p:sp>
+        <p:nvSpPr>
+          <p:cNvPr id="4" name="Slide Number Placeholder 3"/>
+          <p:cNvSpPr>
+            <a:spLocks noGrp="1"/>
+          </p:cNvSpPr>
+          <p:nvPr>
+            <p:ph type="sldNum" sz="quarter" idx="12"/>
+          </p:nvPr>
+        </p:nvSpPr>
+        <p:spPr/>
+        <p:txBody>
+          <a:bodyPr/>
+          <a:lstStyle/>
+          <a:p>
+            <a:fld id="{6DA12B36-9664-4CB0-8B2E-F4A2F44AE97E}" type="slidenum">
+              <a:rPr lang="en-US" smtClean="0"/>
+              <a:t>24</a:t>
+            </a:fld>
+            <a:endParaRPr lang="en-US"/>
+          </a:p>
+        </p:txBody>
+      </p:sp>
+      <p:sp>
+        <p:nvSpPr>
+          <p:cNvPr id="5" name="Footer Placeholder 4"/>
+          <p:cNvSpPr>
+            <a:spLocks noGrp="1"/>
+          </p:cNvSpPr>
+          <p:nvPr>
+            <p:ph type="ftr" sz="quarter" idx="11"/>
+          </p:nvPr>
+        </p:nvSpPr>
+        <p:spPr/>
+        <p:txBody>
+          <a:bodyPr/>
+          <a:lstStyle/>
+          <a:p>
+            <a:r>
+              <a:rPr lang="en-US" smtClean="0"/>
+              <a:t>Source: Williams, Chapter 2</a:t>
+            </a:r>
+            <a:endParaRPr lang="en-US"/>
+          </a:p>
+        </p:txBody>
+      </p:sp>
+    </p:spTree>
+    <p:extLst>
+      <p:ext uri="{BB962C8B-B14F-4D97-AF65-F5344CB8AC3E}">
+        <p14:creationId xmlns:p14="http://schemas.microsoft.com/office/powerpoint/2010/main" val="2868382430"/>
+      </p:ext>
+    </p:extLst>
+  </p:cSld>
+  <p:clrMapOvr>
+    <a:masterClrMapping/>
+  </p:clrMapOvr>
+</p:sld>
+</file>
+
+<file path=ppt/slides/slide25.xml><?xml version="1.0" encoding="utf-8"?>
+<p:sld xmlns:a="http://schemas.openxmlformats.org/drawingml/2006/main" xmlns:r="http://schemas.openxmlformats.org/officeDocument/2006/relationships" xmlns:p="http://schemas.openxmlformats.org/presentationml/2006/main">
+  <p:cSld>
+    <p:spTree>
+      <p:nvGrpSpPr>
+        <p:cNvPr id="1" name=""/>
+        <p:cNvGrpSpPr/>
+        <p:nvPr/>
+      </p:nvGrpSpPr>
+      <p:grpSpPr>
+        <a:xfrm>
+          <a:off x="0" y="0"/>
+          <a:ext cx="0" cy="0"/>
+          <a:chOff x="0" y="0"/>
+          <a:chExt cx="0" cy="0"/>
+        </a:xfrm>
+      </p:grpSpPr>
+      <p:sp>
+        <p:nvSpPr>
+          <p:cNvPr id="2" name="Title 1"/>
+          <p:cNvSpPr>
+            <a:spLocks noGrp="1"/>
+          </p:cNvSpPr>
+          <p:nvPr>
+            <p:ph type="title"/>
+          </p:nvPr>
+        </p:nvSpPr>
+        <p:spPr/>
+        <p:txBody>
+          <a:bodyPr/>
+          <a:lstStyle/>
+          <a:p>
+            <a:r>
+              <a:rPr lang="en-US" dirty="0" smtClean="0"/>
+              <a:t>RAII</a:t>
             </a:r>
             <a:endParaRPr lang="en-US" dirty="0"/>
           </a:p>
@@ -9237,7 +9559,7 @@
           <a:p>
             <a:fld id="{6DA12B36-9664-4CB0-8B2E-F4A2F44AE97E}" type="slidenum">
               <a:rPr lang="en-US" smtClean="0"/>
-              <a:t>24</a:t>
+              <a:t>25</a:t>
             </a:fld>
             <a:endParaRPr lang="en-US"/>
           </a:p>
@@ -9263,7 +9585,7 @@
 </p:sld>
 </file>
 
-<file path=ppt/slides/slide25.xml><?xml version="1.0" encoding="utf-8"?>
+<file path=ppt/slides/slide26.xml><?xml version="1.0" encoding="utf-8"?>
 <p:sld xmlns:a="http://schemas.openxmlformats.org/drawingml/2006/main" xmlns:r="http://schemas.openxmlformats.org/officeDocument/2006/relationships" xmlns:p="http://schemas.openxmlformats.org/presentationml/2006/main">
   <p:cSld>
     <p:spTree>
@@ -9315,14 +9637,395 @@
         </p:nvSpPr>
         <p:spPr/>
         <p:txBody>
-          <a:bodyPr/>
-          <a:lstStyle/>
-          <a:p>
-            <a:r>
-              <a:rPr lang="en-US" dirty="0" smtClean="0"/>
-              <a:t>Let’s use TDD to create a class to manage a thread using RAII.</a:t>
-            </a:r>
-            <a:endParaRPr lang="en-US" dirty="0"/>
+          <a:bodyPr>
+            <a:normAutofit lnSpcReduction="10000"/>
+          </a:bodyPr>
+          <a:lstStyle/>
+          <a:p>
+            <a:r>
+              <a:rPr lang="en-US" dirty="0">
+                <a:solidFill>
+                  <a:srgbClr val="7F0055"/>
+                </a:solidFill>
+                <a:latin typeface="Courier New" panose="02070309020205020404" pitchFamily="49" charset="0"/>
+                <a:cs typeface="Courier New" panose="02070309020205020404" pitchFamily="49" charset="0"/>
+              </a:rPr>
+              <a:t>class</a:t>
+            </a:r>
+            <a:r>
+              <a:rPr lang="en-US" dirty="0">
+                <a:latin typeface="Courier New" panose="02070309020205020404" pitchFamily="49" charset="0"/>
+                <a:cs typeface="Courier New" panose="02070309020205020404" pitchFamily="49" charset="0"/>
+              </a:rPr>
+              <a:t> guard </a:t>
+            </a:r>
+            <a:r>
+              <a:rPr lang="en-US" dirty="0" smtClean="0">
+                <a:latin typeface="Courier New" panose="02070309020205020404" pitchFamily="49" charset="0"/>
+                <a:cs typeface="Courier New" panose="02070309020205020404" pitchFamily="49" charset="0"/>
+              </a:rPr>
+              <a:t>{</a:t>
+            </a:r>
+          </a:p>
+          <a:p>
+            <a:r>
+              <a:rPr lang="en-US" dirty="0">
+                <a:latin typeface="Courier New" panose="02070309020205020404" pitchFamily="49" charset="0"/>
+                <a:cs typeface="Courier New" panose="02070309020205020404" pitchFamily="49" charset="0"/>
+              </a:rPr>
+              <a:t> </a:t>
+            </a:r>
+            <a:r>
+              <a:rPr lang="en-US" dirty="0" smtClean="0">
+                <a:latin typeface="Courier New" panose="02070309020205020404" pitchFamily="49" charset="0"/>
+                <a:cs typeface="Courier New" panose="02070309020205020404" pitchFamily="49" charset="0"/>
+              </a:rPr>
+              <a:t> </a:t>
+            </a:r>
+            <a:r>
+              <a:rPr lang="en-US" dirty="0" err="1" smtClean="0">
+                <a:latin typeface="Courier New" panose="02070309020205020404" pitchFamily="49" charset="0"/>
+                <a:cs typeface="Courier New" panose="02070309020205020404" pitchFamily="49" charset="0"/>
+              </a:rPr>
+              <a:t>std</a:t>
+            </a:r>
+            <a:r>
+              <a:rPr lang="en-US" dirty="0">
+                <a:latin typeface="Courier New" panose="02070309020205020404" pitchFamily="49" charset="0"/>
+                <a:cs typeface="Courier New" panose="02070309020205020404" pitchFamily="49" charset="0"/>
+              </a:rPr>
+              <a:t>::thread&amp; t</a:t>
+            </a:r>
+            <a:r>
+              <a:rPr lang="en-US" dirty="0" smtClean="0">
+                <a:latin typeface="Courier New" panose="02070309020205020404" pitchFamily="49" charset="0"/>
+                <a:cs typeface="Courier New" panose="02070309020205020404" pitchFamily="49" charset="0"/>
+              </a:rPr>
+              <a:t>_;</a:t>
+            </a:r>
+          </a:p>
+          <a:p>
+            <a:r>
+              <a:rPr lang="en-US" dirty="0" smtClean="0">
+                <a:solidFill>
+                  <a:srgbClr val="7F0055"/>
+                </a:solidFill>
+                <a:latin typeface="Courier New" panose="02070309020205020404" pitchFamily="49" charset="0"/>
+                <a:cs typeface="Courier New" panose="02070309020205020404" pitchFamily="49" charset="0"/>
+              </a:rPr>
+              <a:t>public</a:t>
+            </a:r>
+            <a:r>
+              <a:rPr lang="en-US" dirty="0" smtClean="0">
+                <a:latin typeface="Courier New" panose="02070309020205020404" pitchFamily="49" charset="0"/>
+                <a:cs typeface="Courier New" panose="02070309020205020404" pitchFamily="49" charset="0"/>
+              </a:rPr>
+              <a:t>:</a:t>
+            </a:r>
+          </a:p>
+          <a:p>
+            <a:r>
+              <a:rPr lang="en-US" dirty="0">
+                <a:solidFill>
+                  <a:srgbClr val="7F0055"/>
+                </a:solidFill>
+                <a:latin typeface="Courier New" panose="02070309020205020404" pitchFamily="49" charset="0"/>
+                <a:cs typeface="Courier New" panose="02070309020205020404" pitchFamily="49" charset="0"/>
+              </a:rPr>
+              <a:t> </a:t>
+            </a:r>
+            <a:r>
+              <a:rPr lang="en-US" dirty="0" smtClean="0">
+                <a:solidFill>
+                  <a:srgbClr val="7F0055"/>
+                </a:solidFill>
+                <a:latin typeface="Courier New" panose="02070309020205020404" pitchFamily="49" charset="0"/>
+                <a:cs typeface="Courier New" panose="02070309020205020404" pitchFamily="49" charset="0"/>
+              </a:rPr>
+              <a:t> explicit</a:t>
+            </a:r>
+            <a:r>
+              <a:rPr lang="en-US" dirty="0" smtClean="0">
+                <a:latin typeface="Courier New" panose="02070309020205020404" pitchFamily="49" charset="0"/>
+                <a:cs typeface="Courier New" panose="02070309020205020404" pitchFamily="49" charset="0"/>
+              </a:rPr>
+              <a:t> </a:t>
+            </a:r>
+            <a:r>
+              <a:rPr lang="en-US" dirty="0">
+                <a:latin typeface="Courier New" panose="02070309020205020404" pitchFamily="49" charset="0"/>
+                <a:cs typeface="Courier New" panose="02070309020205020404" pitchFamily="49" charset="0"/>
+              </a:rPr>
+              <a:t>guard(</a:t>
+            </a:r>
+            <a:r>
+              <a:rPr lang="en-US" dirty="0" err="1">
+                <a:latin typeface="Courier New" panose="02070309020205020404" pitchFamily="49" charset="0"/>
+                <a:cs typeface="Courier New" panose="02070309020205020404" pitchFamily="49" charset="0"/>
+              </a:rPr>
+              <a:t>std</a:t>
+            </a:r>
+            <a:r>
+              <a:rPr lang="en-US" dirty="0">
+                <a:latin typeface="Courier New" panose="02070309020205020404" pitchFamily="49" charset="0"/>
+                <a:cs typeface="Courier New" panose="02070309020205020404" pitchFamily="49" charset="0"/>
+              </a:rPr>
+              <a:t>::thread&amp; t): t_(t) </a:t>
+            </a:r>
+            <a:r>
+              <a:rPr lang="en-US" dirty="0" smtClean="0">
+                <a:latin typeface="Courier New" panose="02070309020205020404" pitchFamily="49" charset="0"/>
+                <a:cs typeface="Courier New" panose="02070309020205020404" pitchFamily="49" charset="0"/>
+              </a:rPr>
+              <a:t>{}</a:t>
+            </a:r>
+          </a:p>
+          <a:p>
+            <a:r>
+              <a:rPr lang="en-US" dirty="0">
+                <a:latin typeface="Courier New" panose="02070309020205020404" pitchFamily="49" charset="0"/>
+                <a:cs typeface="Courier New" panose="02070309020205020404" pitchFamily="49" charset="0"/>
+              </a:rPr>
+              <a:t> </a:t>
+            </a:r>
+            <a:r>
+              <a:rPr lang="en-US" dirty="0" smtClean="0">
+                <a:latin typeface="Courier New" panose="02070309020205020404" pitchFamily="49" charset="0"/>
+                <a:cs typeface="Courier New" panose="02070309020205020404" pitchFamily="49" charset="0"/>
+              </a:rPr>
+              <a:t> ~</a:t>
+            </a:r>
+            <a:r>
+              <a:rPr lang="en-US" dirty="0">
+                <a:latin typeface="Courier New" panose="02070309020205020404" pitchFamily="49" charset="0"/>
+                <a:cs typeface="Courier New" panose="02070309020205020404" pitchFamily="49" charset="0"/>
+              </a:rPr>
+              <a:t>guard() </a:t>
+            </a:r>
+            <a:r>
+              <a:rPr lang="en-US" dirty="0" smtClean="0">
+                <a:latin typeface="Courier New" panose="02070309020205020404" pitchFamily="49" charset="0"/>
+                <a:cs typeface="Courier New" panose="02070309020205020404" pitchFamily="49" charset="0"/>
+              </a:rPr>
+              <a:t>{</a:t>
+            </a:r>
+          </a:p>
+          <a:p>
+            <a:r>
+              <a:rPr lang="en-US" dirty="0">
+                <a:solidFill>
+                  <a:srgbClr val="7F0055"/>
+                </a:solidFill>
+                <a:latin typeface="Courier New" panose="02070309020205020404" pitchFamily="49" charset="0"/>
+                <a:cs typeface="Courier New" panose="02070309020205020404" pitchFamily="49" charset="0"/>
+              </a:rPr>
+              <a:t> </a:t>
+            </a:r>
+            <a:r>
+              <a:rPr lang="en-US" dirty="0" smtClean="0">
+                <a:solidFill>
+                  <a:srgbClr val="7F0055"/>
+                </a:solidFill>
+                <a:latin typeface="Courier New" panose="02070309020205020404" pitchFamily="49" charset="0"/>
+                <a:cs typeface="Courier New" panose="02070309020205020404" pitchFamily="49" charset="0"/>
+              </a:rPr>
+              <a:t>   if</a:t>
+            </a:r>
+            <a:r>
+              <a:rPr lang="en-US" dirty="0" smtClean="0">
+                <a:latin typeface="Courier New" panose="02070309020205020404" pitchFamily="49" charset="0"/>
+                <a:cs typeface="Courier New" panose="02070309020205020404" pitchFamily="49" charset="0"/>
+              </a:rPr>
+              <a:t> </a:t>
+            </a:r>
+            <a:r>
+              <a:rPr lang="en-US" dirty="0">
+                <a:latin typeface="Courier New" panose="02070309020205020404" pitchFamily="49" charset="0"/>
+                <a:cs typeface="Courier New" panose="02070309020205020404" pitchFamily="49" charset="0"/>
+              </a:rPr>
+              <a:t>(</a:t>
+            </a:r>
+            <a:r>
+              <a:rPr lang="en-US" dirty="0" err="1">
+                <a:latin typeface="Courier New" panose="02070309020205020404" pitchFamily="49" charset="0"/>
+                <a:cs typeface="Courier New" panose="02070309020205020404" pitchFamily="49" charset="0"/>
+              </a:rPr>
+              <a:t>t_.joinable</a:t>
+            </a:r>
+            <a:r>
+              <a:rPr lang="en-US" dirty="0">
+                <a:latin typeface="Courier New" panose="02070309020205020404" pitchFamily="49" charset="0"/>
+                <a:cs typeface="Courier New" panose="02070309020205020404" pitchFamily="49" charset="0"/>
+              </a:rPr>
+              <a:t>()) </a:t>
+            </a:r>
+            <a:r>
+              <a:rPr lang="en-US" dirty="0" err="1">
+                <a:latin typeface="Courier New" panose="02070309020205020404" pitchFamily="49" charset="0"/>
+                <a:cs typeface="Courier New" panose="02070309020205020404" pitchFamily="49" charset="0"/>
+              </a:rPr>
+              <a:t>t.join</a:t>
+            </a:r>
+            <a:r>
+              <a:rPr lang="en-US" dirty="0" smtClean="0">
+                <a:latin typeface="Courier New" panose="02070309020205020404" pitchFamily="49" charset="0"/>
+                <a:cs typeface="Courier New" panose="02070309020205020404" pitchFamily="49" charset="0"/>
+              </a:rPr>
+              <a:t>();</a:t>
+            </a:r>
+          </a:p>
+          <a:p>
+            <a:r>
+              <a:rPr lang="en-US" dirty="0">
+                <a:latin typeface="Courier New" panose="02070309020205020404" pitchFamily="49" charset="0"/>
+                <a:cs typeface="Courier New" panose="02070309020205020404" pitchFamily="49" charset="0"/>
+              </a:rPr>
+              <a:t> </a:t>
+            </a:r>
+            <a:r>
+              <a:rPr lang="en-US" dirty="0" smtClean="0">
+                <a:latin typeface="Courier New" panose="02070309020205020404" pitchFamily="49" charset="0"/>
+                <a:cs typeface="Courier New" panose="02070309020205020404" pitchFamily="49" charset="0"/>
+              </a:rPr>
+              <a:t> }</a:t>
+            </a:r>
+          </a:p>
+          <a:p>
+            <a:r>
+              <a:rPr lang="en-US" dirty="0">
+                <a:latin typeface="Courier New" panose="02070309020205020404" pitchFamily="49" charset="0"/>
+                <a:cs typeface="Courier New" panose="02070309020205020404" pitchFamily="49" charset="0"/>
+              </a:rPr>
+              <a:t> </a:t>
+            </a:r>
+            <a:r>
+              <a:rPr lang="en-US" dirty="0" smtClean="0">
+                <a:latin typeface="Courier New" panose="02070309020205020404" pitchFamily="49" charset="0"/>
+                <a:cs typeface="Courier New" panose="02070309020205020404" pitchFamily="49" charset="0"/>
+              </a:rPr>
+              <a:t> guard(guard </a:t>
+            </a:r>
+            <a:r>
+              <a:rPr lang="en-US" dirty="0" err="1">
+                <a:solidFill>
+                  <a:srgbClr val="7F0055"/>
+                </a:solidFill>
+                <a:latin typeface="Courier New" panose="02070309020205020404" pitchFamily="49" charset="0"/>
+                <a:cs typeface="Courier New" panose="02070309020205020404" pitchFamily="49" charset="0"/>
+              </a:rPr>
+              <a:t>const</a:t>
+            </a:r>
+            <a:r>
+              <a:rPr lang="en-US" dirty="0">
+                <a:latin typeface="Courier New" panose="02070309020205020404" pitchFamily="49" charset="0"/>
+                <a:cs typeface="Courier New" panose="02070309020205020404" pitchFamily="49" charset="0"/>
+              </a:rPr>
+              <a:t>&amp;) = </a:t>
+            </a:r>
+            <a:r>
+              <a:rPr lang="en-US" dirty="0" smtClean="0">
+                <a:solidFill>
+                  <a:srgbClr val="7F0055"/>
+                </a:solidFill>
+                <a:latin typeface="Courier New" panose="02070309020205020404" pitchFamily="49" charset="0"/>
+                <a:cs typeface="Courier New" panose="02070309020205020404" pitchFamily="49" charset="0"/>
+              </a:rPr>
+              <a:t>delete</a:t>
+            </a:r>
+            <a:r>
+              <a:rPr lang="en-US" dirty="0" smtClean="0">
+                <a:latin typeface="Courier New" panose="02070309020205020404" pitchFamily="49" charset="0"/>
+                <a:cs typeface="Courier New" panose="02070309020205020404" pitchFamily="49" charset="0"/>
+              </a:rPr>
+              <a:t>;</a:t>
+            </a:r>
+          </a:p>
+          <a:p>
+            <a:r>
+              <a:rPr lang="en-US" dirty="0">
+                <a:latin typeface="Courier New" panose="02070309020205020404" pitchFamily="49" charset="0"/>
+                <a:cs typeface="Courier New" panose="02070309020205020404" pitchFamily="49" charset="0"/>
+              </a:rPr>
+              <a:t> </a:t>
+            </a:r>
+            <a:r>
+              <a:rPr lang="en-US" dirty="0" smtClean="0">
+                <a:latin typeface="Courier New" panose="02070309020205020404" pitchFamily="49" charset="0"/>
+                <a:cs typeface="Courier New" panose="02070309020205020404" pitchFamily="49" charset="0"/>
+              </a:rPr>
+              <a:t> guard</a:t>
+            </a:r>
+            <a:r>
+              <a:rPr lang="en-US" dirty="0">
+                <a:latin typeface="Courier New" panose="02070309020205020404" pitchFamily="49" charset="0"/>
+                <a:cs typeface="Courier New" panose="02070309020205020404" pitchFamily="49" charset="0"/>
+              </a:rPr>
+              <a:t>&amp; </a:t>
+            </a:r>
+            <a:r>
+              <a:rPr lang="en-US" dirty="0">
+                <a:solidFill>
+                  <a:srgbClr val="7F0055"/>
+                </a:solidFill>
+                <a:latin typeface="Courier New" panose="02070309020205020404" pitchFamily="49" charset="0"/>
+                <a:cs typeface="Courier New" panose="02070309020205020404" pitchFamily="49" charset="0"/>
+              </a:rPr>
+              <a:t>operator</a:t>
+            </a:r>
+            <a:r>
+              <a:rPr lang="en-US" dirty="0">
+                <a:latin typeface="Courier New" panose="02070309020205020404" pitchFamily="49" charset="0"/>
+                <a:cs typeface="Courier New" panose="02070309020205020404" pitchFamily="49" charset="0"/>
+              </a:rPr>
+              <a:t>=(guard </a:t>
+            </a:r>
+            <a:r>
+              <a:rPr lang="en-US" dirty="0" err="1">
+                <a:solidFill>
+                  <a:srgbClr val="7F0055"/>
+                </a:solidFill>
+                <a:latin typeface="Courier New" panose="02070309020205020404" pitchFamily="49" charset="0"/>
+                <a:cs typeface="Courier New" panose="02070309020205020404" pitchFamily="49" charset="0"/>
+              </a:rPr>
+              <a:t>const</a:t>
+            </a:r>
+            <a:r>
+              <a:rPr lang="en-US" dirty="0">
+                <a:latin typeface="Courier New" panose="02070309020205020404" pitchFamily="49" charset="0"/>
+                <a:cs typeface="Courier New" panose="02070309020205020404" pitchFamily="49" charset="0"/>
+              </a:rPr>
+              <a:t>&amp;) = </a:t>
+            </a:r>
+            <a:r>
+              <a:rPr lang="en-US" dirty="0">
+                <a:solidFill>
+                  <a:srgbClr val="7F0055"/>
+                </a:solidFill>
+                <a:latin typeface="Courier New" panose="02070309020205020404" pitchFamily="49" charset="0"/>
+                <a:cs typeface="Courier New" panose="02070309020205020404" pitchFamily="49" charset="0"/>
+              </a:rPr>
+              <a:t>delete</a:t>
+            </a:r>
+            <a:r>
+              <a:rPr lang="en-US" dirty="0" smtClean="0">
+                <a:latin typeface="Courier New" panose="02070309020205020404" pitchFamily="49" charset="0"/>
+                <a:cs typeface="Courier New" panose="02070309020205020404" pitchFamily="49" charset="0"/>
+              </a:rPr>
+              <a:t>;</a:t>
+            </a:r>
+          </a:p>
+          <a:p>
+            <a:r>
+              <a:rPr lang="en-US" dirty="0" smtClean="0">
+                <a:latin typeface="Courier New" panose="02070309020205020404" pitchFamily="49" charset="0"/>
+                <a:cs typeface="Courier New" panose="02070309020205020404" pitchFamily="49" charset="0"/>
+              </a:rPr>
+              <a:t>};</a:t>
+            </a:r>
+            <a:endParaRPr lang="en-US" dirty="0">
+              <a:latin typeface="Courier New" panose="02070309020205020404" pitchFamily="49" charset="0"/>
+              <a:cs typeface="Courier New" panose="02070309020205020404" pitchFamily="49" charset="0"/>
+            </a:endParaRPr>
           </a:p>
         </p:txBody>
       </p:sp>
@@ -9343,8 +10046,31 @@
           <a:p>
             <a:fld id="{6DA12B36-9664-4CB0-8B2E-F4A2F44AE97E}" type="slidenum">
               <a:rPr lang="en-US" smtClean="0"/>
-              <a:t>25</a:t>
+              <a:t>26</a:t>
             </a:fld>
+            <a:endParaRPr lang="en-US"/>
+          </a:p>
+        </p:txBody>
+      </p:sp>
+      <p:sp>
+        <p:nvSpPr>
+          <p:cNvPr id="5" name="Footer Placeholder 4"/>
+          <p:cNvSpPr>
+            <a:spLocks noGrp="1"/>
+          </p:cNvSpPr>
+          <p:nvPr>
+            <p:ph type="ftr" sz="quarter" idx="11"/>
+          </p:nvPr>
+        </p:nvSpPr>
+        <p:spPr/>
+        <p:txBody>
+          <a:bodyPr/>
+          <a:lstStyle/>
+          <a:p>
+            <a:r>
+              <a:rPr lang="en-US" smtClean="0"/>
+              <a:t>Source: Williams, Chapter 2</a:t>
+            </a:r>
             <a:endParaRPr lang="en-US"/>
           </a:p>
         </p:txBody>
@@ -9353,6 +10079,1714 @@
     <p:extLst>
       <p:ext uri="{BB962C8B-B14F-4D97-AF65-F5344CB8AC3E}">
         <p14:creationId xmlns:p14="http://schemas.microsoft.com/office/powerpoint/2010/main" val="3396377568"/>
+      </p:ext>
+    </p:extLst>
+  </p:cSld>
+  <p:clrMapOvr>
+    <a:masterClrMapping/>
+  </p:clrMapOvr>
+  <p:timing>
+    <p:tnLst>
+      <p:par>
+        <p:cTn id="1" dur="indefinite" restart="never" nodeType="tmRoot"/>
+      </p:par>
+    </p:tnLst>
+  </p:timing>
+</p:sld>
+</file>
+
+<file path=ppt/slides/slide27.xml><?xml version="1.0" encoding="utf-8"?>
+<p:sld xmlns:a="http://schemas.openxmlformats.org/drawingml/2006/main" xmlns:r="http://schemas.openxmlformats.org/officeDocument/2006/relationships" xmlns:p="http://schemas.openxmlformats.org/presentationml/2006/main">
+  <p:cSld>
+    <p:spTree>
+      <p:nvGrpSpPr>
+        <p:cNvPr id="1" name=""/>
+        <p:cNvGrpSpPr/>
+        <p:nvPr/>
+      </p:nvGrpSpPr>
+      <p:grpSpPr>
+        <a:xfrm>
+          <a:off x="0" y="0"/>
+          <a:ext cx="0" cy="0"/>
+          <a:chOff x="0" y="0"/>
+          <a:chExt cx="0" cy="0"/>
+        </a:xfrm>
+      </p:grpSpPr>
+      <p:sp>
+        <p:nvSpPr>
+          <p:cNvPr id="2" name="Title 1"/>
+          <p:cNvSpPr>
+            <a:spLocks noGrp="1"/>
+          </p:cNvSpPr>
+          <p:nvPr>
+            <p:ph type="title"/>
+          </p:nvPr>
+        </p:nvSpPr>
+        <p:spPr/>
+        <p:txBody>
+          <a:bodyPr/>
+          <a:lstStyle/>
+          <a:p>
+            <a:r>
+              <a:rPr lang="en-US" dirty="0" smtClean="0"/>
+              <a:t>Using the RAII thread manager</a:t>
+            </a:r>
+            <a:endParaRPr lang="en-US" dirty="0"/>
+          </a:p>
+        </p:txBody>
+      </p:sp>
+      <p:sp>
+        <p:nvSpPr>
+          <p:cNvPr id="3" name="Content Placeholder 2"/>
+          <p:cNvSpPr>
+            <a:spLocks noGrp="1"/>
+          </p:cNvSpPr>
+          <p:nvPr>
+            <p:ph idx="1"/>
+          </p:nvPr>
+        </p:nvSpPr>
+        <p:spPr/>
+        <p:txBody>
+          <a:bodyPr/>
+          <a:lstStyle/>
+          <a:p>
+            <a:r>
+              <a:rPr lang="en-US" dirty="0">
+                <a:solidFill>
+                  <a:srgbClr val="7F0055"/>
+                </a:solidFill>
+                <a:latin typeface="Courier New" panose="02070309020205020404" pitchFamily="49" charset="0"/>
+                <a:cs typeface="Courier New" panose="02070309020205020404" pitchFamily="49" charset="0"/>
+              </a:rPr>
+              <a:t>void</a:t>
+            </a:r>
+            <a:r>
+              <a:rPr lang="en-US" dirty="0">
+                <a:latin typeface="Courier New" panose="02070309020205020404" pitchFamily="49" charset="0"/>
+                <a:cs typeface="Courier New" panose="02070309020205020404" pitchFamily="49" charset="0"/>
+              </a:rPr>
+              <a:t> f();</a:t>
+            </a:r>
+          </a:p>
+          <a:p>
+            <a:r>
+              <a:rPr lang="en-US" dirty="0">
+                <a:solidFill>
+                  <a:srgbClr val="7F0055"/>
+                </a:solidFill>
+                <a:latin typeface="Courier New" panose="02070309020205020404" pitchFamily="49" charset="0"/>
+                <a:cs typeface="Courier New" panose="02070309020205020404" pitchFamily="49" charset="0"/>
+              </a:rPr>
+              <a:t>void</a:t>
+            </a:r>
+            <a:r>
+              <a:rPr lang="en-US" dirty="0">
+                <a:latin typeface="Courier New" panose="02070309020205020404" pitchFamily="49" charset="0"/>
+                <a:cs typeface="Courier New" panose="02070309020205020404" pitchFamily="49" charset="0"/>
+              </a:rPr>
+              <a:t> </a:t>
+            </a:r>
+            <a:r>
+              <a:rPr lang="en-US" dirty="0" err="1">
+                <a:latin typeface="Courier New" panose="02070309020205020404" pitchFamily="49" charset="0"/>
+                <a:cs typeface="Courier New" panose="02070309020205020404" pitchFamily="49" charset="0"/>
+              </a:rPr>
+              <a:t>might_throw</a:t>
+            </a:r>
+            <a:r>
+              <a:rPr lang="en-US" dirty="0">
+                <a:latin typeface="Courier New" panose="02070309020205020404" pitchFamily="49" charset="0"/>
+                <a:cs typeface="Courier New" panose="02070309020205020404" pitchFamily="49" charset="0"/>
+              </a:rPr>
+              <a:t>() {</a:t>
+            </a:r>
+          </a:p>
+          <a:p>
+            <a:r>
+              <a:rPr lang="en-US" dirty="0">
+                <a:latin typeface="Courier New" panose="02070309020205020404" pitchFamily="49" charset="0"/>
+                <a:cs typeface="Courier New" panose="02070309020205020404" pitchFamily="49" charset="0"/>
+              </a:rPr>
+              <a:t>  </a:t>
+            </a:r>
+            <a:r>
+              <a:rPr lang="en-US" dirty="0" err="1">
+                <a:latin typeface="Courier New" panose="02070309020205020404" pitchFamily="49" charset="0"/>
+                <a:cs typeface="Courier New" panose="02070309020205020404" pitchFamily="49" charset="0"/>
+              </a:rPr>
+              <a:t>std</a:t>
+            </a:r>
+            <a:r>
+              <a:rPr lang="en-US" dirty="0">
+                <a:latin typeface="Courier New" panose="02070309020205020404" pitchFamily="49" charset="0"/>
+                <a:cs typeface="Courier New" panose="02070309020205020404" pitchFamily="49" charset="0"/>
+              </a:rPr>
+              <a:t>::thread t(f</a:t>
+            </a:r>
+            <a:r>
+              <a:rPr lang="en-US" dirty="0" smtClean="0">
+                <a:latin typeface="Courier New" panose="02070309020205020404" pitchFamily="49" charset="0"/>
+                <a:cs typeface="Courier New" panose="02070309020205020404" pitchFamily="49" charset="0"/>
+              </a:rPr>
+              <a:t>);</a:t>
+            </a:r>
+          </a:p>
+          <a:p>
+            <a:r>
+              <a:rPr lang="en-US" dirty="0">
+                <a:latin typeface="Courier New" panose="02070309020205020404" pitchFamily="49" charset="0"/>
+                <a:cs typeface="Courier New" panose="02070309020205020404" pitchFamily="49" charset="0"/>
+              </a:rPr>
+              <a:t> </a:t>
+            </a:r>
+            <a:r>
+              <a:rPr lang="en-US" dirty="0" smtClean="0">
+                <a:latin typeface="Courier New" panose="02070309020205020404" pitchFamily="49" charset="0"/>
+                <a:cs typeface="Courier New" panose="02070309020205020404" pitchFamily="49" charset="0"/>
+              </a:rPr>
+              <a:t> </a:t>
+            </a:r>
+            <a:r>
+              <a:rPr lang="en-US" dirty="0" smtClean="0">
+                <a:solidFill>
+                  <a:srgbClr val="FF0000"/>
+                </a:solidFill>
+                <a:latin typeface="Courier New" panose="02070309020205020404" pitchFamily="49" charset="0"/>
+                <a:cs typeface="Courier New" panose="02070309020205020404" pitchFamily="49" charset="0"/>
+              </a:rPr>
+              <a:t>guard g(t);</a:t>
+            </a:r>
+            <a:endParaRPr lang="en-US" dirty="0">
+              <a:solidFill>
+                <a:srgbClr val="FF0000"/>
+              </a:solidFill>
+              <a:latin typeface="Courier New" panose="02070309020205020404" pitchFamily="49" charset="0"/>
+              <a:cs typeface="Courier New" panose="02070309020205020404" pitchFamily="49" charset="0"/>
+            </a:endParaRPr>
+          </a:p>
+          <a:p>
+            <a:r>
+              <a:rPr lang="en-US" dirty="0">
+                <a:solidFill>
+                  <a:srgbClr val="3F7F59"/>
+                </a:solidFill>
+                <a:latin typeface="Courier New" panose="02070309020205020404" pitchFamily="49" charset="0"/>
+                <a:cs typeface="Courier New" panose="02070309020205020404" pitchFamily="49" charset="0"/>
+              </a:rPr>
+              <a:t>  // What if this throws</a:t>
+            </a:r>
+            <a:r>
+              <a:rPr lang="en-US" dirty="0" smtClean="0">
+                <a:solidFill>
+                  <a:srgbClr val="3F7F59"/>
+                </a:solidFill>
+                <a:latin typeface="Courier New" panose="02070309020205020404" pitchFamily="49" charset="0"/>
+                <a:cs typeface="Courier New" panose="02070309020205020404" pitchFamily="49" charset="0"/>
+              </a:rPr>
+              <a:t>? – No problem now</a:t>
+            </a:r>
+            <a:endParaRPr lang="en-US" dirty="0">
+              <a:latin typeface="Courier New" panose="02070309020205020404" pitchFamily="49" charset="0"/>
+              <a:cs typeface="Courier New" panose="02070309020205020404" pitchFamily="49" charset="0"/>
+            </a:endParaRPr>
+          </a:p>
+          <a:p>
+            <a:r>
+              <a:rPr lang="en-US" dirty="0">
+                <a:latin typeface="Courier New" panose="02070309020205020404" pitchFamily="49" charset="0"/>
+                <a:cs typeface="Courier New" panose="02070309020205020404" pitchFamily="49" charset="0"/>
+              </a:rPr>
+              <a:t>  </a:t>
+            </a:r>
+            <a:r>
+              <a:rPr lang="en-US" dirty="0" err="1">
+                <a:latin typeface="Courier New" panose="02070309020205020404" pitchFamily="49" charset="0"/>
+                <a:cs typeface="Courier New" panose="02070309020205020404" pitchFamily="49" charset="0"/>
+              </a:rPr>
+              <a:t>do_something_that_might_throw</a:t>
+            </a:r>
+            <a:r>
+              <a:rPr lang="en-US" dirty="0" smtClean="0">
+                <a:latin typeface="Courier New" panose="02070309020205020404" pitchFamily="49" charset="0"/>
+                <a:cs typeface="Courier New" panose="02070309020205020404" pitchFamily="49" charset="0"/>
+              </a:rPr>
+              <a:t>();</a:t>
+            </a:r>
+          </a:p>
+          <a:p>
+            <a:r>
+              <a:rPr lang="en-US" dirty="0" smtClean="0">
+                <a:latin typeface="Courier New" panose="02070309020205020404" pitchFamily="49" charset="0"/>
+                <a:cs typeface="Courier New" panose="02070309020205020404" pitchFamily="49" charset="0"/>
+              </a:rPr>
+              <a:t>  </a:t>
+            </a:r>
+            <a:r>
+              <a:rPr lang="en-US" strike="sngStrike" dirty="0" err="1" smtClean="0">
+                <a:latin typeface="Courier New" panose="02070309020205020404" pitchFamily="49" charset="0"/>
+                <a:cs typeface="Courier New" panose="02070309020205020404" pitchFamily="49" charset="0"/>
+              </a:rPr>
+              <a:t>t.join</a:t>
+            </a:r>
+            <a:r>
+              <a:rPr lang="en-US" strike="sngStrike" dirty="0" smtClean="0">
+                <a:latin typeface="Courier New" panose="02070309020205020404" pitchFamily="49" charset="0"/>
+                <a:cs typeface="Courier New" panose="02070309020205020404" pitchFamily="49" charset="0"/>
+              </a:rPr>
+              <a:t>(); </a:t>
+            </a:r>
+            <a:r>
+              <a:rPr lang="en-US" dirty="0">
+                <a:solidFill>
+                  <a:srgbClr val="3F7F59"/>
+                </a:solidFill>
+                <a:latin typeface="Courier New" panose="02070309020205020404" pitchFamily="49" charset="0"/>
+                <a:cs typeface="Courier New" panose="02070309020205020404" pitchFamily="49" charset="0"/>
+              </a:rPr>
+              <a:t>// What </a:t>
+            </a:r>
+            <a:r>
+              <a:rPr lang="en-US" dirty="0" smtClean="0">
+                <a:solidFill>
+                  <a:srgbClr val="3F7F59"/>
+                </a:solidFill>
+                <a:latin typeface="Courier New" panose="02070309020205020404" pitchFamily="49" charset="0"/>
+                <a:cs typeface="Courier New" panose="02070309020205020404" pitchFamily="49" charset="0"/>
+              </a:rPr>
+              <a:t>you forget to remove this?</a:t>
+            </a:r>
+            <a:endParaRPr lang="en-US" strike="sngStrike" dirty="0" smtClean="0">
+              <a:latin typeface="Courier New" panose="02070309020205020404" pitchFamily="49" charset="0"/>
+              <a:cs typeface="Courier New" panose="02070309020205020404" pitchFamily="49" charset="0"/>
+            </a:endParaRPr>
+          </a:p>
+          <a:p>
+            <a:r>
+              <a:rPr lang="en-US" dirty="0" smtClean="0">
+                <a:latin typeface="Courier New" panose="02070309020205020404" pitchFamily="49" charset="0"/>
+                <a:cs typeface="Courier New" panose="02070309020205020404" pitchFamily="49" charset="0"/>
+              </a:rPr>
+              <a:t>}</a:t>
+            </a:r>
+          </a:p>
+          <a:p>
+            <a:endParaRPr lang="en-US" dirty="0"/>
+          </a:p>
+        </p:txBody>
+      </p:sp>
+      <p:sp>
+        <p:nvSpPr>
+          <p:cNvPr id="4" name="Slide Number Placeholder 3"/>
+          <p:cNvSpPr>
+            <a:spLocks noGrp="1"/>
+          </p:cNvSpPr>
+          <p:nvPr>
+            <p:ph type="sldNum" sz="quarter" idx="12"/>
+          </p:nvPr>
+        </p:nvSpPr>
+        <p:spPr/>
+        <p:txBody>
+          <a:bodyPr/>
+          <a:lstStyle/>
+          <a:p>
+            <a:fld id="{6DA12B36-9664-4CB0-8B2E-F4A2F44AE97E}" type="slidenum">
+              <a:rPr lang="en-US" smtClean="0"/>
+              <a:t>27</a:t>
+            </a:fld>
+            <a:endParaRPr lang="en-US"/>
+          </a:p>
+        </p:txBody>
+      </p:sp>
+      <p:sp>
+        <p:nvSpPr>
+          <p:cNvPr id="5" name="Footer Placeholder 4"/>
+          <p:cNvSpPr>
+            <a:spLocks noGrp="1"/>
+          </p:cNvSpPr>
+          <p:nvPr>
+            <p:ph type="ftr" sz="quarter" idx="11"/>
+          </p:nvPr>
+        </p:nvSpPr>
+        <p:spPr/>
+        <p:txBody>
+          <a:bodyPr/>
+          <a:lstStyle/>
+          <a:p>
+            <a:r>
+              <a:rPr lang="en-US" dirty="0" smtClean="0"/>
+              <a:t>Source: Williams, Chapter 2</a:t>
+            </a:r>
+            <a:endParaRPr lang="en-US" dirty="0"/>
+          </a:p>
+        </p:txBody>
+      </p:sp>
+    </p:spTree>
+    <p:extLst>
+      <p:ext uri="{BB962C8B-B14F-4D97-AF65-F5344CB8AC3E}">
+        <p14:creationId xmlns:p14="http://schemas.microsoft.com/office/powerpoint/2010/main" val="2869252764"/>
+      </p:ext>
+    </p:extLst>
+  </p:cSld>
+  <p:clrMapOvr>
+    <a:masterClrMapping/>
+  </p:clrMapOvr>
+  <p:timing>
+    <p:tnLst>
+      <p:par>
+        <p:cTn id="1" dur="indefinite" restart="never" nodeType="tmRoot"/>
+      </p:par>
+    </p:tnLst>
+  </p:timing>
+</p:sld>
+</file>
+
+<file path=ppt/slides/slide28.xml><?xml version="1.0" encoding="utf-8"?>
+<p:sld xmlns:a="http://schemas.openxmlformats.org/drawingml/2006/main" xmlns:r="http://schemas.openxmlformats.org/officeDocument/2006/relationships" xmlns:p="http://schemas.openxmlformats.org/presentationml/2006/main">
+  <p:cSld>
+    <p:spTree>
+      <p:nvGrpSpPr>
+        <p:cNvPr id="1" name=""/>
+        <p:cNvGrpSpPr/>
+        <p:nvPr/>
+      </p:nvGrpSpPr>
+      <p:grpSpPr>
+        <a:xfrm>
+          <a:off x="0" y="0"/>
+          <a:ext cx="0" cy="0"/>
+          <a:chOff x="0" y="0"/>
+          <a:chExt cx="0" cy="0"/>
+        </a:xfrm>
+      </p:grpSpPr>
+      <p:sp>
+        <p:nvSpPr>
+          <p:cNvPr id="2" name="Title 1"/>
+          <p:cNvSpPr>
+            <a:spLocks noGrp="1"/>
+          </p:cNvSpPr>
+          <p:nvPr>
+            <p:ph type="title"/>
+          </p:nvPr>
+        </p:nvSpPr>
+        <p:spPr/>
+        <p:txBody>
+          <a:bodyPr>
+            <a:normAutofit/>
+          </a:bodyPr>
+          <a:lstStyle/>
+          <a:p>
+            <a:r>
+              <a:rPr lang="en-US" dirty="0" smtClean="0"/>
+              <a:t>transferring ownership</a:t>
+            </a:r>
+            <a:endParaRPr lang="en-US" dirty="0"/>
+          </a:p>
+        </p:txBody>
+      </p:sp>
+      <p:sp>
+        <p:nvSpPr>
+          <p:cNvPr id="3" name="Content Placeholder 2"/>
+          <p:cNvSpPr>
+            <a:spLocks noGrp="1"/>
+          </p:cNvSpPr>
+          <p:nvPr>
+            <p:ph idx="1"/>
+          </p:nvPr>
+        </p:nvSpPr>
+        <p:spPr/>
+        <p:txBody>
+          <a:bodyPr>
+            <a:normAutofit/>
+          </a:bodyPr>
+          <a:lstStyle/>
+          <a:p>
+            <a:r>
+              <a:rPr lang="en-US" dirty="0" smtClean="0"/>
+              <a:t>Like </a:t>
+            </a:r>
+            <a:r>
+              <a:rPr lang="en-US" dirty="0" err="1" smtClean="0">
+                <a:latin typeface="Courier New" panose="02070309020205020404" pitchFamily="49" charset="0"/>
+                <a:cs typeface="Courier New" panose="02070309020205020404" pitchFamily="49" charset="0"/>
+              </a:rPr>
+              <a:t>std</a:t>
+            </a:r>
+            <a:r>
+              <a:rPr lang="en-US" dirty="0" smtClean="0">
+                <a:latin typeface="Courier New" panose="02070309020205020404" pitchFamily="49" charset="0"/>
+                <a:cs typeface="Courier New" panose="02070309020205020404" pitchFamily="49" charset="0"/>
+              </a:rPr>
+              <a:t>::</a:t>
+            </a:r>
+            <a:r>
+              <a:rPr lang="en-US" dirty="0" err="1" smtClean="0">
+                <a:latin typeface="Courier New" panose="02070309020205020404" pitchFamily="49" charset="0"/>
+                <a:cs typeface="Courier New" panose="02070309020205020404" pitchFamily="49" charset="0"/>
+              </a:rPr>
+              <a:t>unique_ptr</a:t>
+            </a:r>
+            <a:r>
+              <a:rPr lang="en-US" dirty="0" smtClean="0"/>
+              <a:t>, </a:t>
+            </a:r>
+            <a:r>
+              <a:rPr lang="en-US" dirty="0" err="1" smtClean="0">
+                <a:latin typeface="Courier New" panose="02070309020205020404" pitchFamily="49" charset="0"/>
+                <a:cs typeface="Courier New" panose="02070309020205020404" pitchFamily="49" charset="0"/>
+              </a:rPr>
+              <a:t>std</a:t>
+            </a:r>
+            <a:r>
+              <a:rPr lang="en-US" dirty="0" smtClean="0">
+                <a:latin typeface="Courier New" panose="02070309020205020404" pitchFamily="49" charset="0"/>
+                <a:cs typeface="Courier New" panose="02070309020205020404" pitchFamily="49" charset="0"/>
+              </a:rPr>
+              <a:t>::thread</a:t>
+            </a:r>
+            <a:r>
+              <a:rPr lang="en-US" dirty="0" smtClean="0"/>
+              <a:t> is movable, but not </a:t>
+            </a:r>
+            <a:r>
+              <a:rPr lang="en-US" dirty="0" err="1" smtClean="0"/>
+              <a:t>copyable</a:t>
+            </a:r>
+            <a:endParaRPr lang="en-US" dirty="0" smtClean="0"/>
+          </a:p>
+          <a:p>
+            <a:r>
+              <a:rPr lang="en-US" dirty="0" smtClean="0">
+                <a:solidFill>
+                  <a:srgbClr val="7F0055"/>
+                </a:solidFill>
+                <a:latin typeface="Courier New" panose="02070309020205020404" pitchFamily="49" charset="0"/>
+                <a:cs typeface="Courier New" panose="02070309020205020404" pitchFamily="49" charset="0"/>
+              </a:rPr>
+              <a:t>void</a:t>
+            </a:r>
+            <a:r>
+              <a:rPr lang="en-US" dirty="0" smtClean="0">
+                <a:latin typeface="Courier New" panose="02070309020205020404" pitchFamily="49" charset="0"/>
+                <a:cs typeface="Courier New" panose="02070309020205020404" pitchFamily="49" charset="0"/>
+              </a:rPr>
+              <a:t> </a:t>
+            </a:r>
+            <a:r>
+              <a:rPr lang="en-US" dirty="0">
+                <a:latin typeface="Courier New" panose="02070309020205020404" pitchFamily="49" charset="0"/>
+                <a:cs typeface="Courier New" panose="02070309020205020404" pitchFamily="49" charset="0"/>
+              </a:rPr>
+              <a:t>f</a:t>
+            </a:r>
+            <a:r>
+              <a:rPr lang="en-US" dirty="0" smtClean="0">
+                <a:latin typeface="Courier New" panose="02070309020205020404" pitchFamily="49" charset="0"/>
+                <a:cs typeface="Courier New" panose="02070309020205020404" pitchFamily="49" charset="0"/>
+              </a:rPr>
+              <a:t>();</a:t>
+            </a:r>
+          </a:p>
+          <a:p>
+            <a:r>
+              <a:rPr lang="en-US" dirty="0" smtClean="0">
+                <a:solidFill>
+                  <a:srgbClr val="7F0055"/>
+                </a:solidFill>
+                <a:latin typeface="Courier New" panose="02070309020205020404" pitchFamily="49" charset="0"/>
+                <a:cs typeface="Courier New" panose="02070309020205020404" pitchFamily="49" charset="0"/>
+              </a:rPr>
+              <a:t>void</a:t>
+            </a:r>
+            <a:r>
+              <a:rPr lang="en-US" dirty="0" smtClean="0">
+                <a:latin typeface="Courier New" panose="02070309020205020404" pitchFamily="49" charset="0"/>
+                <a:cs typeface="Courier New" panose="02070309020205020404" pitchFamily="49" charset="0"/>
+              </a:rPr>
+              <a:t> </a:t>
+            </a:r>
+            <a:r>
+              <a:rPr lang="en-US" dirty="0">
+                <a:latin typeface="Courier New" panose="02070309020205020404" pitchFamily="49" charset="0"/>
+                <a:cs typeface="Courier New" panose="02070309020205020404" pitchFamily="49" charset="0"/>
+              </a:rPr>
+              <a:t>g</a:t>
+            </a:r>
+            <a:r>
+              <a:rPr lang="en-US" dirty="0" smtClean="0">
+                <a:latin typeface="Courier New" panose="02070309020205020404" pitchFamily="49" charset="0"/>
+                <a:cs typeface="Courier New" panose="02070309020205020404" pitchFamily="49" charset="0"/>
+              </a:rPr>
+              <a:t>();</a:t>
+            </a:r>
+          </a:p>
+          <a:p>
+            <a:r>
+              <a:rPr lang="en-US" dirty="0" err="1" smtClean="0">
+                <a:latin typeface="Courier New" panose="02070309020205020404" pitchFamily="49" charset="0"/>
+                <a:cs typeface="Courier New" panose="02070309020205020404" pitchFamily="49" charset="0"/>
+              </a:rPr>
+              <a:t>std</a:t>
+            </a:r>
+            <a:r>
+              <a:rPr lang="en-US" dirty="0">
+                <a:latin typeface="Courier New" panose="02070309020205020404" pitchFamily="49" charset="0"/>
+                <a:cs typeface="Courier New" panose="02070309020205020404" pitchFamily="49" charset="0"/>
+              </a:rPr>
+              <a:t>::thread t1(f</a:t>
+            </a:r>
+            <a:r>
+              <a:rPr lang="en-US" dirty="0" smtClean="0">
+                <a:latin typeface="Courier New" panose="02070309020205020404" pitchFamily="49" charset="0"/>
+                <a:cs typeface="Courier New" panose="02070309020205020404" pitchFamily="49" charset="0"/>
+              </a:rPr>
+              <a:t>);</a:t>
+            </a:r>
+          </a:p>
+          <a:p>
+            <a:r>
+              <a:rPr lang="en-US" dirty="0" err="1" smtClean="0">
+                <a:latin typeface="Courier New" panose="02070309020205020404" pitchFamily="49" charset="0"/>
+                <a:cs typeface="Courier New" panose="02070309020205020404" pitchFamily="49" charset="0"/>
+              </a:rPr>
+              <a:t>std</a:t>
+            </a:r>
+            <a:r>
+              <a:rPr lang="en-US" dirty="0">
+                <a:latin typeface="Courier New" panose="02070309020205020404" pitchFamily="49" charset="0"/>
+                <a:cs typeface="Courier New" panose="02070309020205020404" pitchFamily="49" charset="0"/>
+              </a:rPr>
+              <a:t>::thread </a:t>
+            </a:r>
+            <a:r>
+              <a:rPr lang="en-US" dirty="0" smtClean="0">
+                <a:latin typeface="Courier New" panose="02070309020205020404" pitchFamily="49" charset="0"/>
+                <a:cs typeface="Courier New" panose="02070309020205020404" pitchFamily="49" charset="0"/>
+              </a:rPr>
+              <a:t>t2 = </a:t>
+            </a:r>
+            <a:r>
+              <a:rPr lang="en-US" dirty="0" err="1" smtClean="0">
+                <a:latin typeface="Courier New" panose="02070309020205020404" pitchFamily="49" charset="0"/>
+                <a:cs typeface="Courier New" panose="02070309020205020404" pitchFamily="49" charset="0"/>
+              </a:rPr>
+              <a:t>std</a:t>
+            </a:r>
+            <a:r>
+              <a:rPr lang="en-US" dirty="0">
+                <a:latin typeface="Courier New" panose="02070309020205020404" pitchFamily="49" charset="0"/>
+                <a:cs typeface="Courier New" panose="02070309020205020404" pitchFamily="49" charset="0"/>
+              </a:rPr>
+              <a:t>::move(t1</a:t>
+            </a:r>
+            <a:r>
+              <a:rPr lang="en-US" dirty="0" smtClean="0">
+                <a:latin typeface="Courier New" panose="02070309020205020404" pitchFamily="49" charset="0"/>
+                <a:cs typeface="Courier New" panose="02070309020205020404" pitchFamily="49" charset="0"/>
+              </a:rPr>
+              <a:t>);</a:t>
+            </a:r>
+          </a:p>
+          <a:p>
+            <a:r>
+              <a:rPr lang="en-US" dirty="0" smtClean="0">
+                <a:latin typeface="Courier New" panose="02070309020205020404" pitchFamily="49" charset="0"/>
+                <a:cs typeface="Courier New" panose="02070309020205020404" pitchFamily="49" charset="0"/>
+              </a:rPr>
+              <a:t>t1 = </a:t>
+            </a:r>
+            <a:r>
+              <a:rPr lang="en-US" dirty="0" err="1" smtClean="0">
+                <a:latin typeface="Courier New" panose="02070309020205020404" pitchFamily="49" charset="0"/>
+                <a:cs typeface="Courier New" panose="02070309020205020404" pitchFamily="49" charset="0"/>
+              </a:rPr>
+              <a:t>std</a:t>
+            </a:r>
+            <a:r>
+              <a:rPr lang="en-US" dirty="0">
+                <a:latin typeface="Courier New" panose="02070309020205020404" pitchFamily="49" charset="0"/>
+                <a:cs typeface="Courier New" panose="02070309020205020404" pitchFamily="49" charset="0"/>
+              </a:rPr>
+              <a:t>::thread(g</a:t>
+            </a:r>
+            <a:r>
+              <a:rPr lang="en-US" dirty="0" smtClean="0">
+                <a:latin typeface="Courier New" panose="02070309020205020404" pitchFamily="49" charset="0"/>
+                <a:cs typeface="Courier New" panose="02070309020205020404" pitchFamily="49" charset="0"/>
+              </a:rPr>
+              <a:t>);</a:t>
+            </a:r>
+          </a:p>
+          <a:p>
+            <a:r>
+              <a:rPr lang="en-US" dirty="0" err="1" smtClean="0">
+                <a:latin typeface="Courier New" panose="02070309020205020404" pitchFamily="49" charset="0"/>
+                <a:cs typeface="Courier New" panose="02070309020205020404" pitchFamily="49" charset="0"/>
+              </a:rPr>
+              <a:t>std</a:t>
+            </a:r>
+            <a:r>
+              <a:rPr lang="en-US" dirty="0">
+                <a:latin typeface="Courier New" panose="02070309020205020404" pitchFamily="49" charset="0"/>
+                <a:cs typeface="Courier New" panose="02070309020205020404" pitchFamily="49" charset="0"/>
+              </a:rPr>
+              <a:t>::thread </a:t>
+            </a:r>
+            <a:r>
+              <a:rPr lang="en-US" dirty="0" smtClean="0">
+                <a:latin typeface="Courier New" panose="02070309020205020404" pitchFamily="49" charset="0"/>
+                <a:cs typeface="Courier New" panose="02070309020205020404" pitchFamily="49" charset="0"/>
+              </a:rPr>
+              <a:t>t3;</a:t>
+            </a:r>
+          </a:p>
+          <a:p>
+            <a:r>
+              <a:rPr lang="en-US" dirty="0" smtClean="0">
+                <a:latin typeface="Courier New" panose="02070309020205020404" pitchFamily="49" charset="0"/>
+                <a:cs typeface="Courier New" panose="02070309020205020404" pitchFamily="49" charset="0"/>
+              </a:rPr>
+              <a:t>t3 = </a:t>
+            </a:r>
+            <a:r>
+              <a:rPr lang="en-US" dirty="0" err="1" smtClean="0">
+                <a:latin typeface="Courier New" panose="02070309020205020404" pitchFamily="49" charset="0"/>
+                <a:cs typeface="Courier New" panose="02070309020205020404" pitchFamily="49" charset="0"/>
+              </a:rPr>
+              <a:t>std</a:t>
+            </a:r>
+            <a:r>
+              <a:rPr lang="en-US" dirty="0">
+                <a:latin typeface="Courier New" panose="02070309020205020404" pitchFamily="49" charset="0"/>
+                <a:cs typeface="Courier New" panose="02070309020205020404" pitchFamily="49" charset="0"/>
+              </a:rPr>
+              <a:t>::move(t2</a:t>
+            </a:r>
+            <a:r>
+              <a:rPr lang="en-US" dirty="0" smtClean="0">
+                <a:latin typeface="Courier New" panose="02070309020205020404" pitchFamily="49" charset="0"/>
+                <a:cs typeface="Courier New" panose="02070309020205020404" pitchFamily="49" charset="0"/>
+              </a:rPr>
+              <a:t>);</a:t>
+            </a:r>
+          </a:p>
+          <a:p>
+            <a:r>
+              <a:rPr lang="en-US" dirty="0" smtClean="0">
+                <a:latin typeface="Courier New" panose="02070309020205020404" pitchFamily="49" charset="0"/>
+                <a:cs typeface="Courier New" panose="02070309020205020404" pitchFamily="49" charset="0"/>
+              </a:rPr>
+              <a:t>t1 = </a:t>
+            </a:r>
+            <a:r>
+              <a:rPr lang="en-US" dirty="0" err="1" smtClean="0">
+                <a:latin typeface="Courier New" panose="02070309020205020404" pitchFamily="49" charset="0"/>
+                <a:cs typeface="Courier New" panose="02070309020205020404" pitchFamily="49" charset="0"/>
+              </a:rPr>
+              <a:t>std</a:t>
+            </a:r>
+            <a:r>
+              <a:rPr lang="en-US" dirty="0">
+                <a:latin typeface="Courier New" panose="02070309020205020404" pitchFamily="49" charset="0"/>
+                <a:cs typeface="Courier New" panose="02070309020205020404" pitchFamily="49" charset="0"/>
+              </a:rPr>
+              <a:t>::move(t3);</a:t>
+            </a:r>
+          </a:p>
+        </p:txBody>
+      </p:sp>
+      <p:sp>
+        <p:nvSpPr>
+          <p:cNvPr id="4" name="Slide Number Placeholder 3"/>
+          <p:cNvSpPr>
+            <a:spLocks noGrp="1"/>
+          </p:cNvSpPr>
+          <p:nvPr>
+            <p:ph type="sldNum" sz="quarter" idx="12"/>
+          </p:nvPr>
+        </p:nvSpPr>
+        <p:spPr/>
+        <p:txBody>
+          <a:bodyPr/>
+          <a:lstStyle/>
+          <a:p>
+            <a:fld id="{6DA12B36-9664-4CB0-8B2E-F4A2F44AE97E}" type="slidenum">
+              <a:rPr lang="en-US" smtClean="0"/>
+              <a:t>28</a:t>
+            </a:fld>
+            <a:endParaRPr lang="en-US"/>
+          </a:p>
+        </p:txBody>
+      </p:sp>
+      <p:sp>
+        <p:nvSpPr>
+          <p:cNvPr id="8" name="Footer Placeholder 7"/>
+          <p:cNvSpPr>
+            <a:spLocks noGrp="1"/>
+          </p:cNvSpPr>
+          <p:nvPr>
+            <p:ph type="ftr" sz="quarter" idx="11"/>
+          </p:nvPr>
+        </p:nvSpPr>
+        <p:spPr/>
+        <p:txBody>
+          <a:bodyPr/>
+          <a:lstStyle/>
+          <a:p>
+            <a:r>
+              <a:rPr lang="en-US" smtClean="0"/>
+              <a:t>Source: Williams, Chapter 2</a:t>
+            </a:r>
+            <a:endParaRPr lang="en-US"/>
+          </a:p>
+        </p:txBody>
+      </p:sp>
+    </p:spTree>
+    <p:extLst>
+      <p:ext uri="{BB962C8B-B14F-4D97-AF65-F5344CB8AC3E}">
+        <p14:creationId xmlns:p14="http://schemas.microsoft.com/office/powerpoint/2010/main" val="4249127050"/>
+      </p:ext>
+    </p:extLst>
+  </p:cSld>
+  <p:clrMapOvr>
+    <a:masterClrMapping/>
+  </p:clrMapOvr>
+  <p:timing>
+    <p:tnLst>
+      <p:par>
+        <p:cTn id="1" dur="indefinite" restart="never" nodeType="tmRoot">
+          <p:childTnLst>
+            <p:seq concurrent="1" nextAc="seek">
+              <p:cTn id="2" dur="indefinite" nodeType="mainSeq">
+                <p:childTnLst>
+                  <p:par>
+                    <p:cTn id="3" fill="hold">
+                      <p:stCondLst>
+                        <p:cond delay="indefinite"/>
+                      </p:stCondLst>
+                      <p:childTnLst>
+                        <p:par>
+                          <p:cTn id="4" fill="hold">
+                            <p:stCondLst>
+                              <p:cond delay="0"/>
+                            </p:stCondLst>
+                            <p:childTnLst>
+                              <p:par>
+                                <p:cTn id="5" presetID="1" presetClass="entr" presetSubtype="0" fill="hold" nodeType="clickEffect">
+                                  <p:stCondLst>
+                                    <p:cond delay="0"/>
+                                  </p:stCondLst>
+                                  <p:childTnLst>
+                                    <p:set>
+                                      <p:cBhvr>
+                                        <p:cTn id="6" dur="1" fill="hold">
+                                          <p:stCondLst>
+                                            <p:cond delay="0"/>
+                                          </p:stCondLst>
+                                        </p:cTn>
+                                        <p:tgtEl>
+                                          <p:spTgt spid="3">
+                                            <p:txEl>
+                                              <p:pRg st="3" end="3"/>
+                                            </p:txEl>
+                                          </p:spTgt>
+                                        </p:tgtEl>
+                                        <p:attrNameLst>
+                                          <p:attrName>style.visibility</p:attrName>
+                                        </p:attrNameLst>
+                                      </p:cBhvr>
+                                      <p:to>
+                                        <p:strVal val="visible"/>
+                                      </p:to>
+                                    </p:set>
+                                  </p:childTnLst>
+                                </p:cTn>
+                              </p:par>
+                            </p:childTnLst>
+                          </p:cTn>
+                        </p:par>
+                      </p:childTnLst>
+                    </p:cTn>
+                  </p:par>
+                  <p:par>
+                    <p:cTn id="7" fill="hold">
+                      <p:stCondLst>
+                        <p:cond delay="indefinite"/>
+                      </p:stCondLst>
+                      <p:childTnLst>
+                        <p:par>
+                          <p:cTn id="8" fill="hold">
+                            <p:stCondLst>
+                              <p:cond delay="0"/>
+                            </p:stCondLst>
+                            <p:childTnLst>
+                              <p:par>
+                                <p:cTn id="9" presetID="1" presetClass="entr" presetSubtype="0" fill="hold" nodeType="clickEffect">
+                                  <p:stCondLst>
+                                    <p:cond delay="0"/>
+                                  </p:stCondLst>
+                                  <p:childTnLst>
+                                    <p:set>
+                                      <p:cBhvr>
+                                        <p:cTn id="10" dur="1" fill="hold">
+                                          <p:stCondLst>
+                                            <p:cond delay="0"/>
+                                          </p:stCondLst>
+                                        </p:cTn>
+                                        <p:tgtEl>
+                                          <p:spTgt spid="3">
+                                            <p:txEl>
+                                              <p:pRg st="4" end="4"/>
+                                            </p:txEl>
+                                          </p:spTgt>
+                                        </p:tgtEl>
+                                        <p:attrNameLst>
+                                          <p:attrName>style.visibility</p:attrName>
+                                        </p:attrNameLst>
+                                      </p:cBhvr>
+                                      <p:to>
+                                        <p:strVal val="visible"/>
+                                      </p:to>
+                                    </p:set>
+                                  </p:childTnLst>
+                                </p:cTn>
+                              </p:par>
+                            </p:childTnLst>
+                          </p:cTn>
+                        </p:par>
+                      </p:childTnLst>
+                    </p:cTn>
+                  </p:par>
+                  <p:par>
+                    <p:cTn id="11" fill="hold">
+                      <p:stCondLst>
+                        <p:cond delay="indefinite"/>
+                      </p:stCondLst>
+                      <p:childTnLst>
+                        <p:par>
+                          <p:cTn id="12" fill="hold">
+                            <p:stCondLst>
+                              <p:cond delay="0"/>
+                            </p:stCondLst>
+                            <p:childTnLst>
+                              <p:par>
+                                <p:cTn id="13" presetID="1" presetClass="entr" presetSubtype="0" fill="hold" nodeType="clickEffect">
+                                  <p:stCondLst>
+                                    <p:cond delay="0"/>
+                                  </p:stCondLst>
+                                  <p:childTnLst>
+                                    <p:set>
+                                      <p:cBhvr>
+                                        <p:cTn id="14" dur="1" fill="hold">
+                                          <p:stCondLst>
+                                            <p:cond delay="0"/>
+                                          </p:stCondLst>
+                                        </p:cTn>
+                                        <p:tgtEl>
+                                          <p:spTgt spid="3">
+                                            <p:txEl>
+                                              <p:pRg st="5" end="5"/>
+                                            </p:txEl>
+                                          </p:spTgt>
+                                        </p:tgtEl>
+                                        <p:attrNameLst>
+                                          <p:attrName>style.visibility</p:attrName>
+                                        </p:attrNameLst>
+                                      </p:cBhvr>
+                                      <p:to>
+                                        <p:strVal val="visible"/>
+                                      </p:to>
+                                    </p:set>
+                                  </p:childTnLst>
+                                </p:cTn>
+                              </p:par>
+                            </p:childTnLst>
+                          </p:cTn>
+                        </p:par>
+                      </p:childTnLst>
+                    </p:cTn>
+                  </p:par>
+                  <p:par>
+                    <p:cTn id="15" fill="hold">
+                      <p:stCondLst>
+                        <p:cond delay="indefinite"/>
+                      </p:stCondLst>
+                      <p:childTnLst>
+                        <p:par>
+                          <p:cTn id="16" fill="hold">
+                            <p:stCondLst>
+                              <p:cond delay="0"/>
+                            </p:stCondLst>
+                            <p:childTnLst>
+                              <p:par>
+                                <p:cTn id="17" presetID="1" presetClass="entr" presetSubtype="0" fill="hold" nodeType="clickEffect">
+                                  <p:stCondLst>
+                                    <p:cond delay="0"/>
+                                  </p:stCondLst>
+                                  <p:childTnLst>
+                                    <p:set>
+                                      <p:cBhvr>
+                                        <p:cTn id="18" dur="1" fill="hold">
+                                          <p:stCondLst>
+                                            <p:cond delay="0"/>
+                                          </p:stCondLst>
+                                        </p:cTn>
+                                        <p:tgtEl>
+                                          <p:spTgt spid="3">
+                                            <p:txEl>
+                                              <p:pRg st="6" end="6"/>
+                                            </p:txEl>
+                                          </p:spTgt>
+                                        </p:tgtEl>
+                                        <p:attrNameLst>
+                                          <p:attrName>style.visibility</p:attrName>
+                                        </p:attrNameLst>
+                                      </p:cBhvr>
+                                      <p:to>
+                                        <p:strVal val="visible"/>
+                                      </p:to>
+                                    </p:set>
+                                  </p:childTnLst>
+                                </p:cTn>
+                              </p:par>
+                            </p:childTnLst>
+                          </p:cTn>
+                        </p:par>
+                      </p:childTnLst>
+                    </p:cTn>
+                  </p:par>
+                  <p:par>
+                    <p:cTn id="19" fill="hold">
+                      <p:stCondLst>
+                        <p:cond delay="indefinite"/>
+                      </p:stCondLst>
+                      <p:childTnLst>
+                        <p:par>
+                          <p:cTn id="20" fill="hold">
+                            <p:stCondLst>
+                              <p:cond delay="0"/>
+                            </p:stCondLst>
+                            <p:childTnLst>
+                              <p:par>
+                                <p:cTn id="21" presetID="1" presetClass="entr" presetSubtype="0" fill="hold" nodeType="clickEffect">
+                                  <p:stCondLst>
+                                    <p:cond delay="0"/>
+                                  </p:stCondLst>
+                                  <p:childTnLst>
+                                    <p:set>
+                                      <p:cBhvr>
+                                        <p:cTn id="22" dur="1" fill="hold">
+                                          <p:stCondLst>
+                                            <p:cond delay="0"/>
+                                          </p:stCondLst>
+                                        </p:cTn>
+                                        <p:tgtEl>
+                                          <p:spTgt spid="3">
+                                            <p:txEl>
+                                              <p:pRg st="7" end="7"/>
+                                            </p:txEl>
+                                          </p:spTgt>
+                                        </p:tgtEl>
+                                        <p:attrNameLst>
+                                          <p:attrName>style.visibility</p:attrName>
+                                        </p:attrNameLst>
+                                      </p:cBhvr>
+                                      <p:to>
+                                        <p:strVal val="visible"/>
+                                      </p:to>
+                                    </p:set>
+                                  </p:childTnLst>
+                                </p:cTn>
+                              </p:par>
+                            </p:childTnLst>
+                          </p:cTn>
+                        </p:par>
+                      </p:childTnLst>
+                    </p:cTn>
+                  </p:par>
+                  <p:par>
+                    <p:cTn id="23" fill="hold">
+                      <p:stCondLst>
+                        <p:cond delay="indefinite"/>
+                      </p:stCondLst>
+                      <p:childTnLst>
+                        <p:par>
+                          <p:cTn id="24" fill="hold">
+                            <p:stCondLst>
+                              <p:cond delay="0"/>
+                            </p:stCondLst>
+                            <p:childTnLst>
+                              <p:par>
+                                <p:cTn id="25" presetID="1" presetClass="entr" presetSubtype="0" fill="hold" nodeType="clickEffect">
+                                  <p:stCondLst>
+                                    <p:cond delay="0"/>
+                                  </p:stCondLst>
+                                  <p:childTnLst>
+                                    <p:set>
+                                      <p:cBhvr>
+                                        <p:cTn id="26" dur="1" fill="hold">
+                                          <p:stCondLst>
+                                            <p:cond delay="0"/>
+                                          </p:stCondLst>
+                                        </p:cTn>
+                                        <p:tgtEl>
+                                          <p:spTgt spid="3">
+                                            <p:txEl>
+                                              <p:pRg st="8" end="8"/>
+                                            </p:txEl>
+                                          </p:spTgt>
+                                        </p:tgtEl>
+                                        <p:attrNameLst>
+                                          <p:attrName>style.visibility</p:attrName>
+                                        </p:attrNameLst>
+                                      </p:cBhvr>
+                                      <p:to>
+                                        <p:strVal val="visible"/>
+                                      </p:to>
+                                    </p:set>
+                                  </p:childTnLst>
+                                </p:cTn>
+                              </p:par>
+                            </p:childTnLst>
+                          </p:cTn>
+                        </p:par>
+                      </p:childTnLst>
+                    </p:cTn>
+                  </p:par>
+                </p:childTnLst>
+              </p:cTn>
+              <p:prevCondLst>
+                <p:cond evt="onPrev" delay="0">
+                  <p:tgtEl>
+                    <p:sldTgt/>
+                  </p:tgtEl>
+                </p:cond>
+              </p:prevCondLst>
+              <p:nextCondLst>
+                <p:cond evt="onNext" delay="0">
+                  <p:tgtEl>
+                    <p:sldTgt/>
+                  </p:tgtEl>
+                </p:cond>
+              </p:nextCondLst>
+            </p:seq>
+          </p:childTnLst>
+        </p:cTn>
+      </p:par>
+    </p:tnLst>
+  </p:timing>
+</p:sld>
+</file>
+
+<file path=ppt/slides/slide29.xml><?xml version="1.0" encoding="utf-8"?>
+<p:sld xmlns:a="http://schemas.openxmlformats.org/drawingml/2006/main" xmlns:r="http://schemas.openxmlformats.org/officeDocument/2006/relationships" xmlns:p="http://schemas.openxmlformats.org/presentationml/2006/main">
+  <p:cSld>
+    <p:spTree>
+      <p:nvGrpSpPr>
+        <p:cNvPr id="1" name=""/>
+        <p:cNvGrpSpPr/>
+        <p:nvPr/>
+      </p:nvGrpSpPr>
+      <p:grpSpPr>
+        <a:xfrm>
+          <a:off x="0" y="0"/>
+          <a:ext cx="0" cy="0"/>
+          <a:chOff x="0" y="0"/>
+          <a:chExt cx="0" cy="0"/>
+        </a:xfrm>
+      </p:grpSpPr>
+      <p:sp>
+        <p:nvSpPr>
+          <p:cNvPr id="2" name="Title 1"/>
+          <p:cNvSpPr>
+            <a:spLocks noGrp="1"/>
+          </p:cNvSpPr>
+          <p:nvPr>
+            <p:ph type="title"/>
+          </p:nvPr>
+        </p:nvSpPr>
+        <p:spPr/>
+        <p:txBody>
+          <a:bodyPr/>
+          <a:lstStyle/>
+          <a:p>
+            <a:r>
+              <a:rPr lang="en-US" dirty="0" smtClean="0"/>
+              <a:t>A better RAII Manager</a:t>
+            </a:r>
+            <a:endParaRPr lang="en-US" dirty="0"/>
+          </a:p>
+        </p:txBody>
+      </p:sp>
+      <p:sp>
+        <p:nvSpPr>
+          <p:cNvPr id="3" name="Content Placeholder 2"/>
+          <p:cNvSpPr>
+            <a:spLocks noGrp="1"/>
+          </p:cNvSpPr>
+          <p:nvPr>
+            <p:ph idx="1"/>
+          </p:nvPr>
+        </p:nvSpPr>
+        <p:spPr>
+          <a:xfrm>
+            <a:off x="457200" y="1676400"/>
+            <a:ext cx="7620000" cy="4373563"/>
+          </a:xfrm>
+        </p:spPr>
+        <p:txBody>
+          <a:bodyPr>
+            <a:normAutofit fontScale="92500" lnSpcReduction="20000"/>
+          </a:bodyPr>
+          <a:lstStyle/>
+          <a:p>
+            <a:r>
+              <a:rPr lang="en-US" dirty="0">
+                <a:solidFill>
+                  <a:srgbClr val="7F0055"/>
+                </a:solidFill>
+                <a:latin typeface="Courier New" panose="02070309020205020404" pitchFamily="49" charset="0"/>
+                <a:cs typeface="Courier New" panose="02070309020205020404" pitchFamily="49" charset="0"/>
+              </a:rPr>
+              <a:t>class</a:t>
+            </a:r>
+            <a:r>
+              <a:rPr lang="en-US" dirty="0">
+                <a:latin typeface="Courier New" panose="02070309020205020404" pitchFamily="49" charset="0"/>
+                <a:cs typeface="Courier New" panose="02070309020205020404" pitchFamily="49" charset="0"/>
+              </a:rPr>
+              <a:t> guard {</a:t>
+            </a:r>
+          </a:p>
+          <a:p>
+            <a:r>
+              <a:rPr lang="en-US" dirty="0">
+                <a:latin typeface="Courier New" panose="02070309020205020404" pitchFamily="49" charset="0"/>
+                <a:cs typeface="Courier New" panose="02070309020205020404" pitchFamily="49" charset="0"/>
+              </a:rPr>
+              <a:t>  </a:t>
+            </a:r>
+            <a:r>
+              <a:rPr lang="en-US" dirty="0" err="1">
+                <a:solidFill>
+                  <a:srgbClr val="FF0000"/>
+                </a:solidFill>
+                <a:latin typeface="Courier New" panose="02070309020205020404" pitchFamily="49" charset="0"/>
+                <a:cs typeface="Courier New" panose="02070309020205020404" pitchFamily="49" charset="0"/>
+              </a:rPr>
+              <a:t>std</a:t>
+            </a:r>
+            <a:r>
+              <a:rPr lang="en-US" dirty="0">
+                <a:solidFill>
+                  <a:srgbClr val="FF0000"/>
+                </a:solidFill>
+                <a:latin typeface="Courier New" panose="02070309020205020404" pitchFamily="49" charset="0"/>
+                <a:cs typeface="Courier New" panose="02070309020205020404" pitchFamily="49" charset="0"/>
+              </a:rPr>
+              <a:t>::</a:t>
+            </a:r>
+            <a:r>
+              <a:rPr lang="en-US" dirty="0" smtClean="0">
+                <a:solidFill>
+                  <a:srgbClr val="FF0000"/>
+                </a:solidFill>
+                <a:latin typeface="Courier New" panose="02070309020205020404" pitchFamily="49" charset="0"/>
+                <a:cs typeface="Courier New" panose="02070309020205020404" pitchFamily="49" charset="0"/>
+              </a:rPr>
+              <a:t>thread </a:t>
+            </a:r>
+            <a:r>
+              <a:rPr lang="en-US" dirty="0">
+                <a:solidFill>
+                  <a:srgbClr val="FF0000"/>
+                </a:solidFill>
+                <a:latin typeface="Courier New" panose="02070309020205020404" pitchFamily="49" charset="0"/>
+                <a:cs typeface="Courier New" panose="02070309020205020404" pitchFamily="49" charset="0"/>
+              </a:rPr>
+              <a:t>t_;</a:t>
+            </a:r>
+          </a:p>
+          <a:p>
+            <a:r>
+              <a:rPr lang="en-US" dirty="0">
+                <a:solidFill>
+                  <a:srgbClr val="7F0055"/>
+                </a:solidFill>
+                <a:latin typeface="Courier New" panose="02070309020205020404" pitchFamily="49" charset="0"/>
+                <a:cs typeface="Courier New" panose="02070309020205020404" pitchFamily="49" charset="0"/>
+              </a:rPr>
+              <a:t>public</a:t>
+            </a:r>
+            <a:r>
+              <a:rPr lang="en-US" dirty="0">
+                <a:latin typeface="Courier New" panose="02070309020205020404" pitchFamily="49" charset="0"/>
+                <a:cs typeface="Courier New" panose="02070309020205020404" pitchFamily="49" charset="0"/>
+              </a:rPr>
+              <a:t>:</a:t>
+            </a:r>
+          </a:p>
+          <a:p>
+            <a:r>
+              <a:rPr lang="en-US" dirty="0">
+                <a:solidFill>
+                  <a:srgbClr val="7F0055"/>
+                </a:solidFill>
+                <a:latin typeface="Courier New" panose="02070309020205020404" pitchFamily="49" charset="0"/>
+                <a:cs typeface="Courier New" panose="02070309020205020404" pitchFamily="49" charset="0"/>
+              </a:rPr>
+              <a:t>  explicit</a:t>
+            </a:r>
+            <a:r>
+              <a:rPr lang="en-US" dirty="0">
+                <a:latin typeface="Courier New" panose="02070309020205020404" pitchFamily="49" charset="0"/>
+                <a:cs typeface="Courier New" panose="02070309020205020404" pitchFamily="49" charset="0"/>
+              </a:rPr>
+              <a:t> guard(</a:t>
+            </a:r>
+            <a:r>
+              <a:rPr lang="en-US" dirty="0" err="1">
+                <a:latin typeface="Courier New" panose="02070309020205020404" pitchFamily="49" charset="0"/>
+                <a:cs typeface="Courier New" panose="02070309020205020404" pitchFamily="49" charset="0"/>
+              </a:rPr>
+              <a:t>std</a:t>
+            </a:r>
+            <a:r>
+              <a:rPr lang="en-US" dirty="0">
+                <a:latin typeface="Courier New" panose="02070309020205020404" pitchFamily="49" charset="0"/>
+                <a:cs typeface="Courier New" panose="02070309020205020404" pitchFamily="49" charset="0"/>
+              </a:rPr>
+              <a:t>::</a:t>
+            </a:r>
+            <a:r>
+              <a:rPr lang="en-US" dirty="0" smtClean="0">
+                <a:latin typeface="Courier New" panose="02070309020205020404" pitchFamily="49" charset="0"/>
+                <a:cs typeface="Courier New" panose="02070309020205020404" pitchFamily="49" charset="0"/>
+              </a:rPr>
+              <a:t>thread </a:t>
+            </a:r>
+            <a:r>
+              <a:rPr lang="en-US" dirty="0">
+                <a:latin typeface="Courier New" panose="02070309020205020404" pitchFamily="49" charset="0"/>
+                <a:cs typeface="Courier New" panose="02070309020205020404" pitchFamily="49" charset="0"/>
+              </a:rPr>
+              <a:t>t</a:t>
+            </a:r>
+            <a:r>
+              <a:rPr lang="en-US" dirty="0" smtClean="0">
+                <a:latin typeface="Courier New" panose="02070309020205020404" pitchFamily="49" charset="0"/>
+                <a:cs typeface="Courier New" panose="02070309020205020404" pitchFamily="49" charset="0"/>
+              </a:rPr>
+              <a:t>):</a:t>
+            </a:r>
+          </a:p>
+          <a:p>
+            <a:r>
+              <a:rPr lang="en-US" dirty="0">
+                <a:latin typeface="Courier New" panose="02070309020205020404" pitchFamily="49" charset="0"/>
+                <a:cs typeface="Courier New" panose="02070309020205020404" pitchFamily="49" charset="0"/>
+              </a:rPr>
+              <a:t> </a:t>
+            </a:r>
+            <a:r>
+              <a:rPr lang="en-US" dirty="0" smtClean="0">
+                <a:latin typeface="Courier New" panose="02070309020205020404" pitchFamily="49" charset="0"/>
+                <a:cs typeface="Courier New" panose="02070309020205020404" pitchFamily="49" charset="0"/>
+              </a:rPr>
+              <a:t>   t_(</a:t>
+            </a:r>
+            <a:r>
+              <a:rPr lang="en-US" dirty="0" err="1" smtClean="0">
+                <a:solidFill>
+                  <a:srgbClr val="FF0000"/>
+                </a:solidFill>
+                <a:latin typeface="Courier New" panose="02070309020205020404" pitchFamily="49" charset="0"/>
+                <a:cs typeface="Courier New" panose="02070309020205020404" pitchFamily="49" charset="0"/>
+              </a:rPr>
+              <a:t>std</a:t>
+            </a:r>
+            <a:r>
+              <a:rPr lang="en-US" dirty="0" smtClean="0">
+                <a:solidFill>
+                  <a:srgbClr val="FF0000"/>
+                </a:solidFill>
+                <a:latin typeface="Courier New" panose="02070309020205020404" pitchFamily="49" charset="0"/>
+                <a:cs typeface="Courier New" panose="02070309020205020404" pitchFamily="49" charset="0"/>
+              </a:rPr>
+              <a:t>::move(t)</a:t>
+            </a:r>
+            <a:r>
+              <a:rPr lang="en-US" dirty="0" smtClean="0">
+                <a:latin typeface="Courier New" panose="02070309020205020404" pitchFamily="49" charset="0"/>
+                <a:cs typeface="Courier New" panose="02070309020205020404" pitchFamily="49" charset="0"/>
+              </a:rPr>
+              <a:t>){</a:t>
+            </a:r>
+          </a:p>
+          <a:p>
+            <a:r>
+              <a:rPr lang="en-US" dirty="0" smtClean="0">
+                <a:latin typeface="Courier New" panose="02070309020205020404" pitchFamily="49" charset="0"/>
+                <a:cs typeface="Courier New" panose="02070309020205020404" pitchFamily="49" charset="0"/>
+              </a:rPr>
+              <a:t>      </a:t>
+            </a:r>
+            <a:r>
+              <a:rPr lang="en-US" dirty="0" smtClean="0">
+                <a:solidFill>
+                  <a:srgbClr val="7F0055"/>
+                </a:solidFill>
+                <a:latin typeface="Courier New" panose="02070309020205020404" pitchFamily="49" charset="0"/>
+                <a:cs typeface="Courier New" panose="02070309020205020404" pitchFamily="49" charset="0"/>
+              </a:rPr>
+              <a:t>if</a:t>
+            </a:r>
+            <a:r>
+              <a:rPr lang="en-US" dirty="0" smtClean="0">
+                <a:latin typeface="Courier New" panose="02070309020205020404" pitchFamily="49" charset="0"/>
+                <a:cs typeface="Courier New" panose="02070309020205020404" pitchFamily="49" charset="0"/>
+              </a:rPr>
+              <a:t> </a:t>
+            </a:r>
+            <a:r>
+              <a:rPr lang="en-US" dirty="0">
+                <a:latin typeface="Courier New" panose="02070309020205020404" pitchFamily="49" charset="0"/>
+                <a:cs typeface="Courier New" panose="02070309020205020404" pitchFamily="49" charset="0"/>
+              </a:rPr>
+              <a:t>(</a:t>
+            </a:r>
+            <a:r>
+              <a:rPr lang="en-US" dirty="0" err="1">
+                <a:latin typeface="Courier New" panose="02070309020205020404" pitchFamily="49" charset="0"/>
+                <a:cs typeface="Courier New" panose="02070309020205020404" pitchFamily="49" charset="0"/>
+              </a:rPr>
+              <a:t>t_.joinable</a:t>
+            </a:r>
+            <a:r>
+              <a:rPr lang="en-US" dirty="0" smtClean="0">
+                <a:latin typeface="Courier New" panose="02070309020205020404" pitchFamily="49" charset="0"/>
+                <a:cs typeface="Courier New" panose="02070309020205020404" pitchFamily="49" charset="0"/>
+              </a:rPr>
+              <a:t>())</a:t>
+            </a:r>
+            <a:endParaRPr lang="en-US" dirty="0" smtClean="0">
+              <a:solidFill>
+                <a:srgbClr val="7F0055"/>
+              </a:solidFill>
+              <a:latin typeface="Courier New" panose="02070309020205020404" pitchFamily="49" charset="0"/>
+              <a:cs typeface="Courier New" panose="02070309020205020404" pitchFamily="49" charset="0"/>
+            </a:endParaRPr>
+          </a:p>
+          <a:p>
+            <a:r>
+              <a:rPr lang="en-US" dirty="0">
+                <a:solidFill>
+                  <a:srgbClr val="7F0055"/>
+                </a:solidFill>
+                <a:latin typeface="Courier New" panose="02070309020205020404" pitchFamily="49" charset="0"/>
+                <a:cs typeface="Courier New" panose="02070309020205020404" pitchFamily="49" charset="0"/>
+              </a:rPr>
+              <a:t> </a:t>
+            </a:r>
+            <a:r>
+              <a:rPr lang="en-US" dirty="0" smtClean="0">
+                <a:solidFill>
+                  <a:srgbClr val="7F0055"/>
+                </a:solidFill>
+                <a:latin typeface="Courier New" panose="02070309020205020404" pitchFamily="49" charset="0"/>
+                <a:cs typeface="Courier New" panose="02070309020205020404" pitchFamily="49" charset="0"/>
+              </a:rPr>
+              <a:t>       throw</a:t>
+            </a:r>
+            <a:r>
+              <a:rPr lang="en-US" dirty="0" smtClean="0">
+                <a:latin typeface="Courier New" panose="02070309020205020404" pitchFamily="49" charset="0"/>
+                <a:cs typeface="Courier New" panose="02070309020205020404" pitchFamily="49" charset="0"/>
+              </a:rPr>
+              <a:t> </a:t>
+            </a:r>
+            <a:r>
+              <a:rPr lang="en-US" dirty="0" err="1">
+                <a:latin typeface="Courier New" panose="02070309020205020404" pitchFamily="49" charset="0"/>
+                <a:cs typeface="Courier New" panose="02070309020205020404" pitchFamily="49" charset="0"/>
+              </a:rPr>
+              <a:t>std</a:t>
+            </a:r>
+            <a:r>
+              <a:rPr lang="en-US" dirty="0">
+                <a:latin typeface="Courier New" panose="02070309020205020404" pitchFamily="49" charset="0"/>
+                <a:cs typeface="Courier New" panose="02070309020205020404" pitchFamily="49" charset="0"/>
+              </a:rPr>
+              <a:t>::</a:t>
+            </a:r>
+            <a:r>
+              <a:rPr lang="en-US" dirty="0" err="1">
+                <a:solidFill>
+                  <a:srgbClr val="7F0055"/>
+                </a:solidFill>
+                <a:latin typeface="Courier New" panose="02070309020205020404" pitchFamily="49" charset="0"/>
+                <a:cs typeface="Courier New" panose="02070309020205020404" pitchFamily="49" charset="0"/>
+              </a:rPr>
+              <a:t>logic_error</a:t>
+            </a:r>
+            <a:r>
+              <a:rPr lang="en-US" dirty="0">
+                <a:latin typeface="Courier New" panose="02070309020205020404" pitchFamily="49" charset="0"/>
+                <a:cs typeface="Courier New" panose="02070309020205020404" pitchFamily="49" charset="0"/>
+              </a:rPr>
+              <a:t>(</a:t>
+            </a:r>
+            <a:r>
+              <a:rPr lang="en-US" dirty="0">
+                <a:solidFill>
+                  <a:srgbClr val="2A00FF"/>
+                </a:solidFill>
+                <a:latin typeface="Courier New" panose="02070309020205020404" pitchFamily="49" charset="0"/>
+                <a:cs typeface="Courier New" panose="02070309020205020404" pitchFamily="49" charset="0"/>
+              </a:rPr>
+              <a:t>"No thread</a:t>
+            </a:r>
+            <a:r>
+              <a:rPr lang="en-US" dirty="0" smtClean="0">
+                <a:solidFill>
+                  <a:srgbClr val="2A00FF"/>
+                </a:solidFill>
+                <a:latin typeface="Courier New" panose="02070309020205020404" pitchFamily="49" charset="0"/>
+                <a:cs typeface="Courier New" panose="02070309020205020404" pitchFamily="49" charset="0"/>
+              </a:rPr>
+              <a:t>"</a:t>
+            </a:r>
+            <a:r>
+              <a:rPr lang="en-US" dirty="0" smtClean="0">
+                <a:latin typeface="Courier New" panose="02070309020205020404" pitchFamily="49" charset="0"/>
+                <a:cs typeface="Courier New" panose="02070309020205020404" pitchFamily="49" charset="0"/>
+              </a:rPr>
+              <a:t>);</a:t>
+            </a:r>
+          </a:p>
+          <a:p>
+            <a:r>
+              <a:rPr lang="en-US" dirty="0">
+                <a:latin typeface="Courier New" panose="02070309020205020404" pitchFamily="49" charset="0"/>
+                <a:cs typeface="Courier New" panose="02070309020205020404" pitchFamily="49" charset="0"/>
+              </a:rPr>
+              <a:t> </a:t>
+            </a:r>
+            <a:r>
+              <a:rPr lang="en-US" dirty="0" smtClean="0">
+                <a:latin typeface="Courier New" panose="02070309020205020404" pitchFamily="49" charset="0"/>
+                <a:cs typeface="Courier New" panose="02070309020205020404" pitchFamily="49" charset="0"/>
+              </a:rPr>
+              <a:t>   }</a:t>
+            </a:r>
+            <a:endParaRPr lang="en-US" dirty="0">
+              <a:latin typeface="Courier New" panose="02070309020205020404" pitchFamily="49" charset="0"/>
+              <a:cs typeface="Courier New" panose="02070309020205020404" pitchFamily="49" charset="0"/>
+            </a:endParaRPr>
+          </a:p>
+          <a:p>
+            <a:r>
+              <a:rPr lang="en-US" dirty="0">
+                <a:latin typeface="Courier New" panose="02070309020205020404" pitchFamily="49" charset="0"/>
+                <a:cs typeface="Courier New" panose="02070309020205020404" pitchFamily="49" charset="0"/>
+              </a:rPr>
+              <a:t>  ~guard() </a:t>
+            </a:r>
+            <a:r>
+              <a:rPr lang="en-US" dirty="0" smtClean="0">
+                <a:latin typeface="Courier New" panose="02070309020205020404" pitchFamily="49" charset="0"/>
+                <a:cs typeface="Courier New" panose="02070309020205020404" pitchFamily="49" charset="0"/>
+              </a:rPr>
+              <a:t>{ </a:t>
+            </a:r>
+            <a:r>
+              <a:rPr lang="en-US" dirty="0" err="1" smtClean="0">
+                <a:latin typeface="Courier New" panose="02070309020205020404" pitchFamily="49" charset="0"/>
+                <a:cs typeface="Courier New" panose="02070309020205020404" pitchFamily="49" charset="0"/>
+              </a:rPr>
+              <a:t>t.join</a:t>
+            </a:r>
+            <a:r>
+              <a:rPr lang="en-US" dirty="0" smtClean="0">
+                <a:latin typeface="Courier New" panose="02070309020205020404" pitchFamily="49" charset="0"/>
+                <a:cs typeface="Courier New" panose="02070309020205020404" pitchFamily="49" charset="0"/>
+              </a:rPr>
+              <a:t>(); </a:t>
+            </a:r>
+            <a:r>
+              <a:rPr lang="en-US" dirty="0">
+                <a:latin typeface="Courier New" panose="02070309020205020404" pitchFamily="49" charset="0"/>
+                <a:cs typeface="Courier New" panose="02070309020205020404" pitchFamily="49" charset="0"/>
+              </a:rPr>
+              <a:t>}</a:t>
+            </a:r>
+          </a:p>
+          <a:p>
+            <a:r>
+              <a:rPr lang="en-US" dirty="0">
+                <a:latin typeface="Courier New" panose="02070309020205020404" pitchFamily="49" charset="0"/>
+                <a:cs typeface="Courier New" panose="02070309020205020404" pitchFamily="49" charset="0"/>
+              </a:rPr>
+              <a:t>  guard(guard </a:t>
+            </a:r>
+            <a:r>
+              <a:rPr lang="en-US" dirty="0" err="1">
+                <a:solidFill>
+                  <a:srgbClr val="7F0055"/>
+                </a:solidFill>
+                <a:latin typeface="Courier New" panose="02070309020205020404" pitchFamily="49" charset="0"/>
+                <a:cs typeface="Courier New" panose="02070309020205020404" pitchFamily="49" charset="0"/>
+              </a:rPr>
+              <a:t>const</a:t>
+            </a:r>
+            <a:r>
+              <a:rPr lang="en-US" dirty="0">
+                <a:latin typeface="Courier New" panose="02070309020205020404" pitchFamily="49" charset="0"/>
+                <a:cs typeface="Courier New" panose="02070309020205020404" pitchFamily="49" charset="0"/>
+              </a:rPr>
+              <a:t>&amp;) = </a:t>
+            </a:r>
+            <a:r>
+              <a:rPr lang="en-US" dirty="0">
+                <a:solidFill>
+                  <a:srgbClr val="7F0055"/>
+                </a:solidFill>
+                <a:latin typeface="Courier New" panose="02070309020205020404" pitchFamily="49" charset="0"/>
+                <a:cs typeface="Courier New" panose="02070309020205020404" pitchFamily="49" charset="0"/>
+              </a:rPr>
+              <a:t>delete</a:t>
+            </a:r>
+            <a:r>
+              <a:rPr lang="en-US" dirty="0">
+                <a:latin typeface="Courier New" panose="02070309020205020404" pitchFamily="49" charset="0"/>
+                <a:cs typeface="Courier New" panose="02070309020205020404" pitchFamily="49" charset="0"/>
+              </a:rPr>
+              <a:t>;</a:t>
+            </a:r>
+          </a:p>
+          <a:p>
+            <a:r>
+              <a:rPr lang="en-US" dirty="0">
+                <a:latin typeface="Courier New" panose="02070309020205020404" pitchFamily="49" charset="0"/>
+                <a:cs typeface="Courier New" panose="02070309020205020404" pitchFamily="49" charset="0"/>
+              </a:rPr>
+              <a:t>  guard&amp; </a:t>
+            </a:r>
+            <a:r>
+              <a:rPr lang="en-US" dirty="0">
+                <a:solidFill>
+                  <a:srgbClr val="7F0055"/>
+                </a:solidFill>
+                <a:latin typeface="Courier New" panose="02070309020205020404" pitchFamily="49" charset="0"/>
+                <a:cs typeface="Courier New" panose="02070309020205020404" pitchFamily="49" charset="0"/>
+              </a:rPr>
+              <a:t>operator</a:t>
+            </a:r>
+            <a:r>
+              <a:rPr lang="en-US" dirty="0">
+                <a:latin typeface="Courier New" panose="02070309020205020404" pitchFamily="49" charset="0"/>
+                <a:cs typeface="Courier New" panose="02070309020205020404" pitchFamily="49" charset="0"/>
+              </a:rPr>
+              <a:t>=(guard </a:t>
+            </a:r>
+            <a:r>
+              <a:rPr lang="en-US" dirty="0" err="1">
+                <a:solidFill>
+                  <a:srgbClr val="7F0055"/>
+                </a:solidFill>
+                <a:latin typeface="Courier New" panose="02070309020205020404" pitchFamily="49" charset="0"/>
+                <a:cs typeface="Courier New" panose="02070309020205020404" pitchFamily="49" charset="0"/>
+              </a:rPr>
+              <a:t>const</a:t>
+            </a:r>
+            <a:r>
+              <a:rPr lang="en-US" dirty="0">
+                <a:latin typeface="Courier New" panose="02070309020205020404" pitchFamily="49" charset="0"/>
+                <a:cs typeface="Courier New" panose="02070309020205020404" pitchFamily="49" charset="0"/>
+              </a:rPr>
+              <a:t>&amp;) = </a:t>
+            </a:r>
+            <a:r>
+              <a:rPr lang="en-US" dirty="0">
+                <a:solidFill>
+                  <a:srgbClr val="7F0055"/>
+                </a:solidFill>
+                <a:latin typeface="Courier New" panose="02070309020205020404" pitchFamily="49" charset="0"/>
+                <a:cs typeface="Courier New" panose="02070309020205020404" pitchFamily="49" charset="0"/>
+              </a:rPr>
+              <a:t>delete</a:t>
+            </a:r>
+            <a:r>
+              <a:rPr lang="en-US" dirty="0">
+                <a:latin typeface="Courier New" panose="02070309020205020404" pitchFamily="49" charset="0"/>
+                <a:cs typeface="Courier New" panose="02070309020205020404" pitchFamily="49" charset="0"/>
+              </a:rPr>
+              <a:t>;</a:t>
+            </a:r>
+          </a:p>
+          <a:p>
+            <a:r>
+              <a:rPr lang="en-US" dirty="0" smtClean="0">
+                <a:latin typeface="Courier New" panose="02070309020205020404" pitchFamily="49" charset="0"/>
+                <a:cs typeface="Courier New" panose="02070309020205020404" pitchFamily="49" charset="0"/>
+              </a:rPr>
+              <a:t>};</a:t>
+            </a:r>
+            <a:endParaRPr lang="en-US" dirty="0">
+              <a:latin typeface="Courier New" panose="02070309020205020404" pitchFamily="49" charset="0"/>
+              <a:cs typeface="Courier New" panose="02070309020205020404" pitchFamily="49" charset="0"/>
+            </a:endParaRPr>
+          </a:p>
+        </p:txBody>
+      </p:sp>
+      <p:sp>
+        <p:nvSpPr>
+          <p:cNvPr id="4" name="Slide Number Placeholder 3"/>
+          <p:cNvSpPr>
+            <a:spLocks noGrp="1"/>
+          </p:cNvSpPr>
+          <p:nvPr>
+            <p:ph type="sldNum" sz="quarter" idx="12"/>
+          </p:nvPr>
+        </p:nvSpPr>
+        <p:spPr/>
+        <p:txBody>
+          <a:bodyPr/>
+          <a:lstStyle/>
+          <a:p>
+            <a:fld id="{6DA12B36-9664-4CB0-8B2E-F4A2F44AE97E}" type="slidenum">
+              <a:rPr lang="en-US" smtClean="0"/>
+              <a:t>29</a:t>
+            </a:fld>
+            <a:endParaRPr lang="en-US"/>
+          </a:p>
+        </p:txBody>
+      </p:sp>
+      <p:sp>
+        <p:nvSpPr>
+          <p:cNvPr id="5" name="Footer Placeholder 4"/>
+          <p:cNvSpPr>
+            <a:spLocks noGrp="1"/>
+          </p:cNvSpPr>
+          <p:nvPr>
+            <p:ph type="ftr" sz="quarter" idx="11"/>
+          </p:nvPr>
+        </p:nvSpPr>
+        <p:spPr/>
+        <p:txBody>
+          <a:bodyPr/>
+          <a:lstStyle/>
+          <a:p>
+            <a:r>
+              <a:rPr lang="en-US" smtClean="0"/>
+              <a:t>Source: Williams, Chapter 2</a:t>
+            </a:r>
+            <a:endParaRPr lang="en-US"/>
+          </a:p>
+        </p:txBody>
+      </p:sp>
+    </p:spTree>
+    <p:extLst>
+      <p:ext uri="{BB962C8B-B14F-4D97-AF65-F5344CB8AC3E}">
+        <p14:creationId xmlns:p14="http://schemas.microsoft.com/office/powerpoint/2010/main" val="3927553970"/>
       </p:ext>
     </p:extLst>
   </p:cSld>
@@ -10026,6 +12460,312 @@
   <p:clrMapOvr>
     <a:masterClrMapping/>
   </p:clrMapOvr>
+</p:sld>
+</file>
+
+<file path=ppt/slides/slide30.xml><?xml version="1.0" encoding="utf-8"?>
+<p:sld xmlns:a="http://schemas.openxmlformats.org/drawingml/2006/main" xmlns:r="http://schemas.openxmlformats.org/officeDocument/2006/relationships" xmlns:p="http://schemas.openxmlformats.org/presentationml/2006/main">
+  <p:cSld>
+    <p:spTree>
+      <p:nvGrpSpPr>
+        <p:cNvPr id="1" name=""/>
+        <p:cNvGrpSpPr/>
+        <p:nvPr/>
+      </p:nvGrpSpPr>
+      <p:grpSpPr>
+        <a:xfrm>
+          <a:off x="0" y="0"/>
+          <a:ext cx="0" cy="0"/>
+          <a:chOff x="0" y="0"/>
+          <a:chExt cx="0" cy="0"/>
+        </a:xfrm>
+      </p:grpSpPr>
+      <p:sp>
+        <p:nvSpPr>
+          <p:cNvPr id="2" name="Title 1"/>
+          <p:cNvSpPr>
+            <a:spLocks noGrp="1"/>
+          </p:cNvSpPr>
+          <p:nvPr>
+            <p:ph type="title"/>
+          </p:nvPr>
+        </p:nvSpPr>
+        <p:spPr/>
+        <p:txBody>
+          <a:bodyPr/>
+          <a:lstStyle/>
+          <a:p>
+            <a:r>
+              <a:rPr lang="en-US" dirty="0" smtClean="0"/>
+              <a:t>Using the better RAII Manager</a:t>
+            </a:r>
+            <a:endParaRPr lang="en-US" dirty="0"/>
+          </a:p>
+        </p:txBody>
+      </p:sp>
+      <p:sp>
+        <p:nvSpPr>
+          <p:cNvPr id="3" name="Content Placeholder 2"/>
+          <p:cNvSpPr>
+            <a:spLocks noGrp="1"/>
+          </p:cNvSpPr>
+          <p:nvPr>
+            <p:ph idx="1"/>
+          </p:nvPr>
+        </p:nvSpPr>
+        <p:spPr/>
+        <p:txBody>
+          <a:bodyPr/>
+          <a:lstStyle/>
+          <a:p>
+            <a:r>
+              <a:rPr lang="en-US" dirty="0">
+                <a:solidFill>
+                  <a:srgbClr val="7F0055"/>
+                </a:solidFill>
+                <a:latin typeface="Courier New" panose="02070309020205020404" pitchFamily="49" charset="0"/>
+                <a:cs typeface="Courier New" panose="02070309020205020404" pitchFamily="49" charset="0"/>
+              </a:rPr>
+              <a:t>void</a:t>
+            </a:r>
+            <a:r>
+              <a:rPr lang="en-US" dirty="0">
+                <a:latin typeface="Courier New" panose="02070309020205020404" pitchFamily="49" charset="0"/>
+                <a:cs typeface="Courier New" panose="02070309020205020404" pitchFamily="49" charset="0"/>
+              </a:rPr>
+              <a:t> f();</a:t>
+            </a:r>
+          </a:p>
+          <a:p>
+            <a:r>
+              <a:rPr lang="en-US" dirty="0">
+                <a:solidFill>
+                  <a:srgbClr val="7F0055"/>
+                </a:solidFill>
+                <a:latin typeface="Courier New" panose="02070309020205020404" pitchFamily="49" charset="0"/>
+                <a:cs typeface="Courier New" panose="02070309020205020404" pitchFamily="49" charset="0"/>
+              </a:rPr>
+              <a:t>void</a:t>
+            </a:r>
+            <a:r>
+              <a:rPr lang="en-US" dirty="0">
+                <a:latin typeface="Courier New" panose="02070309020205020404" pitchFamily="49" charset="0"/>
+                <a:cs typeface="Courier New" panose="02070309020205020404" pitchFamily="49" charset="0"/>
+              </a:rPr>
+              <a:t> </a:t>
+            </a:r>
+            <a:r>
+              <a:rPr lang="en-US" dirty="0" err="1">
+                <a:latin typeface="Courier New" panose="02070309020205020404" pitchFamily="49" charset="0"/>
+                <a:cs typeface="Courier New" panose="02070309020205020404" pitchFamily="49" charset="0"/>
+              </a:rPr>
+              <a:t>might_throw</a:t>
+            </a:r>
+            <a:r>
+              <a:rPr lang="en-US" dirty="0">
+                <a:latin typeface="Courier New" panose="02070309020205020404" pitchFamily="49" charset="0"/>
+                <a:cs typeface="Courier New" panose="02070309020205020404" pitchFamily="49" charset="0"/>
+              </a:rPr>
+              <a:t>() </a:t>
+            </a:r>
+            <a:r>
+              <a:rPr lang="en-US" dirty="0" smtClean="0">
+                <a:latin typeface="Courier New" panose="02070309020205020404" pitchFamily="49" charset="0"/>
+                <a:cs typeface="Courier New" panose="02070309020205020404" pitchFamily="49" charset="0"/>
+              </a:rPr>
+              <a:t>{</a:t>
+            </a:r>
+          </a:p>
+          <a:p>
+            <a:r>
+              <a:rPr lang="en-US" dirty="0" smtClean="0">
+                <a:latin typeface="Courier New" panose="02070309020205020404" pitchFamily="49" charset="0"/>
+                <a:cs typeface="Courier New" panose="02070309020205020404" pitchFamily="49" charset="0"/>
+              </a:rPr>
+              <a:t>  </a:t>
+            </a:r>
+            <a:r>
+              <a:rPr lang="en-US" strike="sngStrike" dirty="0" err="1" smtClean="0">
+                <a:latin typeface="Courier New" panose="02070309020205020404" pitchFamily="49" charset="0"/>
+                <a:cs typeface="Courier New" panose="02070309020205020404" pitchFamily="49" charset="0"/>
+              </a:rPr>
+              <a:t>std</a:t>
+            </a:r>
+            <a:r>
+              <a:rPr lang="en-US" strike="sngStrike" dirty="0">
+                <a:latin typeface="Courier New" panose="02070309020205020404" pitchFamily="49" charset="0"/>
+                <a:cs typeface="Courier New" panose="02070309020205020404" pitchFamily="49" charset="0"/>
+              </a:rPr>
+              <a:t>::thread t(f);</a:t>
+            </a:r>
+          </a:p>
+          <a:p>
+            <a:r>
+              <a:rPr lang="en-US" dirty="0">
+                <a:latin typeface="Courier New" panose="02070309020205020404" pitchFamily="49" charset="0"/>
+                <a:cs typeface="Courier New" panose="02070309020205020404" pitchFamily="49" charset="0"/>
+              </a:rPr>
+              <a:t>  guard </a:t>
+            </a:r>
+            <a:r>
+              <a:rPr lang="en-US" dirty="0" smtClean="0">
+                <a:latin typeface="Courier New" panose="02070309020205020404" pitchFamily="49" charset="0"/>
+                <a:cs typeface="Courier New" panose="02070309020205020404" pitchFamily="49" charset="0"/>
+              </a:rPr>
+              <a:t>g(</a:t>
+            </a:r>
+            <a:r>
+              <a:rPr lang="en-US" dirty="0" err="1">
+                <a:solidFill>
+                  <a:schemeClr val="tx2"/>
+                </a:solidFill>
+                <a:latin typeface="Courier New" panose="02070309020205020404" pitchFamily="49" charset="0"/>
+                <a:cs typeface="Courier New" panose="02070309020205020404" pitchFamily="49" charset="0"/>
+              </a:rPr>
+              <a:t>std</a:t>
+            </a:r>
+            <a:r>
+              <a:rPr lang="en-US" dirty="0">
+                <a:solidFill>
+                  <a:schemeClr val="tx2"/>
+                </a:solidFill>
+                <a:latin typeface="Courier New" panose="02070309020205020404" pitchFamily="49" charset="0"/>
+                <a:cs typeface="Courier New" panose="02070309020205020404" pitchFamily="49" charset="0"/>
+              </a:rPr>
+              <a:t>::thread(f)</a:t>
+            </a:r>
+            <a:r>
+              <a:rPr lang="en-US" dirty="0" smtClean="0">
+                <a:latin typeface="Courier New" panose="02070309020205020404" pitchFamily="49" charset="0"/>
+                <a:cs typeface="Courier New" panose="02070309020205020404" pitchFamily="49" charset="0"/>
+              </a:rPr>
+              <a:t>);</a:t>
+            </a:r>
+            <a:endParaRPr lang="en-US" dirty="0">
+              <a:latin typeface="Courier New" panose="02070309020205020404" pitchFamily="49" charset="0"/>
+              <a:cs typeface="Courier New" panose="02070309020205020404" pitchFamily="49" charset="0"/>
+            </a:endParaRPr>
+          </a:p>
+          <a:p>
+            <a:r>
+              <a:rPr lang="en-US" dirty="0">
+                <a:solidFill>
+                  <a:srgbClr val="3F7F59"/>
+                </a:solidFill>
+                <a:latin typeface="Courier New" panose="02070309020205020404" pitchFamily="49" charset="0"/>
+                <a:cs typeface="Courier New" panose="02070309020205020404" pitchFamily="49" charset="0"/>
+              </a:rPr>
+              <a:t>  // What if this throws? – No problem now</a:t>
+            </a:r>
+            <a:endParaRPr lang="en-US" dirty="0">
+              <a:latin typeface="Courier New" panose="02070309020205020404" pitchFamily="49" charset="0"/>
+              <a:cs typeface="Courier New" panose="02070309020205020404" pitchFamily="49" charset="0"/>
+            </a:endParaRPr>
+          </a:p>
+          <a:p>
+            <a:r>
+              <a:rPr lang="en-US" dirty="0">
+                <a:latin typeface="Courier New" panose="02070309020205020404" pitchFamily="49" charset="0"/>
+                <a:cs typeface="Courier New" panose="02070309020205020404" pitchFamily="49" charset="0"/>
+              </a:rPr>
+              <a:t>  </a:t>
+            </a:r>
+            <a:r>
+              <a:rPr lang="en-US" dirty="0" err="1">
+                <a:latin typeface="Courier New" panose="02070309020205020404" pitchFamily="49" charset="0"/>
+                <a:cs typeface="Courier New" panose="02070309020205020404" pitchFamily="49" charset="0"/>
+              </a:rPr>
+              <a:t>do_something_that_might_throw</a:t>
+            </a:r>
+            <a:r>
+              <a:rPr lang="en-US" dirty="0" smtClean="0">
+                <a:latin typeface="Courier New" panose="02070309020205020404" pitchFamily="49" charset="0"/>
+                <a:cs typeface="Courier New" panose="02070309020205020404" pitchFamily="49" charset="0"/>
+              </a:rPr>
+              <a:t>();</a:t>
+            </a:r>
+          </a:p>
+          <a:p>
+            <a:r>
+              <a:rPr lang="en-US" dirty="0" smtClean="0">
+                <a:latin typeface="Courier New" panose="02070309020205020404" pitchFamily="49" charset="0"/>
+                <a:cs typeface="Courier New" panose="02070309020205020404" pitchFamily="49" charset="0"/>
+              </a:rPr>
+              <a:t>}</a:t>
+            </a:r>
+            <a:endParaRPr lang="en-US" dirty="0">
+              <a:latin typeface="Courier New" panose="02070309020205020404" pitchFamily="49" charset="0"/>
+              <a:cs typeface="Courier New" panose="02070309020205020404" pitchFamily="49" charset="0"/>
+            </a:endParaRPr>
+          </a:p>
+          <a:p>
+            <a:endParaRPr lang="en-US" dirty="0"/>
+          </a:p>
+        </p:txBody>
+      </p:sp>
+      <p:sp>
+        <p:nvSpPr>
+          <p:cNvPr id="4" name="Slide Number Placeholder 3"/>
+          <p:cNvSpPr>
+            <a:spLocks noGrp="1"/>
+          </p:cNvSpPr>
+          <p:nvPr>
+            <p:ph type="sldNum" sz="quarter" idx="12"/>
+          </p:nvPr>
+        </p:nvSpPr>
+        <p:spPr/>
+        <p:txBody>
+          <a:bodyPr/>
+          <a:lstStyle/>
+          <a:p>
+            <a:fld id="{6DA12B36-9664-4CB0-8B2E-F4A2F44AE97E}" type="slidenum">
+              <a:rPr lang="en-US" smtClean="0"/>
+              <a:t>30</a:t>
+            </a:fld>
+            <a:endParaRPr lang="en-US"/>
+          </a:p>
+        </p:txBody>
+      </p:sp>
+      <p:sp>
+        <p:nvSpPr>
+          <p:cNvPr id="5" name="Footer Placeholder 4"/>
+          <p:cNvSpPr>
+            <a:spLocks noGrp="1"/>
+          </p:cNvSpPr>
+          <p:nvPr>
+            <p:ph type="ftr" sz="quarter" idx="11"/>
+          </p:nvPr>
+        </p:nvSpPr>
+        <p:spPr/>
+        <p:txBody>
+          <a:bodyPr/>
+          <a:lstStyle/>
+          <a:p>
+            <a:r>
+              <a:rPr lang="en-US" smtClean="0"/>
+              <a:t>Source: Williams, Chapter 2</a:t>
+            </a:r>
+            <a:endParaRPr lang="en-US"/>
+          </a:p>
+        </p:txBody>
+      </p:sp>
+    </p:spTree>
+    <p:extLst>
+      <p:ext uri="{BB962C8B-B14F-4D97-AF65-F5344CB8AC3E}">
+        <p14:creationId xmlns:p14="http://schemas.microsoft.com/office/powerpoint/2010/main" val="67562685"/>
+      </p:ext>
+    </p:extLst>
+  </p:cSld>
+  <p:clrMapOvr>
+    <a:masterClrMapping/>
+  </p:clrMapOvr>
+  <p:timing>
+    <p:tnLst>
+      <p:par>
+        <p:cTn id="1" dur="indefinite" restart="never" nodeType="tmRoot"/>
+      </p:par>
+    </p:tnLst>
+  </p:timing>
 </p:sld>
 </file>
 

--- a/Lectures/Threads/Threads.pptx
+++ b/Lectures/Threads/Threads.pptx
@@ -5,7 +5,7 @@
     <p:sldMasterId id="2147483660" r:id="rId1"/>
   </p:sldMasterIdLst>
   <p:notesMasterIdLst>
-    <p:notesMasterId r:id="rId32"/>
+    <p:notesMasterId r:id="rId33"/>
   </p:notesMasterIdLst>
   <p:sldIdLst>
     <p:sldId id="256" r:id="rId2"/>
@@ -38,6 +38,7 @@
     <p:sldId id="283" r:id="rId29"/>
     <p:sldId id="284" r:id="rId30"/>
     <p:sldId id="285" r:id="rId31"/>
+    <p:sldId id="286" r:id="rId32"/>
   </p:sldIdLst>
   <p:sldSz cx="9144000" cy="6858000" type="screen4x3"/>
   <p:notesSz cx="6858000" cy="9144000"/>
@@ -221,7 +222,7 @@
           <a:p>
             <a:fld id="{DBE0ECA1-3FBF-48AE-AD2A-4439AE745E19}" type="datetimeFigureOut">
               <a:rPr lang="en-US" smtClean="0"/>
-              <a:t>11/2/2013</a:t>
+              <a:t>11/6/2013</a:t>
             </a:fld>
             <a:endParaRPr lang="en-US"/>
           </a:p>
@@ -682,7 +683,7 @@
           <a:p>
             <a:fld id="{9769DED8-28D4-45B9-A00F-7CFE9335FEA6}" type="datetime1">
               <a:rPr lang="en-US" smtClean="0"/>
-              <a:t>11/2/2013</a:t>
+              <a:t>11/6/2013</a:t>
             </a:fld>
             <a:endParaRPr lang="en-US"/>
           </a:p>
@@ -947,7 +948,7 @@
           <a:p>
             <a:fld id="{2DB3D439-1F88-44B4-B5F7-F9BCD4064257}" type="datetime1">
               <a:rPr lang="en-US" smtClean="0"/>
-              <a:t>11/2/2013</a:t>
+              <a:t>11/6/2013</a:t>
             </a:fld>
             <a:endParaRPr lang="en-US"/>
           </a:p>
@@ -1122,7 +1123,7 @@
           <a:p>
             <a:fld id="{99C5638F-6F55-4055-935C-67841BE78C36}" type="datetime1">
               <a:rPr lang="en-US" smtClean="0"/>
-              <a:t>11/2/2013</a:t>
+              <a:t>11/6/2013</a:t>
             </a:fld>
             <a:endParaRPr lang="en-US"/>
           </a:p>
@@ -1287,7 +1288,7 @@
           <a:p>
             <a:fld id="{E6987D90-0C92-4B22-A29D-FED15412CED2}" type="datetime1">
               <a:rPr lang="en-US" smtClean="0"/>
-              <a:t>11/2/2013</a:t>
+              <a:t>11/6/2013</a:t>
             </a:fld>
             <a:endParaRPr lang="en-US"/>
           </a:p>
@@ -1536,7 +1537,7 @@
           <a:p>
             <a:fld id="{DDB67BC4-9554-49E0-BCB3-D1EF965BA0B8}" type="datetime1">
               <a:rPr lang="en-US" smtClean="0"/>
-              <a:t>11/2/2013</a:t>
+              <a:t>11/6/2013</a:t>
             </a:fld>
             <a:endParaRPr lang="en-US"/>
           </a:p>
@@ -1819,7 +1820,7 @@
           <a:p>
             <a:fld id="{EC24D770-803D-4E01-921C-9C100DD8230C}" type="datetime1">
               <a:rPr lang="en-US" smtClean="0"/>
-              <a:t>11/2/2013</a:t>
+              <a:t>11/6/2013</a:t>
             </a:fld>
             <a:endParaRPr lang="en-US"/>
           </a:p>
@@ -2258,7 +2259,7 @@
           <a:p>
             <a:fld id="{356AD44B-78A4-4209-8070-7DCBE2DC4992}" type="datetime1">
               <a:rPr lang="en-US" smtClean="0"/>
-              <a:t>11/2/2013</a:t>
+              <a:t>11/6/2013</a:t>
             </a:fld>
             <a:endParaRPr lang="en-US"/>
           </a:p>
@@ -2371,7 +2372,7 @@
           <a:p>
             <a:fld id="{A993C59A-7CA2-467F-B7F1-9096881A01B8}" type="datetime1">
               <a:rPr lang="en-US" smtClean="0"/>
-              <a:t>11/2/2013</a:t>
+              <a:t>11/6/2013</a:t>
             </a:fld>
             <a:endParaRPr lang="en-US"/>
           </a:p>
@@ -2461,7 +2462,7 @@
           <a:p>
             <a:fld id="{2B6B58D0-2488-434A-8ED1-692E09B85CC5}" type="datetime1">
               <a:rPr lang="en-US" smtClean="0"/>
-              <a:t>11/2/2013</a:t>
+              <a:t>11/6/2013</a:t>
             </a:fld>
             <a:endParaRPr lang="en-US"/>
           </a:p>
@@ -2703,7 +2704,7 @@
           <a:p>
             <a:fld id="{FDB0AFC2-7D64-4F61-A7B7-9932D3305DDA}" type="datetime1">
               <a:rPr lang="en-US" smtClean="0"/>
-              <a:t>11/2/2013</a:t>
+              <a:t>11/6/2013</a:t>
             </a:fld>
             <a:endParaRPr lang="en-US"/>
           </a:p>
@@ -2997,7 +2998,7 @@
           <a:p>
             <a:fld id="{4983D17A-D7B2-4ECE-8A2C-93679B9D177B}" type="datetime1">
               <a:rPr lang="en-US" smtClean="0"/>
-              <a:t>11/2/2013</a:t>
+              <a:t>11/6/2013</a:t>
             </a:fld>
             <a:endParaRPr lang="en-US"/>
           </a:p>
@@ -3291,7 +3292,7 @@
           <a:p>
             <a:fld id="{2A5275F7-419E-4C23-8A3D-2EE5742B2EC9}" type="datetime1">
               <a:rPr lang="en-US" smtClean="0"/>
-              <a:t>11/2/2013</a:t>
+              <a:t>11/6/2013</a:t>
             </a:fld>
             <a:endParaRPr lang="en-US"/>
           </a:p>
@@ -3976,11 +3977,7 @@
             <a:pPr marL="800100" lvl="1" indent="-342900"/>
             <a:r>
               <a:rPr lang="en-US" dirty="0" smtClean="0"/>
-              <a:t>How </a:t>
-            </a:r>
-            <a:r>
-              <a:rPr lang="en-US" dirty="0" smtClean="0"/>
-              <a:t>to transfer ownership of a thread</a:t>
+              <a:t>How to transfer ownership of a thread</a:t>
             </a:r>
             <a:endParaRPr lang="en-US" dirty="0"/>
           </a:p>
@@ -6726,7 +6723,15 @@
             <a:pPr algn="ctr"/>
             <a:r>
               <a:rPr lang="en-US" dirty="0" smtClean="0"/>
-              <a:t>Be wary of lifetime of the reference, just as with a pointer.</a:t>
+              <a:t>Be wary of </a:t>
+            </a:r>
+            <a:r>
+              <a:rPr lang="en-US" dirty="0" smtClean="0"/>
+              <a:t>the lifetime </a:t>
+            </a:r>
+            <a:r>
+              <a:rPr lang="en-US" dirty="0" smtClean="0"/>
+              <a:t>of the reference, just as with a pointer.</a:t>
             </a:r>
             <a:endParaRPr lang="en-US" dirty="0"/>
           </a:p>
@@ -8382,9 +8387,57 @@
             <a:pPr marL="1485900" lvl="2" indent="-342900"/>
             <a:r>
               <a:rPr lang="en-US" dirty="0" smtClean="0"/>
-              <a:t>Usually, you want to detach immediately creation</a:t>
-            </a:r>
-            <a:endParaRPr lang="en-US" dirty="0"/>
+              <a:t>Usually, you want to detach immediately </a:t>
+            </a:r>
+            <a:r>
+              <a:rPr lang="en-US" dirty="0" smtClean="0"/>
+              <a:t>creation</a:t>
+            </a:r>
+          </a:p>
+          <a:p>
+            <a:pPr marL="342900" indent="-342900"/>
+            <a:r>
+              <a:rPr lang="en-US" dirty="0" smtClean="0">
+                <a:solidFill>
+                  <a:schemeClr val="accent3"/>
+                </a:solidFill>
+              </a:rPr>
+              <a:t>Guideline:</a:t>
+            </a:r>
+          </a:p>
+          <a:p>
+            <a:pPr marL="800100" lvl="1" indent="-342900"/>
+            <a:r>
+              <a:rPr lang="en-US" dirty="0" smtClean="0">
+                <a:solidFill>
+                  <a:schemeClr val="accent3"/>
+                </a:solidFill>
+              </a:rPr>
+              <a:t>Do call </a:t>
+            </a:r>
+            <a:r>
+              <a:rPr lang="en-US" dirty="0" smtClean="0">
+                <a:solidFill>
+                  <a:schemeClr val="accent3"/>
+                </a:solidFill>
+                <a:latin typeface="Courier New" panose="02070309020205020404" pitchFamily="49" charset="0"/>
+                <a:cs typeface="Courier New" panose="02070309020205020404" pitchFamily="49" charset="0"/>
+              </a:rPr>
+              <a:t>detach()</a:t>
+            </a:r>
+            <a:r>
+              <a:rPr lang="en-US" dirty="0" smtClean="0">
+                <a:solidFill>
+                  <a:schemeClr val="accent3"/>
+                </a:solidFill>
+              </a:rPr>
+              <a:t> on back threads immediately after they are created.</a:t>
+            </a:r>
+            <a:endParaRPr lang="en-US" dirty="0">
+              <a:solidFill>
+                <a:schemeClr val="accent3"/>
+              </a:solidFill>
+            </a:endParaRPr>
           </a:p>
         </p:txBody>
       </p:sp>
@@ -8506,7 +8559,9 @@
         </p:nvSpPr>
         <p:spPr/>
         <p:txBody>
-          <a:bodyPr/>
+          <a:bodyPr>
+            <a:normAutofit lnSpcReduction="10000"/>
+          </a:bodyPr>
           <a:lstStyle/>
           <a:p>
             <a:r>
@@ -8789,7 +8844,7 @@
                 <a:latin typeface="Courier New" panose="02070309020205020404" pitchFamily="49" charset="0"/>
                 <a:cs typeface="Courier New" panose="02070309020205020404" pitchFamily="49" charset="0"/>
               </a:rPr>
-              <a:t>t.join</a:t>
+              <a:t>t.detach</a:t>
             </a:r>
             <a:r>
               <a:rPr lang="en-US" dirty="0" smtClean="0">
@@ -8819,8 +8874,31 @@
             </a:r>
           </a:p>
           <a:p>
+            <a:r>
+              <a:rPr lang="en-US" dirty="0" smtClean="0">
+                <a:solidFill>
+                  <a:schemeClr val="accent3"/>
+                </a:solidFill>
+                <a:cs typeface="Courier New" panose="02070309020205020404" pitchFamily="49" charset="0"/>
+              </a:rPr>
+              <a:t>Guideline:</a:t>
+            </a:r>
+          </a:p>
+          <a:p>
+            <a:pPr marL="800100" lvl="1" indent="-342900"/>
+            <a:r>
+              <a:rPr lang="en-US" dirty="0" smtClean="0">
+                <a:solidFill>
+                  <a:schemeClr val="accent3"/>
+                </a:solidFill>
+                <a:cs typeface="Courier New" panose="02070309020205020404" pitchFamily="49" charset="0"/>
+              </a:rPr>
+              <a:t>Do not pass local variables to a thread that will be detached.</a:t>
+            </a:r>
             <a:endParaRPr lang="en-US" dirty="0">
-              <a:latin typeface="Courier New" panose="02070309020205020404" pitchFamily="49" charset="0"/>
+              <a:solidFill>
+                <a:schemeClr val="accent3"/>
+              </a:solidFill>
               <a:cs typeface="Courier New" panose="02070309020205020404" pitchFamily="49" charset="0"/>
             </a:endParaRPr>
           </a:p>
@@ -9212,6 +9290,13 @@
   <p:clrMapOvr>
     <a:masterClrMapping/>
   </p:clrMapOvr>
+  <p:timing>
+    <p:tnLst>
+      <p:par>
+        <p:cTn id="1" dur="indefinite" restart="never" nodeType="tmRoot"/>
+      </p:par>
+    </p:tnLst>
+  </p:timing>
 </p:sld>
 </file>
 
@@ -10147,7 +10232,9 @@
         </p:nvSpPr>
         <p:spPr/>
         <p:txBody>
-          <a:bodyPr/>
+          <a:bodyPr>
+            <a:normAutofit lnSpcReduction="10000"/>
+          </a:bodyPr>
           <a:lstStyle/>
           <a:p>
             <a:r>
@@ -10370,7 +10457,30 @@
             </a:r>
           </a:p>
           <a:p>
-            <a:endParaRPr lang="en-US" dirty="0"/>
+            <a:r>
+              <a:rPr lang="en-US" dirty="0" smtClean="0">
+                <a:solidFill>
+                  <a:schemeClr val="accent3"/>
+                </a:solidFill>
+              </a:rPr>
+              <a:t>Guideline:</a:t>
+            </a:r>
+          </a:p>
+          <a:p>
+            <a:pPr marL="800100" lvl="1" indent="-342900"/>
+            <a:r>
+              <a:rPr lang="en-US" dirty="0" smtClean="0">
+                <a:solidFill>
+                  <a:schemeClr val="accent3"/>
+                </a:solidFill>
+              </a:rPr>
+              <a:t>Do use an RAII manager when creating a thread.</a:t>
+            </a:r>
+            <a:endParaRPr lang="en-US" dirty="0">
+              <a:solidFill>
+                <a:schemeClr val="accent3"/>
+              </a:solidFill>
+            </a:endParaRPr>
           </a:p>
         </p:txBody>
       </p:sp>
@@ -12766,6 +12876,211 @@
       </p:par>
     </p:tnLst>
   </p:timing>
+</p:sld>
+</file>
+
+<file path=ppt/slides/slide31.xml><?xml version="1.0" encoding="utf-8"?>
+<p:sld xmlns:a="http://schemas.openxmlformats.org/drawingml/2006/main" xmlns:r="http://schemas.openxmlformats.org/officeDocument/2006/relationships" xmlns:p="http://schemas.openxmlformats.org/presentationml/2006/main">
+  <p:cSld>
+    <p:spTree>
+      <p:nvGrpSpPr>
+        <p:cNvPr id="1" name=""/>
+        <p:cNvGrpSpPr/>
+        <p:nvPr/>
+      </p:nvGrpSpPr>
+      <p:grpSpPr>
+        <a:xfrm>
+          <a:off x="0" y="0"/>
+          <a:ext cx="0" cy="0"/>
+          <a:chOff x="0" y="0"/>
+          <a:chExt cx="0" cy="0"/>
+        </a:xfrm>
+      </p:grpSpPr>
+      <p:sp>
+        <p:nvSpPr>
+          <p:cNvPr id="2" name="Title 1"/>
+          <p:cNvSpPr>
+            <a:spLocks noGrp="1"/>
+          </p:cNvSpPr>
+          <p:nvPr>
+            <p:ph type="title"/>
+          </p:nvPr>
+        </p:nvSpPr>
+        <p:spPr/>
+        <p:txBody>
+          <a:bodyPr/>
+          <a:lstStyle/>
+          <a:p>
+            <a:r>
+              <a:rPr lang="en-US" dirty="0" smtClean="0"/>
+              <a:t>Summary of Guidelines</a:t>
+            </a:r>
+            <a:endParaRPr lang="en-US" dirty="0"/>
+          </a:p>
+        </p:txBody>
+      </p:sp>
+      <p:sp>
+        <p:nvSpPr>
+          <p:cNvPr id="3" name="Content Placeholder 2"/>
+          <p:cNvSpPr>
+            <a:spLocks noGrp="1"/>
+          </p:cNvSpPr>
+          <p:nvPr>
+            <p:ph idx="1"/>
+          </p:nvPr>
+        </p:nvSpPr>
+        <p:spPr/>
+        <p:txBody>
+          <a:bodyPr/>
+          <a:lstStyle/>
+          <a:p>
+            <a:pPr marL="342900" indent="-342900"/>
+            <a:r>
+              <a:rPr lang="en-US" dirty="0">
+                <a:solidFill>
+                  <a:schemeClr val="accent3"/>
+                </a:solidFill>
+              </a:rPr>
+              <a:t>Guideline:</a:t>
+            </a:r>
+          </a:p>
+          <a:p>
+            <a:pPr marL="800100" lvl="1" indent="-342900"/>
+            <a:r>
+              <a:rPr lang="en-US" dirty="0">
+                <a:solidFill>
+                  <a:schemeClr val="accent3"/>
+                </a:solidFill>
+              </a:rPr>
+              <a:t>Do call </a:t>
+            </a:r>
+            <a:r>
+              <a:rPr lang="en-US" dirty="0">
+                <a:solidFill>
+                  <a:schemeClr val="accent3"/>
+                </a:solidFill>
+                <a:latin typeface="Courier New" panose="02070309020205020404" pitchFamily="49" charset="0"/>
+                <a:cs typeface="Courier New" panose="02070309020205020404" pitchFamily="49" charset="0"/>
+              </a:rPr>
+              <a:t>detach()</a:t>
+            </a:r>
+            <a:r>
+              <a:rPr lang="en-US" dirty="0">
+                <a:solidFill>
+                  <a:schemeClr val="accent3"/>
+                </a:solidFill>
+              </a:rPr>
+              <a:t> on back threads immediately after they are </a:t>
+            </a:r>
+            <a:r>
+              <a:rPr lang="en-US" dirty="0" smtClean="0">
+                <a:solidFill>
+                  <a:schemeClr val="accent3"/>
+                </a:solidFill>
+              </a:rPr>
+              <a:t>created.</a:t>
+            </a:r>
+          </a:p>
+          <a:p>
+            <a:pPr marL="800100" lvl="1" indent="-342900"/>
+            <a:r>
+              <a:rPr lang="en-US" dirty="0">
+                <a:solidFill>
+                  <a:schemeClr val="accent3"/>
+                </a:solidFill>
+                <a:cs typeface="Courier New" panose="02070309020205020404" pitchFamily="49" charset="0"/>
+              </a:rPr>
+              <a:t>Do not pass local variables to a thread that will be </a:t>
+            </a:r>
+            <a:r>
+              <a:rPr lang="en-US" dirty="0" smtClean="0">
+                <a:solidFill>
+                  <a:schemeClr val="accent3"/>
+                </a:solidFill>
+                <a:cs typeface="Courier New" panose="02070309020205020404" pitchFamily="49" charset="0"/>
+              </a:rPr>
+              <a:t>detached</a:t>
+            </a:r>
+          </a:p>
+          <a:p>
+            <a:pPr marL="800100" lvl="1" indent="-342900"/>
+            <a:r>
+              <a:rPr lang="en-US" dirty="0">
+                <a:solidFill>
+                  <a:schemeClr val="accent3"/>
+                </a:solidFill>
+              </a:rPr>
+              <a:t>Do use an RAII manager when creating a thread</a:t>
+            </a:r>
+            <a:r>
+              <a:rPr lang="en-US" dirty="0" smtClean="0">
+                <a:solidFill>
+                  <a:schemeClr val="accent3"/>
+                </a:solidFill>
+              </a:rPr>
+              <a:t>.</a:t>
+            </a:r>
+            <a:endParaRPr lang="en-US" dirty="0">
+              <a:solidFill>
+                <a:schemeClr val="accent3"/>
+              </a:solidFill>
+              <a:cs typeface="Courier New" panose="02070309020205020404" pitchFamily="49" charset="0"/>
+            </a:endParaRPr>
+          </a:p>
+          <a:p>
+            <a:pPr marL="800100" lvl="1" indent="-342900"/>
+            <a:endParaRPr lang="en-US" dirty="0" smtClean="0">
+              <a:solidFill>
+                <a:schemeClr val="accent3"/>
+              </a:solidFill>
+            </a:endParaRPr>
+          </a:p>
+          <a:p>
+            <a:pPr marL="800100" lvl="1" indent="-342900"/>
+            <a:endParaRPr lang="en-US" dirty="0">
+              <a:solidFill>
+                <a:schemeClr val="accent3"/>
+              </a:solidFill>
+            </a:endParaRPr>
+          </a:p>
+          <a:p>
+            <a:endParaRPr lang="en-US" dirty="0"/>
+          </a:p>
+        </p:txBody>
+      </p:sp>
+      <p:sp>
+        <p:nvSpPr>
+          <p:cNvPr id="4" name="Slide Number Placeholder 3"/>
+          <p:cNvSpPr>
+            <a:spLocks noGrp="1"/>
+          </p:cNvSpPr>
+          <p:nvPr>
+            <p:ph type="sldNum" sz="quarter" idx="12"/>
+          </p:nvPr>
+        </p:nvSpPr>
+        <p:spPr/>
+        <p:txBody>
+          <a:bodyPr/>
+          <a:lstStyle/>
+          <a:p>
+            <a:fld id="{6DA12B36-9664-4CB0-8B2E-F4A2F44AE97E}" type="slidenum">
+              <a:rPr lang="en-US" smtClean="0"/>
+              <a:t>31</a:t>
+            </a:fld>
+            <a:endParaRPr lang="en-US"/>
+          </a:p>
+        </p:txBody>
+      </p:sp>
+    </p:spTree>
+    <p:extLst>
+      <p:ext uri="{BB962C8B-B14F-4D97-AF65-F5344CB8AC3E}">
+        <p14:creationId xmlns:p14="http://schemas.microsoft.com/office/powerpoint/2010/main" val="2391898984"/>
+      </p:ext>
+    </p:extLst>
+  </p:cSld>
+  <p:clrMapOvr>
+    <a:masterClrMapping/>
+  </p:clrMapOvr>
 </p:sld>
 </file>
 

--- a/Lectures/Threads/Threads.pptx
+++ b/Lectures/Threads/Threads.pptx
@@ -222,7 +222,7 @@
           <a:p>
             <a:fld id="{DBE0ECA1-3FBF-48AE-AD2A-4439AE745E19}" type="datetimeFigureOut">
               <a:rPr lang="en-US" smtClean="0"/>
-              <a:t>11/6/2013</a:t>
+              <a:t>11/20/2013</a:t>
             </a:fld>
             <a:endParaRPr lang="en-US"/>
           </a:p>
@@ -683,7 +683,7 @@
           <a:p>
             <a:fld id="{9769DED8-28D4-45B9-A00F-7CFE9335FEA6}" type="datetime1">
               <a:rPr lang="en-US" smtClean="0"/>
-              <a:t>11/6/2013</a:t>
+              <a:t>11/20/2013</a:t>
             </a:fld>
             <a:endParaRPr lang="en-US"/>
           </a:p>
@@ -948,7 +948,7 @@
           <a:p>
             <a:fld id="{2DB3D439-1F88-44B4-B5F7-F9BCD4064257}" type="datetime1">
               <a:rPr lang="en-US" smtClean="0"/>
-              <a:t>11/6/2013</a:t>
+              <a:t>11/20/2013</a:t>
             </a:fld>
             <a:endParaRPr lang="en-US"/>
           </a:p>
@@ -1123,7 +1123,7 @@
           <a:p>
             <a:fld id="{99C5638F-6F55-4055-935C-67841BE78C36}" type="datetime1">
               <a:rPr lang="en-US" smtClean="0"/>
-              <a:t>11/6/2013</a:t>
+              <a:t>11/20/2013</a:t>
             </a:fld>
             <a:endParaRPr lang="en-US"/>
           </a:p>
@@ -1288,7 +1288,7 @@
           <a:p>
             <a:fld id="{E6987D90-0C92-4B22-A29D-FED15412CED2}" type="datetime1">
               <a:rPr lang="en-US" smtClean="0"/>
-              <a:t>11/6/2013</a:t>
+              <a:t>11/20/2013</a:t>
             </a:fld>
             <a:endParaRPr lang="en-US"/>
           </a:p>
@@ -1537,7 +1537,7 @@
           <a:p>
             <a:fld id="{DDB67BC4-9554-49E0-BCB3-D1EF965BA0B8}" type="datetime1">
               <a:rPr lang="en-US" smtClean="0"/>
-              <a:t>11/6/2013</a:t>
+              <a:t>11/20/2013</a:t>
             </a:fld>
             <a:endParaRPr lang="en-US"/>
           </a:p>
@@ -1820,7 +1820,7 @@
           <a:p>
             <a:fld id="{EC24D770-803D-4E01-921C-9C100DD8230C}" type="datetime1">
               <a:rPr lang="en-US" smtClean="0"/>
-              <a:t>11/6/2013</a:t>
+              <a:t>11/20/2013</a:t>
             </a:fld>
             <a:endParaRPr lang="en-US"/>
           </a:p>
@@ -2259,7 +2259,7 @@
           <a:p>
             <a:fld id="{356AD44B-78A4-4209-8070-7DCBE2DC4992}" type="datetime1">
               <a:rPr lang="en-US" smtClean="0"/>
-              <a:t>11/6/2013</a:t>
+              <a:t>11/20/2013</a:t>
             </a:fld>
             <a:endParaRPr lang="en-US"/>
           </a:p>
@@ -2372,7 +2372,7 @@
           <a:p>
             <a:fld id="{A993C59A-7CA2-467F-B7F1-9096881A01B8}" type="datetime1">
               <a:rPr lang="en-US" smtClean="0"/>
-              <a:t>11/6/2013</a:t>
+              <a:t>11/20/2013</a:t>
             </a:fld>
             <a:endParaRPr lang="en-US"/>
           </a:p>
@@ -2462,7 +2462,7 @@
           <a:p>
             <a:fld id="{2B6B58D0-2488-434A-8ED1-692E09B85CC5}" type="datetime1">
               <a:rPr lang="en-US" smtClean="0"/>
-              <a:t>11/6/2013</a:t>
+              <a:t>11/20/2013</a:t>
             </a:fld>
             <a:endParaRPr lang="en-US"/>
           </a:p>
@@ -2704,7 +2704,7 @@
           <a:p>
             <a:fld id="{FDB0AFC2-7D64-4F61-A7B7-9932D3305DDA}" type="datetime1">
               <a:rPr lang="en-US" smtClean="0"/>
-              <a:t>11/6/2013</a:t>
+              <a:t>11/20/2013</a:t>
             </a:fld>
             <a:endParaRPr lang="en-US"/>
           </a:p>
@@ -2998,7 +2998,7 @@
           <a:p>
             <a:fld id="{4983D17A-D7B2-4ECE-8A2C-93679B9D177B}" type="datetime1">
               <a:rPr lang="en-US" smtClean="0"/>
-              <a:t>11/6/2013</a:t>
+              <a:t>11/20/2013</a:t>
             </a:fld>
             <a:endParaRPr lang="en-US"/>
           </a:p>
@@ -3292,7 +3292,7 @@
           <a:p>
             <a:fld id="{2A5275F7-419E-4C23-8A3D-2EE5742B2EC9}" type="datetime1">
               <a:rPr lang="en-US" smtClean="0"/>
-              <a:t>11/6/2013</a:t>
+              <a:t>11/20/2013</a:t>
             </a:fld>
             <a:endParaRPr lang="en-US"/>
           </a:p>
@@ -6723,15 +6723,7 @@
             <a:pPr algn="ctr"/>
             <a:r>
               <a:rPr lang="en-US" dirty="0" smtClean="0"/>
-              <a:t>Be wary of </a:t>
-            </a:r>
-            <a:r>
-              <a:rPr lang="en-US" dirty="0" smtClean="0"/>
-              <a:t>the lifetime </a:t>
-            </a:r>
-            <a:r>
-              <a:rPr lang="en-US" dirty="0" smtClean="0"/>
-              <a:t>of the reference, just as with a pointer.</a:t>
+              <a:t>Be wary of the lifetime of the reference, just as with a pointer.</a:t>
             </a:r>
             <a:endParaRPr lang="en-US" dirty="0"/>
           </a:p>
@@ -8387,11 +8379,7 @@
             <a:pPr marL="1485900" lvl="2" indent="-342900"/>
             <a:r>
               <a:rPr lang="en-US" dirty="0" smtClean="0"/>
-              <a:t>Usually, you want to detach immediately </a:t>
-            </a:r>
-            <a:r>
-              <a:rPr lang="en-US" dirty="0" smtClean="0"/>
-              <a:t>creation</a:t>
+              <a:t>Usually, you want to detach immediately creation</a:t>
             </a:r>
           </a:p>
           <a:p>
@@ -8431,7 +8419,23 @@
                   <a:schemeClr val="accent3"/>
                 </a:solidFill>
               </a:rPr>
-              <a:t> on back threads immediately after they are created.</a:t>
+              <a:t> on </a:t>
+            </a:r>
+            <a:r>
+              <a:rPr lang="en-US" dirty="0" smtClean="0">
+                <a:solidFill>
+                  <a:schemeClr val="accent3"/>
+                </a:solidFill>
+              </a:rPr>
+              <a:t>background </a:t>
+            </a:r>
+            <a:r>
+              <a:rPr lang="en-US" dirty="0" smtClean="0">
+                <a:solidFill>
+                  <a:schemeClr val="accent3"/>
+                </a:solidFill>
+              </a:rPr>
+              <a:t>threads immediately after they are created.</a:t>
             </a:r>
             <a:endParaRPr lang="en-US" dirty="0">
               <a:solidFill>
@@ -9945,11 +9949,18 @@
               <a:t>()) </a:t>
             </a:r>
             <a:r>
+              <a:rPr lang="en-US" smtClean="0">
+                <a:latin typeface="Courier New" panose="02070309020205020404" pitchFamily="49" charset="0"/>
+                <a:cs typeface="Courier New" panose="02070309020205020404" pitchFamily="49" charset="0"/>
+              </a:rPr>
+              <a:t>t_.</a:t>
+            </a:r>
+            <a:r>
               <a:rPr lang="en-US" dirty="0" err="1">
                 <a:latin typeface="Courier New" panose="02070309020205020404" pitchFamily="49" charset="0"/>
                 <a:cs typeface="Courier New" panose="02070309020205020404" pitchFamily="49" charset="0"/>
               </a:rPr>
-              <a:t>t.join</a:t>
+              <a:t>join</a:t>
             </a:r>
             <a:r>
               <a:rPr lang="en-US" dirty="0" smtClean="0">
@@ -10430,7 +10441,7 @@
                 <a:latin typeface="Courier New" panose="02070309020205020404" pitchFamily="49" charset="0"/>
                 <a:cs typeface="Courier New" panose="02070309020205020404" pitchFamily="49" charset="0"/>
               </a:rPr>
-              <a:t>// What </a:t>
+              <a:t>// </a:t>
             </a:r>
             <a:r>
               <a:rPr lang="en-US" dirty="0" smtClean="0">
@@ -10440,7 +10451,27 @@
                 <a:latin typeface="Courier New" panose="02070309020205020404" pitchFamily="49" charset="0"/>
                 <a:cs typeface="Courier New" panose="02070309020205020404" pitchFamily="49" charset="0"/>
               </a:rPr>
-              <a:t>you forget to remove this?</a:t>
+              <a:t>Don’t forget </a:t>
+            </a:r>
+            <a:r>
+              <a:rPr lang="en-US" dirty="0" smtClean="0">
+                <a:solidFill>
+                  <a:srgbClr val="3F7F59"/>
+                </a:solidFill>
+                <a:latin typeface="Courier New" panose="02070309020205020404" pitchFamily="49" charset="0"/>
+                <a:cs typeface="Courier New" panose="02070309020205020404" pitchFamily="49" charset="0"/>
+              </a:rPr>
+              <a:t>to remove </a:t>
+            </a:r>
+            <a:r>
+              <a:rPr lang="en-US" dirty="0" smtClean="0">
+                <a:solidFill>
+                  <a:srgbClr val="3F7F59"/>
+                </a:solidFill>
+                <a:latin typeface="Courier New" panose="02070309020205020404" pitchFamily="49" charset="0"/>
+                <a:cs typeface="Courier New" panose="02070309020205020404" pitchFamily="49" charset="0"/>
+              </a:rPr>
+              <a:t>this</a:t>
             </a:r>
             <a:endParaRPr lang="en-US" strike="sngStrike" dirty="0" smtClean="0">
               <a:latin typeface="Courier New" panose="02070309020205020404" pitchFamily="49" charset="0"/>
@@ -11712,7 +11743,14 @@
                 <a:latin typeface="Courier New" panose="02070309020205020404" pitchFamily="49" charset="0"/>
                 <a:cs typeface="Courier New" panose="02070309020205020404" pitchFamily="49" charset="0"/>
               </a:rPr>
-              <a:t>t.join</a:t>
+              <a:t>t_.</a:t>
+            </a:r>
+            <a:r>
+              <a:rPr lang="en-US" dirty="0" err="1" smtClean="0">
+                <a:latin typeface="Courier New" panose="02070309020205020404" pitchFamily="49" charset="0"/>
+                <a:cs typeface="Courier New" panose="02070309020205020404" pitchFamily="49" charset="0"/>
+              </a:rPr>
+              <a:t>join</a:t>
             </a:r>
             <a:r>
               <a:rPr lang="en-US" dirty="0" smtClean="0">

--- a/Lectures/Threads/Threads.pptx
+++ b/Lectures/Threads/Threads.pptx
@@ -222,7 +222,7 @@
           <a:p>
             <a:fld id="{DBE0ECA1-3FBF-48AE-AD2A-4439AE745E19}" type="datetimeFigureOut">
               <a:rPr lang="en-US" smtClean="0"/>
-              <a:t>11/20/2013</a:t>
+              <a:t>12/31/2013</a:t>
             </a:fld>
             <a:endParaRPr lang="en-US"/>
           </a:p>
@@ -683,7 +683,7 @@
           <a:p>
             <a:fld id="{9769DED8-28D4-45B9-A00F-7CFE9335FEA6}" type="datetime1">
               <a:rPr lang="en-US" smtClean="0"/>
-              <a:t>11/20/2013</a:t>
+              <a:t>12/31/2013</a:t>
             </a:fld>
             <a:endParaRPr lang="en-US"/>
           </a:p>
@@ -948,7 +948,7 @@
           <a:p>
             <a:fld id="{2DB3D439-1F88-44B4-B5F7-F9BCD4064257}" type="datetime1">
               <a:rPr lang="en-US" smtClean="0"/>
-              <a:t>11/20/2013</a:t>
+              <a:t>12/31/2013</a:t>
             </a:fld>
             <a:endParaRPr lang="en-US"/>
           </a:p>
@@ -1123,7 +1123,7 @@
           <a:p>
             <a:fld id="{99C5638F-6F55-4055-935C-67841BE78C36}" type="datetime1">
               <a:rPr lang="en-US" smtClean="0"/>
-              <a:t>11/20/2013</a:t>
+              <a:t>12/31/2013</a:t>
             </a:fld>
             <a:endParaRPr lang="en-US"/>
           </a:p>
@@ -1288,7 +1288,7 @@
           <a:p>
             <a:fld id="{E6987D90-0C92-4B22-A29D-FED15412CED2}" type="datetime1">
               <a:rPr lang="en-US" smtClean="0"/>
-              <a:t>11/20/2013</a:t>
+              <a:t>12/31/2013</a:t>
             </a:fld>
             <a:endParaRPr lang="en-US"/>
           </a:p>
@@ -1537,7 +1537,7 @@
           <a:p>
             <a:fld id="{DDB67BC4-9554-49E0-BCB3-D1EF965BA0B8}" type="datetime1">
               <a:rPr lang="en-US" smtClean="0"/>
-              <a:t>11/20/2013</a:t>
+              <a:t>12/31/2013</a:t>
             </a:fld>
             <a:endParaRPr lang="en-US"/>
           </a:p>
@@ -1820,7 +1820,7 @@
           <a:p>
             <a:fld id="{EC24D770-803D-4E01-921C-9C100DD8230C}" type="datetime1">
               <a:rPr lang="en-US" smtClean="0"/>
-              <a:t>11/20/2013</a:t>
+              <a:t>12/31/2013</a:t>
             </a:fld>
             <a:endParaRPr lang="en-US"/>
           </a:p>
@@ -2259,7 +2259,7 @@
           <a:p>
             <a:fld id="{356AD44B-78A4-4209-8070-7DCBE2DC4992}" type="datetime1">
               <a:rPr lang="en-US" smtClean="0"/>
-              <a:t>11/20/2013</a:t>
+              <a:t>12/31/2013</a:t>
             </a:fld>
             <a:endParaRPr lang="en-US"/>
           </a:p>
@@ -2372,7 +2372,7 @@
           <a:p>
             <a:fld id="{A993C59A-7CA2-467F-B7F1-9096881A01B8}" type="datetime1">
               <a:rPr lang="en-US" smtClean="0"/>
-              <a:t>11/20/2013</a:t>
+              <a:t>12/31/2013</a:t>
             </a:fld>
             <a:endParaRPr lang="en-US"/>
           </a:p>
@@ -2462,7 +2462,7 @@
           <a:p>
             <a:fld id="{2B6B58D0-2488-434A-8ED1-692E09B85CC5}" type="datetime1">
               <a:rPr lang="en-US" smtClean="0"/>
-              <a:t>11/20/2013</a:t>
+              <a:t>12/31/2013</a:t>
             </a:fld>
             <a:endParaRPr lang="en-US"/>
           </a:p>
@@ -2704,7 +2704,7 @@
           <a:p>
             <a:fld id="{FDB0AFC2-7D64-4F61-A7B7-9932D3305DDA}" type="datetime1">
               <a:rPr lang="en-US" smtClean="0"/>
-              <a:t>11/20/2013</a:t>
+              <a:t>12/31/2013</a:t>
             </a:fld>
             <a:endParaRPr lang="en-US"/>
           </a:p>
@@ -2998,7 +2998,7 @@
           <a:p>
             <a:fld id="{4983D17A-D7B2-4ECE-8A2C-93679B9D177B}" type="datetime1">
               <a:rPr lang="en-US" smtClean="0"/>
-              <a:t>11/20/2013</a:t>
+              <a:t>12/31/2013</a:t>
             </a:fld>
             <a:endParaRPr lang="en-US"/>
           </a:p>
@@ -3292,7 +3292,7 @@
           <a:p>
             <a:fld id="{2A5275F7-419E-4C23-8A3D-2EE5742B2EC9}" type="datetime1">
               <a:rPr lang="en-US" smtClean="0"/>
-              <a:t>11/20/2013</a:t>
+              <a:t>12/31/2013</a:t>
             </a:fld>
             <a:endParaRPr lang="en-US"/>
           </a:p>
@@ -8419,23 +8419,7 @@
                   <a:schemeClr val="accent3"/>
                 </a:solidFill>
               </a:rPr>
-              <a:t> on </a:t>
-            </a:r>
-            <a:r>
-              <a:rPr lang="en-US" dirty="0" smtClean="0">
-                <a:solidFill>
-                  <a:schemeClr val="accent3"/>
-                </a:solidFill>
-              </a:rPr>
-              <a:t>background </a:t>
-            </a:r>
-            <a:r>
-              <a:rPr lang="en-US" dirty="0" smtClean="0">
-                <a:solidFill>
-                  <a:schemeClr val="accent3"/>
-                </a:solidFill>
-              </a:rPr>
-              <a:t>threads immediately after they are created.</a:t>
+              <a:t> on background threads immediately after they are created.</a:t>
             </a:r>
             <a:endParaRPr lang="en-US" dirty="0">
               <a:solidFill>
@@ -10451,27 +10435,7 @@
                 <a:latin typeface="Courier New" panose="02070309020205020404" pitchFamily="49" charset="0"/>
                 <a:cs typeface="Courier New" panose="02070309020205020404" pitchFamily="49" charset="0"/>
               </a:rPr>
-              <a:t>Don’t forget </a:t>
-            </a:r>
-            <a:r>
-              <a:rPr lang="en-US" dirty="0" smtClean="0">
-                <a:solidFill>
-                  <a:srgbClr val="3F7F59"/>
-                </a:solidFill>
-                <a:latin typeface="Courier New" panose="02070309020205020404" pitchFamily="49" charset="0"/>
-                <a:cs typeface="Courier New" panose="02070309020205020404" pitchFamily="49" charset="0"/>
-              </a:rPr>
-              <a:t>to remove </a:t>
-            </a:r>
-            <a:r>
-              <a:rPr lang="en-US" dirty="0" smtClean="0">
-                <a:solidFill>
-                  <a:srgbClr val="3F7F59"/>
-                </a:solidFill>
-                <a:latin typeface="Courier New" panose="02070309020205020404" pitchFamily="49" charset="0"/>
-                <a:cs typeface="Courier New" panose="02070309020205020404" pitchFamily="49" charset="0"/>
-              </a:rPr>
-              <a:t>this</a:t>
+              <a:t>Don’t forget to remove this</a:t>
             </a:r>
             <a:endParaRPr lang="en-US" strike="sngStrike" dirty="0" smtClean="0">
               <a:latin typeface="Courier New" panose="02070309020205020404" pitchFamily="49" charset="0"/>
@@ -11588,18 +11552,25 @@
               <a:t> </a:t>
             </a:r>
             <a:r>
-              <a:rPr lang="en-US" dirty="0">
-                <a:latin typeface="Courier New" panose="02070309020205020404" pitchFamily="49" charset="0"/>
-                <a:cs typeface="Courier New" panose="02070309020205020404" pitchFamily="49" charset="0"/>
-              </a:rPr>
-              <a:t>(</a:t>
+              <a:rPr lang="en-US" dirty="0" smtClean="0">
+                <a:latin typeface="Courier New" panose="02070309020205020404" pitchFamily="49" charset="0"/>
+                <a:cs typeface="Courier New" panose="02070309020205020404" pitchFamily="49" charset="0"/>
+              </a:rPr>
+              <a:t>(!</a:t>
+            </a:r>
+            <a:r>
+              <a:rPr lang="en-US" dirty="0" err="1" smtClean="0">
+                <a:latin typeface="Courier New" panose="02070309020205020404" pitchFamily="49" charset="0"/>
+                <a:cs typeface="Courier New" panose="02070309020205020404" pitchFamily="49" charset="0"/>
+              </a:rPr>
+              <a:t>t</a:t>
             </a:r>
             <a:r>
               <a:rPr lang="en-US" dirty="0" err="1">
                 <a:latin typeface="Courier New" panose="02070309020205020404" pitchFamily="49" charset="0"/>
                 <a:cs typeface="Courier New" panose="02070309020205020404" pitchFamily="49" charset="0"/>
               </a:rPr>
-              <a:t>t_.joinable</a:t>
+              <a:t>_.joinable</a:t>
             </a:r>
             <a:r>
               <a:rPr lang="en-US" dirty="0" smtClean="0">
@@ -11743,14 +11714,7 @@
                 <a:latin typeface="Courier New" panose="02070309020205020404" pitchFamily="49" charset="0"/>
                 <a:cs typeface="Courier New" panose="02070309020205020404" pitchFamily="49" charset="0"/>
               </a:rPr>
-              <a:t>t_.</a:t>
-            </a:r>
-            <a:r>
-              <a:rPr lang="en-US" dirty="0" err="1" smtClean="0">
-                <a:latin typeface="Courier New" panose="02070309020205020404" pitchFamily="49" charset="0"/>
-                <a:cs typeface="Courier New" panose="02070309020205020404" pitchFamily="49" charset="0"/>
-              </a:rPr>
-              <a:t>join</a:t>
+              <a:t>t_.join</a:t>
             </a:r>
             <a:r>
               <a:rPr lang="en-US" dirty="0" smtClean="0">
@@ -12780,7 +12744,27 @@
                 <a:latin typeface="Courier New" panose="02070309020205020404" pitchFamily="49" charset="0"/>
                 <a:cs typeface="Courier New" panose="02070309020205020404" pitchFamily="49" charset="0"/>
               </a:rPr>
-              <a:t>::thread(f)</a:t>
+              <a:t>::</a:t>
+            </a:r>
+            <a:r>
+              <a:rPr lang="en-US" dirty="0" smtClean="0">
+                <a:solidFill>
+                  <a:schemeClr val="tx2"/>
+                </a:solidFill>
+                <a:latin typeface="Courier New" panose="02070309020205020404" pitchFamily="49" charset="0"/>
+                <a:cs typeface="Courier New" panose="02070309020205020404" pitchFamily="49" charset="0"/>
+              </a:rPr>
+              <a:t>thread {f</a:t>
+            </a:r>
+            <a:r>
+              <a:rPr lang="en-US" dirty="0">
+                <a:solidFill>
+                  <a:schemeClr val="tx2"/>
+                </a:solidFill>
+                <a:latin typeface="Courier New" panose="02070309020205020404" pitchFamily="49" charset="0"/>
+                <a:cs typeface="Courier New" panose="02070309020205020404" pitchFamily="49" charset="0"/>
+              </a:rPr>
+              <a:t>}</a:t>
             </a:r>
             <a:r>
               <a:rPr lang="en-US" dirty="0" smtClean="0">

--- a/Lectures/Threads/Threads.pptx
+++ b/Lectures/Threads/Threads.pptx
@@ -220,7 +220,7 @@
           <a:p>
             <a:fld id="{DBE0ECA1-3FBF-48AE-AD2A-4439AE745E19}" type="datetimeFigureOut">
               <a:rPr lang="en-US" smtClean="0"/>
-              <a:t>1/14/2014</a:t>
+              <a:t>1/22/2014</a:t>
             </a:fld>
             <a:endParaRPr lang="en-US"/>
           </a:p>
@@ -681,7 +681,7 @@
           <a:p>
             <a:fld id="{9769DED8-28D4-45B9-A00F-7CFE9335FEA6}" type="datetime1">
               <a:rPr lang="en-US" smtClean="0"/>
-              <a:t>1/14/2014</a:t>
+              <a:t>1/22/2014</a:t>
             </a:fld>
             <a:endParaRPr lang="en-US"/>
           </a:p>
@@ -946,7 +946,7 @@
           <a:p>
             <a:fld id="{2DB3D439-1F88-44B4-B5F7-F9BCD4064257}" type="datetime1">
               <a:rPr lang="en-US" smtClean="0"/>
-              <a:t>1/14/2014</a:t>
+              <a:t>1/22/2014</a:t>
             </a:fld>
             <a:endParaRPr lang="en-US"/>
           </a:p>
@@ -1121,7 +1121,7 @@
           <a:p>
             <a:fld id="{99C5638F-6F55-4055-935C-67841BE78C36}" type="datetime1">
               <a:rPr lang="en-US" smtClean="0"/>
-              <a:t>1/14/2014</a:t>
+              <a:t>1/22/2014</a:t>
             </a:fld>
             <a:endParaRPr lang="en-US"/>
           </a:p>
@@ -1286,7 +1286,7 @@
           <a:p>
             <a:fld id="{E6987D90-0C92-4B22-A29D-FED15412CED2}" type="datetime1">
               <a:rPr lang="en-US" smtClean="0"/>
-              <a:t>1/14/2014</a:t>
+              <a:t>1/22/2014</a:t>
             </a:fld>
             <a:endParaRPr lang="en-US"/>
           </a:p>
@@ -1535,7 +1535,7 @@
           <a:p>
             <a:fld id="{DDB67BC4-9554-49E0-BCB3-D1EF965BA0B8}" type="datetime1">
               <a:rPr lang="en-US" smtClean="0"/>
-              <a:t>1/14/2014</a:t>
+              <a:t>1/22/2014</a:t>
             </a:fld>
             <a:endParaRPr lang="en-US"/>
           </a:p>
@@ -1818,7 +1818,7 @@
           <a:p>
             <a:fld id="{EC24D770-803D-4E01-921C-9C100DD8230C}" type="datetime1">
               <a:rPr lang="en-US" smtClean="0"/>
-              <a:t>1/14/2014</a:t>
+              <a:t>1/22/2014</a:t>
             </a:fld>
             <a:endParaRPr lang="en-US"/>
           </a:p>
@@ -2257,7 +2257,7 @@
           <a:p>
             <a:fld id="{356AD44B-78A4-4209-8070-7DCBE2DC4992}" type="datetime1">
               <a:rPr lang="en-US" smtClean="0"/>
-              <a:t>1/14/2014</a:t>
+              <a:t>1/22/2014</a:t>
             </a:fld>
             <a:endParaRPr lang="en-US"/>
           </a:p>
@@ -2370,7 +2370,7 @@
           <a:p>
             <a:fld id="{A993C59A-7CA2-467F-B7F1-9096881A01B8}" type="datetime1">
               <a:rPr lang="en-US" smtClean="0"/>
-              <a:t>1/14/2014</a:t>
+              <a:t>1/22/2014</a:t>
             </a:fld>
             <a:endParaRPr lang="en-US"/>
           </a:p>
@@ -2460,7 +2460,7 @@
           <a:p>
             <a:fld id="{2B6B58D0-2488-434A-8ED1-692E09B85CC5}" type="datetime1">
               <a:rPr lang="en-US" smtClean="0"/>
-              <a:t>1/14/2014</a:t>
+              <a:t>1/22/2014</a:t>
             </a:fld>
             <a:endParaRPr lang="en-US"/>
           </a:p>
@@ -2702,7 +2702,7 @@
           <a:p>
             <a:fld id="{FDB0AFC2-7D64-4F61-A7B7-9932D3305DDA}" type="datetime1">
               <a:rPr lang="en-US" smtClean="0"/>
-              <a:t>1/14/2014</a:t>
+              <a:t>1/22/2014</a:t>
             </a:fld>
             <a:endParaRPr lang="en-US"/>
           </a:p>
@@ -2996,7 +2996,7 @@
           <a:p>
             <a:fld id="{4983D17A-D7B2-4ECE-8A2C-93679B9D177B}" type="datetime1">
               <a:rPr lang="en-US" smtClean="0"/>
-              <a:t>1/14/2014</a:t>
+              <a:t>1/22/2014</a:t>
             </a:fld>
             <a:endParaRPr lang="en-US"/>
           </a:p>
@@ -3290,7 +3290,7 @@
           <a:p>
             <a:fld id="{2A5275F7-419E-4C23-8A3D-2EE5742B2EC9}" type="datetime1">
               <a:rPr lang="en-US" smtClean="0"/>
-              <a:t>1/14/2014</a:t>
+              <a:t>1/22/2014</a:t>
             </a:fld>
             <a:endParaRPr lang="en-US"/>
           </a:p>
@@ -7121,7 +7121,15 @@
             <a:pPr marL="800100" lvl="1" indent="-342900"/>
             <a:r>
               <a:rPr lang="en-US" dirty="0" smtClean="0"/>
-              <a:t>The thread which started a thread must not exit before the thread exits</a:t>
+              <a:t>The thread which started a thread must not exit before the </a:t>
+            </a:r>
+            <a:r>
+              <a:rPr lang="en-US" dirty="0" smtClean="0"/>
+              <a:t>started thread </a:t>
+            </a:r>
+            <a:r>
+              <a:rPr lang="en-US" dirty="0" smtClean="0"/>
+              <a:t>exits</a:t>
             </a:r>
           </a:p>
           <a:p>
@@ -7393,7 +7401,17 @@
                 <a:latin typeface="Courier New" panose="02070309020205020404" pitchFamily="49" charset="0"/>
                 <a:cs typeface="Courier New" panose="02070309020205020404" pitchFamily="49" charset="0"/>
               </a:rPr>
-              <a:t>// Oops!</a:t>
+              <a:t>// </a:t>
+            </a:r>
+            <a:r>
+              <a:rPr lang="en-US" dirty="0" smtClean="0">
+                <a:solidFill>
+                  <a:srgbClr val="3F7F59"/>
+                </a:solidFill>
+                <a:latin typeface="Courier New" panose="02070309020205020404" pitchFamily="49" charset="0"/>
+                <a:cs typeface="Courier New" panose="02070309020205020404" pitchFamily="49" charset="0"/>
+              </a:rPr>
+              <a:t>No problems now</a:t>
             </a:r>
             <a:endParaRPr lang="en-US" dirty="0">
               <a:latin typeface="Courier New" panose="02070309020205020404" pitchFamily="49" charset="0"/>
@@ -8013,8 +8031,13 @@
             <a:pPr marL="1485900" lvl="2" indent="-342900"/>
             <a:r>
               <a:rPr lang="en-US" dirty="0" smtClean="0"/>
-              <a:t>Usually, you want to detach immediately creation</a:t>
-            </a:r>
+              <a:t>Usually, you want to detach immediately </a:t>
+            </a:r>
+            <a:r>
+              <a:rPr lang="en-US" dirty="0" smtClean="0"/>
+              <a:t>after creation</a:t>
+            </a:r>
+            <a:endParaRPr lang="en-US" dirty="0" smtClean="0"/>
           </a:p>
           <a:p>
             <a:pPr marL="342900" indent="-342900"/>
@@ -9567,7 +9590,7 @@
               <a:t>()) </a:t>
             </a:r>
             <a:r>
-              <a:rPr lang="en-US" smtClean="0">
+              <a:rPr lang="en-US" dirty="0" err="1" smtClean="0">
                 <a:latin typeface="Courier New" panose="02070309020205020404" pitchFamily="49" charset="0"/>
                 <a:cs typeface="Courier New" panose="02070309020205020404" pitchFamily="49" charset="0"/>
               </a:rPr>

--- a/Lectures/Threads/Threads.pptx
+++ b/Lectures/Threads/Threads.pptx
@@ -220,7 +220,7 @@
           <a:p>
             <a:fld id="{DBE0ECA1-3FBF-48AE-AD2A-4439AE745E19}" type="datetimeFigureOut">
               <a:rPr lang="en-US" smtClean="0"/>
-              <a:t>1/14/2014</a:t>
+              <a:t>1/27/2014</a:t>
             </a:fld>
             <a:endParaRPr lang="en-US"/>
           </a:p>
@@ -488,6 +488,834 @@
 </p:notesMaster>
 </file>
 
+<file path=ppt/notesSlides/notesSlide1.xml><?xml version="1.0" encoding="utf-8"?>
+<p:notes xmlns:a="http://schemas.openxmlformats.org/drawingml/2006/main" xmlns:r="http://schemas.openxmlformats.org/officeDocument/2006/relationships" xmlns:p="http://schemas.openxmlformats.org/presentationml/2006/main">
+  <p:cSld>
+    <p:spTree>
+      <p:nvGrpSpPr>
+        <p:cNvPr id="1" name=""/>
+        <p:cNvGrpSpPr/>
+        <p:nvPr/>
+      </p:nvGrpSpPr>
+      <p:grpSpPr>
+        <a:xfrm>
+          <a:off x="0" y="0"/>
+          <a:ext cx="0" cy="0"/>
+          <a:chOff x="0" y="0"/>
+          <a:chExt cx="0" cy="0"/>
+        </a:xfrm>
+      </p:grpSpPr>
+      <p:sp>
+        <p:nvSpPr>
+          <p:cNvPr id="2" name="Slide Image Placeholder 1"/>
+          <p:cNvSpPr>
+            <a:spLocks noGrp="1" noRot="1" noChangeAspect="1"/>
+          </p:cNvSpPr>
+          <p:nvPr>
+            <p:ph type="sldImg"/>
+          </p:nvPr>
+        </p:nvSpPr>
+        <p:spPr/>
+      </p:sp>
+      <p:sp>
+        <p:nvSpPr>
+          <p:cNvPr id="3" name="Notes Placeholder 2"/>
+          <p:cNvSpPr>
+            <a:spLocks noGrp="1"/>
+          </p:cNvSpPr>
+          <p:nvPr>
+            <p:ph type="body" idx="1"/>
+          </p:nvPr>
+        </p:nvSpPr>
+        <p:spPr/>
+        <p:txBody>
+          <a:bodyPr/>
+          <a:lstStyle/>
+          <a:p>
+            <a:r>
+              <a:rPr lang="en-US" dirty="0" smtClean="0"/>
+              <a:t>Data Parallelism</a:t>
+            </a:r>
+            <a:r>
+              <a:rPr lang="en-US" baseline="0" dirty="0" smtClean="0"/>
+              <a:t> is most important</a:t>
+            </a:r>
+            <a:endParaRPr lang="en-US" dirty="0"/>
+          </a:p>
+        </p:txBody>
+      </p:sp>
+      <p:sp>
+        <p:nvSpPr>
+          <p:cNvPr id="4" name="Slide Number Placeholder 3"/>
+          <p:cNvSpPr>
+            <a:spLocks noGrp="1"/>
+          </p:cNvSpPr>
+          <p:nvPr>
+            <p:ph type="sldNum" sz="quarter" idx="10"/>
+          </p:nvPr>
+        </p:nvSpPr>
+        <p:spPr/>
+        <p:txBody>
+          <a:bodyPr/>
+          <a:lstStyle/>
+          <a:p>
+            <a:fld id="{33EB61B5-0B25-4052-8EFA-97E46EEADB31}" type="slidenum">
+              <a:rPr lang="en-US" smtClean="0"/>
+              <a:t>4</a:t>
+            </a:fld>
+            <a:endParaRPr lang="en-US"/>
+          </a:p>
+        </p:txBody>
+      </p:sp>
+    </p:spTree>
+    <p:extLst>
+      <p:ext uri="{BB962C8B-B14F-4D97-AF65-F5344CB8AC3E}">
+        <p14:creationId xmlns:p14="http://schemas.microsoft.com/office/powerpoint/2010/main" val="2995274521"/>
+      </p:ext>
+    </p:extLst>
+  </p:cSld>
+  <p:clrMapOvr>
+    <a:masterClrMapping/>
+  </p:clrMapOvr>
+</p:notes>
+</file>
+
+<file path=ppt/notesSlides/notesSlide2.xml><?xml version="1.0" encoding="utf-8"?>
+<p:notes xmlns:a="http://schemas.openxmlformats.org/drawingml/2006/main" xmlns:r="http://schemas.openxmlformats.org/officeDocument/2006/relationships" xmlns:p="http://schemas.openxmlformats.org/presentationml/2006/main">
+  <p:cSld>
+    <p:spTree>
+      <p:nvGrpSpPr>
+        <p:cNvPr id="1" name=""/>
+        <p:cNvGrpSpPr/>
+        <p:nvPr/>
+      </p:nvGrpSpPr>
+      <p:grpSpPr>
+        <a:xfrm>
+          <a:off x="0" y="0"/>
+          <a:ext cx="0" cy="0"/>
+          <a:chOff x="0" y="0"/>
+          <a:chExt cx="0" cy="0"/>
+        </a:xfrm>
+      </p:grpSpPr>
+      <p:sp>
+        <p:nvSpPr>
+          <p:cNvPr id="2" name="Slide Image Placeholder 1"/>
+          <p:cNvSpPr>
+            <a:spLocks noGrp="1" noRot="1" noChangeAspect="1"/>
+          </p:cNvSpPr>
+          <p:nvPr>
+            <p:ph type="sldImg"/>
+          </p:nvPr>
+        </p:nvSpPr>
+        <p:spPr/>
+      </p:sp>
+      <p:sp>
+        <p:nvSpPr>
+          <p:cNvPr id="3" name="Notes Placeholder 2"/>
+          <p:cNvSpPr>
+            <a:spLocks noGrp="1"/>
+          </p:cNvSpPr>
+          <p:nvPr>
+            <p:ph type="body" idx="1"/>
+          </p:nvPr>
+        </p:nvSpPr>
+        <p:spPr/>
+        <p:txBody>
+          <a:bodyPr/>
+          <a:lstStyle/>
+          <a:p>
+            <a:r>
+              <a:rPr lang="en-US" dirty="0" smtClean="0"/>
+              <a:t>Join is necessary to synchronize</a:t>
+            </a:r>
+            <a:r>
+              <a:rPr lang="en-US" baseline="0" dirty="0" smtClean="0"/>
+              <a:t> </a:t>
+            </a:r>
+            <a:endParaRPr lang="en-US" dirty="0"/>
+          </a:p>
+        </p:txBody>
+      </p:sp>
+      <p:sp>
+        <p:nvSpPr>
+          <p:cNvPr id="4" name="Slide Number Placeholder 3"/>
+          <p:cNvSpPr>
+            <a:spLocks noGrp="1"/>
+          </p:cNvSpPr>
+          <p:nvPr>
+            <p:ph type="sldNum" sz="quarter" idx="10"/>
+          </p:nvPr>
+        </p:nvSpPr>
+        <p:spPr/>
+        <p:txBody>
+          <a:bodyPr/>
+          <a:lstStyle/>
+          <a:p>
+            <a:fld id="{33EB61B5-0B25-4052-8EFA-97E46EEADB31}" type="slidenum">
+              <a:rPr lang="en-US" smtClean="0"/>
+              <a:t>7</a:t>
+            </a:fld>
+            <a:endParaRPr lang="en-US"/>
+          </a:p>
+        </p:txBody>
+      </p:sp>
+    </p:spTree>
+    <p:extLst>
+      <p:ext uri="{BB962C8B-B14F-4D97-AF65-F5344CB8AC3E}">
+        <p14:creationId xmlns:p14="http://schemas.microsoft.com/office/powerpoint/2010/main" val="1841215940"/>
+      </p:ext>
+    </p:extLst>
+  </p:cSld>
+  <p:clrMapOvr>
+    <a:masterClrMapping/>
+  </p:clrMapOvr>
+</p:notes>
+</file>
+
+<file path=ppt/notesSlides/notesSlide3.xml><?xml version="1.0" encoding="utf-8"?>
+<p:notes xmlns:a="http://schemas.openxmlformats.org/drawingml/2006/main" xmlns:r="http://schemas.openxmlformats.org/officeDocument/2006/relationships" xmlns:p="http://schemas.openxmlformats.org/presentationml/2006/main">
+  <p:cSld>
+    <p:spTree>
+      <p:nvGrpSpPr>
+        <p:cNvPr id="1" name=""/>
+        <p:cNvGrpSpPr/>
+        <p:nvPr/>
+      </p:nvGrpSpPr>
+      <p:grpSpPr>
+        <a:xfrm>
+          <a:off x="0" y="0"/>
+          <a:ext cx="0" cy="0"/>
+          <a:chOff x="0" y="0"/>
+          <a:chExt cx="0" cy="0"/>
+        </a:xfrm>
+      </p:grpSpPr>
+      <p:sp>
+        <p:nvSpPr>
+          <p:cNvPr id="2" name="Slide Image Placeholder 1"/>
+          <p:cNvSpPr>
+            <a:spLocks noGrp="1" noRot="1" noChangeAspect="1"/>
+          </p:cNvSpPr>
+          <p:nvPr>
+            <p:ph type="sldImg"/>
+          </p:nvPr>
+        </p:nvSpPr>
+        <p:spPr/>
+      </p:sp>
+      <p:sp>
+        <p:nvSpPr>
+          <p:cNvPr id="3" name="Notes Placeholder 2"/>
+          <p:cNvSpPr>
+            <a:spLocks noGrp="1"/>
+          </p:cNvSpPr>
+          <p:nvPr>
+            <p:ph type="body" idx="1"/>
+          </p:nvPr>
+        </p:nvSpPr>
+        <p:spPr/>
+        <p:txBody>
+          <a:bodyPr/>
+          <a:lstStyle/>
+          <a:p>
+            <a:r>
+              <a:rPr lang="en-US" dirty="0" err="1" smtClean="0"/>
+              <a:t>Lamda</a:t>
+            </a:r>
+            <a:r>
+              <a:rPr lang="en-US" dirty="0" smtClean="0"/>
+              <a:t> is inline</a:t>
+            </a:r>
+            <a:r>
+              <a:rPr lang="en-US" baseline="0" dirty="0" smtClean="0"/>
+              <a:t>; works well with the STL</a:t>
+            </a:r>
+            <a:endParaRPr lang="en-US" dirty="0"/>
+          </a:p>
+        </p:txBody>
+      </p:sp>
+      <p:sp>
+        <p:nvSpPr>
+          <p:cNvPr id="4" name="Slide Number Placeholder 3"/>
+          <p:cNvSpPr>
+            <a:spLocks noGrp="1"/>
+          </p:cNvSpPr>
+          <p:nvPr>
+            <p:ph type="sldNum" sz="quarter" idx="10"/>
+          </p:nvPr>
+        </p:nvSpPr>
+        <p:spPr/>
+        <p:txBody>
+          <a:bodyPr/>
+          <a:lstStyle/>
+          <a:p>
+            <a:fld id="{33EB61B5-0B25-4052-8EFA-97E46EEADB31}" type="slidenum">
+              <a:rPr lang="en-US" smtClean="0"/>
+              <a:t>9</a:t>
+            </a:fld>
+            <a:endParaRPr lang="en-US"/>
+          </a:p>
+        </p:txBody>
+      </p:sp>
+    </p:spTree>
+    <p:extLst>
+      <p:ext uri="{BB962C8B-B14F-4D97-AF65-F5344CB8AC3E}">
+        <p14:creationId xmlns:p14="http://schemas.microsoft.com/office/powerpoint/2010/main" val="415170541"/>
+      </p:ext>
+    </p:extLst>
+  </p:cSld>
+  <p:clrMapOvr>
+    <a:masterClrMapping/>
+  </p:clrMapOvr>
+</p:notes>
+</file>
+
+<file path=ppt/notesSlides/notesSlide4.xml><?xml version="1.0" encoding="utf-8"?>
+<p:notes xmlns:a="http://schemas.openxmlformats.org/drawingml/2006/main" xmlns:r="http://schemas.openxmlformats.org/officeDocument/2006/relationships" xmlns:p="http://schemas.openxmlformats.org/presentationml/2006/main">
+  <p:cSld>
+    <p:spTree>
+      <p:nvGrpSpPr>
+        <p:cNvPr id="1" name=""/>
+        <p:cNvGrpSpPr/>
+        <p:nvPr/>
+      </p:nvGrpSpPr>
+      <p:grpSpPr>
+        <a:xfrm>
+          <a:off x="0" y="0"/>
+          <a:ext cx="0" cy="0"/>
+          <a:chOff x="0" y="0"/>
+          <a:chExt cx="0" cy="0"/>
+        </a:xfrm>
+      </p:grpSpPr>
+      <p:sp>
+        <p:nvSpPr>
+          <p:cNvPr id="2" name="Slide Image Placeholder 1"/>
+          <p:cNvSpPr>
+            <a:spLocks noGrp="1" noRot="1" noChangeAspect="1"/>
+          </p:cNvSpPr>
+          <p:nvPr>
+            <p:ph type="sldImg"/>
+          </p:nvPr>
+        </p:nvSpPr>
+        <p:spPr/>
+      </p:sp>
+      <p:sp>
+        <p:nvSpPr>
+          <p:cNvPr id="3" name="Notes Placeholder 2"/>
+          <p:cNvSpPr>
+            <a:spLocks noGrp="1"/>
+          </p:cNvSpPr>
+          <p:nvPr>
+            <p:ph type="body" idx="1"/>
+          </p:nvPr>
+        </p:nvSpPr>
+        <p:spPr/>
+        <p:txBody>
+          <a:bodyPr/>
+          <a:lstStyle/>
+          <a:p>
+            <a:r>
+              <a:rPr lang="en-US" dirty="0" smtClean="0"/>
+              <a:t>Buffer will go out</a:t>
+            </a:r>
+            <a:r>
+              <a:rPr lang="en-US" baseline="0" dirty="0" smtClean="0"/>
+              <a:t> of scope when detached</a:t>
+            </a:r>
+            <a:endParaRPr lang="en-US" dirty="0"/>
+          </a:p>
+        </p:txBody>
+      </p:sp>
+      <p:sp>
+        <p:nvSpPr>
+          <p:cNvPr id="4" name="Slide Number Placeholder 3"/>
+          <p:cNvSpPr>
+            <a:spLocks noGrp="1"/>
+          </p:cNvSpPr>
+          <p:nvPr>
+            <p:ph type="sldNum" sz="quarter" idx="10"/>
+          </p:nvPr>
+        </p:nvSpPr>
+        <p:spPr/>
+        <p:txBody>
+          <a:bodyPr/>
+          <a:lstStyle/>
+          <a:p>
+            <a:fld id="{33EB61B5-0B25-4052-8EFA-97E46EEADB31}" type="slidenum">
+              <a:rPr lang="en-US" smtClean="0"/>
+              <a:t>13</a:t>
+            </a:fld>
+            <a:endParaRPr lang="en-US"/>
+          </a:p>
+        </p:txBody>
+      </p:sp>
+    </p:spTree>
+    <p:extLst>
+      <p:ext uri="{BB962C8B-B14F-4D97-AF65-F5344CB8AC3E}">
+        <p14:creationId xmlns:p14="http://schemas.microsoft.com/office/powerpoint/2010/main" val="1370321800"/>
+      </p:ext>
+    </p:extLst>
+  </p:cSld>
+  <p:clrMapOvr>
+    <a:masterClrMapping/>
+  </p:clrMapOvr>
+</p:notes>
+</file>
+
+<file path=ppt/notesSlides/notesSlide5.xml><?xml version="1.0" encoding="utf-8"?>
+<p:notes xmlns:a="http://schemas.openxmlformats.org/drawingml/2006/main" xmlns:r="http://schemas.openxmlformats.org/officeDocument/2006/relationships" xmlns:p="http://schemas.openxmlformats.org/presentationml/2006/main">
+  <p:cSld>
+    <p:spTree>
+      <p:nvGrpSpPr>
+        <p:cNvPr id="1" name=""/>
+        <p:cNvGrpSpPr/>
+        <p:nvPr/>
+      </p:nvGrpSpPr>
+      <p:grpSpPr>
+        <a:xfrm>
+          <a:off x="0" y="0"/>
+          <a:ext cx="0" cy="0"/>
+          <a:chOff x="0" y="0"/>
+          <a:chExt cx="0" cy="0"/>
+        </a:xfrm>
+      </p:grpSpPr>
+      <p:sp>
+        <p:nvSpPr>
+          <p:cNvPr id="2" name="Slide Image Placeholder 1"/>
+          <p:cNvSpPr>
+            <a:spLocks noGrp="1" noRot="1" noChangeAspect="1"/>
+          </p:cNvSpPr>
+          <p:nvPr>
+            <p:ph type="sldImg"/>
+          </p:nvPr>
+        </p:nvSpPr>
+        <p:spPr/>
+      </p:sp>
+      <p:sp>
+        <p:nvSpPr>
+          <p:cNvPr id="3" name="Notes Placeholder 2"/>
+          <p:cNvSpPr>
+            <a:spLocks noGrp="1"/>
+          </p:cNvSpPr>
+          <p:nvPr>
+            <p:ph type="body" idx="1"/>
+          </p:nvPr>
+        </p:nvSpPr>
+        <p:spPr/>
+        <p:txBody>
+          <a:bodyPr/>
+          <a:lstStyle/>
+          <a:p>
+            <a:r>
+              <a:rPr lang="en-US" dirty="0" smtClean="0"/>
+              <a:t>Note that this is</a:t>
+            </a:r>
+            <a:r>
+              <a:rPr lang="en-US" baseline="0" dirty="0" smtClean="0"/>
+              <a:t> a copy so it works</a:t>
+            </a:r>
+            <a:endParaRPr lang="en-US" dirty="0"/>
+          </a:p>
+        </p:txBody>
+      </p:sp>
+      <p:sp>
+        <p:nvSpPr>
+          <p:cNvPr id="4" name="Slide Number Placeholder 3"/>
+          <p:cNvSpPr>
+            <a:spLocks noGrp="1"/>
+          </p:cNvSpPr>
+          <p:nvPr>
+            <p:ph type="sldNum" sz="quarter" idx="10"/>
+          </p:nvPr>
+        </p:nvSpPr>
+        <p:spPr/>
+        <p:txBody>
+          <a:bodyPr/>
+          <a:lstStyle/>
+          <a:p>
+            <a:fld id="{33EB61B5-0B25-4052-8EFA-97E46EEADB31}" type="slidenum">
+              <a:rPr lang="en-US" smtClean="0"/>
+              <a:t>14</a:t>
+            </a:fld>
+            <a:endParaRPr lang="en-US"/>
+          </a:p>
+        </p:txBody>
+      </p:sp>
+    </p:spTree>
+    <p:extLst>
+      <p:ext uri="{BB962C8B-B14F-4D97-AF65-F5344CB8AC3E}">
+        <p14:creationId xmlns:p14="http://schemas.microsoft.com/office/powerpoint/2010/main" val="1460097425"/>
+      </p:ext>
+    </p:extLst>
+  </p:cSld>
+  <p:clrMapOvr>
+    <a:masterClrMapping/>
+  </p:clrMapOvr>
+</p:notes>
+</file>
+
+<file path=ppt/notesSlides/notesSlide6.xml><?xml version="1.0" encoding="utf-8"?>
+<p:notes xmlns:a="http://schemas.openxmlformats.org/drawingml/2006/main" xmlns:r="http://schemas.openxmlformats.org/officeDocument/2006/relationships" xmlns:p="http://schemas.openxmlformats.org/presentationml/2006/main">
+  <p:cSld>
+    <p:spTree>
+      <p:nvGrpSpPr>
+        <p:cNvPr id="1" name=""/>
+        <p:cNvGrpSpPr/>
+        <p:nvPr/>
+      </p:nvGrpSpPr>
+      <p:grpSpPr>
+        <a:xfrm>
+          <a:off x="0" y="0"/>
+          <a:ext cx="0" cy="0"/>
+          <a:chOff x="0" y="0"/>
+          <a:chExt cx="0" cy="0"/>
+        </a:xfrm>
+      </p:grpSpPr>
+      <p:sp>
+        <p:nvSpPr>
+          <p:cNvPr id="2" name="Slide Image Placeholder 1"/>
+          <p:cNvSpPr>
+            <a:spLocks noGrp="1" noRot="1" noChangeAspect="1"/>
+          </p:cNvSpPr>
+          <p:nvPr>
+            <p:ph type="sldImg"/>
+          </p:nvPr>
+        </p:nvSpPr>
+        <p:spPr/>
+      </p:sp>
+      <p:sp>
+        <p:nvSpPr>
+          <p:cNvPr id="3" name="Notes Placeholder 2"/>
+          <p:cNvSpPr>
+            <a:spLocks noGrp="1"/>
+          </p:cNvSpPr>
+          <p:nvPr>
+            <p:ph type="body" idx="1"/>
+          </p:nvPr>
+        </p:nvSpPr>
+        <p:spPr/>
+        <p:txBody>
+          <a:bodyPr/>
+          <a:lstStyle/>
+          <a:p>
+            <a:r>
+              <a:rPr lang="en-US" dirty="0" smtClean="0"/>
+              <a:t>Creates the copy explicitly;</a:t>
+            </a:r>
+            <a:r>
+              <a:rPr lang="en-US" baseline="0" dirty="0" smtClean="0"/>
+              <a:t> safest</a:t>
+            </a:r>
+            <a:endParaRPr lang="en-US" dirty="0"/>
+          </a:p>
+        </p:txBody>
+      </p:sp>
+      <p:sp>
+        <p:nvSpPr>
+          <p:cNvPr id="4" name="Slide Number Placeholder 3"/>
+          <p:cNvSpPr>
+            <a:spLocks noGrp="1"/>
+          </p:cNvSpPr>
+          <p:nvPr>
+            <p:ph type="sldNum" sz="quarter" idx="10"/>
+          </p:nvPr>
+        </p:nvSpPr>
+        <p:spPr/>
+        <p:txBody>
+          <a:bodyPr/>
+          <a:lstStyle/>
+          <a:p>
+            <a:fld id="{33EB61B5-0B25-4052-8EFA-97E46EEADB31}" type="slidenum">
+              <a:rPr lang="en-US" smtClean="0"/>
+              <a:t>15</a:t>
+            </a:fld>
+            <a:endParaRPr lang="en-US"/>
+          </a:p>
+        </p:txBody>
+      </p:sp>
+    </p:spTree>
+    <p:extLst>
+      <p:ext uri="{BB962C8B-B14F-4D97-AF65-F5344CB8AC3E}">
+        <p14:creationId xmlns:p14="http://schemas.microsoft.com/office/powerpoint/2010/main" val="4208891642"/>
+      </p:ext>
+    </p:extLst>
+  </p:cSld>
+  <p:clrMapOvr>
+    <a:masterClrMapping/>
+  </p:clrMapOvr>
+</p:notes>
+</file>
+
+<file path=ppt/notesSlides/notesSlide7.xml><?xml version="1.0" encoding="utf-8"?>
+<p:notes xmlns:a="http://schemas.openxmlformats.org/drawingml/2006/main" xmlns:r="http://schemas.openxmlformats.org/officeDocument/2006/relationships" xmlns:p="http://schemas.openxmlformats.org/presentationml/2006/main">
+  <p:cSld>
+    <p:spTree>
+      <p:nvGrpSpPr>
+        <p:cNvPr id="1" name=""/>
+        <p:cNvGrpSpPr/>
+        <p:nvPr/>
+      </p:nvGrpSpPr>
+      <p:grpSpPr>
+        <a:xfrm>
+          <a:off x="0" y="0"/>
+          <a:ext cx="0" cy="0"/>
+          <a:chOff x="0" y="0"/>
+          <a:chExt cx="0" cy="0"/>
+        </a:xfrm>
+      </p:grpSpPr>
+      <p:sp>
+        <p:nvSpPr>
+          <p:cNvPr id="2" name="Slide Image Placeholder 1"/>
+          <p:cNvSpPr>
+            <a:spLocks noGrp="1" noRot="1" noChangeAspect="1"/>
+          </p:cNvSpPr>
+          <p:nvPr>
+            <p:ph type="sldImg"/>
+          </p:nvPr>
+        </p:nvSpPr>
+        <p:spPr/>
+      </p:sp>
+      <p:sp>
+        <p:nvSpPr>
+          <p:cNvPr id="3" name="Notes Placeholder 2"/>
+          <p:cNvSpPr>
+            <a:spLocks noGrp="1"/>
+          </p:cNvSpPr>
+          <p:nvPr>
+            <p:ph type="body" idx="1"/>
+          </p:nvPr>
+        </p:nvSpPr>
+        <p:spPr/>
+        <p:txBody>
+          <a:bodyPr/>
+          <a:lstStyle/>
+          <a:p>
+            <a:r>
+              <a:rPr lang="en-US" dirty="0" smtClean="0"/>
+              <a:t>NO</a:t>
+            </a:r>
+            <a:endParaRPr lang="en-US" dirty="0"/>
+          </a:p>
+        </p:txBody>
+      </p:sp>
+      <p:sp>
+        <p:nvSpPr>
+          <p:cNvPr id="4" name="Slide Number Placeholder 3"/>
+          <p:cNvSpPr>
+            <a:spLocks noGrp="1"/>
+          </p:cNvSpPr>
+          <p:nvPr>
+            <p:ph type="sldNum" sz="quarter" idx="10"/>
+          </p:nvPr>
+        </p:nvSpPr>
+        <p:spPr/>
+        <p:txBody>
+          <a:bodyPr/>
+          <a:lstStyle/>
+          <a:p>
+            <a:fld id="{33EB61B5-0B25-4052-8EFA-97E46EEADB31}" type="slidenum">
+              <a:rPr lang="en-US" smtClean="0"/>
+              <a:t>16</a:t>
+            </a:fld>
+            <a:endParaRPr lang="en-US"/>
+          </a:p>
+        </p:txBody>
+      </p:sp>
+    </p:spTree>
+    <p:extLst>
+      <p:ext uri="{BB962C8B-B14F-4D97-AF65-F5344CB8AC3E}">
+        <p14:creationId xmlns:p14="http://schemas.microsoft.com/office/powerpoint/2010/main" val="3363787870"/>
+      </p:ext>
+    </p:extLst>
+  </p:cSld>
+  <p:clrMapOvr>
+    <a:masterClrMapping/>
+  </p:clrMapOvr>
+</p:notes>
+</file>
+
+<file path=ppt/notesSlides/notesSlide8.xml><?xml version="1.0" encoding="utf-8"?>
+<p:notes xmlns:a="http://schemas.openxmlformats.org/drawingml/2006/main" xmlns:r="http://schemas.openxmlformats.org/officeDocument/2006/relationships" xmlns:p="http://schemas.openxmlformats.org/presentationml/2006/main">
+  <p:cSld>
+    <p:spTree>
+      <p:nvGrpSpPr>
+        <p:cNvPr id="1" name=""/>
+        <p:cNvGrpSpPr/>
+        <p:nvPr/>
+      </p:nvGrpSpPr>
+      <p:grpSpPr>
+        <a:xfrm>
+          <a:off x="0" y="0"/>
+          <a:ext cx="0" cy="0"/>
+          <a:chOff x="0" y="0"/>
+          <a:chExt cx="0" cy="0"/>
+        </a:xfrm>
+      </p:grpSpPr>
+      <p:sp>
+        <p:nvSpPr>
+          <p:cNvPr id="2" name="Slide Image Placeholder 1"/>
+          <p:cNvSpPr>
+            <a:spLocks noGrp="1" noRot="1" noChangeAspect="1"/>
+          </p:cNvSpPr>
+          <p:nvPr>
+            <p:ph type="sldImg"/>
+          </p:nvPr>
+        </p:nvSpPr>
+        <p:spPr/>
+      </p:sp>
+      <p:sp>
+        <p:nvSpPr>
+          <p:cNvPr id="3" name="Notes Placeholder 2"/>
+          <p:cNvSpPr>
+            <a:spLocks noGrp="1"/>
+          </p:cNvSpPr>
+          <p:nvPr>
+            <p:ph type="body" idx="1"/>
+          </p:nvPr>
+        </p:nvSpPr>
+        <p:spPr/>
+        <p:txBody>
+          <a:bodyPr/>
+          <a:lstStyle/>
+          <a:p>
+            <a:r>
+              <a:rPr lang="en-US" dirty="0" err="1" smtClean="0"/>
+              <a:t>t.join</a:t>
+            </a:r>
+            <a:r>
+              <a:rPr lang="en-US" dirty="0" smtClean="0"/>
+              <a:t>()</a:t>
+            </a:r>
+            <a:r>
+              <a:rPr lang="en-US" baseline="0" dirty="0" smtClean="0"/>
+              <a:t> is not called</a:t>
+            </a:r>
+            <a:endParaRPr lang="en-US" dirty="0"/>
+          </a:p>
+        </p:txBody>
+      </p:sp>
+      <p:sp>
+        <p:nvSpPr>
+          <p:cNvPr id="4" name="Slide Number Placeholder 3"/>
+          <p:cNvSpPr>
+            <a:spLocks noGrp="1"/>
+          </p:cNvSpPr>
+          <p:nvPr>
+            <p:ph type="sldNum" sz="quarter" idx="10"/>
+          </p:nvPr>
+        </p:nvSpPr>
+        <p:spPr/>
+        <p:txBody>
+          <a:bodyPr/>
+          <a:lstStyle/>
+          <a:p>
+            <a:fld id="{33EB61B5-0B25-4052-8EFA-97E46EEADB31}" type="slidenum">
+              <a:rPr lang="en-US" smtClean="0"/>
+              <a:t>22</a:t>
+            </a:fld>
+            <a:endParaRPr lang="en-US"/>
+          </a:p>
+        </p:txBody>
+      </p:sp>
+    </p:spTree>
+    <p:extLst>
+      <p:ext uri="{BB962C8B-B14F-4D97-AF65-F5344CB8AC3E}">
+        <p14:creationId xmlns:p14="http://schemas.microsoft.com/office/powerpoint/2010/main" val="821913854"/>
+      </p:ext>
+    </p:extLst>
+  </p:cSld>
+  <p:clrMapOvr>
+    <a:masterClrMapping/>
+  </p:clrMapOvr>
+</p:notes>
+</file>
+
+<file path=ppt/notesSlides/notesSlide9.xml><?xml version="1.0" encoding="utf-8"?>
+<p:notes xmlns:a="http://schemas.openxmlformats.org/drawingml/2006/main" xmlns:r="http://schemas.openxmlformats.org/officeDocument/2006/relationships" xmlns:p="http://schemas.openxmlformats.org/presentationml/2006/main">
+  <p:cSld>
+    <p:spTree>
+      <p:nvGrpSpPr>
+        <p:cNvPr id="1" name=""/>
+        <p:cNvGrpSpPr/>
+        <p:nvPr/>
+      </p:nvGrpSpPr>
+      <p:grpSpPr>
+        <a:xfrm>
+          <a:off x="0" y="0"/>
+          <a:ext cx="0" cy="0"/>
+          <a:chOff x="0" y="0"/>
+          <a:chExt cx="0" cy="0"/>
+        </a:xfrm>
+      </p:grpSpPr>
+      <p:sp>
+        <p:nvSpPr>
+          <p:cNvPr id="2" name="Slide Image Placeholder 1"/>
+          <p:cNvSpPr>
+            <a:spLocks noGrp="1" noRot="1" noChangeAspect="1"/>
+          </p:cNvSpPr>
+          <p:nvPr>
+            <p:ph type="sldImg"/>
+          </p:nvPr>
+        </p:nvSpPr>
+        <p:spPr/>
+      </p:sp>
+      <p:sp>
+        <p:nvSpPr>
+          <p:cNvPr id="3" name="Notes Placeholder 2"/>
+          <p:cNvSpPr>
+            <a:spLocks noGrp="1"/>
+          </p:cNvSpPr>
+          <p:nvPr>
+            <p:ph type="body" idx="1"/>
+          </p:nvPr>
+        </p:nvSpPr>
+        <p:spPr/>
+        <p:txBody>
+          <a:bodyPr/>
+          <a:lstStyle/>
+          <a:p>
+            <a:r>
+              <a:rPr lang="en-US" dirty="0" smtClean="0"/>
+              <a:t>{f} passes f to the thread constructor</a:t>
+            </a:r>
+            <a:endParaRPr lang="en-US" dirty="0"/>
+          </a:p>
+        </p:txBody>
+      </p:sp>
+      <p:sp>
+        <p:nvSpPr>
+          <p:cNvPr id="4" name="Slide Number Placeholder 3"/>
+          <p:cNvSpPr>
+            <a:spLocks noGrp="1"/>
+          </p:cNvSpPr>
+          <p:nvPr>
+            <p:ph type="sldNum" sz="quarter" idx="10"/>
+          </p:nvPr>
+        </p:nvSpPr>
+        <p:spPr/>
+        <p:txBody>
+          <a:bodyPr/>
+          <a:lstStyle/>
+          <a:p>
+            <a:fld id="{33EB61B5-0B25-4052-8EFA-97E46EEADB31}" type="slidenum">
+              <a:rPr lang="en-US" smtClean="0"/>
+              <a:t>28</a:t>
+            </a:fld>
+            <a:endParaRPr lang="en-US"/>
+          </a:p>
+        </p:txBody>
+      </p:sp>
+    </p:spTree>
+    <p:extLst>
+      <p:ext uri="{BB962C8B-B14F-4D97-AF65-F5344CB8AC3E}">
+        <p14:creationId xmlns:p14="http://schemas.microsoft.com/office/powerpoint/2010/main" val="2472697789"/>
+      </p:ext>
+    </p:extLst>
+  </p:cSld>
+  <p:clrMapOvr>
+    <a:masterClrMapping/>
+  </p:clrMapOvr>
+</p:notes>
+</file>
+
 <file path=ppt/slideLayouts/slideLayout1.xml><?xml version="1.0" encoding="utf-8"?>
 <p:sldLayout xmlns:a="http://schemas.openxmlformats.org/drawingml/2006/main" xmlns:r="http://schemas.openxmlformats.org/officeDocument/2006/relationships" xmlns:p="http://schemas.openxmlformats.org/presentationml/2006/main" showMasterSp="0" type="title" preserve="1">
   <p:cSld name="Title Slide">
@@ -681,7 +1509,7 @@
           <a:p>
             <a:fld id="{9769DED8-28D4-45B9-A00F-7CFE9335FEA6}" type="datetime1">
               <a:rPr lang="en-US" smtClean="0"/>
-              <a:t>1/14/2014</a:t>
+              <a:t>1/27/2014</a:t>
             </a:fld>
             <a:endParaRPr lang="en-US"/>
           </a:p>
@@ -946,7 +1774,7 @@
           <a:p>
             <a:fld id="{2DB3D439-1F88-44B4-B5F7-F9BCD4064257}" type="datetime1">
               <a:rPr lang="en-US" smtClean="0"/>
-              <a:t>1/14/2014</a:t>
+              <a:t>1/27/2014</a:t>
             </a:fld>
             <a:endParaRPr lang="en-US"/>
           </a:p>
@@ -1121,7 +1949,7 @@
           <a:p>
             <a:fld id="{99C5638F-6F55-4055-935C-67841BE78C36}" type="datetime1">
               <a:rPr lang="en-US" smtClean="0"/>
-              <a:t>1/14/2014</a:t>
+              <a:t>1/27/2014</a:t>
             </a:fld>
             <a:endParaRPr lang="en-US"/>
           </a:p>
@@ -1286,7 +2114,7 @@
           <a:p>
             <a:fld id="{E6987D90-0C92-4B22-A29D-FED15412CED2}" type="datetime1">
               <a:rPr lang="en-US" smtClean="0"/>
-              <a:t>1/14/2014</a:t>
+              <a:t>1/27/2014</a:t>
             </a:fld>
             <a:endParaRPr lang="en-US"/>
           </a:p>
@@ -1535,7 +2363,7 @@
           <a:p>
             <a:fld id="{DDB67BC4-9554-49E0-BCB3-D1EF965BA0B8}" type="datetime1">
               <a:rPr lang="en-US" smtClean="0"/>
-              <a:t>1/14/2014</a:t>
+              <a:t>1/27/2014</a:t>
             </a:fld>
             <a:endParaRPr lang="en-US"/>
           </a:p>
@@ -1818,7 +2646,7 @@
           <a:p>
             <a:fld id="{EC24D770-803D-4E01-921C-9C100DD8230C}" type="datetime1">
               <a:rPr lang="en-US" smtClean="0"/>
-              <a:t>1/14/2014</a:t>
+              <a:t>1/27/2014</a:t>
             </a:fld>
             <a:endParaRPr lang="en-US"/>
           </a:p>
@@ -2257,7 +3085,7 @@
           <a:p>
             <a:fld id="{356AD44B-78A4-4209-8070-7DCBE2DC4992}" type="datetime1">
               <a:rPr lang="en-US" smtClean="0"/>
-              <a:t>1/14/2014</a:t>
+              <a:t>1/27/2014</a:t>
             </a:fld>
             <a:endParaRPr lang="en-US"/>
           </a:p>
@@ -2370,7 +3198,7 @@
           <a:p>
             <a:fld id="{A993C59A-7CA2-467F-B7F1-9096881A01B8}" type="datetime1">
               <a:rPr lang="en-US" smtClean="0"/>
-              <a:t>1/14/2014</a:t>
+              <a:t>1/27/2014</a:t>
             </a:fld>
             <a:endParaRPr lang="en-US"/>
           </a:p>
@@ -2460,7 +3288,7 @@
           <a:p>
             <a:fld id="{2B6B58D0-2488-434A-8ED1-692E09B85CC5}" type="datetime1">
               <a:rPr lang="en-US" smtClean="0"/>
-              <a:t>1/14/2014</a:t>
+              <a:t>1/27/2014</a:t>
             </a:fld>
             <a:endParaRPr lang="en-US"/>
           </a:p>
@@ -2702,7 +3530,7 @@
           <a:p>
             <a:fld id="{FDB0AFC2-7D64-4F61-A7B7-9932D3305DDA}" type="datetime1">
               <a:rPr lang="en-US" smtClean="0"/>
-              <a:t>1/14/2014</a:t>
+              <a:t>1/27/2014</a:t>
             </a:fld>
             <a:endParaRPr lang="en-US"/>
           </a:p>
@@ -2996,7 +3824,7 @@
           <a:p>
             <a:fld id="{4983D17A-D7B2-4ECE-8A2C-93679B9D177B}" type="datetime1">
               <a:rPr lang="en-US" smtClean="0"/>
-              <a:t>1/14/2014</a:t>
+              <a:t>1/27/2014</a:t>
             </a:fld>
             <a:endParaRPr lang="en-US"/>
           </a:p>
@@ -3290,7 +4118,7 @@
           <a:p>
             <a:fld id="{2A5275F7-419E-4C23-8A3D-2EE5742B2EC9}" type="datetime1">
               <a:rPr lang="en-US" smtClean="0"/>
-              <a:t>1/14/2014</a:t>
+              <a:t>1/27/2014</a:t>
             </a:fld>
             <a:endParaRPr lang="en-US"/>
           </a:p>

--- a/Lectures/Threads/Threads.pptx
+++ b/Lectures/Threads/Threads.pptx
@@ -135,6 +135,22 @@
       </a:defRPr>
     </a:lvl9pPr>
   </p:defaultTextStyle>
+  <p:extLst>
+    <p:ext uri="{EFAFB233-063F-42B5-8137-9DF3F51BA10A}">
+      <p15:sldGuideLst xmlns:p15="http://schemas.microsoft.com/office/powerpoint/2012/main">
+        <p15:guide id="1" orient="horz" pos="2160">
+          <p15:clr>
+            <a:srgbClr val="A4A3A4"/>
+          </p15:clr>
+        </p15:guide>
+        <p15:guide id="2" pos="2880">
+          <p15:clr>
+            <a:srgbClr val="A4A3A4"/>
+          </p15:clr>
+        </p15:guide>
+      </p15:sldGuideLst>
+    </p:ext>
+  </p:extLst>
 </p:presentation>
 </file>
 
@@ -220,7 +236,7 @@
           <a:p>
             <a:fld id="{DBE0ECA1-3FBF-48AE-AD2A-4439AE745E19}" type="datetimeFigureOut">
               <a:rPr lang="en-US" smtClean="0"/>
-              <a:t>1/14/2014</a:t>
+              <a:t>1/27/2014</a:t>
             </a:fld>
             <a:endParaRPr lang="en-US"/>
           </a:p>
@@ -488,6 +504,2117 @@
 </p:notesMaster>
 </file>
 
+<file path=ppt/notesSlides/notesSlide1.xml><?xml version="1.0" encoding="utf-8"?>
+<p:notes xmlns:a="http://schemas.openxmlformats.org/drawingml/2006/main" xmlns:r="http://schemas.openxmlformats.org/officeDocument/2006/relationships" xmlns:p="http://schemas.openxmlformats.org/presentationml/2006/main">
+  <p:cSld>
+    <p:spTree>
+      <p:nvGrpSpPr>
+        <p:cNvPr id="1" name=""/>
+        <p:cNvGrpSpPr/>
+        <p:nvPr/>
+      </p:nvGrpSpPr>
+      <p:grpSpPr>
+        <a:xfrm>
+          <a:off x="0" y="0"/>
+          <a:ext cx="0" cy="0"/>
+          <a:chOff x="0" y="0"/>
+          <a:chExt cx="0" cy="0"/>
+        </a:xfrm>
+      </p:grpSpPr>
+      <p:sp>
+        <p:nvSpPr>
+          <p:cNvPr id="2" name="Slide Image Placeholder 1"/>
+          <p:cNvSpPr>
+            <a:spLocks noGrp="1" noRot="1" noChangeAspect="1"/>
+          </p:cNvSpPr>
+          <p:nvPr>
+            <p:ph type="sldImg"/>
+          </p:nvPr>
+        </p:nvSpPr>
+        <p:spPr/>
+      </p:sp>
+      <p:sp>
+        <p:nvSpPr>
+          <p:cNvPr id="3" name="Notes Placeholder 2"/>
+          <p:cNvSpPr>
+            <a:spLocks noGrp="1"/>
+          </p:cNvSpPr>
+          <p:nvPr>
+            <p:ph type="body" idx="1"/>
+          </p:nvPr>
+        </p:nvSpPr>
+        <p:spPr/>
+        <p:txBody>
+          <a:bodyPr/>
+          <a:lstStyle/>
+          <a:p>
+            <a:endParaRPr lang="en-US" dirty="0"/>
+          </a:p>
+        </p:txBody>
+      </p:sp>
+      <p:sp>
+        <p:nvSpPr>
+          <p:cNvPr id="4" name="Slide Number Placeholder 3"/>
+          <p:cNvSpPr>
+            <a:spLocks noGrp="1"/>
+          </p:cNvSpPr>
+          <p:nvPr>
+            <p:ph type="sldNum" sz="quarter" idx="10"/>
+          </p:nvPr>
+        </p:nvSpPr>
+        <p:spPr/>
+        <p:txBody>
+          <a:bodyPr/>
+          <a:lstStyle/>
+          <a:p>
+            <a:fld id="{33EB61B5-0B25-4052-8EFA-97E46EEADB31}" type="slidenum">
+              <a:rPr lang="en-US" smtClean="0"/>
+              <a:t>2</a:t>
+            </a:fld>
+            <a:endParaRPr lang="en-US"/>
+          </a:p>
+        </p:txBody>
+      </p:sp>
+    </p:spTree>
+    <p:extLst>
+      <p:ext uri="{BB962C8B-B14F-4D97-AF65-F5344CB8AC3E}">
+        <p14:creationId xmlns:p14="http://schemas.microsoft.com/office/powerpoint/2010/main" val="4084361386"/>
+      </p:ext>
+    </p:extLst>
+  </p:cSld>
+  <p:clrMapOvr>
+    <a:masterClrMapping/>
+  </p:clrMapOvr>
+</p:notes>
+</file>
+
+<file path=ppt/notesSlides/notesSlide10.xml><?xml version="1.0" encoding="utf-8"?>
+<p:notes xmlns:a="http://schemas.openxmlformats.org/drawingml/2006/main" xmlns:r="http://schemas.openxmlformats.org/officeDocument/2006/relationships" xmlns:p="http://schemas.openxmlformats.org/presentationml/2006/main">
+  <p:cSld>
+    <p:spTree>
+      <p:nvGrpSpPr>
+        <p:cNvPr id="1" name=""/>
+        <p:cNvGrpSpPr/>
+        <p:nvPr/>
+      </p:nvGrpSpPr>
+      <p:grpSpPr>
+        <a:xfrm>
+          <a:off x="0" y="0"/>
+          <a:ext cx="0" cy="0"/>
+          <a:chOff x="0" y="0"/>
+          <a:chExt cx="0" cy="0"/>
+        </a:xfrm>
+      </p:grpSpPr>
+      <p:sp>
+        <p:nvSpPr>
+          <p:cNvPr id="2" name="Slide Image Placeholder 1"/>
+          <p:cNvSpPr>
+            <a:spLocks noGrp="1" noRot="1" noChangeAspect="1"/>
+          </p:cNvSpPr>
+          <p:nvPr>
+            <p:ph type="sldImg"/>
+          </p:nvPr>
+        </p:nvSpPr>
+        <p:spPr/>
+      </p:sp>
+      <p:sp>
+        <p:nvSpPr>
+          <p:cNvPr id="3" name="Notes Placeholder 2"/>
+          <p:cNvSpPr>
+            <a:spLocks noGrp="1"/>
+          </p:cNvSpPr>
+          <p:nvPr>
+            <p:ph type="body" idx="1"/>
+          </p:nvPr>
+        </p:nvSpPr>
+        <p:spPr/>
+        <p:txBody>
+          <a:bodyPr/>
+          <a:lstStyle/>
+          <a:p>
+            <a:r>
+              <a:rPr lang="en-US" dirty="0" smtClean="0"/>
+              <a:t>You don’t want</a:t>
+            </a:r>
+            <a:r>
+              <a:rPr lang="en-US" baseline="0" dirty="0" smtClean="0"/>
+              <a:t> thread to outlive lifetime of the object</a:t>
+            </a:r>
+            <a:endParaRPr lang="en-US" dirty="0"/>
+          </a:p>
+        </p:txBody>
+      </p:sp>
+      <p:sp>
+        <p:nvSpPr>
+          <p:cNvPr id="4" name="Slide Number Placeholder 3"/>
+          <p:cNvSpPr>
+            <a:spLocks noGrp="1"/>
+          </p:cNvSpPr>
+          <p:nvPr>
+            <p:ph type="sldNum" sz="quarter" idx="10"/>
+          </p:nvPr>
+        </p:nvSpPr>
+        <p:spPr/>
+        <p:txBody>
+          <a:bodyPr/>
+          <a:lstStyle/>
+          <a:p>
+            <a:fld id="{33EB61B5-0B25-4052-8EFA-97E46EEADB31}" type="slidenum">
+              <a:rPr lang="en-US" smtClean="0"/>
+              <a:t>12</a:t>
+            </a:fld>
+            <a:endParaRPr lang="en-US"/>
+          </a:p>
+        </p:txBody>
+      </p:sp>
+    </p:spTree>
+    <p:extLst>
+      <p:ext uri="{BB962C8B-B14F-4D97-AF65-F5344CB8AC3E}">
+        <p14:creationId xmlns:p14="http://schemas.microsoft.com/office/powerpoint/2010/main" val="3506597993"/>
+      </p:ext>
+    </p:extLst>
+  </p:cSld>
+  <p:clrMapOvr>
+    <a:masterClrMapping/>
+  </p:clrMapOvr>
+</p:notes>
+</file>
+
+<file path=ppt/notesSlides/notesSlide11.xml><?xml version="1.0" encoding="utf-8"?>
+<p:notes xmlns:a="http://schemas.openxmlformats.org/drawingml/2006/main" xmlns:r="http://schemas.openxmlformats.org/officeDocument/2006/relationships" xmlns:p="http://schemas.openxmlformats.org/presentationml/2006/main">
+  <p:cSld>
+    <p:spTree>
+      <p:nvGrpSpPr>
+        <p:cNvPr id="1" name=""/>
+        <p:cNvGrpSpPr/>
+        <p:nvPr/>
+      </p:nvGrpSpPr>
+      <p:grpSpPr>
+        <a:xfrm>
+          <a:off x="0" y="0"/>
+          <a:ext cx="0" cy="0"/>
+          <a:chOff x="0" y="0"/>
+          <a:chExt cx="0" cy="0"/>
+        </a:xfrm>
+      </p:grpSpPr>
+      <p:sp>
+        <p:nvSpPr>
+          <p:cNvPr id="2" name="Slide Image Placeholder 1"/>
+          <p:cNvSpPr>
+            <a:spLocks noGrp="1" noRot="1" noChangeAspect="1"/>
+          </p:cNvSpPr>
+          <p:nvPr>
+            <p:ph type="sldImg"/>
+          </p:nvPr>
+        </p:nvSpPr>
+        <p:spPr/>
+      </p:sp>
+      <p:sp>
+        <p:nvSpPr>
+          <p:cNvPr id="3" name="Notes Placeholder 2"/>
+          <p:cNvSpPr>
+            <a:spLocks noGrp="1"/>
+          </p:cNvSpPr>
+          <p:nvPr>
+            <p:ph type="body" idx="1"/>
+          </p:nvPr>
+        </p:nvSpPr>
+        <p:spPr/>
+        <p:txBody>
+          <a:bodyPr/>
+          <a:lstStyle/>
+          <a:p>
+            <a:endParaRPr lang="en-US" dirty="0"/>
+          </a:p>
+        </p:txBody>
+      </p:sp>
+      <p:sp>
+        <p:nvSpPr>
+          <p:cNvPr id="4" name="Slide Number Placeholder 3"/>
+          <p:cNvSpPr>
+            <a:spLocks noGrp="1"/>
+          </p:cNvSpPr>
+          <p:nvPr>
+            <p:ph type="sldNum" sz="quarter" idx="10"/>
+          </p:nvPr>
+        </p:nvSpPr>
+        <p:spPr/>
+        <p:txBody>
+          <a:bodyPr/>
+          <a:lstStyle/>
+          <a:p>
+            <a:fld id="{33EB61B5-0B25-4052-8EFA-97E46EEADB31}" type="slidenum">
+              <a:rPr lang="en-US" smtClean="0"/>
+              <a:t>13</a:t>
+            </a:fld>
+            <a:endParaRPr lang="en-US"/>
+          </a:p>
+        </p:txBody>
+      </p:sp>
+    </p:spTree>
+    <p:extLst>
+      <p:ext uri="{BB962C8B-B14F-4D97-AF65-F5344CB8AC3E}">
+        <p14:creationId xmlns:p14="http://schemas.microsoft.com/office/powerpoint/2010/main" val="2271687407"/>
+      </p:ext>
+    </p:extLst>
+  </p:cSld>
+  <p:clrMapOvr>
+    <a:masterClrMapping/>
+  </p:clrMapOvr>
+</p:notes>
+</file>
+
+<file path=ppt/notesSlides/notesSlide12.xml><?xml version="1.0" encoding="utf-8"?>
+<p:notes xmlns:a="http://schemas.openxmlformats.org/drawingml/2006/main" xmlns:r="http://schemas.openxmlformats.org/officeDocument/2006/relationships" xmlns:p="http://schemas.openxmlformats.org/presentationml/2006/main">
+  <p:cSld>
+    <p:spTree>
+      <p:nvGrpSpPr>
+        <p:cNvPr id="1" name=""/>
+        <p:cNvGrpSpPr/>
+        <p:nvPr/>
+      </p:nvGrpSpPr>
+      <p:grpSpPr>
+        <a:xfrm>
+          <a:off x="0" y="0"/>
+          <a:ext cx="0" cy="0"/>
+          <a:chOff x="0" y="0"/>
+          <a:chExt cx="0" cy="0"/>
+        </a:xfrm>
+      </p:grpSpPr>
+      <p:sp>
+        <p:nvSpPr>
+          <p:cNvPr id="2" name="Slide Image Placeholder 1"/>
+          <p:cNvSpPr>
+            <a:spLocks noGrp="1" noRot="1" noChangeAspect="1"/>
+          </p:cNvSpPr>
+          <p:nvPr>
+            <p:ph type="sldImg"/>
+          </p:nvPr>
+        </p:nvSpPr>
+        <p:spPr/>
+      </p:sp>
+      <p:sp>
+        <p:nvSpPr>
+          <p:cNvPr id="3" name="Notes Placeholder 2"/>
+          <p:cNvSpPr>
+            <a:spLocks noGrp="1"/>
+          </p:cNvSpPr>
+          <p:nvPr>
+            <p:ph type="body" idx="1"/>
+          </p:nvPr>
+        </p:nvSpPr>
+        <p:spPr/>
+        <p:txBody>
+          <a:bodyPr/>
+          <a:lstStyle/>
+          <a:p>
+            <a:r>
+              <a:rPr lang="en-US" dirty="0" smtClean="0"/>
+              <a:t>Everything</a:t>
+            </a:r>
+            <a:r>
+              <a:rPr lang="en-US" baseline="0" dirty="0" smtClean="0"/>
+              <a:t> works because the string is not passed by reference</a:t>
+            </a:r>
+            <a:endParaRPr lang="en-US" dirty="0"/>
+          </a:p>
+        </p:txBody>
+      </p:sp>
+      <p:sp>
+        <p:nvSpPr>
+          <p:cNvPr id="4" name="Slide Number Placeholder 3"/>
+          <p:cNvSpPr>
+            <a:spLocks noGrp="1"/>
+          </p:cNvSpPr>
+          <p:nvPr>
+            <p:ph type="sldNum" sz="quarter" idx="10"/>
+          </p:nvPr>
+        </p:nvSpPr>
+        <p:spPr/>
+        <p:txBody>
+          <a:bodyPr/>
+          <a:lstStyle/>
+          <a:p>
+            <a:fld id="{33EB61B5-0B25-4052-8EFA-97E46EEADB31}" type="slidenum">
+              <a:rPr lang="en-US" smtClean="0"/>
+              <a:t>14</a:t>
+            </a:fld>
+            <a:endParaRPr lang="en-US"/>
+          </a:p>
+        </p:txBody>
+      </p:sp>
+    </p:spTree>
+    <p:extLst>
+      <p:ext uri="{BB962C8B-B14F-4D97-AF65-F5344CB8AC3E}">
+        <p14:creationId xmlns:p14="http://schemas.microsoft.com/office/powerpoint/2010/main" val="1973871682"/>
+      </p:ext>
+    </p:extLst>
+  </p:cSld>
+  <p:clrMapOvr>
+    <a:masterClrMapping/>
+  </p:clrMapOvr>
+</p:notes>
+</file>
+
+<file path=ppt/notesSlides/notesSlide13.xml><?xml version="1.0" encoding="utf-8"?>
+<p:notes xmlns:a="http://schemas.openxmlformats.org/drawingml/2006/main" xmlns:r="http://schemas.openxmlformats.org/officeDocument/2006/relationships" xmlns:p="http://schemas.openxmlformats.org/presentationml/2006/main">
+  <p:cSld>
+    <p:spTree>
+      <p:nvGrpSpPr>
+        <p:cNvPr id="1" name=""/>
+        <p:cNvGrpSpPr/>
+        <p:nvPr/>
+      </p:nvGrpSpPr>
+      <p:grpSpPr>
+        <a:xfrm>
+          <a:off x="0" y="0"/>
+          <a:ext cx="0" cy="0"/>
+          <a:chOff x="0" y="0"/>
+          <a:chExt cx="0" cy="0"/>
+        </a:xfrm>
+      </p:grpSpPr>
+      <p:sp>
+        <p:nvSpPr>
+          <p:cNvPr id="2" name="Slide Image Placeholder 1"/>
+          <p:cNvSpPr>
+            <a:spLocks noGrp="1" noRot="1" noChangeAspect="1"/>
+          </p:cNvSpPr>
+          <p:nvPr>
+            <p:ph type="sldImg"/>
+          </p:nvPr>
+        </p:nvSpPr>
+        <p:spPr/>
+      </p:sp>
+      <p:sp>
+        <p:nvSpPr>
+          <p:cNvPr id="3" name="Notes Placeholder 2"/>
+          <p:cNvSpPr>
+            <a:spLocks noGrp="1"/>
+          </p:cNvSpPr>
+          <p:nvPr>
+            <p:ph type="body" idx="1"/>
+          </p:nvPr>
+        </p:nvSpPr>
+        <p:spPr/>
+        <p:txBody>
+          <a:bodyPr/>
+          <a:lstStyle/>
+          <a:p>
+            <a:endParaRPr lang="en-US" dirty="0"/>
+          </a:p>
+        </p:txBody>
+      </p:sp>
+      <p:sp>
+        <p:nvSpPr>
+          <p:cNvPr id="4" name="Slide Number Placeholder 3"/>
+          <p:cNvSpPr>
+            <a:spLocks noGrp="1"/>
+          </p:cNvSpPr>
+          <p:nvPr>
+            <p:ph type="sldNum" sz="quarter" idx="10"/>
+          </p:nvPr>
+        </p:nvSpPr>
+        <p:spPr/>
+        <p:txBody>
+          <a:bodyPr/>
+          <a:lstStyle/>
+          <a:p>
+            <a:fld id="{33EB61B5-0B25-4052-8EFA-97E46EEADB31}" type="slidenum">
+              <a:rPr lang="en-US" smtClean="0"/>
+              <a:t>17</a:t>
+            </a:fld>
+            <a:endParaRPr lang="en-US"/>
+          </a:p>
+        </p:txBody>
+      </p:sp>
+    </p:spTree>
+    <p:extLst>
+      <p:ext uri="{BB962C8B-B14F-4D97-AF65-F5344CB8AC3E}">
+        <p14:creationId xmlns:p14="http://schemas.microsoft.com/office/powerpoint/2010/main" val="467636605"/>
+      </p:ext>
+    </p:extLst>
+  </p:cSld>
+  <p:clrMapOvr>
+    <a:masterClrMapping/>
+  </p:clrMapOvr>
+</p:notes>
+</file>
+
+<file path=ppt/notesSlides/notesSlide14.xml><?xml version="1.0" encoding="utf-8"?>
+<p:notes xmlns:a="http://schemas.openxmlformats.org/drawingml/2006/main" xmlns:r="http://schemas.openxmlformats.org/officeDocument/2006/relationships" xmlns:p="http://schemas.openxmlformats.org/presentationml/2006/main">
+  <p:cSld>
+    <p:spTree>
+      <p:nvGrpSpPr>
+        <p:cNvPr id="1" name=""/>
+        <p:cNvGrpSpPr/>
+        <p:nvPr/>
+      </p:nvGrpSpPr>
+      <p:grpSpPr>
+        <a:xfrm>
+          <a:off x="0" y="0"/>
+          <a:ext cx="0" cy="0"/>
+          <a:chOff x="0" y="0"/>
+          <a:chExt cx="0" cy="0"/>
+        </a:xfrm>
+      </p:grpSpPr>
+      <p:sp>
+        <p:nvSpPr>
+          <p:cNvPr id="2" name="Slide Image Placeholder 1"/>
+          <p:cNvSpPr>
+            <a:spLocks noGrp="1" noRot="1" noChangeAspect="1"/>
+          </p:cNvSpPr>
+          <p:nvPr>
+            <p:ph type="sldImg"/>
+          </p:nvPr>
+        </p:nvSpPr>
+        <p:spPr/>
+      </p:sp>
+      <p:sp>
+        <p:nvSpPr>
+          <p:cNvPr id="3" name="Notes Placeholder 2"/>
+          <p:cNvSpPr>
+            <a:spLocks noGrp="1"/>
+          </p:cNvSpPr>
+          <p:nvPr>
+            <p:ph type="body" idx="1"/>
+          </p:nvPr>
+        </p:nvSpPr>
+        <p:spPr/>
+        <p:txBody>
+          <a:bodyPr/>
+          <a:lstStyle/>
+          <a:p>
+            <a:r>
+              <a:rPr lang="en-US" dirty="0" smtClean="0"/>
+              <a:t>As long as the thread object has not been destroyed, it’s fine</a:t>
+            </a:r>
+            <a:endParaRPr lang="en-US" dirty="0"/>
+          </a:p>
+        </p:txBody>
+      </p:sp>
+      <p:sp>
+        <p:nvSpPr>
+          <p:cNvPr id="4" name="Slide Number Placeholder 3"/>
+          <p:cNvSpPr>
+            <a:spLocks noGrp="1"/>
+          </p:cNvSpPr>
+          <p:nvPr>
+            <p:ph type="sldNum" sz="quarter" idx="10"/>
+          </p:nvPr>
+        </p:nvSpPr>
+        <p:spPr/>
+        <p:txBody>
+          <a:bodyPr/>
+          <a:lstStyle/>
+          <a:p>
+            <a:fld id="{33EB61B5-0B25-4052-8EFA-97E46EEADB31}" type="slidenum">
+              <a:rPr lang="en-US" smtClean="0"/>
+              <a:t>19</a:t>
+            </a:fld>
+            <a:endParaRPr lang="en-US"/>
+          </a:p>
+        </p:txBody>
+      </p:sp>
+    </p:spTree>
+    <p:extLst>
+      <p:ext uri="{BB962C8B-B14F-4D97-AF65-F5344CB8AC3E}">
+        <p14:creationId xmlns:p14="http://schemas.microsoft.com/office/powerpoint/2010/main" val="1949021845"/>
+      </p:ext>
+    </p:extLst>
+  </p:cSld>
+  <p:clrMapOvr>
+    <a:masterClrMapping/>
+  </p:clrMapOvr>
+</p:notes>
+</file>
+
+<file path=ppt/notesSlides/notesSlide15.xml><?xml version="1.0" encoding="utf-8"?>
+<p:notes xmlns:a="http://schemas.openxmlformats.org/drawingml/2006/main" xmlns:r="http://schemas.openxmlformats.org/officeDocument/2006/relationships" xmlns:p="http://schemas.openxmlformats.org/presentationml/2006/main">
+  <p:cSld>
+    <p:spTree>
+      <p:nvGrpSpPr>
+        <p:cNvPr id="1" name=""/>
+        <p:cNvGrpSpPr/>
+        <p:nvPr/>
+      </p:nvGrpSpPr>
+      <p:grpSpPr>
+        <a:xfrm>
+          <a:off x="0" y="0"/>
+          <a:ext cx="0" cy="0"/>
+          <a:chOff x="0" y="0"/>
+          <a:chExt cx="0" cy="0"/>
+        </a:xfrm>
+      </p:grpSpPr>
+      <p:sp>
+        <p:nvSpPr>
+          <p:cNvPr id="2" name="Slide Image Placeholder 1"/>
+          <p:cNvSpPr>
+            <a:spLocks noGrp="1" noRot="1" noChangeAspect="1"/>
+          </p:cNvSpPr>
+          <p:nvPr>
+            <p:ph type="sldImg"/>
+          </p:nvPr>
+        </p:nvSpPr>
+        <p:spPr/>
+      </p:sp>
+      <p:sp>
+        <p:nvSpPr>
+          <p:cNvPr id="3" name="Notes Placeholder 2"/>
+          <p:cNvSpPr>
+            <a:spLocks noGrp="1"/>
+          </p:cNvSpPr>
+          <p:nvPr>
+            <p:ph type="body" idx="1"/>
+          </p:nvPr>
+        </p:nvSpPr>
+        <p:spPr/>
+        <p:txBody>
+          <a:bodyPr/>
+          <a:lstStyle/>
+          <a:p>
+            <a:endParaRPr lang="en-US" dirty="0"/>
+          </a:p>
+        </p:txBody>
+      </p:sp>
+      <p:sp>
+        <p:nvSpPr>
+          <p:cNvPr id="4" name="Slide Number Placeholder 3"/>
+          <p:cNvSpPr>
+            <a:spLocks noGrp="1"/>
+          </p:cNvSpPr>
+          <p:nvPr>
+            <p:ph type="sldNum" sz="quarter" idx="10"/>
+          </p:nvPr>
+        </p:nvSpPr>
+        <p:spPr/>
+        <p:txBody>
+          <a:bodyPr/>
+          <a:lstStyle/>
+          <a:p>
+            <a:fld id="{33EB61B5-0B25-4052-8EFA-97E46EEADB31}" type="slidenum">
+              <a:rPr lang="en-US" smtClean="0"/>
+              <a:t>21</a:t>
+            </a:fld>
+            <a:endParaRPr lang="en-US"/>
+          </a:p>
+        </p:txBody>
+      </p:sp>
+    </p:spTree>
+    <p:extLst>
+      <p:ext uri="{BB962C8B-B14F-4D97-AF65-F5344CB8AC3E}">
+        <p14:creationId xmlns:p14="http://schemas.microsoft.com/office/powerpoint/2010/main" val="2654122878"/>
+      </p:ext>
+    </p:extLst>
+  </p:cSld>
+  <p:clrMapOvr>
+    <a:masterClrMapping/>
+  </p:clrMapOvr>
+</p:notes>
+</file>
+
+<file path=ppt/notesSlides/notesSlide16.xml><?xml version="1.0" encoding="utf-8"?>
+<p:notes xmlns:a="http://schemas.openxmlformats.org/drawingml/2006/main" xmlns:r="http://schemas.openxmlformats.org/officeDocument/2006/relationships" xmlns:p="http://schemas.openxmlformats.org/presentationml/2006/main">
+  <p:cSld>
+    <p:spTree>
+      <p:nvGrpSpPr>
+        <p:cNvPr id="1" name=""/>
+        <p:cNvGrpSpPr/>
+        <p:nvPr/>
+      </p:nvGrpSpPr>
+      <p:grpSpPr>
+        <a:xfrm>
+          <a:off x="0" y="0"/>
+          <a:ext cx="0" cy="0"/>
+          <a:chOff x="0" y="0"/>
+          <a:chExt cx="0" cy="0"/>
+        </a:xfrm>
+      </p:grpSpPr>
+      <p:sp>
+        <p:nvSpPr>
+          <p:cNvPr id="2" name="Slide Image Placeholder 1"/>
+          <p:cNvSpPr>
+            <a:spLocks noGrp="1" noRot="1" noChangeAspect="1"/>
+          </p:cNvSpPr>
+          <p:nvPr>
+            <p:ph type="sldImg"/>
+          </p:nvPr>
+        </p:nvSpPr>
+        <p:spPr/>
+      </p:sp>
+      <p:sp>
+        <p:nvSpPr>
+          <p:cNvPr id="3" name="Notes Placeholder 2"/>
+          <p:cNvSpPr>
+            <a:spLocks noGrp="1"/>
+          </p:cNvSpPr>
+          <p:nvPr>
+            <p:ph type="body" idx="1"/>
+          </p:nvPr>
+        </p:nvSpPr>
+        <p:spPr/>
+        <p:txBody>
+          <a:bodyPr/>
+          <a:lstStyle/>
+          <a:p>
+            <a:r>
+              <a:rPr lang="en-US" dirty="0" smtClean="0"/>
+              <a:t>NEVER THROW</a:t>
+            </a:r>
+            <a:r>
+              <a:rPr lang="en-US" baseline="0" dirty="0" smtClean="0"/>
+              <a:t> AN EXCEPTION FROM AN DESTRUCTOR</a:t>
+            </a:r>
+            <a:endParaRPr lang="en-US" dirty="0"/>
+          </a:p>
+        </p:txBody>
+      </p:sp>
+      <p:sp>
+        <p:nvSpPr>
+          <p:cNvPr id="4" name="Slide Number Placeholder 3"/>
+          <p:cNvSpPr>
+            <a:spLocks noGrp="1"/>
+          </p:cNvSpPr>
+          <p:nvPr>
+            <p:ph type="sldNum" sz="quarter" idx="10"/>
+          </p:nvPr>
+        </p:nvSpPr>
+        <p:spPr/>
+        <p:txBody>
+          <a:bodyPr/>
+          <a:lstStyle/>
+          <a:p>
+            <a:fld id="{33EB61B5-0B25-4052-8EFA-97E46EEADB31}" type="slidenum">
+              <a:rPr lang="en-US" smtClean="0"/>
+              <a:t>23</a:t>
+            </a:fld>
+            <a:endParaRPr lang="en-US"/>
+          </a:p>
+        </p:txBody>
+      </p:sp>
+    </p:spTree>
+    <p:extLst>
+      <p:ext uri="{BB962C8B-B14F-4D97-AF65-F5344CB8AC3E}">
+        <p14:creationId xmlns:p14="http://schemas.microsoft.com/office/powerpoint/2010/main" val="1041561005"/>
+      </p:ext>
+    </p:extLst>
+  </p:cSld>
+  <p:clrMapOvr>
+    <a:masterClrMapping/>
+  </p:clrMapOvr>
+</p:notes>
+</file>
+
+<file path=ppt/notesSlides/notesSlide17.xml><?xml version="1.0" encoding="utf-8"?>
+<p:notes xmlns:a="http://schemas.openxmlformats.org/drawingml/2006/main" xmlns:r="http://schemas.openxmlformats.org/officeDocument/2006/relationships" xmlns:p="http://schemas.openxmlformats.org/presentationml/2006/main">
+  <p:cSld>
+    <p:spTree>
+      <p:nvGrpSpPr>
+        <p:cNvPr id="1" name=""/>
+        <p:cNvGrpSpPr/>
+        <p:nvPr/>
+      </p:nvGrpSpPr>
+      <p:grpSpPr>
+        <a:xfrm>
+          <a:off x="0" y="0"/>
+          <a:ext cx="0" cy="0"/>
+          <a:chOff x="0" y="0"/>
+          <a:chExt cx="0" cy="0"/>
+        </a:xfrm>
+      </p:grpSpPr>
+      <p:sp>
+        <p:nvSpPr>
+          <p:cNvPr id="2" name="Slide Image Placeholder 1"/>
+          <p:cNvSpPr>
+            <a:spLocks noGrp="1" noRot="1" noChangeAspect="1"/>
+          </p:cNvSpPr>
+          <p:nvPr>
+            <p:ph type="sldImg"/>
+          </p:nvPr>
+        </p:nvSpPr>
+        <p:spPr/>
+      </p:sp>
+      <p:sp>
+        <p:nvSpPr>
+          <p:cNvPr id="3" name="Notes Placeholder 2"/>
+          <p:cNvSpPr>
+            <a:spLocks noGrp="1"/>
+          </p:cNvSpPr>
+          <p:nvPr>
+            <p:ph type="body" idx="1"/>
+          </p:nvPr>
+        </p:nvSpPr>
+        <p:spPr/>
+        <p:txBody>
+          <a:bodyPr/>
+          <a:lstStyle/>
+          <a:p>
+            <a:endParaRPr lang="en-US" dirty="0"/>
+          </a:p>
+        </p:txBody>
+      </p:sp>
+      <p:sp>
+        <p:nvSpPr>
+          <p:cNvPr id="4" name="Slide Number Placeholder 3"/>
+          <p:cNvSpPr>
+            <a:spLocks noGrp="1"/>
+          </p:cNvSpPr>
+          <p:nvPr>
+            <p:ph type="sldNum" sz="quarter" idx="10"/>
+          </p:nvPr>
+        </p:nvSpPr>
+        <p:spPr/>
+        <p:txBody>
+          <a:bodyPr/>
+          <a:lstStyle/>
+          <a:p>
+            <a:fld id="{33EB61B5-0B25-4052-8EFA-97E46EEADB31}" type="slidenum">
+              <a:rPr lang="en-US" smtClean="0"/>
+              <a:t>24</a:t>
+            </a:fld>
+            <a:endParaRPr lang="en-US"/>
+          </a:p>
+        </p:txBody>
+      </p:sp>
+    </p:spTree>
+    <p:extLst>
+      <p:ext uri="{BB962C8B-B14F-4D97-AF65-F5344CB8AC3E}">
+        <p14:creationId xmlns:p14="http://schemas.microsoft.com/office/powerpoint/2010/main" val="3066229281"/>
+      </p:ext>
+    </p:extLst>
+  </p:cSld>
+  <p:clrMapOvr>
+    <a:masterClrMapping/>
+  </p:clrMapOvr>
+</p:notes>
+</file>
+
+<file path=ppt/notesSlides/notesSlide18.xml><?xml version="1.0" encoding="utf-8"?>
+<p:notes xmlns:a="http://schemas.openxmlformats.org/drawingml/2006/main" xmlns:r="http://schemas.openxmlformats.org/officeDocument/2006/relationships" xmlns:p="http://schemas.openxmlformats.org/presentationml/2006/main">
+  <p:cSld>
+    <p:spTree>
+      <p:nvGrpSpPr>
+        <p:cNvPr id="1" name=""/>
+        <p:cNvGrpSpPr/>
+        <p:nvPr/>
+      </p:nvGrpSpPr>
+      <p:grpSpPr>
+        <a:xfrm>
+          <a:off x="0" y="0"/>
+          <a:ext cx="0" cy="0"/>
+          <a:chOff x="0" y="0"/>
+          <a:chExt cx="0" cy="0"/>
+        </a:xfrm>
+      </p:grpSpPr>
+      <p:sp>
+        <p:nvSpPr>
+          <p:cNvPr id="2" name="Slide Image Placeholder 1"/>
+          <p:cNvSpPr>
+            <a:spLocks noGrp="1" noRot="1" noChangeAspect="1"/>
+          </p:cNvSpPr>
+          <p:nvPr>
+            <p:ph type="sldImg"/>
+          </p:nvPr>
+        </p:nvSpPr>
+        <p:spPr/>
+      </p:sp>
+      <p:sp>
+        <p:nvSpPr>
+          <p:cNvPr id="3" name="Notes Placeholder 2"/>
+          <p:cNvSpPr>
+            <a:spLocks noGrp="1"/>
+          </p:cNvSpPr>
+          <p:nvPr>
+            <p:ph type="body" idx="1"/>
+          </p:nvPr>
+        </p:nvSpPr>
+        <p:spPr/>
+        <p:txBody>
+          <a:bodyPr/>
+          <a:lstStyle/>
+          <a:p>
+            <a:endParaRPr lang="en-US" dirty="0"/>
+          </a:p>
+        </p:txBody>
+      </p:sp>
+      <p:sp>
+        <p:nvSpPr>
+          <p:cNvPr id="4" name="Slide Number Placeholder 3"/>
+          <p:cNvSpPr>
+            <a:spLocks noGrp="1"/>
+          </p:cNvSpPr>
+          <p:nvPr>
+            <p:ph type="sldNum" sz="quarter" idx="10"/>
+          </p:nvPr>
+        </p:nvSpPr>
+        <p:spPr/>
+        <p:txBody>
+          <a:bodyPr/>
+          <a:lstStyle/>
+          <a:p>
+            <a:fld id="{33EB61B5-0B25-4052-8EFA-97E46EEADB31}" type="slidenum">
+              <a:rPr lang="en-US" smtClean="0"/>
+              <a:t>25</a:t>
+            </a:fld>
+            <a:endParaRPr lang="en-US"/>
+          </a:p>
+        </p:txBody>
+      </p:sp>
+    </p:spTree>
+    <p:extLst>
+      <p:ext uri="{BB962C8B-B14F-4D97-AF65-F5344CB8AC3E}">
+        <p14:creationId xmlns:p14="http://schemas.microsoft.com/office/powerpoint/2010/main" val="3721215408"/>
+      </p:ext>
+    </p:extLst>
+  </p:cSld>
+  <p:clrMapOvr>
+    <a:masterClrMapping/>
+  </p:clrMapOvr>
+</p:notes>
+</file>
+
+<file path=ppt/notesSlides/notesSlide19.xml><?xml version="1.0" encoding="utf-8"?>
+<p:notes xmlns:a="http://schemas.openxmlformats.org/drawingml/2006/main" xmlns:r="http://schemas.openxmlformats.org/officeDocument/2006/relationships" xmlns:p="http://schemas.openxmlformats.org/presentationml/2006/main">
+  <p:cSld>
+    <p:spTree>
+      <p:nvGrpSpPr>
+        <p:cNvPr id="1" name=""/>
+        <p:cNvGrpSpPr/>
+        <p:nvPr/>
+      </p:nvGrpSpPr>
+      <p:grpSpPr>
+        <a:xfrm>
+          <a:off x="0" y="0"/>
+          <a:ext cx="0" cy="0"/>
+          <a:chOff x="0" y="0"/>
+          <a:chExt cx="0" cy="0"/>
+        </a:xfrm>
+      </p:grpSpPr>
+      <p:sp>
+        <p:nvSpPr>
+          <p:cNvPr id="2" name="Slide Image Placeholder 1"/>
+          <p:cNvSpPr>
+            <a:spLocks noGrp="1" noRot="1" noChangeAspect="1"/>
+          </p:cNvSpPr>
+          <p:nvPr>
+            <p:ph type="sldImg"/>
+          </p:nvPr>
+        </p:nvSpPr>
+        <p:spPr/>
+      </p:sp>
+      <p:sp>
+        <p:nvSpPr>
+          <p:cNvPr id="3" name="Notes Placeholder 2"/>
+          <p:cNvSpPr>
+            <a:spLocks noGrp="1"/>
+          </p:cNvSpPr>
+          <p:nvPr>
+            <p:ph type="body" idx="1"/>
+          </p:nvPr>
+        </p:nvSpPr>
+        <p:spPr/>
+        <p:txBody>
+          <a:bodyPr/>
+          <a:lstStyle/>
+          <a:p>
+            <a:endParaRPr lang="en-US" dirty="0"/>
+          </a:p>
+        </p:txBody>
+      </p:sp>
+      <p:sp>
+        <p:nvSpPr>
+          <p:cNvPr id="4" name="Slide Number Placeholder 3"/>
+          <p:cNvSpPr>
+            <a:spLocks noGrp="1"/>
+          </p:cNvSpPr>
+          <p:nvPr>
+            <p:ph type="sldNum" sz="quarter" idx="10"/>
+          </p:nvPr>
+        </p:nvSpPr>
+        <p:spPr/>
+        <p:txBody>
+          <a:bodyPr/>
+          <a:lstStyle/>
+          <a:p>
+            <a:fld id="{33EB61B5-0B25-4052-8EFA-97E46EEADB31}" type="slidenum">
+              <a:rPr lang="en-US" smtClean="0"/>
+              <a:t>26</a:t>
+            </a:fld>
+            <a:endParaRPr lang="en-US"/>
+          </a:p>
+        </p:txBody>
+      </p:sp>
+    </p:spTree>
+    <p:extLst>
+      <p:ext uri="{BB962C8B-B14F-4D97-AF65-F5344CB8AC3E}">
+        <p14:creationId xmlns:p14="http://schemas.microsoft.com/office/powerpoint/2010/main" val="1173072941"/>
+      </p:ext>
+    </p:extLst>
+  </p:cSld>
+  <p:clrMapOvr>
+    <a:masterClrMapping/>
+  </p:clrMapOvr>
+</p:notes>
+</file>
+
+<file path=ppt/notesSlides/notesSlide2.xml><?xml version="1.0" encoding="utf-8"?>
+<p:notes xmlns:a="http://schemas.openxmlformats.org/drawingml/2006/main" xmlns:r="http://schemas.openxmlformats.org/officeDocument/2006/relationships" xmlns:p="http://schemas.openxmlformats.org/presentationml/2006/main">
+  <p:cSld>
+    <p:spTree>
+      <p:nvGrpSpPr>
+        <p:cNvPr id="1" name=""/>
+        <p:cNvGrpSpPr/>
+        <p:nvPr/>
+      </p:nvGrpSpPr>
+      <p:grpSpPr>
+        <a:xfrm>
+          <a:off x="0" y="0"/>
+          <a:ext cx="0" cy="0"/>
+          <a:chOff x="0" y="0"/>
+          <a:chExt cx="0" cy="0"/>
+        </a:xfrm>
+      </p:grpSpPr>
+      <p:sp>
+        <p:nvSpPr>
+          <p:cNvPr id="2" name="Slide Image Placeholder 1"/>
+          <p:cNvSpPr>
+            <a:spLocks noGrp="1" noRot="1" noChangeAspect="1"/>
+          </p:cNvSpPr>
+          <p:nvPr>
+            <p:ph type="sldImg"/>
+          </p:nvPr>
+        </p:nvSpPr>
+        <p:spPr/>
+      </p:sp>
+      <p:sp>
+        <p:nvSpPr>
+          <p:cNvPr id="3" name="Notes Placeholder 2"/>
+          <p:cNvSpPr>
+            <a:spLocks noGrp="1"/>
+          </p:cNvSpPr>
+          <p:nvPr>
+            <p:ph type="body" idx="1"/>
+          </p:nvPr>
+        </p:nvSpPr>
+        <p:spPr/>
+        <p:txBody>
+          <a:bodyPr/>
+          <a:lstStyle/>
+          <a:p>
+            <a:r>
+              <a:rPr lang="en-US" dirty="0" smtClean="0"/>
+              <a:t>Unit</a:t>
+            </a:r>
+            <a:r>
+              <a:rPr lang="en-US" baseline="0" dirty="0" smtClean="0"/>
+              <a:t> of execution – pulling instruction and updating instruction counter</a:t>
+            </a:r>
+          </a:p>
+          <a:p>
+            <a:endParaRPr lang="en-US" baseline="0" dirty="0" smtClean="0"/>
+          </a:p>
+          <a:p>
+            <a:r>
+              <a:rPr lang="en-US" baseline="0" dirty="0" smtClean="0"/>
+              <a:t>KNOWING PROCESS VS THREAD IS IMPORTANT – INTERVIEW Q</a:t>
+            </a:r>
+          </a:p>
+          <a:p>
+            <a:endParaRPr lang="en-US" baseline="0" dirty="0" smtClean="0"/>
+          </a:p>
+          <a:p>
+            <a:r>
+              <a:rPr lang="en-US" baseline="0" dirty="0" smtClean="0"/>
+              <a:t>Process has virtual address space, where each process thinks it’s starting at 0 (and it can’t exit that) – like running in a sand box</a:t>
+            </a:r>
+          </a:p>
+          <a:p>
+            <a:endParaRPr lang="en-US" baseline="0" dirty="0" smtClean="0"/>
+          </a:p>
+          <a:p>
+            <a:r>
+              <a:rPr lang="en-US" baseline="0" dirty="0" smtClean="0"/>
+              <a:t>Thread can share address space with others in the process</a:t>
+            </a:r>
+            <a:endParaRPr lang="en-US" dirty="0"/>
+          </a:p>
+        </p:txBody>
+      </p:sp>
+      <p:sp>
+        <p:nvSpPr>
+          <p:cNvPr id="4" name="Slide Number Placeholder 3"/>
+          <p:cNvSpPr>
+            <a:spLocks noGrp="1"/>
+          </p:cNvSpPr>
+          <p:nvPr>
+            <p:ph type="sldNum" sz="quarter" idx="10"/>
+          </p:nvPr>
+        </p:nvSpPr>
+        <p:spPr/>
+        <p:txBody>
+          <a:bodyPr/>
+          <a:lstStyle/>
+          <a:p>
+            <a:fld id="{33EB61B5-0B25-4052-8EFA-97E46EEADB31}" type="slidenum">
+              <a:rPr lang="en-US" smtClean="0"/>
+              <a:t>3</a:t>
+            </a:fld>
+            <a:endParaRPr lang="en-US"/>
+          </a:p>
+        </p:txBody>
+      </p:sp>
+    </p:spTree>
+    <p:extLst>
+      <p:ext uri="{BB962C8B-B14F-4D97-AF65-F5344CB8AC3E}">
+        <p14:creationId xmlns:p14="http://schemas.microsoft.com/office/powerpoint/2010/main" val="3734958796"/>
+      </p:ext>
+    </p:extLst>
+  </p:cSld>
+  <p:clrMapOvr>
+    <a:masterClrMapping/>
+  </p:clrMapOvr>
+</p:notes>
+</file>
+
+<file path=ppt/notesSlides/notesSlide20.xml><?xml version="1.0" encoding="utf-8"?>
+<p:notes xmlns:a="http://schemas.openxmlformats.org/drawingml/2006/main" xmlns:r="http://schemas.openxmlformats.org/officeDocument/2006/relationships" xmlns:p="http://schemas.openxmlformats.org/presentationml/2006/main">
+  <p:cSld>
+    <p:spTree>
+      <p:nvGrpSpPr>
+        <p:cNvPr id="1" name=""/>
+        <p:cNvGrpSpPr/>
+        <p:nvPr/>
+      </p:nvGrpSpPr>
+      <p:grpSpPr>
+        <a:xfrm>
+          <a:off x="0" y="0"/>
+          <a:ext cx="0" cy="0"/>
+          <a:chOff x="0" y="0"/>
+          <a:chExt cx="0" cy="0"/>
+        </a:xfrm>
+      </p:grpSpPr>
+      <p:sp>
+        <p:nvSpPr>
+          <p:cNvPr id="2" name="Slide Image Placeholder 1"/>
+          <p:cNvSpPr>
+            <a:spLocks noGrp="1" noRot="1" noChangeAspect="1"/>
+          </p:cNvSpPr>
+          <p:nvPr>
+            <p:ph type="sldImg"/>
+          </p:nvPr>
+        </p:nvSpPr>
+        <p:spPr/>
+      </p:sp>
+      <p:sp>
+        <p:nvSpPr>
+          <p:cNvPr id="3" name="Notes Placeholder 2"/>
+          <p:cNvSpPr>
+            <a:spLocks noGrp="1"/>
+          </p:cNvSpPr>
+          <p:nvPr>
+            <p:ph type="body" idx="1"/>
+          </p:nvPr>
+        </p:nvSpPr>
+        <p:spPr/>
+        <p:txBody>
+          <a:bodyPr/>
+          <a:lstStyle/>
+          <a:p>
+            <a:r>
+              <a:rPr lang="en-US" dirty="0" err="1" smtClean="0"/>
+              <a:t>Cpp’s</a:t>
+            </a:r>
+            <a:r>
+              <a:rPr lang="en-US" dirty="0" smtClean="0"/>
+              <a:t> most vexing parse?</a:t>
+            </a:r>
+            <a:endParaRPr lang="en-US" dirty="0"/>
+          </a:p>
+        </p:txBody>
+      </p:sp>
+      <p:sp>
+        <p:nvSpPr>
+          <p:cNvPr id="4" name="Slide Number Placeholder 3"/>
+          <p:cNvSpPr>
+            <a:spLocks noGrp="1"/>
+          </p:cNvSpPr>
+          <p:nvPr>
+            <p:ph type="sldNum" sz="quarter" idx="10"/>
+          </p:nvPr>
+        </p:nvSpPr>
+        <p:spPr/>
+        <p:txBody>
+          <a:bodyPr/>
+          <a:lstStyle/>
+          <a:p>
+            <a:fld id="{33EB61B5-0B25-4052-8EFA-97E46EEADB31}" type="slidenum">
+              <a:rPr lang="en-US" smtClean="0"/>
+              <a:t>28</a:t>
+            </a:fld>
+            <a:endParaRPr lang="en-US"/>
+          </a:p>
+        </p:txBody>
+      </p:sp>
+    </p:spTree>
+    <p:extLst>
+      <p:ext uri="{BB962C8B-B14F-4D97-AF65-F5344CB8AC3E}">
+        <p14:creationId xmlns:p14="http://schemas.microsoft.com/office/powerpoint/2010/main" val="2921136161"/>
+      </p:ext>
+    </p:extLst>
+  </p:cSld>
+  <p:clrMapOvr>
+    <a:masterClrMapping/>
+  </p:clrMapOvr>
+</p:notes>
+</file>
+
+<file path=ppt/notesSlides/notesSlide3.xml><?xml version="1.0" encoding="utf-8"?>
+<p:notes xmlns:a="http://schemas.openxmlformats.org/drawingml/2006/main" xmlns:r="http://schemas.openxmlformats.org/officeDocument/2006/relationships" xmlns:p="http://schemas.openxmlformats.org/presentationml/2006/main">
+  <p:cSld>
+    <p:spTree>
+      <p:nvGrpSpPr>
+        <p:cNvPr id="1" name=""/>
+        <p:cNvGrpSpPr/>
+        <p:nvPr/>
+      </p:nvGrpSpPr>
+      <p:grpSpPr>
+        <a:xfrm>
+          <a:off x="0" y="0"/>
+          <a:ext cx="0" cy="0"/>
+          <a:chOff x="0" y="0"/>
+          <a:chExt cx="0" cy="0"/>
+        </a:xfrm>
+      </p:grpSpPr>
+      <p:sp>
+        <p:nvSpPr>
+          <p:cNvPr id="2" name="Slide Image Placeholder 1"/>
+          <p:cNvSpPr>
+            <a:spLocks noGrp="1" noRot="1" noChangeAspect="1"/>
+          </p:cNvSpPr>
+          <p:nvPr>
+            <p:ph type="sldImg"/>
+          </p:nvPr>
+        </p:nvSpPr>
+        <p:spPr/>
+      </p:sp>
+      <p:sp>
+        <p:nvSpPr>
+          <p:cNvPr id="3" name="Notes Placeholder 2"/>
+          <p:cNvSpPr>
+            <a:spLocks noGrp="1"/>
+          </p:cNvSpPr>
+          <p:nvPr>
+            <p:ph type="body" idx="1"/>
+          </p:nvPr>
+        </p:nvSpPr>
+        <p:spPr/>
+        <p:txBody>
+          <a:bodyPr/>
+          <a:lstStyle/>
+          <a:p>
+            <a:r>
+              <a:rPr lang="en-US" dirty="0" smtClean="0"/>
+              <a:t>In</a:t>
+            </a:r>
+            <a:r>
+              <a:rPr lang="en-US" baseline="0" dirty="0" smtClean="0"/>
+              <a:t> win, GUI is “message pump” – while loop, part of the program that’s constantly running</a:t>
+            </a:r>
+          </a:p>
+          <a:p>
+            <a:pPr marL="171450" indent="-171450">
+              <a:buFontTx/>
+              <a:buChar char="-"/>
+            </a:pPr>
+            <a:r>
+              <a:rPr lang="en-US" baseline="0" dirty="0" smtClean="0"/>
+              <a:t>Becomes unresponsive because it’s calculating something</a:t>
+            </a:r>
+          </a:p>
+          <a:p>
+            <a:pPr marL="171450" indent="-171450">
+              <a:buFontTx/>
+              <a:buChar char="-"/>
+            </a:pPr>
+            <a:r>
+              <a:rPr lang="en-US" baseline="0" dirty="0" smtClean="0"/>
+              <a:t>Concurrency allows it to handle new request while continuing to compute</a:t>
+            </a:r>
+          </a:p>
+          <a:p>
+            <a:pPr marL="171450" indent="-171450">
+              <a:buFontTx/>
+              <a:buChar char="-"/>
+            </a:pPr>
+            <a:endParaRPr lang="en-US" baseline="0" dirty="0" smtClean="0"/>
+          </a:p>
+          <a:p>
+            <a:pPr marL="0" indent="0">
+              <a:buFontTx/>
+              <a:buNone/>
+            </a:pPr>
+            <a:endParaRPr lang="en-US" baseline="0" dirty="0" smtClean="0"/>
+          </a:p>
+        </p:txBody>
+      </p:sp>
+      <p:sp>
+        <p:nvSpPr>
+          <p:cNvPr id="4" name="Slide Number Placeholder 3"/>
+          <p:cNvSpPr>
+            <a:spLocks noGrp="1"/>
+          </p:cNvSpPr>
+          <p:nvPr>
+            <p:ph type="sldNum" sz="quarter" idx="10"/>
+          </p:nvPr>
+        </p:nvSpPr>
+        <p:spPr/>
+        <p:txBody>
+          <a:bodyPr/>
+          <a:lstStyle/>
+          <a:p>
+            <a:fld id="{33EB61B5-0B25-4052-8EFA-97E46EEADB31}" type="slidenum">
+              <a:rPr lang="en-US" smtClean="0"/>
+              <a:t>4</a:t>
+            </a:fld>
+            <a:endParaRPr lang="en-US"/>
+          </a:p>
+        </p:txBody>
+      </p:sp>
+    </p:spTree>
+    <p:extLst>
+      <p:ext uri="{BB962C8B-B14F-4D97-AF65-F5344CB8AC3E}">
+        <p14:creationId xmlns:p14="http://schemas.microsoft.com/office/powerpoint/2010/main" val="3163627144"/>
+      </p:ext>
+    </p:extLst>
+  </p:cSld>
+  <p:clrMapOvr>
+    <a:masterClrMapping/>
+  </p:clrMapOvr>
+</p:notes>
+</file>
+
+<file path=ppt/notesSlides/notesSlide4.xml><?xml version="1.0" encoding="utf-8"?>
+<p:notes xmlns:a="http://schemas.openxmlformats.org/drawingml/2006/main" xmlns:r="http://schemas.openxmlformats.org/officeDocument/2006/relationships" xmlns:p="http://schemas.openxmlformats.org/presentationml/2006/main">
+  <p:cSld>
+    <p:spTree>
+      <p:nvGrpSpPr>
+        <p:cNvPr id="1" name=""/>
+        <p:cNvGrpSpPr/>
+        <p:nvPr/>
+      </p:nvGrpSpPr>
+      <p:grpSpPr>
+        <a:xfrm>
+          <a:off x="0" y="0"/>
+          <a:ext cx="0" cy="0"/>
+          <a:chOff x="0" y="0"/>
+          <a:chExt cx="0" cy="0"/>
+        </a:xfrm>
+      </p:grpSpPr>
+      <p:sp>
+        <p:nvSpPr>
+          <p:cNvPr id="2" name="Slide Image Placeholder 1"/>
+          <p:cNvSpPr>
+            <a:spLocks noGrp="1" noRot="1" noChangeAspect="1"/>
+          </p:cNvSpPr>
+          <p:nvPr>
+            <p:ph type="sldImg"/>
+          </p:nvPr>
+        </p:nvSpPr>
+        <p:spPr/>
+      </p:sp>
+      <p:sp>
+        <p:nvSpPr>
+          <p:cNvPr id="3" name="Notes Placeholder 2"/>
+          <p:cNvSpPr>
+            <a:spLocks noGrp="1"/>
+          </p:cNvSpPr>
+          <p:nvPr>
+            <p:ph type="body" idx="1"/>
+          </p:nvPr>
+        </p:nvSpPr>
+        <p:spPr/>
+        <p:txBody>
+          <a:bodyPr/>
+          <a:lstStyle/>
+          <a:p>
+            <a:r>
+              <a:rPr lang="en-US" dirty="0" smtClean="0"/>
+              <a:t>Concurrent</a:t>
+            </a:r>
+            <a:r>
+              <a:rPr lang="en-US" baseline="0" dirty="0" smtClean="0"/>
+              <a:t> code is harder to write, starting threads can be slow. Depending on the code, it can actually be slower to implement it concurrently. </a:t>
+            </a:r>
+            <a:endParaRPr lang="en-US" dirty="0"/>
+          </a:p>
+        </p:txBody>
+      </p:sp>
+      <p:sp>
+        <p:nvSpPr>
+          <p:cNvPr id="4" name="Slide Number Placeholder 3"/>
+          <p:cNvSpPr>
+            <a:spLocks noGrp="1"/>
+          </p:cNvSpPr>
+          <p:nvPr>
+            <p:ph type="sldNum" sz="quarter" idx="10"/>
+          </p:nvPr>
+        </p:nvSpPr>
+        <p:spPr/>
+        <p:txBody>
+          <a:bodyPr/>
+          <a:lstStyle/>
+          <a:p>
+            <a:fld id="{33EB61B5-0B25-4052-8EFA-97E46EEADB31}" type="slidenum">
+              <a:rPr lang="en-US" smtClean="0"/>
+              <a:t>5</a:t>
+            </a:fld>
+            <a:endParaRPr lang="en-US"/>
+          </a:p>
+        </p:txBody>
+      </p:sp>
+    </p:spTree>
+    <p:extLst>
+      <p:ext uri="{BB962C8B-B14F-4D97-AF65-F5344CB8AC3E}">
+        <p14:creationId xmlns:p14="http://schemas.microsoft.com/office/powerpoint/2010/main" val="1576633931"/>
+      </p:ext>
+    </p:extLst>
+  </p:cSld>
+  <p:clrMapOvr>
+    <a:masterClrMapping/>
+  </p:clrMapOvr>
+</p:notes>
+</file>
+
+<file path=ppt/notesSlides/notesSlide5.xml><?xml version="1.0" encoding="utf-8"?>
+<p:notes xmlns:a="http://schemas.openxmlformats.org/drawingml/2006/main" xmlns:r="http://schemas.openxmlformats.org/officeDocument/2006/relationships" xmlns:p="http://schemas.openxmlformats.org/presentationml/2006/main">
+  <p:cSld>
+    <p:spTree>
+      <p:nvGrpSpPr>
+        <p:cNvPr id="1" name=""/>
+        <p:cNvGrpSpPr/>
+        <p:nvPr/>
+      </p:nvGrpSpPr>
+      <p:grpSpPr>
+        <a:xfrm>
+          <a:off x="0" y="0"/>
+          <a:ext cx="0" cy="0"/>
+          <a:chOff x="0" y="0"/>
+          <a:chExt cx="0" cy="0"/>
+        </a:xfrm>
+      </p:grpSpPr>
+      <p:sp>
+        <p:nvSpPr>
+          <p:cNvPr id="2" name="Slide Image Placeholder 1"/>
+          <p:cNvSpPr>
+            <a:spLocks noGrp="1" noRot="1" noChangeAspect="1"/>
+          </p:cNvSpPr>
+          <p:nvPr>
+            <p:ph type="sldImg"/>
+          </p:nvPr>
+        </p:nvSpPr>
+        <p:spPr/>
+      </p:sp>
+      <p:sp>
+        <p:nvSpPr>
+          <p:cNvPr id="3" name="Notes Placeholder 2"/>
+          <p:cNvSpPr>
+            <a:spLocks noGrp="1"/>
+          </p:cNvSpPr>
+          <p:nvPr>
+            <p:ph type="body" idx="1"/>
+          </p:nvPr>
+        </p:nvSpPr>
+        <p:spPr/>
+        <p:txBody>
+          <a:bodyPr/>
+          <a:lstStyle/>
+          <a:p>
+            <a:r>
+              <a:rPr lang="en-US" dirty="0" smtClean="0"/>
+              <a:t>Concurrency was new w/</a:t>
+            </a:r>
+            <a:r>
+              <a:rPr lang="en-US" dirty="0" err="1" smtClean="0"/>
+              <a:t>cpp</a:t>
+            </a:r>
+            <a:r>
+              <a:rPr lang="en-US" dirty="0" smtClean="0"/>
+              <a:t> 11 – before</a:t>
+            </a:r>
+            <a:r>
+              <a:rPr lang="en-US" baseline="0" dirty="0" smtClean="0"/>
+              <a:t> was part of the API, platform-specific</a:t>
+            </a:r>
+            <a:endParaRPr lang="en-US" dirty="0" smtClean="0"/>
+          </a:p>
+          <a:p>
+            <a:r>
+              <a:rPr lang="en-US" dirty="0" smtClean="0"/>
+              <a:t>Anthony Williams</a:t>
+            </a:r>
+            <a:r>
+              <a:rPr lang="en-US" baseline="0" dirty="0" smtClean="0"/>
+              <a:t> wrote most of this new threading library</a:t>
+            </a:r>
+          </a:p>
+          <a:p>
+            <a:endParaRPr lang="en-US" dirty="0"/>
+          </a:p>
+        </p:txBody>
+      </p:sp>
+      <p:sp>
+        <p:nvSpPr>
+          <p:cNvPr id="4" name="Slide Number Placeholder 3"/>
+          <p:cNvSpPr>
+            <a:spLocks noGrp="1"/>
+          </p:cNvSpPr>
+          <p:nvPr>
+            <p:ph type="sldNum" sz="quarter" idx="10"/>
+          </p:nvPr>
+        </p:nvSpPr>
+        <p:spPr/>
+        <p:txBody>
+          <a:bodyPr/>
+          <a:lstStyle/>
+          <a:p>
+            <a:fld id="{33EB61B5-0B25-4052-8EFA-97E46EEADB31}" type="slidenum">
+              <a:rPr lang="en-US" smtClean="0"/>
+              <a:t>6</a:t>
+            </a:fld>
+            <a:endParaRPr lang="en-US"/>
+          </a:p>
+        </p:txBody>
+      </p:sp>
+    </p:spTree>
+    <p:extLst>
+      <p:ext uri="{BB962C8B-B14F-4D97-AF65-F5344CB8AC3E}">
+        <p14:creationId xmlns:p14="http://schemas.microsoft.com/office/powerpoint/2010/main" val="2164517747"/>
+      </p:ext>
+    </p:extLst>
+  </p:cSld>
+  <p:clrMapOvr>
+    <a:masterClrMapping/>
+  </p:clrMapOvr>
+</p:notes>
+</file>
+
+<file path=ppt/notesSlides/notesSlide6.xml><?xml version="1.0" encoding="utf-8"?>
+<p:notes xmlns:a="http://schemas.openxmlformats.org/drawingml/2006/main" xmlns:r="http://schemas.openxmlformats.org/officeDocument/2006/relationships" xmlns:p="http://schemas.openxmlformats.org/presentationml/2006/main">
+  <p:cSld>
+    <p:spTree>
+      <p:nvGrpSpPr>
+        <p:cNvPr id="1" name=""/>
+        <p:cNvGrpSpPr/>
+        <p:nvPr/>
+      </p:nvGrpSpPr>
+      <p:grpSpPr>
+        <a:xfrm>
+          <a:off x="0" y="0"/>
+          <a:ext cx="0" cy="0"/>
+          <a:chOff x="0" y="0"/>
+          <a:chExt cx="0" cy="0"/>
+        </a:xfrm>
+      </p:grpSpPr>
+      <p:sp>
+        <p:nvSpPr>
+          <p:cNvPr id="2" name="Slide Image Placeholder 1"/>
+          <p:cNvSpPr>
+            <a:spLocks noGrp="1" noRot="1" noChangeAspect="1"/>
+          </p:cNvSpPr>
+          <p:nvPr>
+            <p:ph type="sldImg"/>
+          </p:nvPr>
+        </p:nvSpPr>
+        <p:spPr/>
+      </p:sp>
+      <p:sp>
+        <p:nvSpPr>
+          <p:cNvPr id="3" name="Notes Placeholder 2"/>
+          <p:cNvSpPr>
+            <a:spLocks noGrp="1"/>
+          </p:cNvSpPr>
+          <p:nvPr>
+            <p:ph type="body" idx="1"/>
+          </p:nvPr>
+        </p:nvSpPr>
+        <p:spPr/>
+        <p:txBody>
+          <a:bodyPr/>
+          <a:lstStyle/>
+          <a:p>
+            <a:r>
+              <a:rPr lang="en-US" dirty="0" smtClean="0"/>
+              <a:t>Without join, it might work, might get exception.</a:t>
+            </a:r>
+            <a:r>
+              <a:rPr lang="en-US" baseline="0" dirty="0" smtClean="0"/>
+              <a:t> Thread t will still be on stack</a:t>
+            </a:r>
+          </a:p>
+          <a:p>
+            <a:r>
+              <a:rPr lang="en-US" baseline="0" dirty="0" smtClean="0"/>
+              <a:t>If there’s an infinite loop in hello, then the program will never end (when join is included)</a:t>
+            </a:r>
+          </a:p>
+          <a:p>
+            <a:r>
+              <a:rPr lang="en-US" baseline="0" dirty="0" smtClean="0"/>
+              <a:t>JOIN ENFORCES SYNCHRONIZATION REQUIREMENT</a:t>
+            </a:r>
+          </a:p>
+          <a:p>
+            <a:endParaRPr lang="en-US" baseline="0" dirty="0" smtClean="0"/>
+          </a:p>
+          <a:p>
+            <a:r>
+              <a:rPr lang="en-US" baseline="0" dirty="0" smtClean="0"/>
+              <a:t>The operating system decides which core the threads and processes run on, depending on available resources (we cannot control in </a:t>
+            </a:r>
+            <a:r>
+              <a:rPr lang="en-US" baseline="0" dirty="0" err="1" smtClean="0"/>
+              <a:t>cpp</a:t>
+            </a:r>
+            <a:r>
+              <a:rPr lang="en-US" baseline="0" dirty="0" smtClean="0"/>
+              <a:t>) </a:t>
+            </a:r>
+            <a:endParaRPr lang="en-US" dirty="0"/>
+          </a:p>
+        </p:txBody>
+      </p:sp>
+      <p:sp>
+        <p:nvSpPr>
+          <p:cNvPr id="4" name="Slide Number Placeholder 3"/>
+          <p:cNvSpPr>
+            <a:spLocks noGrp="1"/>
+          </p:cNvSpPr>
+          <p:nvPr>
+            <p:ph type="sldNum" sz="quarter" idx="10"/>
+          </p:nvPr>
+        </p:nvSpPr>
+        <p:spPr/>
+        <p:txBody>
+          <a:bodyPr/>
+          <a:lstStyle/>
+          <a:p>
+            <a:fld id="{33EB61B5-0B25-4052-8EFA-97E46EEADB31}" type="slidenum">
+              <a:rPr lang="en-US" smtClean="0"/>
+              <a:t>7</a:t>
+            </a:fld>
+            <a:endParaRPr lang="en-US"/>
+          </a:p>
+        </p:txBody>
+      </p:sp>
+    </p:spTree>
+    <p:extLst>
+      <p:ext uri="{BB962C8B-B14F-4D97-AF65-F5344CB8AC3E}">
+        <p14:creationId xmlns:p14="http://schemas.microsoft.com/office/powerpoint/2010/main" val="737408683"/>
+      </p:ext>
+    </p:extLst>
+  </p:cSld>
+  <p:clrMapOvr>
+    <a:masterClrMapping/>
+  </p:clrMapOvr>
+</p:notes>
+</file>
+
+<file path=ppt/notesSlides/notesSlide7.xml><?xml version="1.0" encoding="utf-8"?>
+<p:notes xmlns:a="http://schemas.openxmlformats.org/drawingml/2006/main" xmlns:r="http://schemas.openxmlformats.org/officeDocument/2006/relationships" xmlns:p="http://schemas.openxmlformats.org/presentationml/2006/main">
+  <p:cSld>
+    <p:spTree>
+      <p:nvGrpSpPr>
+        <p:cNvPr id="1" name=""/>
+        <p:cNvGrpSpPr/>
+        <p:nvPr/>
+      </p:nvGrpSpPr>
+      <p:grpSpPr>
+        <a:xfrm>
+          <a:off x="0" y="0"/>
+          <a:ext cx="0" cy="0"/>
+          <a:chOff x="0" y="0"/>
+          <a:chExt cx="0" cy="0"/>
+        </a:xfrm>
+      </p:grpSpPr>
+      <p:sp>
+        <p:nvSpPr>
+          <p:cNvPr id="2" name="Slide Image Placeholder 1"/>
+          <p:cNvSpPr>
+            <a:spLocks noGrp="1" noRot="1" noChangeAspect="1"/>
+          </p:cNvSpPr>
+          <p:nvPr>
+            <p:ph type="sldImg"/>
+          </p:nvPr>
+        </p:nvSpPr>
+        <p:spPr/>
+      </p:sp>
+      <p:sp>
+        <p:nvSpPr>
+          <p:cNvPr id="3" name="Notes Placeholder 2"/>
+          <p:cNvSpPr>
+            <a:spLocks noGrp="1"/>
+          </p:cNvSpPr>
+          <p:nvPr>
+            <p:ph type="body" idx="1"/>
+          </p:nvPr>
+        </p:nvSpPr>
+        <p:spPr/>
+        <p:txBody>
+          <a:bodyPr/>
+          <a:lstStyle/>
+          <a:p>
+            <a:endParaRPr lang="en-US" dirty="0"/>
+          </a:p>
+        </p:txBody>
+      </p:sp>
+      <p:sp>
+        <p:nvSpPr>
+          <p:cNvPr id="4" name="Slide Number Placeholder 3"/>
+          <p:cNvSpPr>
+            <a:spLocks noGrp="1"/>
+          </p:cNvSpPr>
+          <p:nvPr>
+            <p:ph type="sldNum" sz="quarter" idx="10"/>
+          </p:nvPr>
+        </p:nvSpPr>
+        <p:spPr/>
+        <p:txBody>
+          <a:bodyPr/>
+          <a:lstStyle/>
+          <a:p>
+            <a:fld id="{33EB61B5-0B25-4052-8EFA-97E46EEADB31}" type="slidenum">
+              <a:rPr lang="en-US" smtClean="0"/>
+              <a:t>8</a:t>
+            </a:fld>
+            <a:endParaRPr lang="en-US"/>
+          </a:p>
+        </p:txBody>
+      </p:sp>
+    </p:spTree>
+    <p:extLst>
+      <p:ext uri="{BB962C8B-B14F-4D97-AF65-F5344CB8AC3E}">
+        <p14:creationId xmlns:p14="http://schemas.microsoft.com/office/powerpoint/2010/main" val="1502100842"/>
+      </p:ext>
+    </p:extLst>
+  </p:cSld>
+  <p:clrMapOvr>
+    <a:masterClrMapping/>
+  </p:clrMapOvr>
+</p:notes>
+</file>
+
+<file path=ppt/notesSlides/notesSlide8.xml><?xml version="1.0" encoding="utf-8"?>
+<p:notes xmlns:a="http://schemas.openxmlformats.org/drawingml/2006/main" xmlns:r="http://schemas.openxmlformats.org/officeDocument/2006/relationships" xmlns:p="http://schemas.openxmlformats.org/presentationml/2006/main">
+  <p:cSld>
+    <p:spTree>
+      <p:nvGrpSpPr>
+        <p:cNvPr id="1" name=""/>
+        <p:cNvGrpSpPr/>
+        <p:nvPr/>
+      </p:nvGrpSpPr>
+      <p:grpSpPr>
+        <a:xfrm>
+          <a:off x="0" y="0"/>
+          <a:ext cx="0" cy="0"/>
+          <a:chOff x="0" y="0"/>
+          <a:chExt cx="0" cy="0"/>
+        </a:xfrm>
+      </p:grpSpPr>
+      <p:sp>
+        <p:nvSpPr>
+          <p:cNvPr id="2" name="Slide Image Placeholder 1"/>
+          <p:cNvSpPr>
+            <a:spLocks noGrp="1" noRot="1" noChangeAspect="1"/>
+          </p:cNvSpPr>
+          <p:nvPr>
+            <p:ph type="sldImg"/>
+          </p:nvPr>
+        </p:nvSpPr>
+        <p:spPr/>
+      </p:sp>
+      <p:sp>
+        <p:nvSpPr>
+          <p:cNvPr id="3" name="Notes Placeholder 2"/>
+          <p:cNvSpPr>
+            <a:spLocks noGrp="1"/>
+          </p:cNvSpPr>
+          <p:nvPr>
+            <p:ph type="body" idx="1"/>
+          </p:nvPr>
+        </p:nvSpPr>
+        <p:spPr/>
+        <p:txBody>
+          <a:bodyPr/>
+          <a:lstStyle/>
+          <a:p>
+            <a:r>
+              <a:rPr lang="en-US" dirty="0" smtClean="0"/>
+              <a:t>‘Executing</a:t>
+            </a:r>
+            <a:r>
+              <a:rPr lang="en-US" baseline="0" dirty="0" smtClean="0"/>
+              <a:t> thing’ can be any callable type</a:t>
+            </a:r>
+          </a:p>
+          <a:p>
+            <a:r>
+              <a:rPr lang="en-US" baseline="0" dirty="0" smtClean="0"/>
+              <a:t>Free function (called static function in Java)</a:t>
+            </a:r>
+          </a:p>
+          <a:p>
+            <a:r>
+              <a:rPr lang="en-US" baseline="0" dirty="0" err="1" smtClean="0"/>
+              <a:t>Functor</a:t>
+            </a:r>
+            <a:r>
+              <a:rPr lang="en-US" baseline="0" dirty="0" smtClean="0"/>
+              <a:t> – class with overloaded () – calls ()method on member of the class – just a name like + or - - the first </a:t>
+            </a:r>
+            <a:r>
+              <a:rPr lang="en-US" baseline="0" dirty="0" err="1" smtClean="0"/>
+              <a:t>paren</a:t>
+            </a:r>
+            <a:r>
+              <a:rPr lang="en-US" baseline="0" dirty="0" smtClean="0"/>
+              <a:t> is the operator, the second is the </a:t>
+            </a:r>
+            <a:r>
+              <a:rPr lang="en-US" baseline="0" dirty="0" err="1" smtClean="0"/>
+              <a:t>arg</a:t>
+            </a:r>
+            <a:r>
+              <a:rPr lang="en-US" baseline="0" dirty="0" smtClean="0"/>
+              <a:t> list</a:t>
+            </a:r>
+          </a:p>
+          <a:p>
+            <a:r>
+              <a:rPr lang="en-US" baseline="0" dirty="0" smtClean="0"/>
+              <a:t>Lambda – inline function without inline, not compiler – new in </a:t>
+            </a:r>
+            <a:r>
+              <a:rPr lang="en-US" baseline="0" dirty="0" err="1" smtClean="0"/>
+              <a:t>cpp</a:t>
+            </a:r>
+            <a:r>
+              <a:rPr lang="en-US" baseline="0" dirty="0" smtClean="0"/>
+              <a:t> 11</a:t>
+            </a:r>
+          </a:p>
+          <a:p>
+            <a:endParaRPr lang="en-US" baseline="0" dirty="0" smtClean="0"/>
+          </a:p>
+          <a:p>
+            <a:r>
+              <a:rPr lang="en-US" baseline="0" dirty="0" smtClean="0"/>
+              <a:t>Creating a thread: in the constructor, must include which object </a:t>
+            </a:r>
+          </a:p>
+          <a:p>
+            <a:endParaRPr lang="en-US" baseline="0" dirty="0" smtClean="0"/>
+          </a:p>
+          <a:p>
+            <a:r>
+              <a:rPr lang="en-US" baseline="0" dirty="0" smtClean="0"/>
+              <a:t>Ctrl-x deletes line in visual studio</a:t>
+            </a:r>
+          </a:p>
+          <a:p>
+            <a:endParaRPr lang="en-US" baseline="0" dirty="0" smtClean="0"/>
+          </a:p>
+          <a:p>
+            <a:r>
+              <a:rPr lang="en-US" baseline="0" dirty="0" smtClean="0"/>
+              <a:t>[] marks lambda thread – creating a class with an () and passes it</a:t>
+            </a:r>
+          </a:p>
+          <a:p>
+            <a:endParaRPr lang="en-US" baseline="0" dirty="0" smtClean="0"/>
+          </a:p>
+          <a:p>
+            <a:r>
+              <a:rPr lang="en-US" baseline="0" dirty="0" smtClean="0"/>
+              <a:t>STL works well with lambdas and </a:t>
+            </a:r>
+            <a:r>
+              <a:rPr lang="en-US" baseline="0" dirty="0" err="1" smtClean="0"/>
+              <a:t>functors</a:t>
+            </a:r>
+            <a:endParaRPr lang="en-US" baseline="0" dirty="0" smtClean="0"/>
+          </a:p>
+          <a:p>
+            <a:endParaRPr lang="en-US" baseline="0" dirty="0" smtClean="0"/>
+          </a:p>
+          <a:p>
+            <a:endParaRPr lang="en-US" baseline="0" dirty="0" smtClean="0"/>
+          </a:p>
+          <a:p>
+            <a:r>
+              <a:rPr lang="en-US" baseline="0" dirty="0" smtClean="0"/>
+              <a:t>From code: in each case, creates and waits for it to complete, prints out what kind of callable types it is</a:t>
+            </a:r>
+            <a:endParaRPr lang="en-US" dirty="0"/>
+          </a:p>
+        </p:txBody>
+      </p:sp>
+      <p:sp>
+        <p:nvSpPr>
+          <p:cNvPr id="4" name="Slide Number Placeholder 3"/>
+          <p:cNvSpPr>
+            <a:spLocks noGrp="1"/>
+          </p:cNvSpPr>
+          <p:nvPr>
+            <p:ph type="sldNum" sz="quarter" idx="10"/>
+          </p:nvPr>
+        </p:nvSpPr>
+        <p:spPr/>
+        <p:txBody>
+          <a:bodyPr/>
+          <a:lstStyle/>
+          <a:p>
+            <a:fld id="{33EB61B5-0B25-4052-8EFA-97E46EEADB31}" type="slidenum">
+              <a:rPr lang="en-US" smtClean="0"/>
+              <a:t>9</a:t>
+            </a:fld>
+            <a:endParaRPr lang="en-US"/>
+          </a:p>
+        </p:txBody>
+      </p:sp>
+    </p:spTree>
+    <p:extLst>
+      <p:ext uri="{BB962C8B-B14F-4D97-AF65-F5344CB8AC3E}">
+        <p14:creationId xmlns:p14="http://schemas.microsoft.com/office/powerpoint/2010/main" val="1894208913"/>
+      </p:ext>
+    </p:extLst>
+  </p:cSld>
+  <p:clrMapOvr>
+    <a:masterClrMapping/>
+  </p:clrMapOvr>
+</p:notes>
+</file>
+
+<file path=ppt/notesSlides/notesSlide9.xml><?xml version="1.0" encoding="utf-8"?>
+<p:notes xmlns:a="http://schemas.openxmlformats.org/drawingml/2006/main" xmlns:r="http://schemas.openxmlformats.org/officeDocument/2006/relationships" xmlns:p="http://schemas.openxmlformats.org/presentationml/2006/main">
+  <p:cSld>
+    <p:spTree>
+      <p:nvGrpSpPr>
+        <p:cNvPr id="1" name=""/>
+        <p:cNvGrpSpPr/>
+        <p:nvPr/>
+      </p:nvGrpSpPr>
+      <p:grpSpPr>
+        <a:xfrm>
+          <a:off x="0" y="0"/>
+          <a:ext cx="0" cy="0"/>
+          <a:chOff x="0" y="0"/>
+          <a:chExt cx="0" cy="0"/>
+        </a:xfrm>
+      </p:grpSpPr>
+      <p:sp>
+        <p:nvSpPr>
+          <p:cNvPr id="2" name="Slide Image Placeholder 1"/>
+          <p:cNvSpPr>
+            <a:spLocks noGrp="1" noRot="1" noChangeAspect="1"/>
+          </p:cNvSpPr>
+          <p:nvPr>
+            <p:ph type="sldImg"/>
+          </p:nvPr>
+        </p:nvSpPr>
+        <p:spPr/>
+      </p:sp>
+      <p:sp>
+        <p:nvSpPr>
+          <p:cNvPr id="3" name="Notes Placeholder 2"/>
+          <p:cNvSpPr>
+            <a:spLocks noGrp="1"/>
+          </p:cNvSpPr>
+          <p:nvPr>
+            <p:ph type="body" idx="1"/>
+          </p:nvPr>
+        </p:nvSpPr>
+        <p:spPr/>
+        <p:txBody>
+          <a:bodyPr/>
+          <a:lstStyle/>
+          <a:p>
+            <a:r>
+              <a:rPr lang="en-US" dirty="0" smtClean="0"/>
+              <a:t>For example code: all depend on </a:t>
+            </a:r>
+            <a:r>
+              <a:rPr lang="en-US" dirty="0" err="1" smtClean="0"/>
+              <a:t>cout</a:t>
+            </a:r>
+            <a:endParaRPr lang="en-US" dirty="0" smtClean="0"/>
+          </a:p>
+          <a:p>
+            <a:pPr marL="171450" indent="-171450">
+              <a:buFont typeface="Arial" panose="020B0604020202020204" pitchFamily="34" charset="0"/>
+              <a:buChar char="•"/>
+            </a:pPr>
+            <a:r>
+              <a:rPr lang="en-US" dirty="0" err="1" smtClean="0"/>
+              <a:t>Cout</a:t>
+            </a:r>
+            <a:r>
+              <a:rPr lang="en-US" dirty="0" smtClean="0"/>
+              <a:t> is an</a:t>
+            </a:r>
+            <a:r>
+              <a:rPr lang="en-US" baseline="0" dirty="0" smtClean="0"/>
+              <a:t> object – it really matters more that we print to an output stream – pass in an object of </a:t>
+            </a:r>
+            <a:r>
+              <a:rPr lang="en-US" baseline="0" dirty="0" err="1" smtClean="0"/>
+              <a:t>ostream</a:t>
+            </a:r>
+            <a:r>
+              <a:rPr lang="en-US" baseline="0" dirty="0" smtClean="0"/>
+              <a:t> by reference (‘out’ within the definition)</a:t>
+            </a:r>
+          </a:p>
+          <a:p>
+            <a:pPr marL="171450" indent="-171450">
+              <a:buFont typeface="Arial" panose="020B0604020202020204" pitchFamily="34" charset="0"/>
+              <a:buChar char="•"/>
+            </a:pPr>
+            <a:r>
+              <a:rPr lang="en-US" baseline="0" dirty="0" smtClean="0"/>
+              <a:t>From main, pass in </a:t>
+            </a:r>
+            <a:r>
+              <a:rPr lang="en-US" baseline="0" dirty="0" err="1" smtClean="0"/>
+              <a:t>cout</a:t>
+            </a:r>
+            <a:endParaRPr lang="en-US" baseline="0" dirty="0" smtClean="0"/>
+          </a:p>
+          <a:p>
+            <a:pPr marL="628650" lvl="1" indent="-171450">
+              <a:buFont typeface="Arial" panose="020B0604020202020204" pitchFamily="34" charset="0"/>
+              <a:buChar char="•"/>
+            </a:pPr>
+            <a:r>
+              <a:rPr lang="en-US" baseline="0" dirty="0" smtClean="0"/>
+              <a:t>Must pass by reference, otherwise output is destroyed – a copy of the stream is created</a:t>
+            </a:r>
+          </a:p>
+          <a:p>
+            <a:pPr marL="1085850" lvl="2" indent="-171450">
+              <a:buFont typeface="Arial" panose="020B0604020202020204" pitchFamily="34" charset="0"/>
+              <a:buChar char="•"/>
+            </a:pPr>
+            <a:r>
+              <a:rPr lang="en-US" baseline="0" dirty="0" smtClean="0"/>
+              <a:t>For </a:t>
+            </a:r>
+            <a:r>
+              <a:rPr lang="en-US" baseline="0" dirty="0" err="1" smtClean="0"/>
+              <a:t>cout</a:t>
+            </a:r>
+            <a:r>
+              <a:rPr lang="en-US" baseline="0" dirty="0" smtClean="0"/>
+              <a:t>, it doesn’t exist – the copy constructor is =delete</a:t>
+            </a:r>
+          </a:p>
+          <a:p>
+            <a:pPr marL="628650" lvl="1" indent="-171450">
+              <a:buFont typeface="Arial" panose="020B0604020202020204" pitchFamily="34" charset="0"/>
+              <a:buChar char="•"/>
+            </a:pPr>
+            <a:r>
+              <a:rPr lang="en-US" baseline="0" dirty="0" err="1" smtClean="0"/>
+              <a:t>Std</a:t>
+            </a:r>
+            <a:r>
+              <a:rPr lang="en-US" baseline="0" dirty="0" smtClean="0"/>
+              <a:t>::ref() – forces argument to be a reference type, which then allows a copy to be made (of the reference)</a:t>
+            </a:r>
+          </a:p>
+          <a:p>
+            <a:pPr marL="628650" lvl="1" indent="-171450">
+              <a:buFont typeface="Arial" panose="020B0604020202020204" pitchFamily="34" charset="0"/>
+              <a:buChar char="•"/>
+            </a:pPr>
+            <a:endParaRPr lang="en-US" baseline="0" dirty="0" smtClean="0"/>
+          </a:p>
+          <a:p>
+            <a:pPr marL="171450" lvl="0" indent="-171450">
+              <a:buFont typeface="Arial" panose="020B0604020202020204" pitchFamily="34" charset="0"/>
+              <a:buChar char="•"/>
+            </a:pPr>
+            <a:r>
+              <a:rPr lang="en-US" baseline="0" dirty="0" err="1" smtClean="0"/>
+              <a:t>Stringstream</a:t>
+            </a:r>
+            <a:r>
+              <a:rPr lang="en-US" baseline="0" dirty="0" smtClean="0"/>
+              <a:t> can be used to convert instead of </a:t>
+            </a:r>
+            <a:r>
+              <a:rPr lang="en-US" baseline="0" dirty="0" err="1" smtClean="0"/>
+              <a:t>c_strtoi</a:t>
+            </a:r>
+            <a:endParaRPr lang="en-US" baseline="0" dirty="0" smtClean="0"/>
+          </a:p>
+          <a:p>
+            <a:pPr marL="171450" lvl="0" indent="-171450">
+              <a:buFont typeface="Arial" panose="020B0604020202020204" pitchFamily="34" charset="0"/>
+              <a:buChar char="•"/>
+            </a:pPr>
+            <a:endParaRPr lang="en-US" baseline="0" dirty="0" smtClean="0"/>
+          </a:p>
+          <a:p>
+            <a:pPr marL="628650" lvl="1" indent="-171450">
+              <a:buFont typeface="Arial" panose="020B0604020202020204" pitchFamily="34" charset="0"/>
+              <a:buChar char="•"/>
+            </a:pPr>
+            <a:endParaRPr lang="en-US" baseline="0" dirty="0" smtClean="0"/>
+          </a:p>
+          <a:p>
+            <a:pPr marL="171450" indent="-171450">
+              <a:buFont typeface="Arial" panose="020B0604020202020204" pitchFamily="34" charset="0"/>
+              <a:buChar char="•"/>
+            </a:pPr>
+            <a:endParaRPr lang="en-US" dirty="0"/>
+          </a:p>
+        </p:txBody>
+      </p:sp>
+      <p:sp>
+        <p:nvSpPr>
+          <p:cNvPr id="4" name="Slide Number Placeholder 3"/>
+          <p:cNvSpPr>
+            <a:spLocks noGrp="1"/>
+          </p:cNvSpPr>
+          <p:nvPr>
+            <p:ph type="sldNum" sz="quarter" idx="10"/>
+          </p:nvPr>
+        </p:nvSpPr>
+        <p:spPr/>
+        <p:txBody>
+          <a:bodyPr/>
+          <a:lstStyle/>
+          <a:p>
+            <a:fld id="{33EB61B5-0B25-4052-8EFA-97E46EEADB31}" type="slidenum">
+              <a:rPr lang="en-US" smtClean="0"/>
+              <a:t>10</a:t>
+            </a:fld>
+            <a:endParaRPr lang="en-US"/>
+          </a:p>
+        </p:txBody>
+      </p:sp>
+    </p:spTree>
+    <p:extLst>
+      <p:ext uri="{BB962C8B-B14F-4D97-AF65-F5344CB8AC3E}">
+        <p14:creationId xmlns:p14="http://schemas.microsoft.com/office/powerpoint/2010/main" val="54091665"/>
+      </p:ext>
+    </p:extLst>
+  </p:cSld>
+  <p:clrMapOvr>
+    <a:masterClrMapping/>
+  </p:clrMapOvr>
+</p:notes>
+</file>
+
 <file path=ppt/slideLayouts/slideLayout1.xml><?xml version="1.0" encoding="utf-8"?>
 <p:sldLayout xmlns:a="http://schemas.openxmlformats.org/drawingml/2006/main" xmlns:r="http://schemas.openxmlformats.org/officeDocument/2006/relationships" xmlns:p="http://schemas.openxmlformats.org/presentationml/2006/main" showMasterSp="0" type="title" preserve="1">
   <p:cSld name="Title Slide">
@@ -681,7 +2808,7 @@
           <a:p>
             <a:fld id="{9769DED8-28D4-45B9-A00F-7CFE9335FEA6}" type="datetime1">
               <a:rPr lang="en-US" smtClean="0"/>
-              <a:t>1/14/2014</a:t>
+              <a:t>1/27/2014</a:t>
             </a:fld>
             <a:endParaRPr lang="en-US"/>
           </a:p>
@@ -946,7 +3073,7 @@
           <a:p>
             <a:fld id="{2DB3D439-1F88-44B4-B5F7-F9BCD4064257}" type="datetime1">
               <a:rPr lang="en-US" smtClean="0"/>
-              <a:t>1/14/2014</a:t>
+              <a:t>1/27/2014</a:t>
             </a:fld>
             <a:endParaRPr lang="en-US"/>
           </a:p>
@@ -1121,7 +3248,7 @@
           <a:p>
             <a:fld id="{99C5638F-6F55-4055-935C-67841BE78C36}" type="datetime1">
               <a:rPr lang="en-US" smtClean="0"/>
-              <a:t>1/14/2014</a:t>
+              <a:t>1/27/2014</a:t>
             </a:fld>
             <a:endParaRPr lang="en-US"/>
           </a:p>
@@ -1286,7 +3413,7 @@
           <a:p>
             <a:fld id="{E6987D90-0C92-4B22-A29D-FED15412CED2}" type="datetime1">
               <a:rPr lang="en-US" smtClean="0"/>
-              <a:t>1/14/2014</a:t>
+              <a:t>1/27/2014</a:t>
             </a:fld>
             <a:endParaRPr lang="en-US"/>
           </a:p>
@@ -1535,7 +3662,7 @@
           <a:p>
             <a:fld id="{DDB67BC4-9554-49E0-BCB3-D1EF965BA0B8}" type="datetime1">
               <a:rPr lang="en-US" smtClean="0"/>
-              <a:t>1/14/2014</a:t>
+              <a:t>1/27/2014</a:t>
             </a:fld>
             <a:endParaRPr lang="en-US"/>
           </a:p>
@@ -1818,7 +3945,7 @@
           <a:p>
             <a:fld id="{EC24D770-803D-4E01-921C-9C100DD8230C}" type="datetime1">
               <a:rPr lang="en-US" smtClean="0"/>
-              <a:t>1/14/2014</a:t>
+              <a:t>1/27/2014</a:t>
             </a:fld>
             <a:endParaRPr lang="en-US"/>
           </a:p>
@@ -2257,7 +4384,7 @@
           <a:p>
             <a:fld id="{356AD44B-78A4-4209-8070-7DCBE2DC4992}" type="datetime1">
               <a:rPr lang="en-US" smtClean="0"/>
-              <a:t>1/14/2014</a:t>
+              <a:t>1/27/2014</a:t>
             </a:fld>
             <a:endParaRPr lang="en-US"/>
           </a:p>
@@ -2370,7 +4497,7 @@
           <a:p>
             <a:fld id="{A993C59A-7CA2-467F-B7F1-9096881A01B8}" type="datetime1">
               <a:rPr lang="en-US" smtClean="0"/>
-              <a:t>1/14/2014</a:t>
+              <a:t>1/27/2014</a:t>
             </a:fld>
             <a:endParaRPr lang="en-US"/>
           </a:p>
@@ -2460,7 +4587,7 @@
           <a:p>
             <a:fld id="{2B6B58D0-2488-434A-8ED1-692E09B85CC5}" type="datetime1">
               <a:rPr lang="en-US" smtClean="0"/>
-              <a:t>1/14/2014</a:t>
+              <a:t>1/27/2014</a:t>
             </a:fld>
             <a:endParaRPr lang="en-US"/>
           </a:p>
@@ -2702,7 +4829,7 @@
           <a:p>
             <a:fld id="{FDB0AFC2-7D64-4F61-A7B7-9932D3305DDA}" type="datetime1">
               <a:rPr lang="en-US" smtClean="0"/>
-              <a:t>1/14/2014</a:t>
+              <a:t>1/27/2014</a:t>
             </a:fld>
             <a:endParaRPr lang="en-US"/>
           </a:p>
@@ -2996,7 +5123,7 @@
           <a:p>
             <a:fld id="{4983D17A-D7B2-4ECE-8A2C-93679B9D177B}" type="datetime1">
               <a:rPr lang="en-US" smtClean="0"/>
-              <a:t>1/14/2014</a:t>
+              <a:t>1/27/2014</a:t>
             </a:fld>
             <a:endParaRPr lang="en-US"/>
           </a:p>
@@ -3290,7 +5417,7 @@
           <a:p>
             <a:fld id="{2A5275F7-419E-4C23-8A3D-2EE5742B2EC9}" type="datetime1">
               <a:rPr lang="en-US" smtClean="0"/>
-              <a:t>1/14/2014</a:t>
+              <a:t>1/27/2014</a:t>
             </a:fld>
             <a:endParaRPr lang="en-US"/>
           </a:p>
@@ -4696,7 +6823,7 @@
         <p:spPr/>
         <p:txBody>
           <a:bodyPr>
-            <a:normAutofit lnSpcReduction="10000"/>
+            <a:normAutofit fontScale="85000" lnSpcReduction="20000"/>
           </a:bodyPr>
           <a:lstStyle/>
           <a:p>
@@ -4859,8 +6986,12 @@
                 <a:latin typeface="Courier New" panose="02070309020205020404" pitchFamily="49" charset="0"/>
                 <a:cs typeface="Courier New" panose="02070309020205020404" pitchFamily="49" charset="0"/>
               </a:rPr>
-              <a:t>);</a:t>
-            </a:r>
+              <a:t>); //string literal becomes a char*</a:t>
+            </a:r>
+            <a:endParaRPr lang="en-US" dirty="0" smtClean="0">
+              <a:latin typeface="Courier New" panose="02070309020205020404" pitchFamily="49" charset="0"/>
+              <a:cs typeface="Courier New" panose="02070309020205020404" pitchFamily="49" charset="0"/>
+            </a:endParaRPr>
           </a:p>
           <a:p>
             <a:r>
@@ -5034,8 +7165,21 @@
                 <a:latin typeface="Courier New" panose="02070309020205020404" pitchFamily="49" charset="0"/>
                 <a:cs typeface="Courier New" panose="02070309020205020404" pitchFamily="49" charset="0"/>
               </a:rPr>
-              <a:t>();</a:t>
-            </a:r>
+              <a:t>();//doesn’t wait for thread to exit, could continue to run (exit whenever it exits)</a:t>
+            </a:r>
+          </a:p>
+          <a:p>
+            <a:r>
+              <a:rPr lang="en-US" dirty="0" smtClean="0">
+                <a:latin typeface="Courier New" panose="02070309020205020404" pitchFamily="49" charset="0"/>
+                <a:cs typeface="Courier New" panose="02070309020205020404" pitchFamily="49" charset="0"/>
+              </a:rPr>
+              <a:t>//buffer will go out of scope when oops goes away…</a:t>
+            </a:r>
+            <a:endParaRPr lang="en-US" dirty="0" smtClean="0">
+              <a:latin typeface="Courier New" panose="02070309020205020404" pitchFamily="49" charset="0"/>
+              <a:cs typeface="Courier New" panose="02070309020205020404" pitchFamily="49" charset="0"/>
+            </a:endParaRPr>
           </a:p>
           <a:p>
             <a:r>
@@ -6683,8 +8827,22 @@
             </a:r>
             <a:r>
               <a:rPr lang="en-US" dirty="0" smtClean="0"/>
-              <a:t> allows a single owner of heap-allocated memory</a:t>
-            </a:r>
+              <a:t> allows a single owner of heap-allocated </a:t>
+            </a:r>
+            <a:r>
+              <a:rPr lang="en-US" dirty="0" smtClean="0"/>
+              <a:t>memory</a:t>
+            </a:r>
+          </a:p>
+          <a:p>
+            <a:pPr lvl="1" indent="0">
+              <a:buNone/>
+            </a:pPr>
+            <a:r>
+              <a:rPr lang="en-US" dirty="0" smtClean="0"/>
+              <a:t>Way to avoid calling new and delete^^</a:t>
+            </a:r>
+            <a:endParaRPr lang="en-US" dirty="0" smtClean="0"/>
           </a:p>
           <a:p>
             <a:pPr marL="800100" lvl="1" indent="-342900"/>
@@ -6869,15 +9027,29 @@
                 <a:latin typeface="Courier New" panose="02070309020205020404" pitchFamily="49" charset="0"/>
                 <a:cs typeface="Courier New" panose="02070309020205020404" pitchFamily="49" charset="0"/>
               </a:rPr>
-              <a:t>::move(p)</a:t>
-            </a:r>
-            <a:r>
-              <a:rPr lang="en-US" dirty="0">
-                <a:latin typeface="Courier New" panose="02070309020205020404" pitchFamily="49" charset="0"/>
-                <a:cs typeface="Courier New" panose="02070309020205020404" pitchFamily="49" charset="0"/>
-              </a:rPr>
-              <a:t>);</a:t>
-            </a:r>
+              <a:t>::move(p</a:t>
+            </a:r>
+            <a:r>
+              <a:rPr lang="en-US" dirty="0" smtClean="0">
+                <a:solidFill>
+                  <a:schemeClr val="tx2"/>
+                </a:solidFill>
+                <a:latin typeface="Courier New" panose="02070309020205020404" pitchFamily="49" charset="0"/>
+                <a:cs typeface="Courier New" panose="02070309020205020404" pitchFamily="49" charset="0"/>
+              </a:rPr>
+              <a:t>)</a:t>
+            </a:r>
+            <a:r>
+              <a:rPr lang="en-US" dirty="0" smtClean="0">
+                <a:latin typeface="Courier New" panose="02070309020205020404" pitchFamily="49" charset="0"/>
+                <a:cs typeface="Courier New" panose="02070309020205020404" pitchFamily="49" charset="0"/>
+              </a:rPr>
+              <a:t>);//process is name of the method here</a:t>
+            </a:r>
+            <a:endParaRPr lang="en-US" dirty="0">
+              <a:latin typeface="Courier New" panose="02070309020205020404" pitchFamily="49" charset="0"/>
+              <a:cs typeface="Courier New" panose="02070309020205020404" pitchFamily="49" charset="0"/>
+            </a:endParaRPr>
           </a:p>
         </p:txBody>
       </p:sp>
@@ -7379,29 +9551,12 @@
           <a:p>
             <a:pPr marL="342900" indent="-342900"/>
             <a:r>
-              <a:rPr lang="en-US" dirty="0">
-                <a:latin typeface="Courier New" panose="02070309020205020404" pitchFamily="49" charset="0"/>
-                <a:cs typeface="Courier New" panose="02070309020205020404" pitchFamily="49" charset="0"/>
-              </a:rPr>
-              <a:t>} </a:t>
-            </a:r>
-            <a:r>
-              <a:rPr lang="en-US" dirty="0">
-                <a:solidFill>
-                  <a:srgbClr val="3F7F59"/>
-                </a:solidFill>
-                <a:latin typeface="Courier New" panose="02070309020205020404" pitchFamily="49" charset="0"/>
-                <a:cs typeface="Courier New" panose="02070309020205020404" pitchFamily="49" charset="0"/>
-              </a:rPr>
-              <a:t>// Oops!</a:t>
-            </a:r>
-            <a:endParaRPr lang="en-US" dirty="0">
-              <a:latin typeface="Courier New" panose="02070309020205020404" pitchFamily="49" charset="0"/>
-              <a:cs typeface="Courier New" panose="02070309020205020404" pitchFamily="49" charset="0"/>
-            </a:endParaRPr>
-          </a:p>
-          <a:p>
-            <a:pPr marL="342900" indent="-342900"/>
+              <a:rPr lang="en-US" dirty="0" smtClean="0">
+                <a:latin typeface="Courier New" panose="02070309020205020404" pitchFamily="49" charset="0"/>
+                <a:cs typeface="Courier New" panose="02070309020205020404" pitchFamily="49" charset="0"/>
+              </a:rPr>
+              <a:t>}//Fine!</a:t>
+            </a:r>
             <a:endParaRPr lang="en-US" dirty="0">
               <a:latin typeface="Courier New" panose="02070309020205020404" pitchFamily="49" charset="0"/>
               <a:cs typeface="Courier New" panose="02070309020205020404" pitchFamily="49" charset="0"/>
@@ -7926,7 +10081,15 @@
             <a:pPr marL="1485900" lvl="2" indent="-342900"/>
             <a:r>
               <a:rPr lang="en-US" dirty="0" smtClean="0"/>
-              <a:t>Can be called only once on a </a:t>
+              <a:t>Can be called </a:t>
+            </a:r>
+            <a:r>
+              <a:rPr lang="en-US" u="sng" dirty="0" smtClean="0"/>
+              <a:t>only once </a:t>
+            </a:r>
+            <a:r>
+              <a:rPr lang="en-US" dirty="0" smtClean="0"/>
+              <a:t>on a </a:t>
             </a:r>
             <a:r>
               <a:rPr lang="en-US" dirty="0" err="1" smtClean="0">
@@ -7962,7 +10125,15 @@
             </a:r>
             <a:r>
               <a:rPr lang="en-US" dirty="0" smtClean="0"/>
-              <a:t> to know if a thread can be joined</a:t>
+              <a:t> to know if a thread </a:t>
+            </a:r>
+            <a:r>
+              <a:rPr lang="en-US" u="sng" dirty="0" smtClean="0"/>
+              <a:t>can</a:t>
+            </a:r>
+            <a:r>
+              <a:rPr lang="en-US" dirty="0" smtClean="0"/>
+              <a:t> be joined</a:t>
             </a:r>
           </a:p>
           <a:p>
@@ -8218,47 +10389,33 @@
                 <a:latin typeface="Courier New" panose="02070309020205020404" pitchFamily="49" charset="0"/>
                 <a:cs typeface="Courier New" panose="02070309020205020404" pitchFamily="49" charset="0"/>
               </a:rPr>
+              <a:t> i, </a:t>
+            </a:r>
+            <a:r>
+              <a:rPr lang="en-US" dirty="0" err="1">
+                <a:solidFill>
+                  <a:srgbClr val="7F0055"/>
+                </a:solidFill>
+                <a:latin typeface="Courier New" panose="02070309020205020404" pitchFamily="49" charset="0"/>
+                <a:cs typeface="Courier New" panose="02070309020205020404" pitchFamily="49" charset="0"/>
+              </a:rPr>
+              <a:t>const</a:t>
+            </a:r>
+            <a:r>
+              <a:rPr lang="en-US" dirty="0">
+                <a:latin typeface="Courier New" panose="02070309020205020404" pitchFamily="49" charset="0"/>
+                <a:cs typeface="Courier New" panose="02070309020205020404" pitchFamily="49" charset="0"/>
+              </a:rPr>
               <a:t> </a:t>
             </a:r>
             <a:r>
-              <a:rPr lang="en-US" dirty="0" err="1">
-                <a:latin typeface="Courier New" panose="02070309020205020404" pitchFamily="49" charset="0"/>
-                <a:cs typeface="Courier New" panose="02070309020205020404" pitchFamily="49" charset="0"/>
-              </a:rPr>
-              <a:t>i</a:t>
-            </a:r>
-            <a:r>
-              <a:rPr lang="en-US" dirty="0">
-                <a:latin typeface="Courier New" panose="02070309020205020404" pitchFamily="49" charset="0"/>
-                <a:cs typeface="Courier New" panose="02070309020205020404" pitchFamily="49" charset="0"/>
-              </a:rPr>
-              <a:t>, </a:t>
-            </a:r>
-            <a:r>
-              <a:rPr lang="en-US" dirty="0" err="1">
+              <a:rPr lang="en-US" dirty="0">
                 <a:solidFill>
                   <a:srgbClr val="7F0055"/>
                 </a:solidFill>
                 <a:latin typeface="Courier New" panose="02070309020205020404" pitchFamily="49" charset="0"/>
                 <a:cs typeface="Courier New" panose="02070309020205020404" pitchFamily="49" charset="0"/>
               </a:rPr>
-              <a:t>const</a:t>
-            </a:r>
-            <a:r>
-              <a:rPr lang="en-US" dirty="0">
-                <a:latin typeface="Courier New" panose="02070309020205020404" pitchFamily="49" charset="0"/>
-                <a:cs typeface="Courier New" panose="02070309020205020404" pitchFamily="49" charset="0"/>
-              </a:rPr>
-              <a:t> </a:t>
-            </a:r>
-            <a:r>
-              <a:rPr lang="en-US" dirty="0">
-                <a:solidFill>
-                  <a:srgbClr val="7F0055"/>
-                </a:solidFill>
-                <a:latin typeface="Courier New" panose="02070309020205020404" pitchFamily="49" charset="0"/>
-                <a:cs typeface="Courier New" panose="02070309020205020404" pitchFamily="49" charset="0"/>
-              </a:rPr>
               <a:t>char</a:t>
             </a:r>
             <a:r>
@@ -8273,8 +10430,26 @@
                 <a:latin typeface="Courier New" panose="02070309020205020404" pitchFamily="49" charset="0"/>
                 <a:cs typeface="Courier New" panose="02070309020205020404" pitchFamily="49" charset="0"/>
               </a:rPr>
-              <a:t>);</a:t>
-            </a:r>
+              <a:t>);//problematic (</a:t>
+            </a:r>
+            <a:r>
+              <a:rPr lang="en-US" dirty="0" err="1" smtClean="0">
+                <a:latin typeface="Courier New" panose="02070309020205020404" pitchFamily="49" charset="0"/>
+                <a:cs typeface="Courier New" panose="02070309020205020404" pitchFamily="49" charset="0"/>
+              </a:rPr>
+              <a:t>ptr</a:t>
+            </a:r>
+            <a:r>
+              <a:rPr lang="en-US" dirty="0" smtClean="0">
+                <a:latin typeface="Courier New" panose="02070309020205020404" pitchFamily="49" charset="0"/>
+                <a:cs typeface="Courier New" panose="02070309020205020404" pitchFamily="49" charset="0"/>
+              </a:rPr>
+              <a:t>)</a:t>
+            </a:r>
+            <a:endParaRPr lang="en-US" dirty="0" smtClean="0">
+              <a:latin typeface="Courier New" panose="02070309020205020404" pitchFamily="49" charset="0"/>
+              <a:cs typeface="Courier New" panose="02070309020205020404" pitchFamily="49" charset="0"/>
+            </a:endParaRPr>
           </a:p>
           <a:p>
             <a:endParaRPr lang="en-US" dirty="0">
@@ -8838,8 +11013,12 @@
                 <a:latin typeface="Courier New" panose="02070309020205020404" pitchFamily="49" charset="0"/>
                 <a:cs typeface="Courier New" panose="02070309020205020404" pitchFamily="49" charset="0"/>
               </a:rPr>
-              <a:t>();</a:t>
-            </a:r>
+              <a:t>();//will not be executed if an exception is thrown</a:t>
+            </a:r>
+            <a:endParaRPr lang="en-US" dirty="0" smtClean="0">
+              <a:latin typeface="Courier New" panose="02070309020205020404" pitchFamily="49" charset="0"/>
+              <a:cs typeface="Courier New" panose="02070309020205020404" pitchFamily="49" charset="0"/>
+            </a:endParaRPr>
           </a:p>
           <a:p>
             <a:r>
@@ -9342,10 +11521,15 @@
             <p:ph idx="1"/>
           </p:nvPr>
         </p:nvSpPr>
-        <p:spPr/>
+        <p:spPr>
+          <a:xfrm>
+            <a:off x="457200" y="1295400"/>
+            <a:ext cx="7620000" cy="4830763"/>
+          </a:xfrm>
+        </p:spPr>
         <p:txBody>
           <a:bodyPr>
-            <a:normAutofit lnSpcReduction="10000"/>
+            <a:normAutofit fontScale="92500" lnSpcReduction="20000"/>
           </a:bodyPr>
           <a:lstStyle/>
           <a:p>
@@ -9408,8 +11592,12 @@
                 <a:latin typeface="Courier New" panose="02070309020205020404" pitchFamily="49" charset="0"/>
                 <a:cs typeface="Courier New" panose="02070309020205020404" pitchFamily="49" charset="0"/>
               </a:rPr>
-              <a:t>_;</a:t>
-            </a:r>
+              <a:t>_;//private reference to a thread</a:t>
+            </a:r>
+            <a:endParaRPr lang="en-US" dirty="0" smtClean="0">
+              <a:latin typeface="Courier New" panose="02070309020205020404" pitchFamily="49" charset="0"/>
+              <a:cs typeface="Courier New" panose="02070309020205020404" pitchFamily="49" charset="0"/>
+            </a:endParaRPr>
           </a:p>
           <a:p>
             <a:r>
@@ -9477,15 +11665,32 @@
                 <a:latin typeface="Courier New" panose="02070309020205020404" pitchFamily="49" charset="0"/>
                 <a:cs typeface="Courier New" panose="02070309020205020404" pitchFamily="49" charset="0"/>
               </a:rPr>
-              <a:t>::thread&amp; t): t_(t) </a:t>
-            </a:r>
-            <a:r>
-              <a:rPr lang="en-US" dirty="0" smtClean="0">
-                <a:latin typeface="Courier New" panose="02070309020205020404" pitchFamily="49" charset="0"/>
-                <a:cs typeface="Courier New" panose="02070309020205020404" pitchFamily="49" charset="0"/>
-              </a:rPr>
-              <a:t>{}</a:t>
-            </a:r>
+              <a:t>::thread&amp; t): t_(t</a:t>
+            </a:r>
+            <a:r>
+              <a:rPr lang="en-US" dirty="0" smtClean="0">
+                <a:latin typeface="Courier New" panose="02070309020205020404" pitchFamily="49" charset="0"/>
+                <a:cs typeface="Courier New" panose="02070309020205020404" pitchFamily="49" charset="0"/>
+              </a:rPr>
+              <a:t>)(copying reference to the thread) </a:t>
+            </a:r>
+            <a:r>
+              <a:rPr lang="en-US" dirty="0" smtClean="0">
+                <a:solidFill>
+                  <a:srgbClr val="00B050"/>
+                </a:solidFill>
+                <a:latin typeface="Courier New" panose="02070309020205020404" pitchFamily="49" charset="0"/>
+                <a:cs typeface="Courier New" panose="02070309020205020404" pitchFamily="49" charset="0"/>
+              </a:rPr>
+              <a:t>{}//explicit is good for single argument constructor, not super important in this context</a:t>
+            </a:r>
+            <a:endParaRPr lang="en-US" dirty="0" smtClean="0">
+              <a:solidFill>
+                <a:srgbClr val="00B050"/>
+              </a:solidFill>
+              <a:latin typeface="Courier New" panose="02070309020205020404" pitchFamily="49" charset="0"/>
+              <a:cs typeface="Courier New" panose="02070309020205020404" pitchFamily="49" charset="0"/>
+            </a:endParaRPr>
           </a:p>
           <a:p>
             <a:r>
@@ -9567,7 +11772,7 @@
               <a:t>()) </a:t>
             </a:r>
             <a:r>
-              <a:rPr lang="en-US" smtClean="0">
+              <a:rPr lang="en-US" dirty="0" err="1" smtClean="0">
                 <a:latin typeface="Courier New" panose="02070309020205020404" pitchFamily="49" charset="0"/>
                 <a:cs typeface="Courier New" panose="02070309020205020404" pitchFamily="49" charset="0"/>
               </a:rPr>
@@ -9585,8 +11790,12 @@
                 <a:latin typeface="Courier New" panose="02070309020205020404" pitchFamily="49" charset="0"/>
                 <a:cs typeface="Courier New" panose="02070309020205020404" pitchFamily="49" charset="0"/>
               </a:rPr>
-              <a:t>();</a:t>
-            </a:r>
+              <a:t>(); //if joinable, then join it!</a:t>
+            </a:r>
+            <a:endParaRPr lang="en-US" dirty="0" smtClean="0">
+              <a:latin typeface="Courier New" panose="02070309020205020404" pitchFamily="49" charset="0"/>
+              <a:cs typeface="Courier New" panose="02070309020205020404" pitchFamily="49" charset="0"/>
+            </a:endParaRPr>
           </a:p>
           <a:p>
             <a:r>
@@ -9651,90 +11860,94 @@
                 <a:latin typeface="Courier New" panose="02070309020205020404" pitchFamily="49" charset="0"/>
                 <a:cs typeface="Courier New" panose="02070309020205020404" pitchFamily="49" charset="0"/>
               </a:rPr>
+              <a:t>; //no automatic copy constructor is created</a:t>
+            </a:r>
+            <a:endParaRPr lang="en-US" dirty="0" smtClean="0">
+              <a:latin typeface="Courier New" panose="02070309020205020404" pitchFamily="49" charset="0"/>
+              <a:cs typeface="Courier New" panose="02070309020205020404" pitchFamily="49" charset="0"/>
+            </a:endParaRPr>
+          </a:p>
+          <a:p>
+            <a:r>
+              <a:rPr lang="en-US" dirty="0">
+                <a:latin typeface="Courier New" panose="02070309020205020404" pitchFamily="49" charset="0"/>
+                <a:cs typeface="Courier New" panose="02070309020205020404" pitchFamily="49" charset="0"/>
+              </a:rPr>
+              <a:t> </a:t>
+            </a:r>
+            <a:r>
+              <a:rPr lang="en-US" dirty="0" smtClean="0">
+                <a:latin typeface="Courier New" panose="02070309020205020404" pitchFamily="49" charset="0"/>
+                <a:cs typeface="Courier New" panose="02070309020205020404" pitchFamily="49" charset="0"/>
+              </a:rPr>
+              <a:t> guard</a:t>
+            </a:r>
+            <a:r>
+              <a:rPr lang="en-US" dirty="0">
+                <a:latin typeface="Courier New" panose="02070309020205020404" pitchFamily="49" charset="0"/>
+                <a:cs typeface="Courier New" panose="02070309020205020404" pitchFamily="49" charset="0"/>
+              </a:rPr>
+              <a:t>&amp; </a:t>
+            </a:r>
+            <a:r>
+              <a:rPr lang="en-US" dirty="0">
+                <a:solidFill>
+                  <a:srgbClr val="7F0055"/>
+                </a:solidFill>
+                <a:latin typeface="Courier New" panose="02070309020205020404" pitchFamily="49" charset="0"/>
+                <a:cs typeface="Courier New" panose="02070309020205020404" pitchFamily="49" charset="0"/>
+              </a:rPr>
+              <a:t>operator</a:t>
+            </a:r>
+            <a:r>
+              <a:rPr lang="en-US" dirty="0">
+                <a:latin typeface="Courier New" panose="02070309020205020404" pitchFamily="49" charset="0"/>
+                <a:cs typeface="Courier New" panose="02070309020205020404" pitchFamily="49" charset="0"/>
+              </a:rPr>
+              <a:t>=(guard </a:t>
+            </a:r>
+            <a:r>
+              <a:rPr lang="en-US" dirty="0" err="1">
+                <a:solidFill>
+                  <a:srgbClr val="7F0055"/>
+                </a:solidFill>
+                <a:latin typeface="Courier New" panose="02070309020205020404" pitchFamily="49" charset="0"/>
+                <a:cs typeface="Courier New" panose="02070309020205020404" pitchFamily="49" charset="0"/>
+              </a:rPr>
+              <a:t>const</a:t>
+            </a:r>
+            <a:r>
+              <a:rPr lang="en-US" dirty="0">
+                <a:latin typeface="Courier New" panose="02070309020205020404" pitchFamily="49" charset="0"/>
+                <a:cs typeface="Courier New" panose="02070309020205020404" pitchFamily="49" charset="0"/>
+              </a:rPr>
+              <a:t>&amp;) = </a:t>
+            </a:r>
+            <a:r>
+              <a:rPr lang="en-US" dirty="0">
+                <a:solidFill>
+                  <a:srgbClr val="7F0055"/>
+                </a:solidFill>
+                <a:latin typeface="Courier New" panose="02070309020205020404" pitchFamily="49" charset="0"/>
+                <a:cs typeface="Courier New" panose="02070309020205020404" pitchFamily="49" charset="0"/>
+              </a:rPr>
+              <a:t>delete</a:t>
+            </a:r>
+            <a:r>
+              <a:rPr lang="en-US" dirty="0" smtClean="0">
+                <a:latin typeface="Courier New" panose="02070309020205020404" pitchFamily="49" charset="0"/>
+                <a:cs typeface="Courier New" panose="02070309020205020404" pitchFamily="49" charset="0"/>
+              </a:rPr>
               <a:t>;</a:t>
             </a:r>
           </a:p>
           <a:p>
             <a:r>
-              <a:rPr lang="en-US" dirty="0">
-                <a:latin typeface="Courier New" panose="02070309020205020404" pitchFamily="49" charset="0"/>
-                <a:cs typeface="Courier New" panose="02070309020205020404" pitchFamily="49" charset="0"/>
-              </a:rPr>
-              <a:t> </a:t>
-            </a:r>
-            <a:r>
-              <a:rPr lang="en-US" dirty="0" smtClean="0">
-                <a:latin typeface="Courier New" panose="02070309020205020404" pitchFamily="49" charset="0"/>
-                <a:cs typeface="Courier New" panose="02070309020205020404" pitchFamily="49" charset="0"/>
-              </a:rPr>
-              <a:t> guard</a:t>
-            </a:r>
-            <a:r>
-              <a:rPr lang="en-US" dirty="0">
-                <a:latin typeface="Courier New" panose="02070309020205020404" pitchFamily="49" charset="0"/>
-                <a:cs typeface="Courier New" panose="02070309020205020404" pitchFamily="49" charset="0"/>
-              </a:rPr>
-              <a:t>&amp; </a:t>
-            </a:r>
-            <a:r>
-              <a:rPr lang="en-US" dirty="0">
-                <a:solidFill>
-                  <a:srgbClr val="7F0055"/>
-                </a:solidFill>
-                <a:latin typeface="Courier New" panose="02070309020205020404" pitchFamily="49" charset="0"/>
-                <a:cs typeface="Courier New" panose="02070309020205020404" pitchFamily="49" charset="0"/>
-              </a:rPr>
-              <a:t>operator</a:t>
-            </a:r>
-            <a:r>
-              <a:rPr lang="en-US" dirty="0">
-                <a:latin typeface="Courier New" panose="02070309020205020404" pitchFamily="49" charset="0"/>
-                <a:cs typeface="Courier New" panose="02070309020205020404" pitchFamily="49" charset="0"/>
-              </a:rPr>
-              <a:t>=(guard </a:t>
-            </a:r>
-            <a:r>
-              <a:rPr lang="en-US" dirty="0" err="1">
-                <a:solidFill>
-                  <a:srgbClr val="7F0055"/>
-                </a:solidFill>
-                <a:latin typeface="Courier New" panose="02070309020205020404" pitchFamily="49" charset="0"/>
-                <a:cs typeface="Courier New" panose="02070309020205020404" pitchFamily="49" charset="0"/>
-              </a:rPr>
-              <a:t>const</a:t>
-            </a:r>
-            <a:r>
-              <a:rPr lang="en-US" dirty="0">
-                <a:latin typeface="Courier New" panose="02070309020205020404" pitchFamily="49" charset="0"/>
-                <a:cs typeface="Courier New" panose="02070309020205020404" pitchFamily="49" charset="0"/>
-              </a:rPr>
-              <a:t>&amp;) = </a:t>
-            </a:r>
-            <a:r>
-              <a:rPr lang="en-US" dirty="0">
-                <a:solidFill>
-                  <a:srgbClr val="7F0055"/>
-                </a:solidFill>
-                <a:latin typeface="Courier New" panose="02070309020205020404" pitchFamily="49" charset="0"/>
-                <a:cs typeface="Courier New" panose="02070309020205020404" pitchFamily="49" charset="0"/>
-              </a:rPr>
-              <a:t>delete</a:t>
-            </a:r>
-            <a:r>
-              <a:rPr lang="en-US" dirty="0" smtClean="0">
-                <a:latin typeface="Courier New" panose="02070309020205020404" pitchFamily="49" charset="0"/>
-                <a:cs typeface="Courier New" panose="02070309020205020404" pitchFamily="49" charset="0"/>
-              </a:rPr>
-              <a:t>;</a:t>
-            </a:r>
-          </a:p>
-          <a:p>
-            <a:r>
-              <a:rPr lang="en-US" dirty="0" smtClean="0">
-                <a:latin typeface="Courier New" panose="02070309020205020404" pitchFamily="49" charset="0"/>
-                <a:cs typeface="Courier New" panose="02070309020205020404" pitchFamily="49" charset="0"/>
-              </a:rPr>
-              <a:t>};</a:t>
+              <a:rPr lang="en-US" dirty="0" smtClean="0">
+                <a:latin typeface="Courier New" panose="02070309020205020404" pitchFamily="49" charset="0"/>
+                <a:cs typeface="Courier New" panose="02070309020205020404" pitchFamily="49" charset="0"/>
+              </a:rPr>
+              <a:t>}; //the guard class cannot be copied!</a:t>
             </a:r>
             <a:endParaRPr lang="en-US" dirty="0">
               <a:latin typeface="Courier New" panose="02070309020205020404" pitchFamily="49" charset="0"/>
@@ -9859,7 +12072,12 @@
             <p:ph idx="1"/>
           </p:nvPr>
         </p:nvSpPr>
-        <p:spPr/>
+        <p:spPr>
+          <a:xfrm>
+            <a:off x="228600" y="1694497"/>
+            <a:ext cx="7620000" cy="4373563"/>
+          </a:xfrm>
+        </p:spPr>
         <p:txBody>
           <a:bodyPr>
             <a:normAutofit lnSpcReduction="10000"/>
@@ -10092,7 +12310,15 @@
                   <a:schemeClr val="accent3"/>
                 </a:solidFill>
               </a:rPr>
-              <a:t>Guideline:</a:t>
+              <a:t>Guideline</a:t>
+            </a:r>
+            <a:r>
+              <a:rPr lang="en-US" dirty="0" smtClean="0">
+                <a:solidFill>
+                  <a:schemeClr val="accent3"/>
+                </a:solidFill>
+              </a:rPr>
+              <a:t>:</a:t>
             </a:r>
           </a:p>
           <a:p>
@@ -10234,7 +12460,7 @@
         <p:spPr/>
         <p:txBody>
           <a:bodyPr>
-            <a:normAutofit/>
+            <a:normAutofit fontScale="92500" lnSpcReduction="10000"/>
           </a:bodyPr>
           <a:lstStyle/>
           <a:p>
@@ -10421,8 +12647,12 @@
                 <a:latin typeface="Courier New" panose="02070309020205020404" pitchFamily="49" charset="0"/>
                 <a:cs typeface="Courier New" panose="02070309020205020404" pitchFamily="49" charset="0"/>
               </a:rPr>
-              <a:t>);</a:t>
-            </a:r>
+              <a:t>);//after we call move, we can’t use it until we put something else in it</a:t>
+            </a:r>
+            <a:endParaRPr lang="en-US" dirty="0" smtClean="0">
+              <a:latin typeface="Courier New" panose="02070309020205020404" pitchFamily="49" charset="0"/>
+              <a:cs typeface="Courier New" panose="02070309020205020404" pitchFamily="49" charset="0"/>
+            </a:endParaRPr>
           </a:p>
           <a:p>
             <a:r>
@@ -10973,7 +13203,7 @@
         </p:spPr>
         <p:txBody>
           <a:bodyPr>
-            <a:normAutofit fontScale="92500" lnSpcReduction="20000"/>
+            <a:normAutofit fontScale="85000" lnSpcReduction="10000"/>
           </a:bodyPr>
           <a:lstStyle/>
           <a:p>
@@ -11150,15 +13380,29 @@
                 <a:latin typeface="Courier New" panose="02070309020205020404" pitchFamily="49" charset="0"/>
                 <a:cs typeface="Courier New" panose="02070309020205020404" pitchFamily="49" charset="0"/>
               </a:rPr>
-              <a:t>::move(t)</a:t>
-            </a:r>
-            <a:r>
-              <a:rPr lang="en-US" dirty="0" smtClean="0">
-                <a:latin typeface="Courier New" panose="02070309020205020404" pitchFamily="49" charset="0"/>
-                <a:cs typeface="Courier New" panose="02070309020205020404" pitchFamily="49" charset="0"/>
-              </a:rPr>
-              <a:t>){</a:t>
-            </a:r>
+              <a:t>::move(t</a:t>
+            </a:r>
+            <a:r>
+              <a:rPr lang="en-US" dirty="0" smtClean="0">
+                <a:solidFill>
+                  <a:srgbClr val="FF0000"/>
+                </a:solidFill>
+                <a:latin typeface="Courier New" panose="02070309020205020404" pitchFamily="49" charset="0"/>
+                <a:cs typeface="Courier New" panose="02070309020205020404" pitchFamily="49" charset="0"/>
+              </a:rPr>
+              <a:t>)</a:t>
+            </a:r>
+            <a:r>
+              <a:rPr lang="en-US" dirty="0" smtClean="0">
+                <a:latin typeface="Courier New" panose="02070309020205020404" pitchFamily="49" charset="0"/>
+                <a:cs typeface="Courier New" panose="02070309020205020404" pitchFamily="49" charset="0"/>
+              </a:rPr>
+              <a:t>){//move the thread! </a:t>
+            </a:r>
+            <a:endParaRPr lang="en-US" dirty="0" smtClean="0">
+              <a:latin typeface="Courier New" panose="02070309020205020404" pitchFamily="49" charset="0"/>
+              <a:cs typeface="Courier New" panose="02070309020205020404" pitchFamily="49" charset="0"/>
+            </a:endParaRPr>
           </a:p>
           <a:p>
             <a:r>
@@ -11204,7 +13448,7 @@
                 <a:latin typeface="Courier New" panose="02070309020205020404" pitchFamily="49" charset="0"/>
                 <a:cs typeface="Courier New" panose="02070309020205020404" pitchFamily="49" charset="0"/>
               </a:rPr>
-              <a:t>())</a:t>
+              <a:t>())//if it’s not joinable, then</a:t>
             </a:r>
             <a:endParaRPr lang="en-US" dirty="0" smtClean="0">
               <a:solidFill>
@@ -11351,12 +13595,16 @@
               <a:t>(); </a:t>
             </a:r>
             <a:r>
-              <a:rPr lang="en-US" dirty="0">
-                <a:latin typeface="Courier New" panose="02070309020205020404" pitchFamily="49" charset="0"/>
-                <a:cs typeface="Courier New" panose="02070309020205020404" pitchFamily="49" charset="0"/>
-              </a:rPr>
-              <a:t>}</a:t>
-            </a:r>
+              <a:rPr lang="en-US" dirty="0" smtClean="0">
+                <a:latin typeface="Courier New" panose="02070309020205020404" pitchFamily="49" charset="0"/>
+                <a:cs typeface="Courier New" panose="02070309020205020404" pitchFamily="49" charset="0"/>
+              </a:rPr>
+              <a:t>}//since it’s joinable</a:t>
+            </a:r>
+            <a:endParaRPr lang="en-US" dirty="0">
+              <a:latin typeface="Courier New" panose="02070309020205020404" pitchFamily="49" charset="0"/>
+              <a:cs typeface="Courier New" panose="02070309020205020404" pitchFamily="49" charset="0"/>
+            </a:endParaRPr>
           </a:p>
           <a:p>
             <a:r>
@@ -11724,7 +13972,7 @@
               <a:t>thread {f</a:t>
             </a:r>
             <a:r>
-              <a:rPr lang="en-US" dirty="0">
+              <a:rPr lang="en-US" dirty="0" smtClean="0">
                 <a:solidFill>
                   <a:schemeClr val="tx2"/>
                 </a:solidFill>
@@ -11738,7 +13986,7 @@
                 <a:latin typeface="Courier New" panose="02070309020205020404" pitchFamily="49" charset="0"/>
                 <a:cs typeface="Courier New" panose="02070309020205020404" pitchFamily="49" charset="0"/>
               </a:rPr>
-              <a:t>);</a:t>
+              <a:t>);//can instantiate a class – passing to thread constructor</a:t>
             </a:r>
             <a:endParaRPr lang="en-US" dirty="0">
               <a:latin typeface="Courier New" panose="02070309020205020404" pitchFamily="49" charset="0"/>
@@ -11959,7 +14207,23 @@
                   <a:schemeClr val="accent3"/>
                 </a:solidFill>
               </a:rPr>
-              <a:t> on back threads immediately after they are </a:t>
+              <a:t> on </a:t>
+            </a:r>
+            <a:r>
+              <a:rPr lang="en-US" dirty="0" smtClean="0">
+                <a:solidFill>
+                  <a:schemeClr val="accent3"/>
+                </a:solidFill>
+              </a:rPr>
+              <a:t>background </a:t>
+            </a:r>
+            <a:r>
+              <a:rPr lang="en-US" dirty="0">
+                <a:solidFill>
+                  <a:schemeClr val="accent3"/>
+                </a:solidFill>
+              </a:rPr>
+              <a:t>threads immediately after they are </a:t>
             </a:r>
             <a:r>
               <a:rPr lang="en-US" dirty="0" smtClean="0">
@@ -13301,10 +15565,15 @@
             <p:ph idx="1"/>
           </p:nvPr>
         </p:nvSpPr>
-        <p:spPr/>
+        <p:spPr>
+          <a:xfrm>
+            <a:off x="457200" y="1371600"/>
+            <a:ext cx="7620000" cy="5121275"/>
+          </a:xfrm>
+        </p:spPr>
         <p:txBody>
           <a:bodyPr>
-            <a:normAutofit/>
+            <a:normAutofit lnSpcReduction="10000"/>
           </a:bodyPr>
           <a:lstStyle/>
           <a:p>
@@ -13446,6 +15715,116 @@
                 <a:latin typeface="Courier New" panose="02070309020205020404" pitchFamily="49" charset="0"/>
                 <a:cs typeface="Courier New" panose="02070309020205020404" pitchFamily="49" charset="0"/>
               </a:rPr>
+              <a:t>{//function in global namespace</a:t>
+            </a:r>
+            <a:endParaRPr lang="en-US" dirty="0" smtClean="0">
+              <a:latin typeface="Courier New" panose="02070309020205020404" pitchFamily="49" charset="0"/>
+              <a:cs typeface="Courier New" panose="02070309020205020404" pitchFamily="49" charset="0"/>
+            </a:endParaRPr>
+          </a:p>
+          <a:p>
+            <a:r>
+              <a:rPr lang="en-US" dirty="0">
+                <a:latin typeface="Courier New" panose="02070309020205020404" pitchFamily="49" charset="0"/>
+                <a:cs typeface="Courier New" panose="02070309020205020404" pitchFamily="49" charset="0"/>
+              </a:rPr>
+              <a:t> </a:t>
+            </a:r>
+            <a:r>
+              <a:rPr lang="en-US" dirty="0" smtClean="0">
+                <a:latin typeface="Courier New" panose="02070309020205020404" pitchFamily="49" charset="0"/>
+                <a:cs typeface="Courier New" panose="02070309020205020404" pitchFamily="49" charset="0"/>
+              </a:rPr>
+              <a:t> </a:t>
+            </a:r>
+            <a:r>
+              <a:rPr lang="en-US" dirty="0" err="1" smtClean="0">
+                <a:latin typeface="Courier New" panose="02070309020205020404" pitchFamily="49" charset="0"/>
+                <a:cs typeface="Courier New" panose="02070309020205020404" pitchFamily="49" charset="0"/>
+              </a:rPr>
+              <a:t>std</a:t>
+            </a:r>
+            <a:r>
+              <a:rPr lang="en-US" dirty="0">
+                <a:latin typeface="Courier New" panose="02070309020205020404" pitchFamily="49" charset="0"/>
+                <a:cs typeface="Courier New" panose="02070309020205020404" pitchFamily="49" charset="0"/>
+              </a:rPr>
+              <a:t>::</a:t>
+            </a:r>
+            <a:r>
+              <a:rPr lang="en-US" dirty="0" err="1">
+                <a:solidFill>
+                  <a:srgbClr val="7F0055"/>
+                </a:solidFill>
+                <a:latin typeface="Courier New" panose="02070309020205020404" pitchFamily="49" charset="0"/>
+                <a:cs typeface="Courier New" panose="02070309020205020404" pitchFamily="49" charset="0"/>
+              </a:rPr>
+              <a:t>cout</a:t>
+            </a:r>
+            <a:r>
+              <a:rPr lang="en-US" dirty="0">
+                <a:latin typeface="Courier New" panose="02070309020205020404" pitchFamily="49" charset="0"/>
+                <a:cs typeface="Courier New" panose="02070309020205020404" pitchFamily="49" charset="0"/>
+              </a:rPr>
+              <a:t> &lt;&lt; “Hello, world\n</a:t>
+            </a:r>
+            <a:r>
+              <a:rPr lang="en-US" dirty="0" smtClean="0">
+                <a:latin typeface="Courier New" panose="02070309020205020404" pitchFamily="49" charset="0"/>
+                <a:cs typeface="Courier New" panose="02070309020205020404" pitchFamily="49" charset="0"/>
+              </a:rPr>
+              <a:t>”;</a:t>
+            </a:r>
+          </a:p>
+          <a:p>
+            <a:r>
+              <a:rPr lang="en-US" dirty="0" smtClean="0">
+                <a:latin typeface="Courier New" panose="02070309020205020404" pitchFamily="49" charset="0"/>
+                <a:cs typeface="Courier New" panose="02070309020205020404" pitchFamily="49" charset="0"/>
+              </a:rPr>
+              <a:t>} </a:t>
+            </a:r>
+          </a:p>
+          <a:p>
+            <a:r>
+              <a:rPr lang="en-US" dirty="0" err="1" smtClean="0">
+                <a:solidFill>
+                  <a:srgbClr val="7F0055"/>
+                </a:solidFill>
+                <a:latin typeface="Courier New" panose="02070309020205020404" pitchFamily="49" charset="0"/>
+                <a:cs typeface="Courier New" panose="02070309020205020404" pitchFamily="49" charset="0"/>
+              </a:rPr>
+              <a:t>int</a:t>
+            </a:r>
+            <a:r>
+              <a:rPr lang="en-US" dirty="0" smtClean="0">
+                <a:latin typeface="Courier New" panose="02070309020205020404" pitchFamily="49" charset="0"/>
+                <a:cs typeface="Courier New" panose="02070309020205020404" pitchFamily="49" charset="0"/>
+              </a:rPr>
+              <a:t> </a:t>
+            </a:r>
+            <a:r>
+              <a:rPr lang="en-US" dirty="0">
+                <a:solidFill>
+                  <a:srgbClr val="7F0055"/>
+                </a:solidFill>
+                <a:latin typeface="Courier New" panose="02070309020205020404" pitchFamily="49" charset="0"/>
+                <a:cs typeface="Courier New" panose="02070309020205020404" pitchFamily="49" charset="0"/>
+              </a:rPr>
+              <a:t>main</a:t>
+            </a:r>
+            <a:r>
+              <a:rPr lang="en-US" dirty="0">
+                <a:latin typeface="Courier New" panose="02070309020205020404" pitchFamily="49" charset="0"/>
+                <a:cs typeface="Courier New" panose="02070309020205020404" pitchFamily="49" charset="0"/>
+              </a:rPr>
+              <a:t>() </a:t>
+            </a:r>
+            <a:r>
+              <a:rPr lang="en-US" dirty="0" smtClean="0">
+                <a:latin typeface="Courier New" panose="02070309020205020404" pitchFamily="49" charset="0"/>
+                <a:cs typeface="Courier New" panose="02070309020205020404" pitchFamily="49" charset="0"/>
+              </a:rPr>
               <a:t>{</a:t>
             </a:r>
           </a:p>
@@ -13476,139 +15855,37 @@
                 <a:latin typeface="Courier New" panose="02070309020205020404" pitchFamily="49" charset="0"/>
                 <a:cs typeface="Courier New" panose="02070309020205020404" pitchFamily="49" charset="0"/>
               </a:rPr>
-              <a:t>::</a:t>
-            </a:r>
-            <a:r>
-              <a:rPr lang="en-US" dirty="0" err="1">
-                <a:solidFill>
-                  <a:srgbClr val="7F0055"/>
-                </a:solidFill>
-                <a:latin typeface="Courier New" panose="02070309020205020404" pitchFamily="49" charset="0"/>
-                <a:cs typeface="Courier New" panose="02070309020205020404" pitchFamily="49" charset="0"/>
-              </a:rPr>
-              <a:t>cout</a:t>
-            </a:r>
-            <a:r>
-              <a:rPr lang="en-US" dirty="0">
-                <a:latin typeface="Courier New" panose="02070309020205020404" pitchFamily="49" charset="0"/>
-                <a:cs typeface="Courier New" panose="02070309020205020404" pitchFamily="49" charset="0"/>
-              </a:rPr>
-              <a:t> &lt;&lt; “Hello, world\n</a:t>
-            </a:r>
-            <a:r>
-              <a:rPr lang="en-US" dirty="0" smtClean="0">
-                <a:latin typeface="Courier New" panose="02070309020205020404" pitchFamily="49" charset="0"/>
-                <a:cs typeface="Courier New" panose="02070309020205020404" pitchFamily="49" charset="0"/>
-              </a:rPr>
-              <a:t>”;</a:t>
-            </a:r>
-          </a:p>
-          <a:p>
-            <a:r>
-              <a:rPr lang="en-US" dirty="0" smtClean="0">
-                <a:latin typeface="Courier New" panose="02070309020205020404" pitchFamily="49" charset="0"/>
-                <a:cs typeface="Courier New" panose="02070309020205020404" pitchFamily="49" charset="0"/>
-              </a:rPr>
-              <a:t>} </a:t>
-            </a:r>
-          </a:p>
-          <a:p>
+              <a:t>::thread t(hello</a:t>
+            </a:r>
+            <a:r>
+              <a:rPr lang="en-US" dirty="0" smtClean="0">
+                <a:latin typeface="Courier New" panose="02070309020205020404" pitchFamily="49" charset="0"/>
+                <a:cs typeface="Courier New" panose="02070309020205020404" pitchFamily="49" charset="0"/>
+              </a:rPr>
+              <a:t>); //creates new thread, calling standard thread constructor, starts executing at hello(), when end of curly brace thread will stop executing</a:t>
+            </a:r>
+            <a:endParaRPr lang="en-US" dirty="0" smtClean="0">
+              <a:latin typeface="Courier New" panose="02070309020205020404" pitchFamily="49" charset="0"/>
+              <a:cs typeface="Courier New" panose="02070309020205020404" pitchFamily="49" charset="0"/>
+            </a:endParaRPr>
+          </a:p>
+          <a:p>
+            <a:r>
+              <a:rPr lang="en-US" dirty="0">
+                <a:latin typeface="Courier New" panose="02070309020205020404" pitchFamily="49" charset="0"/>
+                <a:cs typeface="Courier New" panose="02070309020205020404" pitchFamily="49" charset="0"/>
+              </a:rPr>
+              <a:t> </a:t>
+            </a:r>
+            <a:r>
+              <a:rPr lang="en-US" dirty="0" smtClean="0">
+                <a:latin typeface="Courier New" panose="02070309020205020404" pitchFamily="49" charset="0"/>
+                <a:cs typeface="Courier New" panose="02070309020205020404" pitchFamily="49" charset="0"/>
+              </a:rPr>
+              <a:t> </a:t>
+            </a:r>
             <a:r>
               <a:rPr lang="en-US" dirty="0" err="1" smtClean="0">
-                <a:solidFill>
-                  <a:srgbClr val="7F0055"/>
-                </a:solidFill>
-                <a:latin typeface="Courier New" panose="02070309020205020404" pitchFamily="49" charset="0"/>
-                <a:cs typeface="Courier New" panose="02070309020205020404" pitchFamily="49" charset="0"/>
-              </a:rPr>
-              <a:t>int</a:t>
-            </a:r>
-            <a:r>
-              <a:rPr lang="en-US" dirty="0" smtClean="0">
-                <a:latin typeface="Courier New" panose="02070309020205020404" pitchFamily="49" charset="0"/>
-                <a:cs typeface="Courier New" panose="02070309020205020404" pitchFamily="49" charset="0"/>
-              </a:rPr>
-              <a:t> </a:t>
-            </a:r>
-            <a:r>
-              <a:rPr lang="en-US" dirty="0">
-                <a:solidFill>
-                  <a:srgbClr val="7F0055"/>
-                </a:solidFill>
-                <a:latin typeface="Courier New" panose="02070309020205020404" pitchFamily="49" charset="0"/>
-                <a:cs typeface="Courier New" panose="02070309020205020404" pitchFamily="49" charset="0"/>
-              </a:rPr>
-              <a:t>main</a:t>
-            </a:r>
-            <a:r>
-              <a:rPr lang="en-US" dirty="0">
-                <a:latin typeface="Courier New" panose="02070309020205020404" pitchFamily="49" charset="0"/>
-                <a:cs typeface="Courier New" panose="02070309020205020404" pitchFamily="49" charset="0"/>
-              </a:rPr>
-              <a:t>() </a:t>
-            </a:r>
-            <a:r>
-              <a:rPr lang="en-US" dirty="0" smtClean="0">
-                <a:latin typeface="Courier New" panose="02070309020205020404" pitchFamily="49" charset="0"/>
-                <a:cs typeface="Courier New" panose="02070309020205020404" pitchFamily="49" charset="0"/>
-              </a:rPr>
-              <a:t>{</a:t>
-            </a:r>
-          </a:p>
-          <a:p>
-            <a:r>
-              <a:rPr lang="en-US" dirty="0">
-                <a:latin typeface="Courier New" panose="02070309020205020404" pitchFamily="49" charset="0"/>
-                <a:cs typeface="Courier New" panose="02070309020205020404" pitchFamily="49" charset="0"/>
-              </a:rPr>
-              <a:t> </a:t>
-            </a:r>
-            <a:r>
-              <a:rPr lang="en-US" dirty="0" smtClean="0">
-                <a:latin typeface="Courier New" panose="02070309020205020404" pitchFamily="49" charset="0"/>
-                <a:cs typeface="Courier New" panose="02070309020205020404" pitchFamily="49" charset="0"/>
-              </a:rPr>
-              <a:t> </a:t>
-            </a:r>
-            <a:r>
-              <a:rPr lang="en-US" dirty="0" err="1" smtClean="0">
-                <a:latin typeface="Courier New" panose="02070309020205020404" pitchFamily="49" charset="0"/>
-                <a:cs typeface="Courier New" panose="02070309020205020404" pitchFamily="49" charset="0"/>
-              </a:rPr>
-              <a:t>std</a:t>
-            </a:r>
-            <a:r>
-              <a:rPr lang="en-US" dirty="0">
-                <a:latin typeface="Courier New" panose="02070309020205020404" pitchFamily="49" charset="0"/>
-                <a:cs typeface="Courier New" panose="02070309020205020404" pitchFamily="49" charset="0"/>
-              </a:rPr>
-              <a:t>::thread t(hello</a:t>
-            </a:r>
-            <a:r>
-              <a:rPr lang="en-US" dirty="0" smtClean="0">
-                <a:latin typeface="Courier New" panose="02070309020205020404" pitchFamily="49" charset="0"/>
-                <a:cs typeface="Courier New" panose="02070309020205020404" pitchFamily="49" charset="0"/>
-              </a:rPr>
-              <a:t>);</a:t>
-            </a:r>
-          </a:p>
-          <a:p>
-            <a:r>
-              <a:rPr lang="en-US" dirty="0">
-                <a:latin typeface="Courier New" panose="02070309020205020404" pitchFamily="49" charset="0"/>
-                <a:cs typeface="Courier New" panose="02070309020205020404" pitchFamily="49" charset="0"/>
-              </a:rPr>
-              <a:t> </a:t>
-            </a:r>
-            <a:r>
-              <a:rPr lang="en-US" dirty="0" smtClean="0">
-                <a:latin typeface="Courier New" panose="02070309020205020404" pitchFamily="49" charset="0"/>
-                <a:cs typeface="Courier New" panose="02070309020205020404" pitchFamily="49" charset="0"/>
-              </a:rPr>
-              <a:t> </a:t>
-            </a:r>
-            <a:r>
-              <a:rPr lang="en-US" dirty="0" err="1" smtClean="0">
                 <a:latin typeface="Courier New" panose="02070309020205020404" pitchFamily="49" charset="0"/>
                 <a:cs typeface="Courier New" panose="02070309020205020404" pitchFamily="49" charset="0"/>
               </a:rPr>
@@ -13619,8 +15896,12 @@
                 <a:latin typeface="Courier New" panose="02070309020205020404" pitchFamily="49" charset="0"/>
                 <a:cs typeface="Courier New" panose="02070309020205020404" pitchFamily="49" charset="0"/>
               </a:rPr>
-              <a:t>();</a:t>
-            </a:r>
+              <a:t>();//waits for the thread to stop executing</a:t>
+            </a:r>
+            <a:endParaRPr lang="en-US" dirty="0" smtClean="0">
+              <a:latin typeface="Courier New" panose="02070309020205020404" pitchFamily="49" charset="0"/>
+              <a:cs typeface="Courier New" panose="02070309020205020404" pitchFamily="49" charset="0"/>
+            </a:endParaRPr>
           </a:p>
           <a:p>
             <a:r>
